--- a/PROJECT/Prasentation/Finale_Präsentation_hübsch.pptx
+++ b/PROJECT/Prasentation/Finale_Präsentation_hübsch.pptx
@@ -5,7 +5,7 @@
     <p:sldMasterId id="2147483648" r:id="rId4"/>
   </p:sldMasterIdLst>
   <p:notesMasterIdLst>
-    <p:notesMasterId r:id="rId22"/>
+    <p:notesMasterId r:id="rId23"/>
   </p:notesMasterIdLst>
   <p:sldIdLst>
     <p:sldId id="258" r:id="rId5"/>
@@ -23,8 +23,9 @@
     <p:sldId id="267" r:id="rId17"/>
     <p:sldId id="273" r:id="rId18"/>
     <p:sldId id="272" r:id="rId19"/>
-    <p:sldId id="271" r:id="rId20"/>
-    <p:sldId id="274" r:id="rId21"/>
+    <p:sldId id="275" r:id="rId20"/>
+    <p:sldId id="271" r:id="rId21"/>
+    <p:sldId id="274" r:id="rId22"/>
   </p:sldIdLst>
   <p:sldSz cx="12192000" cy="6858000"/>
   <p:notesSz cx="6858000" cy="9144000"/>
@@ -221,7 +222,7 @@
           <a:p>
             <a:fld id="{EC92696B-C8B0-4B6E-A783-CBE8E02B552C}" type="datetimeFigureOut">
               <a:rPr lang="de-DE" smtClean="0"/>
-              <a:t>14.05.2021</a:t>
+              <a:t>20.05.2021</a:t>
             </a:fld>
             <a:endParaRPr lang="de-DE"/>
           </a:p>
@@ -636,9 +637,9 @@
           <a:bodyPr/>
           <a:lstStyle/>
           <a:p>
-            <a:fld id="{D4EF7697-EB09-4301-9232-797E99B9E7A6}" type="datetimeFigureOut">
+            <a:fld id="{C9252E1D-ADE5-4AD6-9D22-3B18ECAC6A3F}" type="datetime2">
               <a:rPr lang="de-DE" smtClean="0"/>
-              <a:t>14.05.2021</a:t>
+              <a:t>Donnerstag, 20. Mai 2021</a:t>
             </a:fld>
             <a:endParaRPr lang="de-DE"/>
           </a:p>
@@ -836,9 +837,9 @@
           <a:bodyPr/>
           <a:lstStyle/>
           <a:p>
-            <a:fld id="{D4EF7697-EB09-4301-9232-797E99B9E7A6}" type="datetimeFigureOut">
+            <a:fld id="{86E955CF-0297-4B7C-AD24-02FE39328648}" type="datetime2">
               <a:rPr lang="de-DE" smtClean="0"/>
-              <a:t>14.05.2021</a:t>
+              <a:t>Donnerstag, 20. Mai 2021</a:t>
             </a:fld>
             <a:endParaRPr lang="de-DE"/>
           </a:p>
@@ -1046,9 +1047,9 @@
           <a:bodyPr/>
           <a:lstStyle/>
           <a:p>
-            <a:fld id="{D4EF7697-EB09-4301-9232-797E99B9E7A6}" type="datetimeFigureOut">
+            <a:fld id="{26C15A89-BD37-41B2-8E3B-DE176AF25B8A}" type="datetime2">
               <a:rPr lang="de-DE" smtClean="0"/>
-              <a:t>14.05.2021</a:t>
+              <a:t>Donnerstag, 20. Mai 2021</a:t>
             </a:fld>
             <a:endParaRPr lang="de-DE"/>
           </a:p>
@@ -1246,9 +1247,9 @@
           <a:bodyPr/>
           <a:lstStyle/>
           <a:p>
-            <a:fld id="{D4EF7697-EB09-4301-9232-797E99B9E7A6}" type="datetimeFigureOut">
+            <a:fld id="{78E0BB6B-4832-45EF-9C80-71ED8A5794E4}" type="datetime2">
               <a:rPr lang="de-DE" smtClean="0"/>
-              <a:t>14.05.2021</a:t>
+              <a:t>Donnerstag, 20. Mai 2021</a:t>
             </a:fld>
             <a:endParaRPr lang="de-DE"/>
           </a:p>
@@ -1522,9 +1523,9 @@
           <a:bodyPr/>
           <a:lstStyle/>
           <a:p>
-            <a:fld id="{D4EF7697-EB09-4301-9232-797E99B9E7A6}" type="datetimeFigureOut">
+            <a:fld id="{4CF72CB3-7071-41AA-BDF5-E27C1398846F}" type="datetime2">
               <a:rPr lang="de-DE" smtClean="0"/>
-              <a:t>14.05.2021</a:t>
+              <a:t>Donnerstag, 20. Mai 2021</a:t>
             </a:fld>
             <a:endParaRPr lang="de-DE"/>
           </a:p>
@@ -1790,9 +1791,9 @@
           <a:bodyPr/>
           <a:lstStyle/>
           <a:p>
-            <a:fld id="{D4EF7697-EB09-4301-9232-797E99B9E7A6}" type="datetimeFigureOut">
+            <a:fld id="{A41D19E4-8D14-4AB9-B28D-3C149E6954C4}" type="datetime2">
               <a:rPr lang="de-DE" smtClean="0"/>
-              <a:t>14.05.2021</a:t>
+              <a:t>Donnerstag, 20. Mai 2021</a:t>
             </a:fld>
             <a:endParaRPr lang="de-DE"/>
           </a:p>
@@ -2205,9 +2206,9 @@
           <a:bodyPr/>
           <a:lstStyle/>
           <a:p>
-            <a:fld id="{D4EF7697-EB09-4301-9232-797E99B9E7A6}" type="datetimeFigureOut">
+            <a:fld id="{3A0B9560-B5B6-48E6-90BC-756F470EE830}" type="datetime2">
               <a:rPr lang="de-DE" smtClean="0"/>
-              <a:t>14.05.2021</a:t>
+              <a:t>Donnerstag, 20. Mai 2021</a:t>
             </a:fld>
             <a:endParaRPr lang="de-DE"/>
           </a:p>
@@ -2347,9 +2348,9 @@
           <a:bodyPr/>
           <a:lstStyle/>
           <a:p>
-            <a:fld id="{D4EF7697-EB09-4301-9232-797E99B9E7A6}" type="datetimeFigureOut">
+            <a:fld id="{2CFE0F63-0449-4733-BDB6-7D700C27E149}" type="datetime2">
               <a:rPr lang="de-DE" smtClean="0"/>
-              <a:t>14.05.2021</a:t>
+              <a:t>Donnerstag, 20. Mai 2021</a:t>
             </a:fld>
             <a:endParaRPr lang="de-DE"/>
           </a:p>
@@ -2460,9 +2461,9 @@
           <a:bodyPr/>
           <a:lstStyle/>
           <a:p>
-            <a:fld id="{D4EF7697-EB09-4301-9232-797E99B9E7A6}" type="datetimeFigureOut">
+            <a:fld id="{84D414CC-E79D-444D-AF8A-3E007BAB8A8B}" type="datetime2">
               <a:rPr lang="de-DE" smtClean="0"/>
-              <a:t>14.05.2021</a:t>
+              <a:t>Donnerstag, 20. Mai 2021</a:t>
             </a:fld>
             <a:endParaRPr lang="de-DE"/>
           </a:p>
@@ -2773,9 +2774,9 @@
           <a:bodyPr/>
           <a:lstStyle/>
           <a:p>
-            <a:fld id="{D4EF7697-EB09-4301-9232-797E99B9E7A6}" type="datetimeFigureOut">
+            <a:fld id="{7A24D044-C0DB-4F6E-8B63-878B7C27A750}" type="datetime2">
               <a:rPr lang="de-DE" smtClean="0"/>
-              <a:t>14.05.2021</a:t>
+              <a:t>Donnerstag, 20. Mai 2021</a:t>
             </a:fld>
             <a:endParaRPr lang="de-DE"/>
           </a:p>
@@ -3062,9 +3063,9 @@
           <a:bodyPr/>
           <a:lstStyle/>
           <a:p>
-            <a:fld id="{D4EF7697-EB09-4301-9232-797E99B9E7A6}" type="datetimeFigureOut">
+            <a:fld id="{071CB67C-23B2-4AA3-8346-1786EC859B44}" type="datetime2">
               <a:rPr lang="de-DE" smtClean="0"/>
-              <a:t>14.05.2021</a:t>
+              <a:t>Donnerstag, 20. Mai 2021</a:t>
             </a:fld>
             <a:endParaRPr lang="de-DE"/>
           </a:p>
@@ -3305,9 +3306,9 @@
             </a:lvl1pPr>
           </a:lstStyle>
           <a:p>
-            <a:fld id="{D4EF7697-EB09-4301-9232-797E99B9E7A6}" type="datetimeFigureOut">
+            <a:fld id="{B628936E-6243-4924-9FB7-89EFBA9C0166}" type="datetime2">
               <a:rPr lang="de-DE" smtClean="0"/>
-              <a:t>14.05.2021</a:t>
+              <a:t>Donnerstag, 20. Mai 2021</a:t>
             </a:fld>
             <a:endParaRPr lang="de-DE"/>
           </a:p>
@@ -3424,6 +3425,7 @@
     <p:sldLayoutId id="2147483658" r:id="rId10"/>
     <p:sldLayoutId id="2147483659" r:id="rId11"/>
   </p:sldLayoutIdLst>
+  <p:hf hdr="0" ftr="0"/>
   <p:txStyles>
     <p:titleStyle>
       <a:lvl1pPr algn="l" defTabSz="914400" rtl="0" eaLnBrk="1" latinLnBrk="0" hangingPunct="1">
@@ -4136,208 +4138,59 @@
       </p:pic>
       <p:sp>
         <p:nvSpPr>
-          <p:cNvPr id="10" name="Inhaltsplatzhalter 2">
-            <a:extLst>
-              <a:ext uri="{FF2B5EF4-FFF2-40B4-BE49-F238E27FC236}">
-                <a16:creationId xmlns:a16="http://schemas.microsoft.com/office/drawing/2014/main" id="{1E597849-8825-4B46-BF40-F2D5D11F01EC}"/>
-              </a:ext>
-            </a:extLst>
-          </p:cNvPr>
-          <p:cNvSpPr txBox="1">
-            <a:spLocks/>
+          <p:cNvPr id="4" name="Datumsplatzhalter 3">
+            <a:extLst>
+              <a:ext uri="{FF2B5EF4-FFF2-40B4-BE49-F238E27FC236}">
+                <a16:creationId xmlns:a16="http://schemas.microsoft.com/office/drawing/2014/main" id="{39F7D1D2-BBD3-47E1-8D3D-7DF989990B94}"/>
+              </a:ext>
+            </a:extLst>
+          </p:cNvPr>
+          <p:cNvSpPr>
+            <a:spLocks noGrp="1"/>
           </p:cNvSpPr>
-          <p:nvPr/>
+          <p:nvPr>
+            <p:ph type="dt" sz="half" idx="10"/>
+          </p:nvPr>
         </p:nvSpPr>
-        <p:spPr>
-          <a:xfrm>
-            <a:off x="241034" y="6261919"/>
-            <a:ext cx="2025978" cy="461912"/>
-          </a:xfrm>
-          <a:prstGeom prst="rect">
-            <a:avLst/>
-          </a:prstGeom>
-          <a:noFill/>
-        </p:spPr>
+        <p:spPr/>
         <p:txBody>
-          <a:bodyPr vert="horz" lIns="91440" tIns="45720" rIns="91440" bIns="45720" rtlCol="0">
-            <a:normAutofit/>
-          </a:bodyPr>
-          <a:lstStyle>
-            <a:lvl1pPr marL="228600" indent="-228600" algn="l" defTabSz="914400" rtl="0" eaLnBrk="1" latinLnBrk="0" hangingPunct="1">
-              <a:lnSpc>
-                <a:spcPct val="90000"/>
-              </a:lnSpc>
-              <a:spcBef>
-                <a:spcPts val="1000"/>
-              </a:spcBef>
-              <a:buFont typeface="Arial" panose="020B0604020202020204" pitchFamily="34" charset="0"/>
-              <a:buChar char="•"/>
-              <a:defRPr sz="2800" kern="1200">
-                <a:solidFill>
-                  <a:schemeClr val="tx1"/>
-                </a:solidFill>
-                <a:latin typeface="+mn-lt"/>
-                <a:ea typeface="+mn-ea"/>
-                <a:cs typeface="+mn-cs"/>
-              </a:defRPr>
-            </a:lvl1pPr>
-            <a:lvl2pPr marL="685800" indent="-228600" algn="l" defTabSz="914400" rtl="0" eaLnBrk="1" latinLnBrk="0" hangingPunct="1">
-              <a:lnSpc>
-                <a:spcPct val="90000"/>
-              </a:lnSpc>
-              <a:spcBef>
-                <a:spcPts val="500"/>
-              </a:spcBef>
-              <a:buFont typeface="Arial" panose="020B0604020202020204" pitchFamily="34" charset="0"/>
-              <a:buChar char="•"/>
-              <a:defRPr sz="2400" kern="1200">
-                <a:solidFill>
-                  <a:schemeClr val="tx1"/>
-                </a:solidFill>
-                <a:latin typeface="+mn-lt"/>
-                <a:ea typeface="+mn-ea"/>
-                <a:cs typeface="+mn-cs"/>
-              </a:defRPr>
-            </a:lvl2pPr>
-            <a:lvl3pPr marL="1143000" indent="-228600" algn="l" defTabSz="914400" rtl="0" eaLnBrk="1" latinLnBrk="0" hangingPunct="1">
-              <a:lnSpc>
-                <a:spcPct val="90000"/>
-              </a:lnSpc>
-              <a:spcBef>
-                <a:spcPts val="500"/>
-              </a:spcBef>
-              <a:buFont typeface="Arial" panose="020B0604020202020204" pitchFamily="34" charset="0"/>
-              <a:buChar char="•"/>
-              <a:defRPr sz="2000" kern="1200">
-                <a:solidFill>
-                  <a:schemeClr val="tx1"/>
-                </a:solidFill>
-                <a:latin typeface="+mn-lt"/>
-                <a:ea typeface="+mn-ea"/>
-                <a:cs typeface="+mn-cs"/>
-              </a:defRPr>
-            </a:lvl3pPr>
-            <a:lvl4pPr marL="1600200" indent="-228600" algn="l" defTabSz="914400" rtl="0" eaLnBrk="1" latinLnBrk="0" hangingPunct="1">
-              <a:lnSpc>
-                <a:spcPct val="90000"/>
-              </a:lnSpc>
-              <a:spcBef>
-                <a:spcPts val="500"/>
-              </a:spcBef>
-              <a:buFont typeface="Arial" panose="020B0604020202020204" pitchFamily="34" charset="0"/>
-              <a:buChar char="•"/>
-              <a:defRPr sz="1800" kern="1200">
-                <a:solidFill>
-                  <a:schemeClr val="tx1"/>
-                </a:solidFill>
-                <a:latin typeface="+mn-lt"/>
-                <a:ea typeface="+mn-ea"/>
-                <a:cs typeface="+mn-cs"/>
-              </a:defRPr>
-            </a:lvl4pPr>
-            <a:lvl5pPr marL="2057400" indent="-228600" algn="l" defTabSz="914400" rtl="0" eaLnBrk="1" latinLnBrk="0" hangingPunct="1">
-              <a:lnSpc>
-                <a:spcPct val="90000"/>
-              </a:lnSpc>
-              <a:spcBef>
-                <a:spcPts val="500"/>
-              </a:spcBef>
-              <a:buFont typeface="Arial" panose="020B0604020202020204" pitchFamily="34" charset="0"/>
-              <a:buChar char="•"/>
-              <a:defRPr sz="1800" kern="1200">
-                <a:solidFill>
-                  <a:schemeClr val="tx1"/>
-                </a:solidFill>
-                <a:latin typeface="+mn-lt"/>
-                <a:ea typeface="+mn-ea"/>
-                <a:cs typeface="+mn-cs"/>
-              </a:defRPr>
-            </a:lvl5pPr>
-            <a:lvl6pPr marL="2514600" indent="-228600" algn="l" defTabSz="914400" rtl="0" eaLnBrk="1" latinLnBrk="0" hangingPunct="1">
-              <a:lnSpc>
-                <a:spcPct val="90000"/>
-              </a:lnSpc>
-              <a:spcBef>
-                <a:spcPts val="500"/>
-              </a:spcBef>
-              <a:buFont typeface="Arial" panose="020B0604020202020204" pitchFamily="34" charset="0"/>
-              <a:buChar char="•"/>
-              <a:defRPr sz="1800" kern="1200">
-                <a:solidFill>
-                  <a:schemeClr val="tx1"/>
-                </a:solidFill>
-                <a:latin typeface="+mn-lt"/>
-                <a:ea typeface="+mn-ea"/>
-                <a:cs typeface="+mn-cs"/>
-              </a:defRPr>
-            </a:lvl6pPr>
-            <a:lvl7pPr marL="2971800" indent="-228600" algn="l" defTabSz="914400" rtl="0" eaLnBrk="1" latinLnBrk="0" hangingPunct="1">
-              <a:lnSpc>
-                <a:spcPct val="90000"/>
-              </a:lnSpc>
-              <a:spcBef>
-                <a:spcPts val="500"/>
-              </a:spcBef>
-              <a:buFont typeface="Arial" panose="020B0604020202020204" pitchFamily="34" charset="0"/>
-              <a:buChar char="•"/>
-              <a:defRPr sz="1800" kern="1200">
-                <a:solidFill>
-                  <a:schemeClr val="tx1"/>
-                </a:solidFill>
-                <a:latin typeface="+mn-lt"/>
-                <a:ea typeface="+mn-ea"/>
-                <a:cs typeface="+mn-cs"/>
-              </a:defRPr>
-            </a:lvl7pPr>
-            <a:lvl8pPr marL="3429000" indent="-228600" algn="l" defTabSz="914400" rtl="0" eaLnBrk="1" latinLnBrk="0" hangingPunct="1">
-              <a:lnSpc>
-                <a:spcPct val="90000"/>
-              </a:lnSpc>
-              <a:spcBef>
-                <a:spcPts val="500"/>
-              </a:spcBef>
-              <a:buFont typeface="Arial" panose="020B0604020202020204" pitchFamily="34" charset="0"/>
-              <a:buChar char="•"/>
-              <a:defRPr sz="1800" kern="1200">
-                <a:solidFill>
-                  <a:schemeClr val="tx1"/>
-                </a:solidFill>
-                <a:latin typeface="+mn-lt"/>
-                <a:ea typeface="+mn-ea"/>
-                <a:cs typeface="+mn-cs"/>
-              </a:defRPr>
-            </a:lvl8pPr>
-            <a:lvl9pPr marL="3886200" indent="-228600" algn="l" defTabSz="914400" rtl="0" eaLnBrk="1" latinLnBrk="0" hangingPunct="1">
-              <a:lnSpc>
-                <a:spcPct val="90000"/>
-              </a:lnSpc>
-              <a:spcBef>
-                <a:spcPts val="500"/>
-              </a:spcBef>
-              <a:buFont typeface="Arial" panose="020B0604020202020204" pitchFamily="34" charset="0"/>
-              <a:buChar char="•"/>
-              <a:defRPr sz="1800" kern="1200">
-                <a:solidFill>
-                  <a:schemeClr val="tx1"/>
-                </a:solidFill>
-                <a:latin typeface="+mn-lt"/>
-                <a:ea typeface="+mn-ea"/>
-                <a:cs typeface="+mn-cs"/>
-              </a:defRPr>
-            </a:lvl9pPr>
-          </a:lstStyle>
-          <a:p>
-            <a:pPr marL="0" indent="0">
-              <a:buNone/>
-            </a:pPr>
-            <a:r>
-              <a:rPr lang="de-DE" sz="1600" dirty="0">
-                <a:solidFill>
-                  <a:schemeClr val="bg1"/>
-                </a:solidFill>
-              </a:rPr>
-              <a:t>21.05.2021</a:t>
-            </a:r>
+          <a:bodyPr/>
+          <a:lstStyle/>
+          <a:p>
+            <a:fld id="{13E3C1B6-9232-4C53-9F18-0B9442D35231}" type="datetime2">
+              <a:rPr lang="de-DE" smtClean="0"/>
+              <a:t>Donnerstag, 20. Mai 2021</a:t>
+            </a:fld>
+            <a:endParaRPr lang="de-DE"/>
+          </a:p>
+        </p:txBody>
+      </p:sp>
+      <p:sp>
+        <p:nvSpPr>
+          <p:cNvPr id="5" name="Foliennummernplatzhalter 4">
+            <a:extLst>
+              <a:ext uri="{FF2B5EF4-FFF2-40B4-BE49-F238E27FC236}">
+                <a16:creationId xmlns:a16="http://schemas.microsoft.com/office/drawing/2014/main" id="{5BA50B0E-8CE7-4BCB-B306-5A4F3D5F5A68}"/>
+              </a:ext>
+            </a:extLst>
+          </p:cNvPr>
+          <p:cNvSpPr>
+            <a:spLocks noGrp="1"/>
+          </p:cNvSpPr>
+          <p:nvPr>
+            <p:ph type="sldNum" sz="quarter" idx="12"/>
+          </p:nvPr>
+        </p:nvSpPr>
+        <p:spPr/>
+        <p:txBody>
+          <a:bodyPr/>
+          <a:lstStyle/>
+          <a:p>
+            <a:fld id="{13CDD369-7DFB-421D-BF1B-CBA1C54DDA3D}" type="slidenum">
+              <a:rPr lang="de-DE" smtClean="0"/>
+              <a:t>1</a:t>
+            </a:fld>
+            <a:endParaRPr lang="de-DE"/>
           </a:p>
         </p:txBody>
       </p:sp>
@@ -4351,6 +4204,18 @@
   <p:clrMapOvr>
     <a:masterClrMapping/>
   </p:clrMapOvr>
+  <mc:AlternateContent xmlns:mc="http://schemas.openxmlformats.org/markup-compatibility/2006">
+    <mc:Choice xmlns:p159="http://schemas.microsoft.com/office/powerpoint/2015/09/main" Requires="p159">
+      <p:transition xmlns:p14="http://schemas.microsoft.com/office/powerpoint/2010/main" spd="slow" p14:dur="2000">
+        <p159:morph option="byObject"/>
+      </p:transition>
+    </mc:Choice>
+    <mc:Fallback>
+      <p:transition spd="slow">
+        <p:fade/>
+      </p:transition>
+    </mc:Fallback>
+  </mc:AlternateContent>
 </p:sld>
 </file>
 
@@ -4705,7 +4570,7 @@
                   <a:schemeClr val="bg1"/>
                 </a:solidFill>
               </a:rPr>
-              <a:t> Datei in Objekte und </a:t>
+              <a:t> Datei in ein Objekt mit </a:t>
             </a:r>
             <a:r>
               <a:rPr lang="de-DE" dirty="0" err="1">
@@ -4778,420 +4643,6 @@
           </a:prstGeom>
         </p:spPr>
       </p:pic>
-      <p:sp>
-        <p:nvSpPr>
-          <p:cNvPr id="10" name="Inhaltsplatzhalter 2">
-            <a:extLst>
-              <a:ext uri="{FF2B5EF4-FFF2-40B4-BE49-F238E27FC236}">
-                <a16:creationId xmlns:a16="http://schemas.microsoft.com/office/drawing/2014/main" id="{1E597849-8825-4B46-BF40-F2D5D11F01EC}"/>
-              </a:ext>
-            </a:extLst>
-          </p:cNvPr>
-          <p:cNvSpPr txBox="1">
-            <a:spLocks/>
-          </p:cNvSpPr>
-          <p:nvPr/>
-        </p:nvSpPr>
-        <p:spPr>
-          <a:xfrm>
-            <a:off x="241034" y="6261919"/>
-            <a:ext cx="2025978" cy="461912"/>
-          </a:xfrm>
-          <a:prstGeom prst="rect">
-            <a:avLst/>
-          </a:prstGeom>
-          <a:noFill/>
-        </p:spPr>
-        <p:txBody>
-          <a:bodyPr vert="horz" lIns="91440" tIns="45720" rIns="91440" bIns="45720" rtlCol="0">
-            <a:normAutofit/>
-          </a:bodyPr>
-          <a:lstStyle>
-            <a:lvl1pPr marL="228600" indent="-228600" algn="l" defTabSz="914400" rtl="0" eaLnBrk="1" latinLnBrk="0" hangingPunct="1">
-              <a:lnSpc>
-                <a:spcPct val="90000"/>
-              </a:lnSpc>
-              <a:spcBef>
-                <a:spcPts val="1000"/>
-              </a:spcBef>
-              <a:buFont typeface="Arial" panose="020B0604020202020204" pitchFamily="34" charset="0"/>
-              <a:buChar char="•"/>
-              <a:defRPr sz="2800" kern="1200">
-                <a:solidFill>
-                  <a:schemeClr val="tx1"/>
-                </a:solidFill>
-                <a:latin typeface="+mn-lt"/>
-                <a:ea typeface="+mn-ea"/>
-                <a:cs typeface="+mn-cs"/>
-              </a:defRPr>
-            </a:lvl1pPr>
-            <a:lvl2pPr marL="685800" indent="-228600" algn="l" defTabSz="914400" rtl="0" eaLnBrk="1" latinLnBrk="0" hangingPunct="1">
-              <a:lnSpc>
-                <a:spcPct val="90000"/>
-              </a:lnSpc>
-              <a:spcBef>
-                <a:spcPts val="500"/>
-              </a:spcBef>
-              <a:buFont typeface="Arial" panose="020B0604020202020204" pitchFamily="34" charset="0"/>
-              <a:buChar char="•"/>
-              <a:defRPr sz="2400" kern="1200">
-                <a:solidFill>
-                  <a:schemeClr val="tx1"/>
-                </a:solidFill>
-                <a:latin typeface="+mn-lt"/>
-                <a:ea typeface="+mn-ea"/>
-                <a:cs typeface="+mn-cs"/>
-              </a:defRPr>
-            </a:lvl2pPr>
-            <a:lvl3pPr marL="1143000" indent="-228600" algn="l" defTabSz="914400" rtl="0" eaLnBrk="1" latinLnBrk="0" hangingPunct="1">
-              <a:lnSpc>
-                <a:spcPct val="90000"/>
-              </a:lnSpc>
-              <a:spcBef>
-                <a:spcPts val="500"/>
-              </a:spcBef>
-              <a:buFont typeface="Arial" panose="020B0604020202020204" pitchFamily="34" charset="0"/>
-              <a:buChar char="•"/>
-              <a:defRPr sz="2000" kern="1200">
-                <a:solidFill>
-                  <a:schemeClr val="tx1"/>
-                </a:solidFill>
-                <a:latin typeface="+mn-lt"/>
-                <a:ea typeface="+mn-ea"/>
-                <a:cs typeface="+mn-cs"/>
-              </a:defRPr>
-            </a:lvl3pPr>
-            <a:lvl4pPr marL="1600200" indent="-228600" algn="l" defTabSz="914400" rtl="0" eaLnBrk="1" latinLnBrk="0" hangingPunct="1">
-              <a:lnSpc>
-                <a:spcPct val="90000"/>
-              </a:lnSpc>
-              <a:spcBef>
-                <a:spcPts val="500"/>
-              </a:spcBef>
-              <a:buFont typeface="Arial" panose="020B0604020202020204" pitchFamily="34" charset="0"/>
-              <a:buChar char="•"/>
-              <a:defRPr sz="1800" kern="1200">
-                <a:solidFill>
-                  <a:schemeClr val="tx1"/>
-                </a:solidFill>
-                <a:latin typeface="+mn-lt"/>
-                <a:ea typeface="+mn-ea"/>
-                <a:cs typeface="+mn-cs"/>
-              </a:defRPr>
-            </a:lvl4pPr>
-            <a:lvl5pPr marL="2057400" indent="-228600" algn="l" defTabSz="914400" rtl="0" eaLnBrk="1" latinLnBrk="0" hangingPunct="1">
-              <a:lnSpc>
-                <a:spcPct val="90000"/>
-              </a:lnSpc>
-              <a:spcBef>
-                <a:spcPts val="500"/>
-              </a:spcBef>
-              <a:buFont typeface="Arial" panose="020B0604020202020204" pitchFamily="34" charset="0"/>
-              <a:buChar char="•"/>
-              <a:defRPr sz="1800" kern="1200">
-                <a:solidFill>
-                  <a:schemeClr val="tx1"/>
-                </a:solidFill>
-                <a:latin typeface="+mn-lt"/>
-                <a:ea typeface="+mn-ea"/>
-                <a:cs typeface="+mn-cs"/>
-              </a:defRPr>
-            </a:lvl5pPr>
-            <a:lvl6pPr marL="2514600" indent="-228600" algn="l" defTabSz="914400" rtl="0" eaLnBrk="1" latinLnBrk="0" hangingPunct="1">
-              <a:lnSpc>
-                <a:spcPct val="90000"/>
-              </a:lnSpc>
-              <a:spcBef>
-                <a:spcPts val="500"/>
-              </a:spcBef>
-              <a:buFont typeface="Arial" panose="020B0604020202020204" pitchFamily="34" charset="0"/>
-              <a:buChar char="•"/>
-              <a:defRPr sz="1800" kern="1200">
-                <a:solidFill>
-                  <a:schemeClr val="tx1"/>
-                </a:solidFill>
-                <a:latin typeface="+mn-lt"/>
-                <a:ea typeface="+mn-ea"/>
-                <a:cs typeface="+mn-cs"/>
-              </a:defRPr>
-            </a:lvl6pPr>
-            <a:lvl7pPr marL="2971800" indent="-228600" algn="l" defTabSz="914400" rtl="0" eaLnBrk="1" latinLnBrk="0" hangingPunct="1">
-              <a:lnSpc>
-                <a:spcPct val="90000"/>
-              </a:lnSpc>
-              <a:spcBef>
-                <a:spcPts val="500"/>
-              </a:spcBef>
-              <a:buFont typeface="Arial" panose="020B0604020202020204" pitchFamily="34" charset="0"/>
-              <a:buChar char="•"/>
-              <a:defRPr sz="1800" kern="1200">
-                <a:solidFill>
-                  <a:schemeClr val="tx1"/>
-                </a:solidFill>
-                <a:latin typeface="+mn-lt"/>
-                <a:ea typeface="+mn-ea"/>
-                <a:cs typeface="+mn-cs"/>
-              </a:defRPr>
-            </a:lvl7pPr>
-            <a:lvl8pPr marL="3429000" indent="-228600" algn="l" defTabSz="914400" rtl="0" eaLnBrk="1" latinLnBrk="0" hangingPunct="1">
-              <a:lnSpc>
-                <a:spcPct val="90000"/>
-              </a:lnSpc>
-              <a:spcBef>
-                <a:spcPts val="500"/>
-              </a:spcBef>
-              <a:buFont typeface="Arial" panose="020B0604020202020204" pitchFamily="34" charset="0"/>
-              <a:buChar char="•"/>
-              <a:defRPr sz="1800" kern="1200">
-                <a:solidFill>
-                  <a:schemeClr val="tx1"/>
-                </a:solidFill>
-                <a:latin typeface="+mn-lt"/>
-                <a:ea typeface="+mn-ea"/>
-                <a:cs typeface="+mn-cs"/>
-              </a:defRPr>
-            </a:lvl8pPr>
-            <a:lvl9pPr marL="3886200" indent="-228600" algn="l" defTabSz="914400" rtl="0" eaLnBrk="1" latinLnBrk="0" hangingPunct="1">
-              <a:lnSpc>
-                <a:spcPct val="90000"/>
-              </a:lnSpc>
-              <a:spcBef>
-                <a:spcPts val="500"/>
-              </a:spcBef>
-              <a:buFont typeface="Arial" panose="020B0604020202020204" pitchFamily="34" charset="0"/>
-              <a:buChar char="•"/>
-              <a:defRPr sz="1800" kern="1200">
-                <a:solidFill>
-                  <a:schemeClr val="tx1"/>
-                </a:solidFill>
-                <a:latin typeface="+mn-lt"/>
-                <a:ea typeface="+mn-ea"/>
-                <a:cs typeface="+mn-cs"/>
-              </a:defRPr>
-            </a:lvl9pPr>
-          </a:lstStyle>
-          <a:p>
-            <a:pPr marL="0" indent="0">
-              <a:buNone/>
-            </a:pPr>
-            <a:r>
-              <a:rPr lang="de-DE" sz="1600" dirty="0">
-                <a:solidFill>
-                  <a:schemeClr val="bg1"/>
-                </a:solidFill>
-              </a:rPr>
-              <a:t>21.05.2021</a:t>
-            </a:r>
-          </a:p>
-        </p:txBody>
-      </p:sp>
-      <p:sp>
-        <p:nvSpPr>
-          <p:cNvPr id="11" name="Inhaltsplatzhalter 2">
-            <a:extLst>
-              <a:ext uri="{FF2B5EF4-FFF2-40B4-BE49-F238E27FC236}">
-                <a16:creationId xmlns:a16="http://schemas.microsoft.com/office/drawing/2014/main" id="{DCF2C4D7-FEA7-48C9-8AA3-B879ACF6C000}"/>
-              </a:ext>
-            </a:extLst>
-          </p:cNvPr>
-          <p:cNvSpPr txBox="1">
-            <a:spLocks/>
-          </p:cNvSpPr>
-          <p:nvPr/>
-        </p:nvSpPr>
-        <p:spPr>
-          <a:xfrm>
-            <a:off x="9820890" y="6261919"/>
-            <a:ext cx="2025978" cy="461912"/>
-          </a:xfrm>
-          <a:prstGeom prst="rect">
-            <a:avLst/>
-          </a:prstGeom>
-          <a:noFill/>
-        </p:spPr>
-        <p:txBody>
-          <a:bodyPr vert="horz" lIns="91440" tIns="45720" rIns="91440" bIns="45720" rtlCol="0">
-            <a:normAutofit/>
-          </a:bodyPr>
-          <a:lstStyle>
-            <a:lvl1pPr marL="228600" indent="-228600" algn="l" defTabSz="914400" rtl="0" eaLnBrk="1" latinLnBrk="0" hangingPunct="1">
-              <a:lnSpc>
-                <a:spcPct val="90000"/>
-              </a:lnSpc>
-              <a:spcBef>
-                <a:spcPts val="1000"/>
-              </a:spcBef>
-              <a:buFont typeface="Arial" panose="020B0604020202020204" pitchFamily="34" charset="0"/>
-              <a:buChar char="•"/>
-              <a:defRPr sz="2800" kern="1200">
-                <a:solidFill>
-                  <a:schemeClr val="tx1"/>
-                </a:solidFill>
-                <a:latin typeface="+mn-lt"/>
-                <a:ea typeface="+mn-ea"/>
-                <a:cs typeface="+mn-cs"/>
-              </a:defRPr>
-            </a:lvl1pPr>
-            <a:lvl2pPr marL="685800" indent="-228600" algn="l" defTabSz="914400" rtl="0" eaLnBrk="1" latinLnBrk="0" hangingPunct="1">
-              <a:lnSpc>
-                <a:spcPct val="90000"/>
-              </a:lnSpc>
-              <a:spcBef>
-                <a:spcPts val="500"/>
-              </a:spcBef>
-              <a:buFont typeface="Arial" panose="020B0604020202020204" pitchFamily="34" charset="0"/>
-              <a:buChar char="•"/>
-              <a:defRPr sz="2400" kern="1200">
-                <a:solidFill>
-                  <a:schemeClr val="tx1"/>
-                </a:solidFill>
-                <a:latin typeface="+mn-lt"/>
-                <a:ea typeface="+mn-ea"/>
-                <a:cs typeface="+mn-cs"/>
-              </a:defRPr>
-            </a:lvl2pPr>
-            <a:lvl3pPr marL="1143000" indent="-228600" algn="l" defTabSz="914400" rtl="0" eaLnBrk="1" latinLnBrk="0" hangingPunct="1">
-              <a:lnSpc>
-                <a:spcPct val="90000"/>
-              </a:lnSpc>
-              <a:spcBef>
-                <a:spcPts val="500"/>
-              </a:spcBef>
-              <a:buFont typeface="Arial" panose="020B0604020202020204" pitchFamily="34" charset="0"/>
-              <a:buChar char="•"/>
-              <a:defRPr sz="2000" kern="1200">
-                <a:solidFill>
-                  <a:schemeClr val="tx1"/>
-                </a:solidFill>
-                <a:latin typeface="+mn-lt"/>
-                <a:ea typeface="+mn-ea"/>
-                <a:cs typeface="+mn-cs"/>
-              </a:defRPr>
-            </a:lvl3pPr>
-            <a:lvl4pPr marL="1600200" indent="-228600" algn="l" defTabSz="914400" rtl="0" eaLnBrk="1" latinLnBrk="0" hangingPunct="1">
-              <a:lnSpc>
-                <a:spcPct val="90000"/>
-              </a:lnSpc>
-              <a:spcBef>
-                <a:spcPts val="500"/>
-              </a:spcBef>
-              <a:buFont typeface="Arial" panose="020B0604020202020204" pitchFamily="34" charset="0"/>
-              <a:buChar char="•"/>
-              <a:defRPr sz="1800" kern="1200">
-                <a:solidFill>
-                  <a:schemeClr val="tx1"/>
-                </a:solidFill>
-                <a:latin typeface="+mn-lt"/>
-                <a:ea typeface="+mn-ea"/>
-                <a:cs typeface="+mn-cs"/>
-              </a:defRPr>
-            </a:lvl4pPr>
-            <a:lvl5pPr marL="2057400" indent="-228600" algn="l" defTabSz="914400" rtl="0" eaLnBrk="1" latinLnBrk="0" hangingPunct="1">
-              <a:lnSpc>
-                <a:spcPct val="90000"/>
-              </a:lnSpc>
-              <a:spcBef>
-                <a:spcPts val="500"/>
-              </a:spcBef>
-              <a:buFont typeface="Arial" panose="020B0604020202020204" pitchFamily="34" charset="0"/>
-              <a:buChar char="•"/>
-              <a:defRPr sz="1800" kern="1200">
-                <a:solidFill>
-                  <a:schemeClr val="tx1"/>
-                </a:solidFill>
-                <a:latin typeface="+mn-lt"/>
-                <a:ea typeface="+mn-ea"/>
-                <a:cs typeface="+mn-cs"/>
-              </a:defRPr>
-            </a:lvl5pPr>
-            <a:lvl6pPr marL="2514600" indent="-228600" algn="l" defTabSz="914400" rtl="0" eaLnBrk="1" latinLnBrk="0" hangingPunct="1">
-              <a:lnSpc>
-                <a:spcPct val="90000"/>
-              </a:lnSpc>
-              <a:spcBef>
-                <a:spcPts val="500"/>
-              </a:spcBef>
-              <a:buFont typeface="Arial" panose="020B0604020202020204" pitchFamily="34" charset="0"/>
-              <a:buChar char="•"/>
-              <a:defRPr sz="1800" kern="1200">
-                <a:solidFill>
-                  <a:schemeClr val="tx1"/>
-                </a:solidFill>
-                <a:latin typeface="+mn-lt"/>
-                <a:ea typeface="+mn-ea"/>
-                <a:cs typeface="+mn-cs"/>
-              </a:defRPr>
-            </a:lvl6pPr>
-            <a:lvl7pPr marL="2971800" indent="-228600" algn="l" defTabSz="914400" rtl="0" eaLnBrk="1" latinLnBrk="0" hangingPunct="1">
-              <a:lnSpc>
-                <a:spcPct val="90000"/>
-              </a:lnSpc>
-              <a:spcBef>
-                <a:spcPts val="500"/>
-              </a:spcBef>
-              <a:buFont typeface="Arial" panose="020B0604020202020204" pitchFamily="34" charset="0"/>
-              <a:buChar char="•"/>
-              <a:defRPr sz="1800" kern="1200">
-                <a:solidFill>
-                  <a:schemeClr val="tx1"/>
-                </a:solidFill>
-                <a:latin typeface="+mn-lt"/>
-                <a:ea typeface="+mn-ea"/>
-                <a:cs typeface="+mn-cs"/>
-              </a:defRPr>
-            </a:lvl7pPr>
-            <a:lvl8pPr marL="3429000" indent="-228600" algn="l" defTabSz="914400" rtl="0" eaLnBrk="1" latinLnBrk="0" hangingPunct="1">
-              <a:lnSpc>
-                <a:spcPct val="90000"/>
-              </a:lnSpc>
-              <a:spcBef>
-                <a:spcPts val="500"/>
-              </a:spcBef>
-              <a:buFont typeface="Arial" panose="020B0604020202020204" pitchFamily="34" charset="0"/>
-              <a:buChar char="•"/>
-              <a:defRPr sz="1800" kern="1200">
-                <a:solidFill>
-                  <a:schemeClr val="tx1"/>
-                </a:solidFill>
-                <a:latin typeface="+mn-lt"/>
-                <a:ea typeface="+mn-ea"/>
-                <a:cs typeface="+mn-cs"/>
-              </a:defRPr>
-            </a:lvl8pPr>
-            <a:lvl9pPr marL="3886200" indent="-228600" algn="l" defTabSz="914400" rtl="0" eaLnBrk="1" latinLnBrk="0" hangingPunct="1">
-              <a:lnSpc>
-                <a:spcPct val="90000"/>
-              </a:lnSpc>
-              <a:spcBef>
-                <a:spcPts val="500"/>
-              </a:spcBef>
-              <a:buFont typeface="Arial" panose="020B0604020202020204" pitchFamily="34" charset="0"/>
-              <a:buChar char="•"/>
-              <a:defRPr sz="1800" kern="1200">
-                <a:solidFill>
-                  <a:schemeClr val="tx1"/>
-                </a:solidFill>
-                <a:latin typeface="+mn-lt"/>
-                <a:ea typeface="+mn-ea"/>
-                <a:cs typeface="+mn-cs"/>
-              </a:defRPr>
-            </a:lvl9pPr>
-          </a:lstStyle>
-          <a:p>
-            <a:pPr marL="0" indent="0" algn="r">
-              <a:buNone/>
-            </a:pPr>
-            <a:r>
-              <a:rPr lang="de-DE" sz="1600" dirty="0">
-                <a:solidFill>
-                  <a:schemeClr val="bg1"/>
-                </a:solidFill>
-              </a:rPr>
-              <a:t>Seite 1</a:t>
-            </a:r>
-          </a:p>
-        </p:txBody>
-      </p:sp>
       <p:pic>
         <p:nvPicPr>
           <p:cNvPr id="8" name="Grafik 7">
@@ -5228,6 +4679,64 @@
           </a:prstGeom>
         </p:spPr>
       </p:pic>
+      <p:sp>
+        <p:nvSpPr>
+          <p:cNvPr id="4" name="Datumsplatzhalter 3">
+            <a:extLst>
+              <a:ext uri="{FF2B5EF4-FFF2-40B4-BE49-F238E27FC236}">
+                <a16:creationId xmlns:a16="http://schemas.microsoft.com/office/drawing/2014/main" id="{AD54A0B6-4C02-46C6-ADE7-618512EB8271}"/>
+              </a:ext>
+            </a:extLst>
+          </p:cNvPr>
+          <p:cNvSpPr>
+            <a:spLocks noGrp="1"/>
+          </p:cNvSpPr>
+          <p:nvPr>
+            <p:ph type="dt" sz="half" idx="10"/>
+          </p:nvPr>
+        </p:nvSpPr>
+        <p:spPr/>
+        <p:txBody>
+          <a:bodyPr/>
+          <a:lstStyle/>
+          <a:p>
+            <a:fld id="{C3B224D6-EBBE-4AEF-AE62-87B8AA4D27EB}" type="datetime2">
+              <a:rPr lang="de-DE" smtClean="0"/>
+              <a:t>Donnerstag, 20. Mai 2021</a:t>
+            </a:fld>
+            <a:endParaRPr lang="de-DE"/>
+          </a:p>
+        </p:txBody>
+      </p:sp>
+      <p:sp>
+        <p:nvSpPr>
+          <p:cNvPr id="5" name="Foliennummernplatzhalter 4">
+            <a:extLst>
+              <a:ext uri="{FF2B5EF4-FFF2-40B4-BE49-F238E27FC236}">
+                <a16:creationId xmlns:a16="http://schemas.microsoft.com/office/drawing/2014/main" id="{E3C647DD-8F15-4561-B9C2-3832BDFC8199}"/>
+              </a:ext>
+            </a:extLst>
+          </p:cNvPr>
+          <p:cNvSpPr>
+            <a:spLocks noGrp="1"/>
+          </p:cNvSpPr>
+          <p:nvPr>
+            <p:ph type="sldNum" sz="quarter" idx="12"/>
+          </p:nvPr>
+        </p:nvSpPr>
+        <p:spPr/>
+        <p:txBody>
+          <a:bodyPr/>
+          <a:lstStyle/>
+          <a:p>
+            <a:fld id="{13CDD369-7DFB-421D-BF1B-CBA1C54DDA3D}" type="slidenum">
+              <a:rPr lang="de-DE" smtClean="0"/>
+              <a:t>10</a:t>
+            </a:fld>
+            <a:endParaRPr lang="de-DE"/>
+          </a:p>
+        </p:txBody>
+      </p:sp>
     </p:spTree>
     <p:extLst>
       <p:ext uri="{BB962C8B-B14F-4D97-AF65-F5344CB8AC3E}">
@@ -5238,6 +4747,18 @@
   <p:clrMapOvr>
     <a:masterClrMapping/>
   </p:clrMapOvr>
+  <mc:AlternateContent xmlns:mc="http://schemas.openxmlformats.org/markup-compatibility/2006">
+    <mc:Choice xmlns:p159="http://schemas.microsoft.com/office/powerpoint/2015/09/main" Requires="p159">
+      <p:transition xmlns:p14="http://schemas.microsoft.com/office/powerpoint/2010/main" spd="slow" p14:dur="2000">
+        <p159:morph option="byObject"/>
+      </p:transition>
+    </mc:Choice>
+    <mc:Fallback>
+      <p:transition spd="slow">
+        <p:fade/>
+      </p:transition>
+    </mc:Fallback>
+  </mc:AlternateContent>
 </p:sld>
 </file>
 
@@ -5559,7 +5080,7 @@
               <a:buNone/>
             </a:pPr>
             <a:r>
-              <a:rPr lang="de-DE">
+              <a:rPr lang="de-DE" dirty="0">
                 <a:solidFill>
                   <a:schemeClr val="bg1"/>
                 </a:solidFill>
@@ -5570,453 +5091,34 @@
           <a:p>
             <a:pPr lvl="1"/>
             <a:r>
-              <a:rPr lang="de-DE">
-                <a:solidFill>
-                  <a:schemeClr val="bg1"/>
-                </a:solidFill>
-              </a:rPr>
-              <a:t>Gibt Parser AML konfigurations Dateien</a:t>
+              <a:rPr lang="de-DE" dirty="0">
+                <a:solidFill>
+                  <a:schemeClr val="bg1"/>
+                </a:solidFill>
+              </a:rPr>
+              <a:t>Gibt Parser AML Konfigurationsdateien</a:t>
             </a:r>
           </a:p>
           <a:p>
             <a:pPr lvl="1"/>
             <a:r>
-              <a:rPr lang="de-DE">
-                <a:solidFill>
-                  <a:schemeClr val="bg1"/>
-                </a:solidFill>
-              </a:rPr>
-              <a:t>Started Server Farm</a:t>
+              <a:rPr lang="de-DE" dirty="0">
+                <a:solidFill>
+                  <a:schemeClr val="bg1"/>
+                </a:solidFill>
+              </a:rPr>
+              <a:t>Startet Server Farm</a:t>
             </a:r>
           </a:p>
           <a:p>
             <a:pPr lvl="1"/>
             <a:r>
-              <a:rPr lang="de-DE">
+              <a:rPr lang="de-DE" dirty="0">
                 <a:solidFill>
                   <a:schemeClr val="bg1"/>
                 </a:solidFill>
               </a:rPr>
               <a:t>Schaltet Server Farm aus</a:t>
-            </a:r>
-            <a:endParaRPr lang="de-DE" dirty="0">
-              <a:solidFill>
-                <a:schemeClr val="bg1"/>
-              </a:solidFill>
-            </a:endParaRPr>
-          </a:p>
-        </p:txBody>
-      </p:sp>
-      <p:sp>
-        <p:nvSpPr>
-          <p:cNvPr id="10" name="Inhaltsplatzhalter 2">
-            <a:extLst>
-              <a:ext uri="{FF2B5EF4-FFF2-40B4-BE49-F238E27FC236}">
-                <a16:creationId xmlns:a16="http://schemas.microsoft.com/office/drawing/2014/main" id="{1E597849-8825-4B46-BF40-F2D5D11F01EC}"/>
-              </a:ext>
-            </a:extLst>
-          </p:cNvPr>
-          <p:cNvSpPr txBox="1">
-            <a:spLocks/>
-          </p:cNvSpPr>
-          <p:nvPr/>
-        </p:nvSpPr>
-        <p:spPr>
-          <a:xfrm>
-            <a:off x="241034" y="6261919"/>
-            <a:ext cx="2025978" cy="461912"/>
-          </a:xfrm>
-          <a:prstGeom prst="rect">
-            <a:avLst/>
-          </a:prstGeom>
-          <a:noFill/>
-        </p:spPr>
-        <p:txBody>
-          <a:bodyPr vert="horz" lIns="91440" tIns="45720" rIns="91440" bIns="45720" rtlCol="0">
-            <a:normAutofit/>
-          </a:bodyPr>
-          <a:lstStyle>
-            <a:lvl1pPr marL="228600" indent="-228600" algn="l" defTabSz="914400" rtl="0" eaLnBrk="1" latinLnBrk="0" hangingPunct="1">
-              <a:lnSpc>
-                <a:spcPct val="90000"/>
-              </a:lnSpc>
-              <a:spcBef>
-                <a:spcPts val="1000"/>
-              </a:spcBef>
-              <a:buFont typeface="Arial" panose="020B0604020202020204" pitchFamily="34" charset="0"/>
-              <a:buChar char="•"/>
-              <a:defRPr sz="2800" kern="1200">
-                <a:solidFill>
-                  <a:schemeClr val="tx1"/>
-                </a:solidFill>
-                <a:latin typeface="+mn-lt"/>
-                <a:ea typeface="+mn-ea"/>
-                <a:cs typeface="+mn-cs"/>
-              </a:defRPr>
-            </a:lvl1pPr>
-            <a:lvl2pPr marL="685800" indent="-228600" algn="l" defTabSz="914400" rtl="0" eaLnBrk="1" latinLnBrk="0" hangingPunct="1">
-              <a:lnSpc>
-                <a:spcPct val="90000"/>
-              </a:lnSpc>
-              <a:spcBef>
-                <a:spcPts val="500"/>
-              </a:spcBef>
-              <a:buFont typeface="Arial" panose="020B0604020202020204" pitchFamily="34" charset="0"/>
-              <a:buChar char="•"/>
-              <a:defRPr sz="2400" kern="1200">
-                <a:solidFill>
-                  <a:schemeClr val="tx1"/>
-                </a:solidFill>
-                <a:latin typeface="+mn-lt"/>
-                <a:ea typeface="+mn-ea"/>
-                <a:cs typeface="+mn-cs"/>
-              </a:defRPr>
-            </a:lvl2pPr>
-            <a:lvl3pPr marL="1143000" indent="-228600" algn="l" defTabSz="914400" rtl="0" eaLnBrk="1" latinLnBrk="0" hangingPunct="1">
-              <a:lnSpc>
-                <a:spcPct val="90000"/>
-              </a:lnSpc>
-              <a:spcBef>
-                <a:spcPts val="500"/>
-              </a:spcBef>
-              <a:buFont typeface="Arial" panose="020B0604020202020204" pitchFamily="34" charset="0"/>
-              <a:buChar char="•"/>
-              <a:defRPr sz="2000" kern="1200">
-                <a:solidFill>
-                  <a:schemeClr val="tx1"/>
-                </a:solidFill>
-                <a:latin typeface="+mn-lt"/>
-                <a:ea typeface="+mn-ea"/>
-                <a:cs typeface="+mn-cs"/>
-              </a:defRPr>
-            </a:lvl3pPr>
-            <a:lvl4pPr marL="1600200" indent="-228600" algn="l" defTabSz="914400" rtl="0" eaLnBrk="1" latinLnBrk="0" hangingPunct="1">
-              <a:lnSpc>
-                <a:spcPct val="90000"/>
-              </a:lnSpc>
-              <a:spcBef>
-                <a:spcPts val="500"/>
-              </a:spcBef>
-              <a:buFont typeface="Arial" panose="020B0604020202020204" pitchFamily="34" charset="0"/>
-              <a:buChar char="•"/>
-              <a:defRPr sz="1800" kern="1200">
-                <a:solidFill>
-                  <a:schemeClr val="tx1"/>
-                </a:solidFill>
-                <a:latin typeface="+mn-lt"/>
-                <a:ea typeface="+mn-ea"/>
-                <a:cs typeface="+mn-cs"/>
-              </a:defRPr>
-            </a:lvl4pPr>
-            <a:lvl5pPr marL="2057400" indent="-228600" algn="l" defTabSz="914400" rtl="0" eaLnBrk="1" latinLnBrk="0" hangingPunct="1">
-              <a:lnSpc>
-                <a:spcPct val="90000"/>
-              </a:lnSpc>
-              <a:spcBef>
-                <a:spcPts val="500"/>
-              </a:spcBef>
-              <a:buFont typeface="Arial" panose="020B0604020202020204" pitchFamily="34" charset="0"/>
-              <a:buChar char="•"/>
-              <a:defRPr sz="1800" kern="1200">
-                <a:solidFill>
-                  <a:schemeClr val="tx1"/>
-                </a:solidFill>
-                <a:latin typeface="+mn-lt"/>
-                <a:ea typeface="+mn-ea"/>
-                <a:cs typeface="+mn-cs"/>
-              </a:defRPr>
-            </a:lvl5pPr>
-            <a:lvl6pPr marL="2514600" indent="-228600" algn="l" defTabSz="914400" rtl="0" eaLnBrk="1" latinLnBrk="0" hangingPunct="1">
-              <a:lnSpc>
-                <a:spcPct val="90000"/>
-              </a:lnSpc>
-              <a:spcBef>
-                <a:spcPts val="500"/>
-              </a:spcBef>
-              <a:buFont typeface="Arial" panose="020B0604020202020204" pitchFamily="34" charset="0"/>
-              <a:buChar char="•"/>
-              <a:defRPr sz="1800" kern="1200">
-                <a:solidFill>
-                  <a:schemeClr val="tx1"/>
-                </a:solidFill>
-                <a:latin typeface="+mn-lt"/>
-                <a:ea typeface="+mn-ea"/>
-                <a:cs typeface="+mn-cs"/>
-              </a:defRPr>
-            </a:lvl6pPr>
-            <a:lvl7pPr marL="2971800" indent="-228600" algn="l" defTabSz="914400" rtl="0" eaLnBrk="1" latinLnBrk="0" hangingPunct="1">
-              <a:lnSpc>
-                <a:spcPct val="90000"/>
-              </a:lnSpc>
-              <a:spcBef>
-                <a:spcPts val="500"/>
-              </a:spcBef>
-              <a:buFont typeface="Arial" panose="020B0604020202020204" pitchFamily="34" charset="0"/>
-              <a:buChar char="•"/>
-              <a:defRPr sz="1800" kern="1200">
-                <a:solidFill>
-                  <a:schemeClr val="tx1"/>
-                </a:solidFill>
-                <a:latin typeface="+mn-lt"/>
-                <a:ea typeface="+mn-ea"/>
-                <a:cs typeface="+mn-cs"/>
-              </a:defRPr>
-            </a:lvl7pPr>
-            <a:lvl8pPr marL="3429000" indent="-228600" algn="l" defTabSz="914400" rtl="0" eaLnBrk="1" latinLnBrk="0" hangingPunct="1">
-              <a:lnSpc>
-                <a:spcPct val="90000"/>
-              </a:lnSpc>
-              <a:spcBef>
-                <a:spcPts val="500"/>
-              </a:spcBef>
-              <a:buFont typeface="Arial" panose="020B0604020202020204" pitchFamily="34" charset="0"/>
-              <a:buChar char="•"/>
-              <a:defRPr sz="1800" kern="1200">
-                <a:solidFill>
-                  <a:schemeClr val="tx1"/>
-                </a:solidFill>
-                <a:latin typeface="+mn-lt"/>
-                <a:ea typeface="+mn-ea"/>
-                <a:cs typeface="+mn-cs"/>
-              </a:defRPr>
-            </a:lvl8pPr>
-            <a:lvl9pPr marL="3886200" indent="-228600" algn="l" defTabSz="914400" rtl="0" eaLnBrk="1" latinLnBrk="0" hangingPunct="1">
-              <a:lnSpc>
-                <a:spcPct val="90000"/>
-              </a:lnSpc>
-              <a:spcBef>
-                <a:spcPts val="500"/>
-              </a:spcBef>
-              <a:buFont typeface="Arial" panose="020B0604020202020204" pitchFamily="34" charset="0"/>
-              <a:buChar char="•"/>
-              <a:defRPr sz="1800" kern="1200">
-                <a:solidFill>
-                  <a:schemeClr val="tx1"/>
-                </a:solidFill>
-                <a:latin typeface="+mn-lt"/>
-                <a:ea typeface="+mn-ea"/>
-                <a:cs typeface="+mn-cs"/>
-              </a:defRPr>
-            </a:lvl9pPr>
-          </a:lstStyle>
-          <a:p>
-            <a:pPr marL="0" indent="0">
-              <a:buNone/>
-            </a:pPr>
-            <a:r>
-              <a:rPr lang="de-DE" sz="1600" dirty="0">
-                <a:solidFill>
-                  <a:schemeClr val="bg1"/>
-                </a:solidFill>
-              </a:rPr>
-              <a:t>21.05.2021</a:t>
-            </a:r>
-          </a:p>
-        </p:txBody>
-      </p:sp>
-      <p:sp>
-        <p:nvSpPr>
-          <p:cNvPr id="11" name="Inhaltsplatzhalter 2">
-            <a:extLst>
-              <a:ext uri="{FF2B5EF4-FFF2-40B4-BE49-F238E27FC236}">
-                <a16:creationId xmlns:a16="http://schemas.microsoft.com/office/drawing/2014/main" id="{DCF2C4D7-FEA7-48C9-8AA3-B879ACF6C000}"/>
-              </a:ext>
-            </a:extLst>
-          </p:cNvPr>
-          <p:cNvSpPr txBox="1">
-            <a:spLocks/>
-          </p:cNvSpPr>
-          <p:nvPr/>
-        </p:nvSpPr>
-        <p:spPr>
-          <a:xfrm>
-            <a:off x="9820890" y="6261919"/>
-            <a:ext cx="2025978" cy="461912"/>
-          </a:xfrm>
-          <a:prstGeom prst="rect">
-            <a:avLst/>
-          </a:prstGeom>
-          <a:noFill/>
-        </p:spPr>
-        <p:txBody>
-          <a:bodyPr vert="horz" lIns="91440" tIns="45720" rIns="91440" bIns="45720" rtlCol="0">
-            <a:normAutofit/>
-          </a:bodyPr>
-          <a:lstStyle>
-            <a:lvl1pPr marL="228600" indent="-228600" algn="l" defTabSz="914400" rtl="0" eaLnBrk="1" latinLnBrk="0" hangingPunct="1">
-              <a:lnSpc>
-                <a:spcPct val="90000"/>
-              </a:lnSpc>
-              <a:spcBef>
-                <a:spcPts val="1000"/>
-              </a:spcBef>
-              <a:buFont typeface="Arial" panose="020B0604020202020204" pitchFamily="34" charset="0"/>
-              <a:buChar char="•"/>
-              <a:defRPr sz="2800" kern="1200">
-                <a:solidFill>
-                  <a:schemeClr val="tx1"/>
-                </a:solidFill>
-                <a:latin typeface="+mn-lt"/>
-                <a:ea typeface="+mn-ea"/>
-                <a:cs typeface="+mn-cs"/>
-              </a:defRPr>
-            </a:lvl1pPr>
-            <a:lvl2pPr marL="685800" indent="-228600" algn="l" defTabSz="914400" rtl="0" eaLnBrk="1" latinLnBrk="0" hangingPunct="1">
-              <a:lnSpc>
-                <a:spcPct val="90000"/>
-              </a:lnSpc>
-              <a:spcBef>
-                <a:spcPts val="500"/>
-              </a:spcBef>
-              <a:buFont typeface="Arial" panose="020B0604020202020204" pitchFamily="34" charset="0"/>
-              <a:buChar char="•"/>
-              <a:defRPr sz="2400" kern="1200">
-                <a:solidFill>
-                  <a:schemeClr val="tx1"/>
-                </a:solidFill>
-                <a:latin typeface="+mn-lt"/>
-                <a:ea typeface="+mn-ea"/>
-                <a:cs typeface="+mn-cs"/>
-              </a:defRPr>
-            </a:lvl2pPr>
-            <a:lvl3pPr marL="1143000" indent="-228600" algn="l" defTabSz="914400" rtl="0" eaLnBrk="1" latinLnBrk="0" hangingPunct="1">
-              <a:lnSpc>
-                <a:spcPct val="90000"/>
-              </a:lnSpc>
-              <a:spcBef>
-                <a:spcPts val="500"/>
-              </a:spcBef>
-              <a:buFont typeface="Arial" panose="020B0604020202020204" pitchFamily="34" charset="0"/>
-              <a:buChar char="•"/>
-              <a:defRPr sz="2000" kern="1200">
-                <a:solidFill>
-                  <a:schemeClr val="tx1"/>
-                </a:solidFill>
-                <a:latin typeface="+mn-lt"/>
-                <a:ea typeface="+mn-ea"/>
-                <a:cs typeface="+mn-cs"/>
-              </a:defRPr>
-            </a:lvl3pPr>
-            <a:lvl4pPr marL="1600200" indent="-228600" algn="l" defTabSz="914400" rtl="0" eaLnBrk="1" latinLnBrk="0" hangingPunct="1">
-              <a:lnSpc>
-                <a:spcPct val="90000"/>
-              </a:lnSpc>
-              <a:spcBef>
-                <a:spcPts val="500"/>
-              </a:spcBef>
-              <a:buFont typeface="Arial" panose="020B0604020202020204" pitchFamily="34" charset="0"/>
-              <a:buChar char="•"/>
-              <a:defRPr sz="1800" kern="1200">
-                <a:solidFill>
-                  <a:schemeClr val="tx1"/>
-                </a:solidFill>
-                <a:latin typeface="+mn-lt"/>
-                <a:ea typeface="+mn-ea"/>
-                <a:cs typeface="+mn-cs"/>
-              </a:defRPr>
-            </a:lvl4pPr>
-            <a:lvl5pPr marL="2057400" indent="-228600" algn="l" defTabSz="914400" rtl="0" eaLnBrk="1" latinLnBrk="0" hangingPunct="1">
-              <a:lnSpc>
-                <a:spcPct val="90000"/>
-              </a:lnSpc>
-              <a:spcBef>
-                <a:spcPts val="500"/>
-              </a:spcBef>
-              <a:buFont typeface="Arial" panose="020B0604020202020204" pitchFamily="34" charset="0"/>
-              <a:buChar char="•"/>
-              <a:defRPr sz="1800" kern="1200">
-                <a:solidFill>
-                  <a:schemeClr val="tx1"/>
-                </a:solidFill>
-                <a:latin typeface="+mn-lt"/>
-                <a:ea typeface="+mn-ea"/>
-                <a:cs typeface="+mn-cs"/>
-              </a:defRPr>
-            </a:lvl5pPr>
-            <a:lvl6pPr marL="2514600" indent="-228600" algn="l" defTabSz="914400" rtl="0" eaLnBrk="1" latinLnBrk="0" hangingPunct="1">
-              <a:lnSpc>
-                <a:spcPct val="90000"/>
-              </a:lnSpc>
-              <a:spcBef>
-                <a:spcPts val="500"/>
-              </a:spcBef>
-              <a:buFont typeface="Arial" panose="020B0604020202020204" pitchFamily="34" charset="0"/>
-              <a:buChar char="•"/>
-              <a:defRPr sz="1800" kern="1200">
-                <a:solidFill>
-                  <a:schemeClr val="tx1"/>
-                </a:solidFill>
-                <a:latin typeface="+mn-lt"/>
-                <a:ea typeface="+mn-ea"/>
-                <a:cs typeface="+mn-cs"/>
-              </a:defRPr>
-            </a:lvl6pPr>
-            <a:lvl7pPr marL="2971800" indent="-228600" algn="l" defTabSz="914400" rtl="0" eaLnBrk="1" latinLnBrk="0" hangingPunct="1">
-              <a:lnSpc>
-                <a:spcPct val="90000"/>
-              </a:lnSpc>
-              <a:spcBef>
-                <a:spcPts val="500"/>
-              </a:spcBef>
-              <a:buFont typeface="Arial" panose="020B0604020202020204" pitchFamily="34" charset="0"/>
-              <a:buChar char="•"/>
-              <a:defRPr sz="1800" kern="1200">
-                <a:solidFill>
-                  <a:schemeClr val="tx1"/>
-                </a:solidFill>
-                <a:latin typeface="+mn-lt"/>
-                <a:ea typeface="+mn-ea"/>
-                <a:cs typeface="+mn-cs"/>
-              </a:defRPr>
-            </a:lvl7pPr>
-            <a:lvl8pPr marL="3429000" indent="-228600" algn="l" defTabSz="914400" rtl="0" eaLnBrk="1" latinLnBrk="0" hangingPunct="1">
-              <a:lnSpc>
-                <a:spcPct val="90000"/>
-              </a:lnSpc>
-              <a:spcBef>
-                <a:spcPts val="500"/>
-              </a:spcBef>
-              <a:buFont typeface="Arial" panose="020B0604020202020204" pitchFamily="34" charset="0"/>
-              <a:buChar char="•"/>
-              <a:defRPr sz="1800" kern="1200">
-                <a:solidFill>
-                  <a:schemeClr val="tx1"/>
-                </a:solidFill>
-                <a:latin typeface="+mn-lt"/>
-                <a:ea typeface="+mn-ea"/>
-                <a:cs typeface="+mn-cs"/>
-              </a:defRPr>
-            </a:lvl8pPr>
-            <a:lvl9pPr marL="3886200" indent="-228600" algn="l" defTabSz="914400" rtl="0" eaLnBrk="1" latinLnBrk="0" hangingPunct="1">
-              <a:lnSpc>
-                <a:spcPct val="90000"/>
-              </a:lnSpc>
-              <a:spcBef>
-                <a:spcPts val="500"/>
-              </a:spcBef>
-              <a:buFont typeface="Arial" panose="020B0604020202020204" pitchFamily="34" charset="0"/>
-              <a:buChar char="•"/>
-              <a:defRPr sz="1800" kern="1200">
-                <a:solidFill>
-                  <a:schemeClr val="tx1"/>
-                </a:solidFill>
-                <a:latin typeface="+mn-lt"/>
-                <a:ea typeface="+mn-ea"/>
-                <a:cs typeface="+mn-cs"/>
-              </a:defRPr>
-            </a:lvl9pPr>
-          </a:lstStyle>
-          <a:p>
-            <a:pPr marL="0" indent="0" algn="r">
-              <a:buNone/>
-            </a:pPr>
-            <a:r>
-              <a:rPr lang="de-DE" sz="1600" dirty="0">
-                <a:solidFill>
-                  <a:schemeClr val="bg1"/>
-                </a:solidFill>
-              </a:rPr>
-              <a:t>Seite 1</a:t>
             </a:r>
           </a:p>
         </p:txBody>
@@ -6093,6 +5195,64 @@
           </a:prstGeom>
         </p:spPr>
       </p:pic>
+      <p:sp>
+        <p:nvSpPr>
+          <p:cNvPr id="4" name="Datumsplatzhalter 3">
+            <a:extLst>
+              <a:ext uri="{FF2B5EF4-FFF2-40B4-BE49-F238E27FC236}">
+                <a16:creationId xmlns:a16="http://schemas.microsoft.com/office/drawing/2014/main" id="{4A3C8B07-D26E-4802-B657-FF8492EBB930}"/>
+              </a:ext>
+            </a:extLst>
+          </p:cNvPr>
+          <p:cNvSpPr>
+            <a:spLocks noGrp="1"/>
+          </p:cNvSpPr>
+          <p:nvPr>
+            <p:ph type="dt" sz="half" idx="10"/>
+          </p:nvPr>
+        </p:nvSpPr>
+        <p:spPr/>
+        <p:txBody>
+          <a:bodyPr/>
+          <a:lstStyle/>
+          <a:p>
+            <a:fld id="{477A9699-3F0D-4E45-B345-3C2695F46BA0}" type="datetime2">
+              <a:rPr lang="de-DE" smtClean="0"/>
+              <a:t>Donnerstag, 20. Mai 2021</a:t>
+            </a:fld>
+            <a:endParaRPr lang="de-DE"/>
+          </a:p>
+        </p:txBody>
+      </p:sp>
+      <p:sp>
+        <p:nvSpPr>
+          <p:cNvPr id="5" name="Foliennummernplatzhalter 4">
+            <a:extLst>
+              <a:ext uri="{FF2B5EF4-FFF2-40B4-BE49-F238E27FC236}">
+                <a16:creationId xmlns:a16="http://schemas.microsoft.com/office/drawing/2014/main" id="{349CE008-B357-4E33-A1CB-8FA94DC13F87}"/>
+              </a:ext>
+            </a:extLst>
+          </p:cNvPr>
+          <p:cNvSpPr>
+            <a:spLocks noGrp="1"/>
+          </p:cNvSpPr>
+          <p:nvPr>
+            <p:ph type="sldNum" sz="quarter" idx="12"/>
+          </p:nvPr>
+        </p:nvSpPr>
+        <p:spPr/>
+        <p:txBody>
+          <a:bodyPr/>
+          <a:lstStyle/>
+          <a:p>
+            <a:fld id="{13CDD369-7DFB-421D-BF1B-CBA1C54DDA3D}" type="slidenum">
+              <a:rPr lang="de-DE" smtClean="0"/>
+              <a:t>11</a:t>
+            </a:fld>
+            <a:endParaRPr lang="de-DE"/>
+          </a:p>
+        </p:txBody>
+      </p:sp>
     </p:spTree>
     <p:extLst>
       <p:ext uri="{BB962C8B-B14F-4D97-AF65-F5344CB8AC3E}">
@@ -6103,6 +5263,18 @@
   <p:clrMapOvr>
     <a:masterClrMapping/>
   </p:clrMapOvr>
+  <mc:AlternateContent xmlns:mc="http://schemas.openxmlformats.org/markup-compatibility/2006">
+    <mc:Choice xmlns:p159="http://schemas.microsoft.com/office/powerpoint/2015/09/main" Requires="p159">
+      <p:transition xmlns:p14="http://schemas.microsoft.com/office/powerpoint/2010/main" spd="slow" p14:dur="2000">
+        <p159:morph option="byObject"/>
+      </p:transition>
+    </mc:Choice>
+    <mc:Fallback>
+      <p:transition spd="slow">
+        <p:fade/>
+      </p:transition>
+    </mc:Fallback>
+  </mc:AlternateContent>
 </p:sld>
 </file>
 
@@ -6406,7 +5578,7 @@
         </p:nvSpPr>
         <p:spPr>
           <a:xfrm>
-            <a:off x="838200" y="1690688"/>
+            <a:off x="624840" y="1690688"/>
             <a:ext cx="4485318" cy="4399027"/>
           </a:xfrm>
           <a:noFill/>
@@ -6421,7 +5593,7 @@
                   <a:schemeClr val="bg1"/>
                 </a:solidFill>
               </a:rPr>
-              <a:t>Prototypische GUI</a:t>
+              <a:t>Prototypische GUI (in C#)</a:t>
             </a:r>
           </a:p>
           <a:p>
@@ -6438,7 +5610,7 @@
                   <a:schemeClr val="bg1"/>
                 </a:solidFill>
               </a:rPr>
-              <a:t>Bis zu 10 </a:t>
+              <a:t>Keine </a:t>
             </a:r>
             <a:r>
               <a:rPr lang="de-DE" dirty="0" err="1">
@@ -6446,7 +5618,7 @@
                   <a:schemeClr val="bg1"/>
                 </a:solidFill>
               </a:rPr>
-              <a:t>Konigurationsfiles</a:t>
+              <a:t>hardcodierte</a:t>
             </a:r>
             <a:r>
               <a:rPr lang="de-DE" dirty="0">
@@ -6454,7 +5626,7 @@
                   <a:schemeClr val="bg1"/>
                 </a:solidFill>
               </a:rPr>
-              <a:t> auswählbar</a:t>
+              <a:t> Limitierung für Serveranzahl</a:t>
             </a:r>
           </a:p>
           <a:p>
@@ -6502,420 +5674,6 @@
           </a:prstGeom>
         </p:spPr>
       </p:pic>
-      <p:sp>
-        <p:nvSpPr>
-          <p:cNvPr id="10" name="Inhaltsplatzhalter 2">
-            <a:extLst>
-              <a:ext uri="{FF2B5EF4-FFF2-40B4-BE49-F238E27FC236}">
-                <a16:creationId xmlns:a16="http://schemas.microsoft.com/office/drawing/2014/main" id="{1E597849-8825-4B46-BF40-F2D5D11F01EC}"/>
-              </a:ext>
-            </a:extLst>
-          </p:cNvPr>
-          <p:cNvSpPr txBox="1">
-            <a:spLocks/>
-          </p:cNvSpPr>
-          <p:nvPr/>
-        </p:nvSpPr>
-        <p:spPr>
-          <a:xfrm>
-            <a:off x="241034" y="6261919"/>
-            <a:ext cx="2025978" cy="461912"/>
-          </a:xfrm>
-          <a:prstGeom prst="rect">
-            <a:avLst/>
-          </a:prstGeom>
-          <a:noFill/>
-        </p:spPr>
-        <p:txBody>
-          <a:bodyPr vert="horz" lIns="91440" tIns="45720" rIns="91440" bIns="45720" rtlCol="0">
-            <a:normAutofit/>
-          </a:bodyPr>
-          <a:lstStyle>
-            <a:lvl1pPr marL="228600" indent="-228600" algn="l" defTabSz="914400" rtl="0" eaLnBrk="1" latinLnBrk="0" hangingPunct="1">
-              <a:lnSpc>
-                <a:spcPct val="90000"/>
-              </a:lnSpc>
-              <a:spcBef>
-                <a:spcPts val="1000"/>
-              </a:spcBef>
-              <a:buFont typeface="Arial" panose="020B0604020202020204" pitchFamily="34" charset="0"/>
-              <a:buChar char="•"/>
-              <a:defRPr sz="2800" kern="1200">
-                <a:solidFill>
-                  <a:schemeClr val="tx1"/>
-                </a:solidFill>
-                <a:latin typeface="+mn-lt"/>
-                <a:ea typeface="+mn-ea"/>
-                <a:cs typeface="+mn-cs"/>
-              </a:defRPr>
-            </a:lvl1pPr>
-            <a:lvl2pPr marL="685800" indent="-228600" algn="l" defTabSz="914400" rtl="0" eaLnBrk="1" latinLnBrk="0" hangingPunct="1">
-              <a:lnSpc>
-                <a:spcPct val="90000"/>
-              </a:lnSpc>
-              <a:spcBef>
-                <a:spcPts val="500"/>
-              </a:spcBef>
-              <a:buFont typeface="Arial" panose="020B0604020202020204" pitchFamily="34" charset="0"/>
-              <a:buChar char="•"/>
-              <a:defRPr sz="2400" kern="1200">
-                <a:solidFill>
-                  <a:schemeClr val="tx1"/>
-                </a:solidFill>
-                <a:latin typeface="+mn-lt"/>
-                <a:ea typeface="+mn-ea"/>
-                <a:cs typeface="+mn-cs"/>
-              </a:defRPr>
-            </a:lvl2pPr>
-            <a:lvl3pPr marL="1143000" indent="-228600" algn="l" defTabSz="914400" rtl="0" eaLnBrk="1" latinLnBrk="0" hangingPunct="1">
-              <a:lnSpc>
-                <a:spcPct val="90000"/>
-              </a:lnSpc>
-              <a:spcBef>
-                <a:spcPts val="500"/>
-              </a:spcBef>
-              <a:buFont typeface="Arial" panose="020B0604020202020204" pitchFamily="34" charset="0"/>
-              <a:buChar char="•"/>
-              <a:defRPr sz="2000" kern="1200">
-                <a:solidFill>
-                  <a:schemeClr val="tx1"/>
-                </a:solidFill>
-                <a:latin typeface="+mn-lt"/>
-                <a:ea typeface="+mn-ea"/>
-                <a:cs typeface="+mn-cs"/>
-              </a:defRPr>
-            </a:lvl3pPr>
-            <a:lvl4pPr marL="1600200" indent="-228600" algn="l" defTabSz="914400" rtl="0" eaLnBrk="1" latinLnBrk="0" hangingPunct="1">
-              <a:lnSpc>
-                <a:spcPct val="90000"/>
-              </a:lnSpc>
-              <a:spcBef>
-                <a:spcPts val="500"/>
-              </a:spcBef>
-              <a:buFont typeface="Arial" panose="020B0604020202020204" pitchFamily="34" charset="0"/>
-              <a:buChar char="•"/>
-              <a:defRPr sz="1800" kern="1200">
-                <a:solidFill>
-                  <a:schemeClr val="tx1"/>
-                </a:solidFill>
-                <a:latin typeface="+mn-lt"/>
-                <a:ea typeface="+mn-ea"/>
-                <a:cs typeface="+mn-cs"/>
-              </a:defRPr>
-            </a:lvl4pPr>
-            <a:lvl5pPr marL="2057400" indent="-228600" algn="l" defTabSz="914400" rtl="0" eaLnBrk="1" latinLnBrk="0" hangingPunct="1">
-              <a:lnSpc>
-                <a:spcPct val="90000"/>
-              </a:lnSpc>
-              <a:spcBef>
-                <a:spcPts val="500"/>
-              </a:spcBef>
-              <a:buFont typeface="Arial" panose="020B0604020202020204" pitchFamily="34" charset="0"/>
-              <a:buChar char="•"/>
-              <a:defRPr sz="1800" kern="1200">
-                <a:solidFill>
-                  <a:schemeClr val="tx1"/>
-                </a:solidFill>
-                <a:latin typeface="+mn-lt"/>
-                <a:ea typeface="+mn-ea"/>
-                <a:cs typeface="+mn-cs"/>
-              </a:defRPr>
-            </a:lvl5pPr>
-            <a:lvl6pPr marL="2514600" indent="-228600" algn="l" defTabSz="914400" rtl="0" eaLnBrk="1" latinLnBrk="0" hangingPunct="1">
-              <a:lnSpc>
-                <a:spcPct val="90000"/>
-              </a:lnSpc>
-              <a:spcBef>
-                <a:spcPts val="500"/>
-              </a:spcBef>
-              <a:buFont typeface="Arial" panose="020B0604020202020204" pitchFamily="34" charset="0"/>
-              <a:buChar char="•"/>
-              <a:defRPr sz="1800" kern="1200">
-                <a:solidFill>
-                  <a:schemeClr val="tx1"/>
-                </a:solidFill>
-                <a:latin typeface="+mn-lt"/>
-                <a:ea typeface="+mn-ea"/>
-                <a:cs typeface="+mn-cs"/>
-              </a:defRPr>
-            </a:lvl6pPr>
-            <a:lvl7pPr marL="2971800" indent="-228600" algn="l" defTabSz="914400" rtl="0" eaLnBrk="1" latinLnBrk="0" hangingPunct="1">
-              <a:lnSpc>
-                <a:spcPct val="90000"/>
-              </a:lnSpc>
-              <a:spcBef>
-                <a:spcPts val="500"/>
-              </a:spcBef>
-              <a:buFont typeface="Arial" panose="020B0604020202020204" pitchFamily="34" charset="0"/>
-              <a:buChar char="•"/>
-              <a:defRPr sz="1800" kern="1200">
-                <a:solidFill>
-                  <a:schemeClr val="tx1"/>
-                </a:solidFill>
-                <a:latin typeface="+mn-lt"/>
-                <a:ea typeface="+mn-ea"/>
-                <a:cs typeface="+mn-cs"/>
-              </a:defRPr>
-            </a:lvl7pPr>
-            <a:lvl8pPr marL="3429000" indent="-228600" algn="l" defTabSz="914400" rtl="0" eaLnBrk="1" latinLnBrk="0" hangingPunct="1">
-              <a:lnSpc>
-                <a:spcPct val="90000"/>
-              </a:lnSpc>
-              <a:spcBef>
-                <a:spcPts val="500"/>
-              </a:spcBef>
-              <a:buFont typeface="Arial" panose="020B0604020202020204" pitchFamily="34" charset="0"/>
-              <a:buChar char="•"/>
-              <a:defRPr sz="1800" kern="1200">
-                <a:solidFill>
-                  <a:schemeClr val="tx1"/>
-                </a:solidFill>
-                <a:latin typeface="+mn-lt"/>
-                <a:ea typeface="+mn-ea"/>
-                <a:cs typeface="+mn-cs"/>
-              </a:defRPr>
-            </a:lvl8pPr>
-            <a:lvl9pPr marL="3886200" indent="-228600" algn="l" defTabSz="914400" rtl="0" eaLnBrk="1" latinLnBrk="0" hangingPunct="1">
-              <a:lnSpc>
-                <a:spcPct val="90000"/>
-              </a:lnSpc>
-              <a:spcBef>
-                <a:spcPts val="500"/>
-              </a:spcBef>
-              <a:buFont typeface="Arial" panose="020B0604020202020204" pitchFamily="34" charset="0"/>
-              <a:buChar char="•"/>
-              <a:defRPr sz="1800" kern="1200">
-                <a:solidFill>
-                  <a:schemeClr val="tx1"/>
-                </a:solidFill>
-                <a:latin typeface="+mn-lt"/>
-                <a:ea typeface="+mn-ea"/>
-                <a:cs typeface="+mn-cs"/>
-              </a:defRPr>
-            </a:lvl9pPr>
-          </a:lstStyle>
-          <a:p>
-            <a:pPr marL="0" indent="0">
-              <a:buNone/>
-            </a:pPr>
-            <a:r>
-              <a:rPr lang="de-DE" sz="1600" dirty="0">
-                <a:solidFill>
-                  <a:schemeClr val="bg1"/>
-                </a:solidFill>
-              </a:rPr>
-              <a:t>21.05.2021</a:t>
-            </a:r>
-          </a:p>
-        </p:txBody>
-      </p:sp>
-      <p:sp>
-        <p:nvSpPr>
-          <p:cNvPr id="11" name="Inhaltsplatzhalter 2">
-            <a:extLst>
-              <a:ext uri="{FF2B5EF4-FFF2-40B4-BE49-F238E27FC236}">
-                <a16:creationId xmlns:a16="http://schemas.microsoft.com/office/drawing/2014/main" id="{DCF2C4D7-FEA7-48C9-8AA3-B879ACF6C000}"/>
-              </a:ext>
-            </a:extLst>
-          </p:cNvPr>
-          <p:cNvSpPr txBox="1">
-            <a:spLocks/>
-          </p:cNvSpPr>
-          <p:nvPr/>
-        </p:nvSpPr>
-        <p:spPr>
-          <a:xfrm>
-            <a:off x="9820890" y="6261919"/>
-            <a:ext cx="2025978" cy="461912"/>
-          </a:xfrm>
-          <a:prstGeom prst="rect">
-            <a:avLst/>
-          </a:prstGeom>
-          <a:noFill/>
-        </p:spPr>
-        <p:txBody>
-          <a:bodyPr vert="horz" lIns="91440" tIns="45720" rIns="91440" bIns="45720" rtlCol="0">
-            <a:normAutofit/>
-          </a:bodyPr>
-          <a:lstStyle>
-            <a:lvl1pPr marL="228600" indent="-228600" algn="l" defTabSz="914400" rtl="0" eaLnBrk="1" latinLnBrk="0" hangingPunct="1">
-              <a:lnSpc>
-                <a:spcPct val="90000"/>
-              </a:lnSpc>
-              <a:spcBef>
-                <a:spcPts val="1000"/>
-              </a:spcBef>
-              <a:buFont typeface="Arial" panose="020B0604020202020204" pitchFamily="34" charset="0"/>
-              <a:buChar char="•"/>
-              <a:defRPr sz="2800" kern="1200">
-                <a:solidFill>
-                  <a:schemeClr val="tx1"/>
-                </a:solidFill>
-                <a:latin typeface="+mn-lt"/>
-                <a:ea typeface="+mn-ea"/>
-                <a:cs typeface="+mn-cs"/>
-              </a:defRPr>
-            </a:lvl1pPr>
-            <a:lvl2pPr marL="685800" indent="-228600" algn="l" defTabSz="914400" rtl="0" eaLnBrk="1" latinLnBrk="0" hangingPunct="1">
-              <a:lnSpc>
-                <a:spcPct val="90000"/>
-              </a:lnSpc>
-              <a:spcBef>
-                <a:spcPts val="500"/>
-              </a:spcBef>
-              <a:buFont typeface="Arial" panose="020B0604020202020204" pitchFamily="34" charset="0"/>
-              <a:buChar char="•"/>
-              <a:defRPr sz="2400" kern="1200">
-                <a:solidFill>
-                  <a:schemeClr val="tx1"/>
-                </a:solidFill>
-                <a:latin typeface="+mn-lt"/>
-                <a:ea typeface="+mn-ea"/>
-                <a:cs typeface="+mn-cs"/>
-              </a:defRPr>
-            </a:lvl2pPr>
-            <a:lvl3pPr marL="1143000" indent="-228600" algn="l" defTabSz="914400" rtl="0" eaLnBrk="1" latinLnBrk="0" hangingPunct="1">
-              <a:lnSpc>
-                <a:spcPct val="90000"/>
-              </a:lnSpc>
-              <a:spcBef>
-                <a:spcPts val="500"/>
-              </a:spcBef>
-              <a:buFont typeface="Arial" panose="020B0604020202020204" pitchFamily="34" charset="0"/>
-              <a:buChar char="•"/>
-              <a:defRPr sz="2000" kern="1200">
-                <a:solidFill>
-                  <a:schemeClr val="tx1"/>
-                </a:solidFill>
-                <a:latin typeface="+mn-lt"/>
-                <a:ea typeface="+mn-ea"/>
-                <a:cs typeface="+mn-cs"/>
-              </a:defRPr>
-            </a:lvl3pPr>
-            <a:lvl4pPr marL="1600200" indent="-228600" algn="l" defTabSz="914400" rtl="0" eaLnBrk="1" latinLnBrk="0" hangingPunct="1">
-              <a:lnSpc>
-                <a:spcPct val="90000"/>
-              </a:lnSpc>
-              <a:spcBef>
-                <a:spcPts val="500"/>
-              </a:spcBef>
-              <a:buFont typeface="Arial" panose="020B0604020202020204" pitchFamily="34" charset="0"/>
-              <a:buChar char="•"/>
-              <a:defRPr sz="1800" kern="1200">
-                <a:solidFill>
-                  <a:schemeClr val="tx1"/>
-                </a:solidFill>
-                <a:latin typeface="+mn-lt"/>
-                <a:ea typeface="+mn-ea"/>
-                <a:cs typeface="+mn-cs"/>
-              </a:defRPr>
-            </a:lvl4pPr>
-            <a:lvl5pPr marL="2057400" indent="-228600" algn="l" defTabSz="914400" rtl="0" eaLnBrk="1" latinLnBrk="0" hangingPunct="1">
-              <a:lnSpc>
-                <a:spcPct val="90000"/>
-              </a:lnSpc>
-              <a:spcBef>
-                <a:spcPts val="500"/>
-              </a:spcBef>
-              <a:buFont typeface="Arial" panose="020B0604020202020204" pitchFamily="34" charset="0"/>
-              <a:buChar char="•"/>
-              <a:defRPr sz="1800" kern="1200">
-                <a:solidFill>
-                  <a:schemeClr val="tx1"/>
-                </a:solidFill>
-                <a:latin typeface="+mn-lt"/>
-                <a:ea typeface="+mn-ea"/>
-                <a:cs typeface="+mn-cs"/>
-              </a:defRPr>
-            </a:lvl5pPr>
-            <a:lvl6pPr marL="2514600" indent="-228600" algn="l" defTabSz="914400" rtl="0" eaLnBrk="1" latinLnBrk="0" hangingPunct="1">
-              <a:lnSpc>
-                <a:spcPct val="90000"/>
-              </a:lnSpc>
-              <a:spcBef>
-                <a:spcPts val="500"/>
-              </a:spcBef>
-              <a:buFont typeface="Arial" panose="020B0604020202020204" pitchFamily="34" charset="0"/>
-              <a:buChar char="•"/>
-              <a:defRPr sz="1800" kern="1200">
-                <a:solidFill>
-                  <a:schemeClr val="tx1"/>
-                </a:solidFill>
-                <a:latin typeface="+mn-lt"/>
-                <a:ea typeface="+mn-ea"/>
-                <a:cs typeface="+mn-cs"/>
-              </a:defRPr>
-            </a:lvl6pPr>
-            <a:lvl7pPr marL="2971800" indent="-228600" algn="l" defTabSz="914400" rtl="0" eaLnBrk="1" latinLnBrk="0" hangingPunct="1">
-              <a:lnSpc>
-                <a:spcPct val="90000"/>
-              </a:lnSpc>
-              <a:spcBef>
-                <a:spcPts val="500"/>
-              </a:spcBef>
-              <a:buFont typeface="Arial" panose="020B0604020202020204" pitchFamily="34" charset="0"/>
-              <a:buChar char="•"/>
-              <a:defRPr sz="1800" kern="1200">
-                <a:solidFill>
-                  <a:schemeClr val="tx1"/>
-                </a:solidFill>
-                <a:latin typeface="+mn-lt"/>
-                <a:ea typeface="+mn-ea"/>
-                <a:cs typeface="+mn-cs"/>
-              </a:defRPr>
-            </a:lvl7pPr>
-            <a:lvl8pPr marL="3429000" indent="-228600" algn="l" defTabSz="914400" rtl="0" eaLnBrk="1" latinLnBrk="0" hangingPunct="1">
-              <a:lnSpc>
-                <a:spcPct val="90000"/>
-              </a:lnSpc>
-              <a:spcBef>
-                <a:spcPts val="500"/>
-              </a:spcBef>
-              <a:buFont typeface="Arial" panose="020B0604020202020204" pitchFamily="34" charset="0"/>
-              <a:buChar char="•"/>
-              <a:defRPr sz="1800" kern="1200">
-                <a:solidFill>
-                  <a:schemeClr val="tx1"/>
-                </a:solidFill>
-                <a:latin typeface="+mn-lt"/>
-                <a:ea typeface="+mn-ea"/>
-                <a:cs typeface="+mn-cs"/>
-              </a:defRPr>
-            </a:lvl8pPr>
-            <a:lvl9pPr marL="3886200" indent="-228600" algn="l" defTabSz="914400" rtl="0" eaLnBrk="1" latinLnBrk="0" hangingPunct="1">
-              <a:lnSpc>
-                <a:spcPct val="90000"/>
-              </a:lnSpc>
-              <a:spcBef>
-                <a:spcPts val="500"/>
-              </a:spcBef>
-              <a:buFont typeface="Arial" panose="020B0604020202020204" pitchFamily="34" charset="0"/>
-              <a:buChar char="•"/>
-              <a:defRPr sz="1800" kern="1200">
-                <a:solidFill>
-                  <a:schemeClr val="tx1"/>
-                </a:solidFill>
-                <a:latin typeface="+mn-lt"/>
-                <a:ea typeface="+mn-ea"/>
-                <a:cs typeface="+mn-cs"/>
-              </a:defRPr>
-            </a:lvl9pPr>
-          </a:lstStyle>
-          <a:p>
-            <a:pPr marL="0" indent="0" algn="r">
-              <a:buNone/>
-            </a:pPr>
-            <a:r>
-              <a:rPr lang="de-DE" sz="1600" dirty="0">
-                <a:solidFill>
-                  <a:schemeClr val="bg1"/>
-                </a:solidFill>
-              </a:rPr>
-              <a:t>Seite 1</a:t>
-            </a:r>
-          </a:p>
-        </p:txBody>
-      </p:sp>
       <p:pic>
         <p:nvPicPr>
           <p:cNvPr id="8" name="Grafik 7">
@@ -6951,6 +5709,64 @@
           </a:prstGeom>
         </p:spPr>
       </p:pic>
+      <p:sp>
+        <p:nvSpPr>
+          <p:cNvPr id="4" name="Datumsplatzhalter 3">
+            <a:extLst>
+              <a:ext uri="{FF2B5EF4-FFF2-40B4-BE49-F238E27FC236}">
+                <a16:creationId xmlns:a16="http://schemas.microsoft.com/office/drawing/2014/main" id="{1F8DB4D5-FECC-4B24-8B6D-3BDF6D420A15}"/>
+              </a:ext>
+            </a:extLst>
+          </p:cNvPr>
+          <p:cNvSpPr>
+            <a:spLocks noGrp="1"/>
+          </p:cNvSpPr>
+          <p:nvPr>
+            <p:ph type="dt" sz="half" idx="10"/>
+          </p:nvPr>
+        </p:nvSpPr>
+        <p:spPr/>
+        <p:txBody>
+          <a:bodyPr/>
+          <a:lstStyle/>
+          <a:p>
+            <a:fld id="{97A50F83-31B0-49F1-A9A8-44E815A7F15B}" type="datetime2">
+              <a:rPr lang="de-DE" smtClean="0"/>
+              <a:t>Donnerstag, 20. Mai 2021</a:t>
+            </a:fld>
+            <a:endParaRPr lang="de-DE"/>
+          </a:p>
+        </p:txBody>
+      </p:sp>
+      <p:sp>
+        <p:nvSpPr>
+          <p:cNvPr id="5" name="Foliennummernplatzhalter 4">
+            <a:extLst>
+              <a:ext uri="{FF2B5EF4-FFF2-40B4-BE49-F238E27FC236}">
+                <a16:creationId xmlns:a16="http://schemas.microsoft.com/office/drawing/2014/main" id="{ED28AAC5-0AF5-4A93-A8C9-B064720B9BA1}"/>
+              </a:ext>
+            </a:extLst>
+          </p:cNvPr>
+          <p:cNvSpPr>
+            <a:spLocks noGrp="1"/>
+          </p:cNvSpPr>
+          <p:nvPr>
+            <p:ph type="sldNum" sz="quarter" idx="12"/>
+          </p:nvPr>
+        </p:nvSpPr>
+        <p:spPr/>
+        <p:txBody>
+          <a:bodyPr/>
+          <a:lstStyle/>
+          <a:p>
+            <a:fld id="{13CDD369-7DFB-421D-BF1B-CBA1C54DDA3D}" type="slidenum">
+              <a:rPr lang="de-DE" smtClean="0"/>
+              <a:t>12</a:t>
+            </a:fld>
+            <a:endParaRPr lang="de-DE"/>
+          </a:p>
+        </p:txBody>
+      </p:sp>
     </p:spTree>
     <p:extLst>
       <p:ext uri="{BB962C8B-B14F-4D97-AF65-F5344CB8AC3E}">
@@ -6961,6 +5777,18 @@
   <p:clrMapOvr>
     <a:masterClrMapping/>
   </p:clrMapOvr>
+  <mc:AlternateContent xmlns:mc="http://schemas.openxmlformats.org/markup-compatibility/2006">
+    <mc:Choice xmlns:p159="http://schemas.microsoft.com/office/powerpoint/2015/09/main" Requires="p159">
+      <p:transition xmlns:p14="http://schemas.microsoft.com/office/powerpoint/2010/main" spd="slow" p14:dur="2000">
+        <p159:morph option="byObject"/>
+      </p:transition>
+    </mc:Choice>
+    <mc:Fallback>
+      <p:transition spd="slow">
+        <p:fade/>
+      </p:transition>
+    </mc:Fallback>
+  </mc:AlternateContent>
 </p:sld>
 </file>
 
@@ -7279,7 +6107,7 @@
                   <a:schemeClr val="bg1"/>
                 </a:solidFill>
               </a:rPr>
-              <a:t>Loggt die wichtigsten Fehler und Ereignisse im GUI</a:t>
+              <a:t>Loggt die wichtigsten Fehler und Ereignisse im UI und Logfile</a:t>
             </a:r>
           </a:p>
         </p:txBody>
@@ -7320,420 +6148,6 @@
           </a:prstGeom>
         </p:spPr>
       </p:pic>
-      <p:sp>
-        <p:nvSpPr>
-          <p:cNvPr id="10" name="Inhaltsplatzhalter 2">
-            <a:extLst>
-              <a:ext uri="{FF2B5EF4-FFF2-40B4-BE49-F238E27FC236}">
-                <a16:creationId xmlns:a16="http://schemas.microsoft.com/office/drawing/2014/main" id="{1E597849-8825-4B46-BF40-F2D5D11F01EC}"/>
-              </a:ext>
-            </a:extLst>
-          </p:cNvPr>
-          <p:cNvSpPr txBox="1">
-            <a:spLocks/>
-          </p:cNvSpPr>
-          <p:nvPr/>
-        </p:nvSpPr>
-        <p:spPr>
-          <a:xfrm>
-            <a:off x="241034" y="6261919"/>
-            <a:ext cx="2025978" cy="461912"/>
-          </a:xfrm>
-          <a:prstGeom prst="rect">
-            <a:avLst/>
-          </a:prstGeom>
-          <a:noFill/>
-        </p:spPr>
-        <p:txBody>
-          <a:bodyPr vert="horz" lIns="91440" tIns="45720" rIns="91440" bIns="45720" rtlCol="0">
-            <a:normAutofit/>
-          </a:bodyPr>
-          <a:lstStyle>
-            <a:lvl1pPr marL="228600" indent="-228600" algn="l" defTabSz="914400" rtl="0" eaLnBrk="1" latinLnBrk="0" hangingPunct="1">
-              <a:lnSpc>
-                <a:spcPct val="90000"/>
-              </a:lnSpc>
-              <a:spcBef>
-                <a:spcPts val="1000"/>
-              </a:spcBef>
-              <a:buFont typeface="Arial" panose="020B0604020202020204" pitchFamily="34" charset="0"/>
-              <a:buChar char="•"/>
-              <a:defRPr sz="2800" kern="1200">
-                <a:solidFill>
-                  <a:schemeClr val="tx1"/>
-                </a:solidFill>
-                <a:latin typeface="+mn-lt"/>
-                <a:ea typeface="+mn-ea"/>
-                <a:cs typeface="+mn-cs"/>
-              </a:defRPr>
-            </a:lvl1pPr>
-            <a:lvl2pPr marL="685800" indent="-228600" algn="l" defTabSz="914400" rtl="0" eaLnBrk="1" latinLnBrk="0" hangingPunct="1">
-              <a:lnSpc>
-                <a:spcPct val="90000"/>
-              </a:lnSpc>
-              <a:spcBef>
-                <a:spcPts val="500"/>
-              </a:spcBef>
-              <a:buFont typeface="Arial" panose="020B0604020202020204" pitchFamily="34" charset="0"/>
-              <a:buChar char="•"/>
-              <a:defRPr sz="2400" kern="1200">
-                <a:solidFill>
-                  <a:schemeClr val="tx1"/>
-                </a:solidFill>
-                <a:latin typeface="+mn-lt"/>
-                <a:ea typeface="+mn-ea"/>
-                <a:cs typeface="+mn-cs"/>
-              </a:defRPr>
-            </a:lvl2pPr>
-            <a:lvl3pPr marL="1143000" indent="-228600" algn="l" defTabSz="914400" rtl="0" eaLnBrk="1" latinLnBrk="0" hangingPunct="1">
-              <a:lnSpc>
-                <a:spcPct val="90000"/>
-              </a:lnSpc>
-              <a:spcBef>
-                <a:spcPts val="500"/>
-              </a:spcBef>
-              <a:buFont typeface="Arial" panose="020B0604020202020204" pitchFamily="34" charset="0"/>
-              <a:buChar char="•"/>
-              <a:defRPr sz="2000" kern="1200">
-                <a:solidFill>
-                  <a:schemeClr val="tx1"/>
-                </a:solidFill>
-                <a:latin typeface="+mn-lt"/>
-                <a:ea typeface="+mn-ea"/>
-                <a:cs typeface="+mn-cs"/>
-              </a:defRPr>
-            </a:lvl3pPr>
-            <a:lvl4pPr marL="1600200" indent="-228600" algn="l" defTabSz="914400" rtl="0" eaLnBrk="1" latinLnBrk="0" hangingPunct="1">
-              <a:lnSpc>
-                <a:spcPct val="90000"/>
-              </a:lnSpc>
-              <a:spcBef>
-                <a:spcPts val="500"/>
-              </a:spcBef>
-              <a:buFont typeface="Arial" panose="020B0604020202020204" pitchFamily="34" charset="0"/>
-              <a:buChar char="•"/>
-              <a:defRPr sz="1800" kern="1200">
-                <a:solidFill>
-                  <a:schemeClr val="tx1"/>
-                </a:solidFill>
-                <a:latin typeface="+mn-lt"/>
-                <a:ea typeface="+mn-ea"/>
-                <a:cs typeface="+mn-cs"/>
-              </a:defRPr>
-            </a:lvl4pPr>
-            <a:lvl5pPr marL="2057400" indent="-228600" algn="l" defTabSz="914400" rtl="0" eaLnBrk="1" latinLnBrk="0" hangingPunct="1">
-              <a:lnSpc>
-                <a:spcPct val="90000"/>
-              </a:lnSpc>
-              <a:spcBef>
-                <a:spcPts val="500"/>
-              </a:spcBef>
-              <a:buFont typeface="Arial" panose="020B0604020202020204" pitchFamily="34" charset="0"/>
-              <a:buChar char="•"/>
-              <a:defRPr sz="1800" kern="1200">
-                <a:solidFill>
-                  <a:schemeClr val="tx1"/>
-                </a:solidFill>
-                <a:latin typeface="+mn-lt"/>
-                <a:ea typeface="+mn-ea"/>
-                <a:cs typeface="+mn-cs"/>
-              </a:defRPr>
-            </a:lvl5pPr>
-            <a:lvl6pPr marL="2514600" indent="-228600" algn="l" defTabSz="914400" rtl="0" eaLnBrk="1" latinLnBrk="0" hangingPunct="1">
-              <a:lnSpc>
-                <a:spcPct val="90000"/>
-              </a:lnSpc>
-              <a:spcBef>
-                <a:spcPts val="500"/>
-              </a:spcBef>
-              <a:buFont typeface="Arial" panose="020B0604020202020204" pitchFamily="34" charset="0"/>
-              <a:buChar char="•"/>
-              <a:defRPr sz="1800" kern="1200">
-                <a:solidFill>
-                  <a:schemeClr val="tx1"/>
-                </a:solidFill>
-                <a:latin typeface="+mn-lt"/>
-                <a:ea typeface="+mn-ea"/>
-                <a:cs typeface="+mn-cs"/>
-              </a:defRPr>
-            </a:lvl6pPr>
-            <a:lvl7pPr marL="2971800" indent="-228600" algn="l" defTabSz="914400" rtl="0" eaLnBrk="1" latinLnBrk="0" hangingPunct="1">
-              <a:lnSpc>
-                <a:spcPct val="90000"/>
-              </a:lnSpc>
-              <a:spcBef>
-                <a:spcPts val="500"/>
-              </a:spcBef>
-              <a:buFont typeface="Arial" panose="020B0604020202020204" pitchFamily="34" charset="0"/>
-              <a:buChar char="•"/>
-              <a:defRPr sz="1800" kern="1200">
-                <a:solidFill>
-                  <a:schemeClr val="tx1"/>
-                </a:solidFill>
-                <a:latin typeface="+mn-lt"/>
-                <a:ea typeface="+mn-ea"/>
-                <a:cs typeface="+mn-cs"/>
-              </a:defRPr>
-            </a:lvl7pPr>
-            <a:lvl8pPr marL="3429000" indent="-228600" algn="l" defTabSz="914400" rtl="0" eaLnBrk="1" latinLnBrk="0" hangingPunct="1">
-              <a:lnSpc>
-                <a:spcPct val="90000"/>
-              </a:lnSpc>
-              <a:spcBef>
-                <a:spcPts val="500"/>
-              </a:spcBef>
-              <a:buFont typeface="Arial" panose="020B0604020202020204" pitchFamily="34" charset="0"/>
-              <a:buChar char="•"/>
-              <a:defRPr sz="1800" kern="1200">
-                <a:solidFill>
-                  <a:schemeClr val="tx1"/>
-                </a:solidFill>
-                <a:latin typeface="+mn-lt"/>
-                <a:ea typeface="+mn-ea"/>
-                <a:cs typeface="+mn-cs"/>
-              </a:defRPr>
-            </a:lvl8pPr>
-            <a:lvl9pPr marL="3886200" indent="-228600" algn="l" defTabSz="914400" rtl="0" eaLnBrk="1" latinLnBrk="0" hangingPunct="1">
-              <a:lnSpc>
-                <a:spcPct val="90000"/>
-              </a:lnSpc>
-              <a:spcBef>
-                <a:spcPts val="500"/>
-              </a:spcBef>
-              <a:buFont typeface="Arial" panose="020B0604020202020204" pitchFamily="34" charset="0"/>
-              <a:buChar char="•"/>
-              <a:defRPr sz="1800" kern="1200">
-                <a:solidFill>
-                  <a:schemeClr val="tx1"/>
-                </a:solidFill>
-                <a:latin typeface="+mn-lt"/>
-                <a:ea typeface="+mn-ea"/>
-                <a:cs typeface="+mn-cs"/>
-              </a:defRPr>
-            </a:lvl9pPr>
-          </a:lstStyle>
-          <a:p>
-            <a:pPr marL="0" indent="0">
-              <a:buNone/>
-            </a:pPr>
-            <a:r>
-              <a:rPr lang="de-DE" sz="1600" dirty="0">
-                <a:solidFill>
-                  <a:schemeClr val="bg1"/>
-                </a:solidFill>
-              </a:rPr>
-              <a:t>21.05.2021</a:t>
-            </a:r>
-          </a:p>
-        </p:txBody>
-      </p:sp>
-      <p:sp>
-        <p:nvSpPr>
-          <p:cNvPr id="11" name="Inhaltsplatzhalter 2">
-            <a:extLst>
-              <a:ext uri="{FF2B5EF4-FFF2-40B4-BE49-F238E27FC236}">
-                <a16:creationId xmlns:a16="http://schemas.microsoft.com/office/drawing/2014/main" id="{DCF2C4D7-FEA7-48C9-8AA3-B879ACF6C000}"/>
-              </a:ext>
-            </a:extLst>
-          </p:cNvPr>
-          <p:cNvSpPr txBox="1">
-            <a:spLocks/>
-          </p:cNvSpPr>
-          <p:nvPr/>
-        </p:nvSpPr>
-        <p:spPr>
-          <a:xfrm>
-            <a:off x="9820890" y="6261919"/>
-            <a:ext cx="2025978" cy="461912"/>
-          </a:xfrm>
-          <a:prstGeom prst="rect">
-            <a:avLst/>
-          </a:prstGeom>
-          <a:noFill/>
-        </p:spPr>
-        <p:txBody>
-          <a:bodyPr vert="horz" lIns="91440" tIns="45720" rIns="91440" bIns="45720" rtlCol="0">
-            <a:normAutofit/>
-          </a:bodyPr>
-          <a:lstStyle>
-            <a:lvl1pPr marL="228600" indent="-228600" algn="l" defTabSz="914400" rtl="0" eaLnBrk="1" latinLnBrk="0" hangingPunct="1">
-              <a:lnSpc>
-                <a:spcPct val="90000"/>
-              </a:lnSpc>
-              <a:spcBef>
-                <a:spcPts val="1000"/>
-              </a:spcBef>
-              <a:buFont typeface="Arial" panose="020B0604020202020204" pitchFamily="34" charset="0"/>
-              <a:buChar char="•"/>
-              <a:defRPr sz="2800" kern="1200">
-                <a:solidFill>
-                  <a:schemeClr val="tx1"/>
-                </a:solidFill>
-                <a:latin typeface="+mn-lt"/>
-                <a:ea typeface="+mn-ea"/>
-                <a:cs typeface="+mn-cs"/>
-              </a:defRPr>
-            </a:lvl1pPr>
-            <a:lvl2pPr marL="685800" indent="-228600" algn="l" defTabSz="914400" rtl="0" eaLnBrk="1" latinLnBrk="0" hangingPunct="1">
-              <a:lnSpc>
-                <a:spcPct val="90000"/>
-              </a:lnSpc>
-              <a:spcBef>
-                <a:spcPts val="500"/>
-              </a:spcBef>
-              <a:buFont typeface="Arial" panose="020B0604020202020204" pitchFamily="34" charset="0"/>
-              <a:buChar char="•"/>
-              <a:defRPr sz="2400" kern="1200">
-                <a:solidFill>
-                  <a:schemeClr val="tx1"/>
-                </a:solidFill>
-                <a:latin typeface="+mn-lt"/>
-                <a:ea typeface="+mn-ea"/>
-                <a:cs typeface="+mn-cs"/>
-              </a:defRPr>
-            </a:lvl2pPr>
-            <a:lvl3pPr marL="1143000" indent="-228600" algn="l" defTabSz="914400" rtl="0" eaLnBrk="1" latinLnBrk="0" hangingPunct="1">
-              <a:lnSpc>
-                <a:spcPct val="90000"/>
-              </a:lnSpc>
-              <a:spcBef>
-                <a:spcPts val="500"/>
-              </a:spcBef>
-              <a:buFont typeface="Arial" panose="020B0604020202020204" pitchFamily="34" charset="0"/>
-              <a:buChar char="•"/>
-              <a:defRPr sz="2000" kern="1200">
-                <a:solidFill>
-                  <a:schemeClr val="tx1"/>
-                </a:solidFill>
-                <a:latin typeface="+mn-lt"/>
-                <a:ea typeface="+mn-ea"/>
-                <a:cs typeface="+mn-cs"/>
-              </a:defRPr>
-            </a:lvl3pPr>
-            <a:lvl4pPr marL="1600200" indent="-228600" algn="l" defTabSz="914400" rtl="0" eaLnBrk="1" latinLnBrk="0" hangingPunct="1">
-              <a:lnSpc>
-                <a:spcPct val="90000"/>
-              </a:lnSpc>
-              <a:spcBef>
-                <a:spcPts val="500"/>
-              </a:spcBef>
-              <a:buFont typeface="Arial" panose="020B0604020202020204" pitchFamily="34" charset="0"/>
-              <a:buChar char="•"/>
-              <a:defRPr sz="1800" kern="1200">
-                <a:solidFill>
-                  <a:schemeClr val="tx1"/>
-                </a:solidFill>
-                <a:latin typeface="+mn-lt"/>
-                <a:ea typeface="+mn-ea"/>
-                <a:cs typeface="+mn-cs"/>
-              </a:defRPr>
-            </a:lvl4pPr>
-            <a:lvl5pPr marL="2057400" indent="-228600" algn="l" defTabSz="914400" rtl="0" eaLnBrk="1" latinLnBrk="0" hangingPunct="1">
-              <a:lnSpc>
-                <a:spcPct val="90000"/>
-              </a:lnSpc>
-              <a:spcBef>
-                <a:spcPts val="500"/>
-              </a:spcBef>
-              <a:buFont typeface="Arial" panose="020B0604020202020204" pitchFamily="34" charset="0"/>
-              <a:buChar char="•"/>
-              <a:defRPr sz="1800" kern="1200">
-                <a:solidFill>
-                  <a:schemeClr val="tx1"/>
-                </a:solidFill>
-                <a:latin typeface="+mn-lt"/>
-                <a:ea typeface="+mn-ea"/>
-                <a:cs typeface="+mn-cs"/>
-              </a:defRPr>
-            </a:lvl5pPr>
-            <a:lvl6pPr marL="2514600" indent="-228600" algn="l" defTabSz="914400" rtl="0" eaLnBrk="1" latinLnBrk="0" hangingPunct="1">
-              <a:lnSpc>
-                <a:spcPct val="90000"/>
-              </a:lnSpc>
-              <a:spcBef>
-                <a:spcPts val="500"/>
-              </a:spcBef>
-              <a:buFont typeface="Arial" panose="020B0604020202020204" pitchFamily="34" charset="0"/>
-              <a:buChar char="•"/>
-              <a:defRPr sz="1800" kern="1200">
-                <a:solidFill>
-                  <a:schemeClr val="tx1"/>
-                </a:solidFill>
-                <a:latin typeface="+mn-lt"/>
-                <a:ea typeface="+mn-ea"/>
-                <a:cs typeface="+mn-cs"/>
-              </a:defRPr>
-            </a:lvl6pPr>
-            <a:lvl7pPr marL="2971800" indent="-228600" algn="l" defTabSz="914400" rtl="0" eaLnBrk="1" latinLnBrk="0" hangingPunct="1">
-              <a:lnSpc>
-                <a:spcPct val="90000"/>
-              </a:lnSpc>
-              <a:spcBef>
-                <a:spcPts val="500"/>
-              </a:spcBef>
-              <a:buFont typeface="Arial" panose="020B0604020202020204" pitchFamily="34" charset="0"/>
-              <a:buChar char="•"/>
-              <a:defRPr sz="1800" kern="1200">
-                <a:solidFill>
-                  <a:schemeClr val="tx1"/>
-                </a:solidFill>
-                <a:latin typeface="+mn-lt"/>
-                <a:ea typeface="+mn-ea"/>
-                <a:cs typeface="+mn-cs"/>
-              </a:defRPr>
-            </a:lvl7pPr>
-            <a:lvl8pPr marL="3429000" indent="-228600" algn="l" defTabSz="914400" rtl="0" eaLnBrk="1" latinLnBrk="0" hangingPunct="1">
-              <a:lnSpc>
-                <a:spcPct val="90000"/>
-              </a:lnSpc>
-              <a:spcBef>
-                <a:spcPts val="500"/>
-              </a:spcBef>
-              <a:buFont typeface="Arial" panose="020B0604020202020204" pitchFamily="34" charset="0"/>
-              <a:buChar char="•"/>
-              <a:defRPr sz="1800" kern="1200">
-                <a:solidFill>
-                  <a:schemeClr val="tx1"/>
-                </a:solidFill>
-                <a:latin typeface="+mn-lt"/>
-                <a:ea typeface="+mn-ea"/>
-                <a:cs typeface="+mn-cs"/>
-              </a:defRPr>
-            </a:lvl8pPr>
-            <a:lvl9pPr marL="3886200" indent="-228600" algn="l" defTabSz="914400" rtl="0" eaLnBrk="1" latinLnBrk="0" hangingPunct="1">
-              <a:lnSpc>
-                <a:spcPct val="90000"/>
-              </a:lnSpc>
-              <a:spcBef>
-                <a:spcPts val="500"/>
-              </a:spcBef>
-              <a:buFont typeface="Arial" panose="020B0604020202020204" pitchFamily="34" charset="0"/>
-              <a:buChar char="•"/>
-              <a:defRPr sz="1800" kern="1200">
-                <a:solidFill>
-                  <a:schemeClr val="tx1"/>
-                </a:solidFill>
-                <a:latin typeface="+mn-lt"/>
-                <a:ea typeface="+mn-ea"/>
-                <a:cs typeface="+mn-cs"/>
-              </a:defRPr>
-            </a:lvl9pPr>
-          </a:lstStyle>
-          <a:p>
-            <a:pPr marL="0" indent="0" algn="r">
-              <a:buNone/>
-            </a:pPr>
-            <a:r>
-              <a:rPr lang="de-DE" sz="1600" dirty="0">
-                <a:solidFill>
-                  <a:schemeClr val="bg1"/>
-                </a:solidFill>
-              </a:rPr>
-              <a:t>Seite 1</a:t>
-            </a:r>
-          </a:p>
-        </p:txBody>
-      </p:sp>
       <p:pic>
         <p:nvPicPr>
           <p:cNvPr id="8" name="Grafik 7">
@@ -7980,23 +6394,34 @@
                   <a:schemeClr val="bg1"/>
                 </a:solidFill>
               </a:rPr>
-              <a:t>Erfolgreiches/Fehlgeschlagenes parsen der </a:t>
-            </a:r>
-            <a:r>
-              <a:rPr lang="de-DE" dirty="0" err="1">
-                <a:solidFill>
-                  <a:schemeClr val="bg1"/>
-                </a:solidFill>
-              </a:rPr>
-              <a:t>Konfigurations</a:t>
-            </a:r>
+              <a:t>Erfolgreiches/Fehlgeschlagenes parsen der Konfigurationsdateien </a:t>
+            </a:r>
+            <a:r>
+              <a:rPr lang="de-DE" b="1" dirty="0">
+                <a:solidFill>
+                  <a:schemeClr val="bg1"/>
+                </a:solidFill>
+              </a:rPr>
+              <a:t>(Logfile)</a:t>
+            </a:r>
+          </a:p>
+          <a:p>
+            <a:pPr lvl="1"/>
             <a:r>
               <a:rPr lang="de-DE" dirty="0">
                 <a:solidFill>
                   <a:schemeClr val="bg1"/>
                 </a:solidFill>
               </a:rPr>
-              <a:t> Dateien</a:t>
+              <a:t>Erfolgreiches/Fehlgeschlagenes starten der Server </a:t>
+            </a:r>
+            <a:r>
+              <a:rPr lang="de-DE" b="1" dirty="0">
+                <a:solidFill>
+                  <a:schemeClr val="bg1"/>
+                </a:solidFill>
+              </a:rPr>
+              <a:t>(UI)</a:t>
             </a:r>
           </a:p>
           <a:p>
@@ -8007,18 +6432,15 @@
                   <a:schemeClr val="bg1"/>
                 </a:solidFill>
               </a:rPr>
-              <a:t>Erfolgreiches/Fehlgeschlagenes starten der Server</a:t>
-            </a:r>
-          </a:p>
-          <a:p>
-            <a:pPr lvl="1"/>
-            <a:r>
-              <a:rPr lang="de-DE" dirty="0">
-                <a:solidFill>
-                  <a:schemeClr val="bg1"/>
-                </a:solidFill>
-              </a:rPr>
-              <a:t>Erfolgreiches/Fehlgeschlagenes ausschalten der Server</a:t>
+              <a:t>Erfolgreiches/Fehlgeschlagenes ausschalten der Server </a:t>
+            </a:r>
+            <a:r>
+              <a:rPr lang="de-DE" b="1" dirty="0">
+                <a:solidFill>
+                  <a:schemeClr val="bg1"/>
+                </a:solidFill>
+              </a:rPr>
+              <a:t>(UI)</a:t>
             </a:r>
           </a:p>
           <a:p>
@@ -8028,6 +6450,72 @@
                 <a:schemeClr val="bg1"/>
               </a:solidFill>
             </a:endParaRPr>
+          </a:p>
+          <a:p>
+            <a:pPr lvl="1"/>
+            <a:endParaRPr lang="de-DE" dirty="0">
+              <a:solidFill>
+                <a:schemeClr val="bg1"/>
+              </a:solidFill>
+            </a:endParaRPr>
+          </a:p>
+        </p:txBody>
+      </p:sp>
+      <p:sp>
+        <p:nvSpPr>
+          <p:cNvPr id="4" name="Datumsplatzhalter 3">
+            <a:extLst>
+              <a:ext uri="{FF2B5EF4-FFF2-40B4-BE49-F238E27FC236}">
+                <a16:creationId xmlns:a16="http://schemas.microsoft.com/office/drawing/2014/main" id="{FFD46A89-9747-4D90-A068-10FD44E3B0EE}"/>
+              </a:ext>
+            </a:extLst>
+          </p:cNvPr>
+          <p:cNvSpPr>
+            <a:spLocks noGrp="1"/>
+          </p:cNvSpPr>
+          <p:nvPr>
+            <p:ph type="dt" sz="half" idx="10"/>
+          </p:nvPr>
+        </p:nvSpPr>
+        <p:spPr/>
+        <p:txBody>
+          <a:bodyPr/>
+          <a:lstStyle/>
+          <a:p>
+            <a:fld id="{74C612F5-2B6B-41AB-AD0F-8E5E9007A0DC}" type="datetime2">
+              <a:rPr lang="de-DE" smtClean="0"/>
+              <a:t>Donnerstag, 20. Mai 2021</a:t>
+            </a:fld>
+            <a:endParaRPr lang="de-DE"/>
+          </a:p>
+        </p:txBody>
+      </p:sp>
+      <p:sp>
+        <p:nvSpPr>
+          <p:cNvPr id="5" name="Foliennummernplatzhalter 4">
+            <a:extLst>
+              <a:ext uri="{FF2B5EF4-FFF2-40B4-BE49-F238E27FC236}">
+                <a16:creationId xmlns:a16="http://schemas.microsoft.com/office/drawing/2014/main" id="{53362019-3FF3-45E7-A617-7CE4C017B3E2}"/>
+              </a:ext>
+            </a:extLst>
+          </p:cNvPr>
+          <p:cNvSpPr>
+            <a:spLocks noGrp="1"/>
+          </p:cNvSpPr>
+          <p:nvPr>
+            <p:ph type="sldNum" sz="quarter" idx="12"/>
+          </p:nvPr>
+        </p:nvSpPr>
+        <p:spPr/>
+        <p:txBody>
+          <a:bodyPr/>
+          <a:lstStyle/>
+          <a:p>
+            <a:fld id="{13CDD369-7DFB-421D-BF1B-CBA1C54DDA3D}" type="slidenum">
+              <a:rPr lang="de-DE" smtClean="0"/>
+              <a:t>13</a:t>
+            </a:fld>
+            <a:endParaRPr lang="de-DE"/>
           </a:p>
         </p:txBody>
       </p:sp>
@@ -8041,6 +6529,18 @@
   <p:clrMapOvr>
     <a:masterClrMapping/>
   </p:clrMapOvr>
+  <mc:AlternateContent xmlns:mc="http://schemas.openxmlformats.org/markup-compatibility/2006">
+    <mc:Choice xmlns:p159="http://schemas.microsoft.com/office/powerpoint/2015/09/main" Requires="p159">
+      <p:transition xmlns:p14="http://schemas.microsoft.com/office/powerpoint/2010/main" spd="slow" p14:dur="2000">
+        <p159:morph option="byObject"/>
+      </p:transition>
+    </mc:Choice>
+    <mc:Fallback>
+      <p:transition spd="slow">
+        <p:fade/>
+      </p:transition>
+    </mc:Fallback>
+  </mc:AlternateContent>
 </p:sld>
 </file>
 
@@ -8402,415 +6902,59 @@
       </p:pic>
       <p:sp>
         <p:nvSpPr>
-          <p:cNvPr id="10" name="Inhaltsplatzhalter 2">
-            <a:extLst>
-              <a:ext uri="{FF2B5EF4-FFF2-40B4-BE49-F238E27FC236}">
-                <a16:creationId xmlns:a16="http://schemas.microsoft.com/office/drawing/2014/main" id="{1E597849-8825-4B46-BF40-F2D5D11F01EC}"/>
-              </a:ext>
-            </a:extLst>
-          </p:cNvPr>
-          <p:cNvSpPr txBox="1">
-            <a:spLocks/>
+          <p:cNvPr id="4" name="Datumsplatzhalter 3">
+            <a:extLst>
+              <a:ext uri="{FF2B5EF4-FFF2-40B4-BE49-F238E27FC236}">
+                <a16:creationId xmlns:a16="http://schemas.microsoft.com/office/drawing/2014/main" id="{E6DDA478-E2A3-4FA9-BAF5-815E15A31123}"/>
+              </a:ext>
+            </a:extLst>
+          </p:cNvPr>
+          <p:cNvSpPr>
+            <a:spLocks noGrp="1"/>
           </p:cNvSpPr>
-          <p:nvPr/>
+          <p:nvPr>
+            <p:ph type="dt" sz="half" idx="10"/>
+          </p:nvPr>
         </p:nvSpPr>
-        <p:spPr>
-          <a:xfrm>
-            <a:off x="241034" y="6261919"/>
-            <a:ext cx="2025978" cy="461912"/>
-          </a:xfrm>
-          <a:prstGeom prst="rect">
-            <a:avLst/>
-          </a:prstGeom>
-          <a:noFill/>
-        </p:spPr>
+        <p:spPr/>
         <p:txBody>
-          <a:bodyPr vert="horz" lIns="91440" tIns="45720" rIns="91440" bIns="45720" rtlCol="0">
-            <a:normAutofit/>
-          </a:bodyPr>
-          <a:lstStyle>
-            <a:lvl1pPr marL="228600" indent="-228600" algn="l" defTabSz="914400" rtl="0" eaLnBrk="1" latinLnBrk="0" hangingPunct="1">
-              <a:lnSpc>
-                <a:spcPct val="90000"/>
-              </a:lnSpc>
-              <a:spcBef>
-                <a:spcPts val="1000"/>
-              </a:spcBef>
-              <a:buFont typeface="Arial" panose="020B0604020202020204" pitchFamily="34" charset="0"/>
-              <a:buChar char="•"/>
-              <a:defRPr sz="2800" kern="1200">
-                <a:solidFill>
-                  <a:schemeClr val="tx1"/>
-                </a:solidFill>
-                <a:latin typeface="+mn-lt"/>
-                <a:ea typeface="+mn-ea"/>
-                <a:cs typeface="+mn-cs"/>
-              </a:defRPr>
-            </a:lvl1pPr>
-            <a:lvl2pPr marL="685800" indent="-228600" algn="l" defTabSz="914400" rtl="0" eaLnBrk="1" latinLnBrk="0" hangingPunct="1">
-              <a:lnSpc>
-                <a:spcPct val="90000"/>
-              </a:lnSpc>
-              <a:spcBef>
-                <a:spcPts val="500"/>
-              </a:spcBef>
-              <a:buFont typeface="Arial" panose="020B0604020202020204" pitchFamily="34" charset="0"/>
-              <a:buChar char="•"/>
-              <a:defRPr sz="2400" kern="1200">
-                <a:solidFill>
-                  <a:schemeClr val="tx1"/>
-                </a:solidFill>
-                <a:latin typeface="+mn-lt"/>
-                <a:ea typeface="+mn-ea"/>
-                <a:cs typeface="+mn-cs"/>
-              </a:defRPr>
-            </a:lvl2pPr>
-            <a:lvl3pPr marL="1143000" indent="-228600" algn="l" defTabSz="914400" rtl="0" eaLnBrk="1" latinLnBrk="0" hangingPunct="1">
-              <a:lnSpc>
-                <a:spcPct val="90000"/>
-              </a:lnSpc>
-              <a:spcBef>
-                <a:spcPts val="500"/>
-              </a:spcBef>
-              <a:buFont typeface="Arial" panose="020B0604020202020204" pitchFamily="34" charset="0"/>
-              <a:buChar char="•"/>
-              <a:defRPr sz="2000" kern="1200">
-                <a:solidFill>
-                  <a:schemeClr val="tx1"/>
-                </a:solidFill>
-                <a:latin typeface="+mn-lt"/>
-                <a:ea typeface="+mn-ea"/>
-                <a:cs typeface="+mn-cs"/>
-              </a:defRPr>
-            </a:lvl3pPr>
-            <a:lvl4pPr marL="1600200" indent="-228600" algn="l" defTabSz="914400" rtl="0" eaLnBrk="1" latinLnBrk="0" hangingPunct="1">
-              <a:lnSpc>
-                <a:spcPct val="90000"/>
-              </a:lnSpc>
-              <a:spcBef>
-                <a:spcPts val="500"/>
-              </a:spcBef>
-              <a:buFont typeface="Arial" panose="020B0604020202020204" pitchFamily="34" charset="0"/>
-              <a:buChar char="•"/>
-              <a:defRPr sz="1800" kern="1200">
-                <a:solidFill>
-                  <a:schemeClr val="tx1"/>
-                </a:solidFill>
-                <a:latin typeface="+mn-lt"/>
-                <a:ea typeface="+mn-ea"/>
-                <a:cs typeface="+mn-cs"/>
-              </a:defRPr>
-            </a:lvl4pPr>
-            <a:lvl5pPr marL="2057400" indent="-228600" algn="l" defTabSz="914400" rtl="0" eaLnBrk="1" latinLnBrk="0" hangingPunct="1">
-              <a:lnSpc>
-                <a:spcPct val="90000"/>
-              </a:lnSpc>
-              <a:spcBef>
-                <a:spcPts val="500"/>
-              </a:spcBef>
-              <a:buFont typeface="Arial" panose="020B0604020202020204" pitchFamily="34" charset="0"/>
-              <a:buChar char="•"/>
-              <a:defRPr sz="1800" kern="1200">
-                <a:solidFill>
-                  <a:schemeClr val="tx1"/>
-                </a:solidFill>
-                <a:latin typeface="+mn-lt"/>
-                <a:ea typeface="+mn-ea"/>
-                <a:cs typeface="+mn-cs"/>
-              </a:defRPr>
-            </a:lvl5pPr>
-            <a:lvl6pPr marL="2514600" indent="-228600" algn="l" defTabSz="914400" rtl="0" eaLnBrk="1" latinLnBrk="0" hangingPunct="1">
-              <a:lnSpc>
-                <a:spcPct val="90000"/>
-              </a:lnSpc>
-              <a:spcBef>
-                <a:spcPts val="500"/>
-              </a:spcBef>
-              <a:buFont typeface="Arial" panose="020B0604020202020204" pitchFamily="34" charset="0"/>
-              <a:buChar char="•"/>
-              <a:defRPr sz="1800" kern="1200">
-                <a:solidFill>
-                  <a:schemeClr val="tx1"/>
-                </a:solidFill>
-                <a:latin typeface="+mn-lt"/>
-                <a:ea typeface="+mn-ea"/>
-                <a:cs typeface="+mn-cs"/>
-              </a:defRPr>
-            </a:lvl6pPr>
-            <a:lvl7pPr marL="2971800" indent="-228600" algn="l" defTabSz="914400" rtl="0" eaLnBrk="1" latinLnBrk="0" hangingPunct="1">
-              <a:lnSpc>
-                <a:spcPct val="90000"/>
-              </a:lnSpc>
-              <a:spcBef>
-                <a:spcPts val="500"/>
-              </a:spcBef>
-              <a:buFont typeface="Arial" panose="020B0604020202020204" pitchFamily="34" charset="0"/>
-              <a:buChar char="•"/>
-              <a:defRPr sz="1800" kern="1200">
-                <a:solidFill>
-                  <a:schemeClr val="tx1"/>
-                </a:solidFill>
-                <a:latin typeface="+mn-lt"/>
-                <a:ea typeface="+mn-ea"/>
-                <a:cs typeface="+mn-cs"/>
-              </a:defRPr>
-            </a:lvl7pPr>
-            <a:lvl8pPr marL="3429000" indent="-228600" algn="l" defTabSz="914400" rtl="0" eaLnBrk="1" latinLnBrk="0" hangingPunct="1">
-              <a:lnSpc>
-                <a:spcPct val="90000"/>
-              </a:lnSpc>
-              <a:spcBef>
-                <a:spcPts val="500"/>
-              </a:spcBef>
-              <a:buFont typeface="Arial" panose="020B0604020202020204" pitchFamily="34" charset="0"/>
-              <a:buChar char="•"/>
-              <a:defRPr sz="1800" kern="1200">
-                <a:solidFill>
-                  <a:schemeClr val="tx1"/>
-                </a:solidFill>
-                <a:latin typeface="+mn-lt"/>
-                <a:ea typeface="+mn-ea"/>
-                <a:cs typeface="+mn-cs"/>
-              </a:defRPr>
-            </a:lvl8pPr>
-            <a:lvl9pPr marL="3886200" indent="-228600" algn="l" defTabSz="914400" rtl="0" eaLnBrk="1" latinLnBrk="0" hangingPunct="1">
-              <a:lnSpc>
-                <a:spcPct val="90000"/>
-              </a:lnSpc>
-              <a:spcBef>
-                <a:spcPts val="500"/>
-              </a:spcBef>
-              <a:buFont typeface="Arial" panose="020B0604020202020204" pitchFamily="34" charset="0"/>
-              <a:buChar char="•"/>
-              <a:defRPr sz="1800" kern="1200">
-                <a:solidFill>
-                  <a:schemeClr val="tx1"/>
-                </a:solidFill>
-                <a:latin typeface="+mn-lt"/>
-                <a:ea typeface="+mn-ea"/>
-                <a:cs typeface="+mn-cs"/>
-              </a:defRPr>
-            </a:lvl9pPr>
-          </a:lstStyle>
-          <a:p>
-            <a:pPr marL="0" indent="0">
-              <a:buNone/>
-            </a:pPr>
-            <a:r>
-              <a:rPr lang="de-DE" sz="1600" dirty="0">
-                <a:solidFill>
-                  <a:schemeClr val="bg1"/>
-                </a:solidFill>
-              </a:rPr>
-              <a:t>21.05.2021</a:t>
-            </a:r>
+          <a:bodyPr/>
+          <a:lstStyle/>
+          <a:p>
+            <a:fld id="{1055DC9E-854D-43D2-B80B-0C3D65AEEC55}" type="datetime2">
+              <a:rPr lang="de-DE" smtClean="0"/>
+              <a:t>Donnerstag, 20. Mai 2021</a:t>
+            </a:fld>
+            <a:endParaRPr lang="de-DE"/>
           </a:p>
         </p:txBody>
       </p:sp>
       <p:sp>
         <p:nvSpPr>
-          <p:cNvPr id="11" name="Inhaltsplatzhalter 2">
-            <a:extLst>
-              <a:ext uri="{FF2B5EF4-FFF2-40B4-BE49-F238E27FC236}">
-                <a16:creationId xmlns:a16="http://schemas.microsoft.com/office/drawing/2014/main" id="{DCF2C4D7-FEA7-48C9-8AA3-B879ACF6C000}"/>
-              </a:ext>
-            </a:extLst>
-          </p:cNvPr>
-          <p:cNvSpPr txBox="1">
-            <a:spLocks/>
+          <p:cNvPr id="5" name="Foliennummernplatzhalter 4">
+            <a:extLst>
+              <a:ext uri="{FF2B5EF4-FFF2-40B4-BE49-F238E27FC236}">
+                <a16:creationId xmlns:a16="http://schemas.microsoft.com/office/drawing/2014/main" id="{8596F439-C616-4604-8C9E-649847012872}"/>
+              </a:ext>
+            </a:extLst>
+          </p:cNvPr>
+          <p:cNvSpPr>
+            <a:spLocks noGrp="1"/>
           </p:cNvSpPr>
-          <p:nvPr/>
+          <p:nvPr>
+            <p:ph type="sldNum" sz="quarter" idx="12"/>
+          </p:nvPr>
         </p:nvSpPr>
-        <p:spPr>
-          <a:xfrm>
-            <a:off x="9820890" y="6261919"/>
-            <a:ext cx="2025978" cy="461912"/>
-          </a:xfrm>
-          <a:prstGeom prst="rect">
-            <a:avLst/>
-          </a:prstGeom>
-          <a:noFill/>
-        </p:spPr>
+        <p:spPr/>
         <p:txBody>
-          <a:bodyPr vert="horz" lIns="91440" tIns="45720" rIns="91440" bIns="45720" rtlCol="0">
-            <a:normAutofit/>
-          </a:bodyPr>
-          <a:lstStyle>
-            <a:lvl1pPr marL="228600" indent="-228600" algn="l" defTabSz="914400" rtl="0" eaLnBrk="1" latinLnBrk="0" hangingPunct="1">
-              <a:lnSpc>
-                <a:spcPct val="90000"/>
-              </a:lnSpc>
-              <a:spcBef>
-                <a:spcPts val="1000"/>
-              </a:spcBef>
-              <a:buFont typeface="Arial" panose="020B0604020202020204" pitchFamily="34" charset="0"/>
-              <a:buChar char="•"/>
-              <a:defRPr sz="2800" kern="1200">
-                <a:solidFill>
-                  <a:schemeClr val="tx1"/>
-                </a:solidFill>
-                <a:latin typeface="+mn-lt"/>
-                <a:ea typeface="+mn-ea"/>
-                <a:cs typeface="+mn-cs"/>
-              </a:defRPr>
-            </a:lvl1pPr>
-            <a:lvl2pPr marL="685800" indent="-228600" algn="l" defTabSz="914400" rtl="0" eaLnBrk="1" latinLnBrk="0" hangingPunct="1">
-              <a:lnSpc>
-                <a:spcPct val="90000"/>
-              </a:lnSpc>
-              <a:spcBef>
-                <a:spcPts val="500"/>
-              </a:spcBef>
-              <a:buFont typeface="Arial" panose="020B0604020202020204" pitchFamily="34" charset="0"/>
-              <a:buChar char="•"/>
-              <a:defRPr sz="2400" kern="1200">
-                <a:solidFill>
-                  <a:schemeClr val="tx1"/>
-                </a:solidFill>
-                <a:latin typeface="+mn-lt"/>
-                <a:ea typeface="+mn-ea"/>
-                <a:cs typeface="+mn-cs"/>
-              </a:defRPr>
-            </a:lvl2pPr>
-            <a:lvl3pPr marL="1143000" indent="-228600" algn="l" defTabSz="914400" rtl="0" eaLnBrk="1" latinLnBrk="0" hangingPunct="1">
-              <a:lnSpc>
-                <a:spcPct val="90000"/>
-              </a:lnSpc>
-              <a:spcBef>
-                <a:spcPts val="500"/>
-              </a:spcBef>
-              <a:buFont typeface="Arial" panose="020B0604020202020204" pitchFamily="34" charset="0"/>
-              <a:buChar char="•"/>
-              <a:defRPr sz="2000" kern="1200">
-                <a:solidFill>
-                  <a:schemeClr val="tx1"/>
-                </a:solidFill>
-                <a:latin typeface="+mn-lt"/>
-                <a:ea typeface="+mn-ea"/>
-                <a:cs typeface="+mn-cs"/>
-              </a:defRPr>
-            </a:lvl3pPr>
-            <a:lvl4pPr marL="1600200" indent="-228600" algn="l" defTabSz="914400" rtl="0" eaLnBrk="1" latinLnBrk="0" hangingPunct="1">
-              <a:lnSpc>
-                <a:spcPct val="90000"/>
-              </a:lnSpc>
-              <a:spcBef>
-                <a:spcPts val="500"/>
-              </a:spcBef>
-              <a:buFont typeface="Arial" panose="020B0604020202020204" pitchFamily="34" charset="0"/>
-              <a:buChar char="•"/>
-              <a:defRPr sz="1800" kern="1200">
-                <a:solidFill>
-                  <a:schemeClr val="tx1"/>
-                </a:solidFill>
-                <a:latin typeface="+mn-lt"/>
-                <a:ea typeface="+mn-ea"/>
-                <a:cs typeface="+mn-cs"/>
-              </a:defRPr>
-            </a:lvl4pPr>
-            <a:lvl5pPr marL="2057400" indent="-228600" algn="l" defTabSz="914400" rtl="0" eaLnBrk="1" latinLnBrk="0" hangingPunct="1">
-              <a:lnSpc>
-                <a:spcPct val="90000"/>
-              </a:lnSpc>
-              <a:spcBef>
-                <a:spcPts val="500"/>
-              </a:spcBef>
-              <a:buFont typeface="Arial" panose="020B0604020202020204" pitchFamily="34" charset="0"/>
-              <a:buChar char="•"/>
-              <a:defRPr sz="1800" kern="1200">
-                <a:solidFill>
-                  <a:schemeClr val="tx1"/>
-                </a:solidFill>
-                <a:latin typeface="+mn-lt"/>
-                <a:ea typeface="+mn-ea"/>
-                <a:cs typeface="+mn-cs"/>
-              </a:defRPr>
-            </a:lvl5pPr>
-            <a:lvl6pPr marL="2514600" indent="-228600" algn="l" defTabSz="914400" rtl="0" eaLnBrk="1" latinLnBrk="0" hangingPunct="1">
-              <a:lnSpc>
-                <a:spcPct val="90000"/>
-              </a:lnSpc>
-              <a:spcBef>
-                <a:spcPts val="500"/>
-              </a:spcBef>
-              <a:buFont typeface="Arial" panose="020B0604020202020204" pitchFamily="34" charset="0"/>
-              <a:buChar char="•"/>
-              <a:defRPr sz="1800" kern="1200">
-                <a:solidFill>
-                  <a:schemeClr val="tx1"/>
-                </a:solidFill>
-                <a:latin typeface="+mn-lt"/>
-                <a:ea typeface="+mn-ea"/>
-                <a:cs typeface="+mn-cs"/>
-              </a:defRPr>
-            </a:lvl6pPr>
-            <a:lvl7pPr marL="2971800" indent="-228600" algn="l" defTabSz="914400" rtl="0" eaLnBrk="1" latinLnBrk="0" hangingPunct="1">
-              <a:lnSpc>
-                <a:spcPct val="90000"/>
-              </a:lnSpc>
-              <a:spcBef>
-                <a:spcPts val="500"/>
-              </a:spcBef>
-              <a:buFont typeface="Arial" panose="020B0604020202020204" pitchFamily="34" charset="0"/>
-              <a:buChar char="•"/>
-              <a:defRPr sz="1800" kern="1200">
-                <a:solidFill>
-                  <a:schemeClr val="tx1"/>
-                </a:solidFill>
-                <a:latin typeface="+mn-lt"/>
-                <a:ea typeface="+mn-ea"/>
-                <a:cs typeface="+mn-cs"/>
-              </a:defRPr>
-            </a:lvl7pPr>
-            <a:lvl8pPr marL="3429000" indent="-228600" algn="l" defTabSz="914400" rtl="0" eaLnBrk="1" latinLnBrk="0" hangingPunct="1">
-              <a:lnSpc>
-                <a:spcPct val="90000"/>
-              </a:lnSpc>
-              <a:spcBef>
-                <a:spcPts val="500"/>
-              </a:spcBef>
-              <a:buFont typeface="Arial" panose="020B0604020202020204" pitchFamily="34" charset="0"/>
-              <a:buChar char="•"/>
-              <a:defRPr sz="1800" kern="1200">
-                <a:solidFill>
-                  <a:schemeClr val="tx1"/>
-                </a:solidFill>
-                <a:latin typeface="+mn-lt"/>
-                <a:ea typeface="+mn-ea"/>
-                <a:cs typeface="+mn-cs"/>
-              </a:defRPr>
-            </a:lvl8pPr>
-            <a:lvl9pPr marL="3886200" indent="-228600" algn="l" defTabSz="914400" rtl="0" eaLnBrk="1" latinLnBrk="0" hangingPunct="1">
-              <a:lnSpc>
-                <a:spcPct val="90000"/>
-              </a:lnSpc>
-              <a:spcBef>
-                <a:spcPts val="500"/>
-              </a:spcBef>
-              <a:buFont typeface="Arial" panose="020B0604020202020204" pitchFamily="34" charset="0"/>
-              <a:buChar char="•"/>
-              <a:defRPr sz="1800" kern="1200">
-                <a:solidFill>
-                  <a:schemeClr val="tx1"/>
-                </a:solidFill>
-                <a:latin typeface="+mn-lt"/>
-                <a:ea typeface="+mn-ea"/>
-                <a:cs typeface="+mn-cs"/>
-              </a:defRPr>
-            </a:lvl9pPr>
-          </a:lstStyle>
-          <a:p>
-            <a:pPr marL="0" indent="0" algn="r">
-              <a:buNone/>
-            </a:pPr>
-            <a:r>
-              <a:rPr lang="de-DE" sz="1600" dirty="0">
-                <a:solidFill>
-                  <a:schemeClr val="bg1"/>
-                </a:solidFill>
-              </a:rPr>
-              <a:t>Seite 1</a:t>
-            </a:r>
+          <a:bodyPr/>
+          <a:lstStyle/>
+          <a:p>
+            <a:fld id="{13CDD369-7DFB-421D-BF1B-CBA1C54DDA3D}" type="slidenum">
+              <a:rPr lang="de-DE" smtClean="0"/>
+              <a:t>14</a:t>
+            </a:fld>
+            <a:endParaRPr lang="de-DE"/>
           </a:p>
         </p:txBody>
       </p:sp>
@@ -8824,6 +6968,18 @@
   <p:clrMapOvr>
     <a:masterClrMapping/>
   </p:clrMapOvr>
+  <mc:AlternateContent xmlns:mc="http://schemas.openxmlformats.org/markup-compatibility/2006">
+    <mc:Choice xmlns:p159="http://schemas.microsoft.com/office/powerpoint/2015/09/main" Requires="p159">
+      <p:transition xmlns:p14="http://schemas.microsoft.com/office/powerpoint/2010/main" spd="slow" p14:dur="2000">
+        <p159:morph option="byObject"/>
+      </p:transition>
+    </mc:Choice>
+    <mc:Fallback>
+      <p:transition spd="slow">
+        <p:fade/>
+      </p:transition>
+    </mc:Fallback>
+  </mc:AlternateContent>
 </p:sld>
 </file>
 
@@ -9152,415 +7308,59 @@
       </p:pic>
       <p:sp>
         <p:nvSpPr>
-          <p:cNvPr id="10" name="Inhaltsplatzhalter 2">
-            <a:extLst>
-              <a:ext uri="{FF2B5EF4-FFF2-40B4-BE49-F238E27FC236}">
-                <a16:creationId xmlns:a16="http://schemas.microsoft.com/office/drawing/2014/main" id="{1E597849-8825-4B46-BF40-F2D5D11F01EC}"/>
-              </a:ext>
-            </a:extLst>
-          </p:cNvPr>
-          <p:cNvSpPr txBox="1">
-            <a:spLocks/>
+          <p:cNvPr id="3" name="Datumsplatzhalter 2">
+            <a:extLst>
+              <a:ext uri="{FF2B5EF4-FFF2-40B4-BE49-F238E27FC236}">
+                <a16:creationId xmlns:a16="http://schemas.microsoft.com/office/drawing/2014/main" id="{A62C0EAF-7389-417A-BAC4-05A22BE8AFE9}"/>
+              </a:ext>
+            </a:extLst>
+          </p:cNvPr>
+          <p:cNvSpPr>
+            <a:spLocks noGrp="1"/>
           </p:cNvSpPr>
-          <p:nvPr/>
+          <p:nvPr>
+            <p:ph type="dt" sz="half" idx="10"/>
+          </p:nvPr>
         </p:nvSpPr>
-        <p:spPr>
-          <a:xfrm>
-            <a:off x="241034" y="6261919"/>
-            <a:ext cx="2025978" cy="461912"/>
-          </a:xfrm>
-          <a:prstGeom prst="rect">
-            <a:avLst/>
-          </a:prstGeom>
-          <a:noFill/>
-        </p:spPr>
+        <p:spPr/>
         <p:txBody>
-          <a:bodyPr vert="horz" lIns="91440" tIns="45720" rIns="91440" bIns="45720" rtlCol="0">
-            <a:normAutofit/>
-          </a:bodyPr>
-          <a:lstStyle>
-            <a:lvl1pPr marL="228600" indent="-228600" algn="l" defTabSz="914400" rtl="0" eaLnBrk="1" latinLnBrk="0" hangingPunct="1">
-              <a:lnSpc>
-                <a:spcPct val="90000"/>
-              </a:lnSpc>
-              <a:spcBef>
-                <a:spcPts val="1000"/>
-              </a:spcBef>
-              <a:buFont typeface="Arial" panose="020B0604020202020204" pitchFamily="34" charset="0"/>
-              <a:buChar char="•"/>
-              <a:defRPr sz="2800" kern="1200">
-                <a:solidFill>
-                  <a:schemeClr val="tx1"/>
-                </a:solidFill>
-                <a:latin typeface="+mn-lt"/>
-                <a:ea typeface="+mn-ea"/>
-                <a:cs typeface="+mn-cs"/>
-              </a:defRPr>
-            </a:lvl1pPr>
-            <a:lvl2pPr marL="685800" indent="-228600" algn="l" defTabSz="914400" rtl="0" eaLnBrk="1" latinLnBrk="0" hangingPunct="1">
-              <a:lnSpc>
-                <a:spcPct val="90000"/>
-              </a:lnSpc>
-              <a:spcBef>
-                <a:spcPts val="500"/>
-              </a:spcBef>
-              <a:buFont typeface="Arial" panose="020B0604020202020204" pitchFamily="34" charset="0"/>
-              <a:buChar char="•"/>
-              <a:defRPr sz="2400" kern="1200">
-                <a:solidFill>
-                  <a:schemeClr val="tx1"/>
-                </a:solidFill>
-                <a:latin typeface="+mn-lt"/>
-                <a:ea typeface="+mn-ea"/>
-                <a:cs typeface="+mn-cs"/>
-              </a:defRPr>
-            </a:lvl2pPr>
-            <a:lvl3pPr marL="1143000" indent="-228600" algn="l" defTabSz="914400" rtl="0" eaLnBrk="1" latinLnBrk="0" hangingPunct="1">
-              <a:lnSpc>
-                <a:spcPct val="90000"/>
-              </a:lnSpc>
-              <a:spcBef>
-                <a:spcPts val="500"/>
-              </a:spcBef>
-              <a:buFont typeface="Arial" panose="020B0604020202020204" pitchFamily="34" charset="0"/>
-              <a:buChar char="•"/>
-              <a:defRPr sz="2000" kern="1200">
-                <a:solidFill>
-                  <a:schemeClr val="tx1"/>
-                </a:solidFill>
-                <a:latin typeface="+mn-lt"/>
-                <a:ea typeface="+mn-ea"/>
-                <a:cs typeface="+mn-cs"/>
-              </a:defRPr>
-            </a:lvl3pPr>
-            <a:lvl4pPr marL="1600200" indent="-228600" algn="l" defTabSz="914400" rtl="0" eaLnBrk="1" latinLnBrk="0" hangingPunct="1">
-              <a:lnSpc>
-                <a:spcPct val="90000"/>
-              </a:lnSpc>
-              <a:spcBef>
-                <a:spcPts val="500"/>
-              </a:spcBef>
-              <a:buFont typeface="Arial" panose="020B0604020202020204" pitchFamily="34" charset="0"/>
-              <a:buChar char="•"/>
-              <a:defRPr sz="1800" kern="1200">
-                <a:solidFill>
-                  <a:schemeClr val="tx1"/>
-                </a:solidFill>
-                <a:latin typeface="+mn-lt"/>
-                <a:ea typeface="+mn-ea"/>
-                <a:cs typeface="+mn-cs"/>
-              </a:defRPr>
-            </a:lvl4pPr>
-            <a:lvl5pPr marL="2057400" indent="-228600" algn="l" defTabSz="914400" rtl="0" eaLnBrk="1" latinLnBrk="0" hangingPunct="1">
-              <a:lnSpc>
-                <a:spcPct val="90000"/>
-              </a:lnSpc>
-              <a:spcBef>
-                <a:spcPts val="500"/>
-              </a:spcBef>
-              <a:buFont typeface="Arial" panose="020B0604020202020204" pitchFamily="34" charset="0"/>
-              <a:buChar char="•"/>
-              <a:defRPr sz="1800" kern="1200">
-                <a:solidFill>
-                  <a:schemeClr val="tx1"/>
-                </a:solidFill>
-                <a:latin typeface="+mn-lt"/>
-                <a:ea typeface="+mn-ea"/>
-                <a:cs typeface="+mn-cs"/>
-              </a:defRPr>
-            </a:lvl5pPr>
-            <a:lvl6pPr marL="2514600" indent="-228600" algn="l" defTabSz="914400" rtl="0" eaLnBrk="1" latinLnBrk="0" hangingPunct="1">
-              <a:lnSpc>
-                <a:spcPct val="90000"/>
-              </a:lnSpc>
-              <a:spcBef>
-                <a:spcPts val="500"/>
-              </a:spcBef>
-              <a:buFont typeface="Arial" panose="020B0604020202020204" pitchFamily="34" charset="0"/>
-              <a:buChar char="•"/>
-              <a:defRPr sz="1800" kern="1200">
-                <a:solidFill>
-                  <a:schemeClr val="tx1"/>
-                </a:solidFill>
-                <a:latin typeface="+mn-lt"/>
-                <a:ea typeface="+mn-ea"/>
-                <a:cs typeface="+mn-cs"/>
-              </a:defRPr>
-            </a:lvl6pPr>
-            <a:lvl7pPr marL="2971800" indent="-228600" algn="l" defTabSz="914400" rtl="0" eaLnBrk="1" latinLnBrk="0" hangingPunct="1">
-              <a:lnSpc>
-                <a:spcPct val="90000"/>
-              </a:lnSpc>
-              <a:spcBef>
-                <a:spcPts val="500"/>
-              </a:spcBef>
-              <a:buFont typeface="Arial" panose="020B0604020202020204" pitchFamily="34" charset="0"/>
-              <a:buChar char="•"/>
-              <a:defRPr sz="1800" kern="1200">
-                <a:solidFill>
-                  <a:schemeClr val="tx1"/>
-                </a:solidFill>
-                <a:latin typeface="+mn-lt"/>
-                <a:ea typeface="+mn-ea"/>
-                <a:cs typeface="+mn-cs"/>
-              </a:defRPr>
-            </a:lvl7pPr>
-            <a:lvl8pPr marL="3429000" indent="-228600" algn="l" defTabSz="914400" rtl="0" eaLnBrk="1" latinLnBrk="0" hangingPunct="1">
-              <a:lnSpc>
-                <a:spcPct val="90000"/>
-              </a:lnSpc>
-              <a:spcBef>
-                <a:spcPts val="500"/>
-              </a:spcBef>
-              <a:buFont typeface="Arial" panose="020B0604020202020204" pitchFamily="34" charset="0"/>
-              <a:buChar char="•"/>
-              <a:defRPr sz="1800" kern="1200">
-                <a:solidFill>
-                  <a:schemeClr val="tx1"/>
-                </a:solidFill>
-                <a:latin typeface="+mn-lt"/>
-                <a:ea typeface="+mn-ea"/>
-                <a:cs typeface="+mn-cs"/>
-              </a:defRPr>
-            </a:lvl8pPr>
-            <a:lvl9pPr marL="3886200" indent="-228600" algn="l" defTabSz="914400" rtl="0" eaLnBrk="1" latinLnBrk="0" hangingPunct="1">
-              <a:lnSpc>
-                <a:spcPct val="90000"/>
-              </a:lnSpc>
-              <a:spcBef>
-                <a:spcPts val="500"/>
-              </a:spcBef>
-              <a:buFont typeface="Arial" panose="020B0604020202020204" pitchFamily="34" charset="0"/>
-              <a:buChar char="•"/>
-              <a:defRPr sz="1800" kern="1200">
-                <a:solidFill>
-                  <a:schemeClr val="tx1"/>
-                </a:solidFill>
-                <a:latin typeface="+mn-lt"/>
-                <a:ea typeface="+mn-ea"/>
-                <a:cs typeface="+mn-cs"/>
-              </a:defRPr>
-            </a:lvl9pPr>
-          </a:lstStyle>
-          <a:p>
-            <a:pPr marL="0" indent="0">
-              <a:buNone/>
-            </a:pPr>
-            <a:r>
-              <a:rPr lang="de-DE" sz="1600" dirty="0">
-                <a:solidFill>
-                  <a:schemeClr val="bg1"/>
-                </a:solidFill>
-              </a:rPr>
-              <a:t>21.05.2021</a:t>
-            </a:r>
+          <a:bodyPr/>
+          <a:lstStyle/>
+          <a:p>
+            <a:fld id="{1C0964E5-D1F7-408C-BBE6-0715761CA0FC}" type="datetime2">
+              <a:rPr lang="de-DE" smtClean="0"/>
+              <a:t>Donnerstag, 20. Mai 2021</a:t>
+            </a:fld>
+            <a:endParaRPr lang="de-DE"/>
           </a:p>
         </p:txBody>
       </p:sp>
       <p:sp>
         <p:nvSpPr>
-          <p:cNvPr id="11" name="Inhaltsplatzhalter 2">
-            <a:extLst>
-              <a:ext uri="{FF2B5EF4-FFF2-40B4-BE49-F238E27FC236}">
-                <a16:creationId xmlns:a16="http://schemas.microsoft.com/office/drawing/2014/main" id="{DCF2C4D7-FEA7-48C9-8AA3-B879ACF6C000}"/>
-              </a:ext>
-            </a:extLst>
-          </p:cNvPr>
-          <p:cNvSpPr txBox="1">
-            <a:spLocks/>
+          <p:cNvPr id="4" name="Foliennummernplatzhalter 3">
+            <a:extLst>
+              <a:ext uri="{FF2B5EF4-FFF2-40B4-BE49-F238E27FC236}">
+                <a16:creationId xmlns:a16="http://schemas.microsoft.com/office/drawing/2014/main" id="{0C3FE7E2-82A7-4E73-B01D-BA507DA3505E}"/>
+              </a:ext>
+            </a:extLst>
+          </p:cNvPr>
+          <p:cNvSpPr>
+            <a:spLocks noGrp="1"/>
           </p:cNvSpPr>
-          <p:nvPr/>
+          <p:nvPr>
+            <p:ph type="sldNum" sz="quarter" idx="12"/>
+          </p:nvPr>
         </p:nvSpPr>
-        <p:spPr>
-          <a:xfrm>
-            <a:off x="9820890" y="6261919"/>
-            <a:ext cx="2025978" cy="461912"/>
-          </a:xfrm>
-          <a:prstGeom prst="rect">
-            <a:avLst/>
-          </a:prstGeom>
-          <a:noFill/>
-        </p:spPr>
+        <p:spPr/>
         <p:txBody>
-          <a:bodyPr vert="horz" lIns="91440" tIns="45720" rIns="91440" bIns="45720" rtlCol="0">
-            <a:normAutofit/>
-          </a:bodyPr>
-          <a:lstStyle>
-            <a:lvl1pPr marL="228600" indent="-228600" algn="l" defTabSz="914400" rtl="0" eaLnBrk="1" latinLnBrk="0" hangingPunct="1">
-              <a:lnSpc>
-                <a:spcPct val="90000"/>
-              </a:lnSpc>
-              <a:spcBef>
-                <a:spcPts val="1000"/>
-              </a:spcBef>
-              <a:buFont typeface="Arial" panose="020B0604020202020204" pitchFamily="34" charset="0"/>
-              <a:buChar char="•"/>
-              <a:defRPr sz="2800" kern="1200">
-                <a:solidFill>
-                  <a:schemeClr val="tx1"/>
-                </a:solidFill>
-                <a:latin typeface="+mn-lt"/>
-                <a:ea typeface="+mn-ea"/>
-                <a:cs typeface="+mn-cs"/>
-              </a:defRPr>
-            </a:lvl1pPr>
-            <a:lvl2pPr marL="685800" indent="-228600" algn="l" defTabSz="914400" rtl="0" eaLnBrk="1" latinLnBrk="0" hangingPunct="1">
-              <a:lnSpc>
-                <a:spcPct val="90000"/>
-              </a:lnSpc>
-              <a:spcBef>
-                <a:spcPts val="500"/>
-              </a:spcBef>
-              <a:buFont typeface="Arial" panose="020B0604020202020204" pitchFamily="34" charset="0"/>
-              <a:buChar char="•"/>
-              <a:defRPr sz="2400" kern="1200">
-                <a:solidFill>
-                  <a:schemeClr val="tx1"/>
-                </a:solidFill>
-                <a:latin typeface="+mn-lt"/>
-                <a:ea typeface="+mn-ea"/>
-                <a:cs typeface="+mn-cs"/>
-              </a:defRPr>
-            </a:lvl2pPr>
-            <a:lvl3pPr marL="1143000" indent="-228600" algn="l" defTabSz="914400" rtl="0" eaLnBrk="1" latinLnBrk="0" hangingPunct="1">
-              <a:lnSpc>
-                <a:spcPct val="90000"/>
-              </a:lnSpc>
-              <a:spcBef>
-                <a:spcPts val="500"/>
-              </a:spcBef>
-              <a:buFont typeface="Arial" panose="020B0604020202020204" pitchFamily="34" charset="0"/>
-              <a:buChar char="•"/>
-              <a:defRPr sz="2000" kern="1200">
-                <a:solidFill>
-                  <a:schemeClr val="tx1"/>
-                </a:solidFill>
-                <a:latin typeface="+mn-lt"/>
-                <a:ea typeface="+mn-ea"/>
-                <a:cs typeface="+mn-cs"/>
-              </a:defRPr>
-            </a:lvl3pPr>
-            <a:lvl4pPr marL="1600200" indent="-228600" algn="l" defTabSz="914400" rtl="0" eaLnBrk="1" latinLnBrk="0" hangingPunct="1">
-              <a:lnSpc>
-                <a:spcPct val="90000"/>
-              </a:lnSpc>
-              <a:spcBef>
-                <a:spcPts val="500"/>
-              </a:spcBef>
-              <a:buFont typeface="Arial" panose="020B0604020202020204" pitchFamily="34" charset="0"/>
-              <a:buChar char="•"/>
-              <a:defRPr sz="1800" kern="1200">
-                <a:solidFill>
-                  <a:schemeClr val="tx1"/>
-                </a:solidFill>
-                <a:latin typeface="+mn-lt"/>
-                <a:ea typeface="+mn-ea"/>
-                <a:cs typeface="+mn-cs"/>
-              </a:defRPr>
-            </a:lvl4pPr>
-            <a:lvl5pPr marL="2057400" indent="-228600" algn="l" defTabSz="914400" rtl="0" eaLnBrk="1" latinLnBrk="0" hangingPunct="1">
-              <a:lnSpc>
-                <a:spcPct val="90000"/>
-              </a:lnSpc>
-              <a:spcBef>
-                <a:spcPts val="500"/>
-              </a:spcBef>
-              <a:buFont typeface="Arial" panose="020B0604020202020204" pitchFamily="34" charset="0"/>
-              <a:buChar char="•"/>
-              <a:defRPr sz="1800" kern="1200">
-                <a:solidFill>
-                  <a:schemeClr val="tx1"/>
-                </a:solidFill>
-                <a:latin typeface="+mn-lt"/>
-                <a:ea typeface="+mn-ea"/>
-                <a:cs typeface="+mn-cs"/>
-              </a:defRPr>
-            </a:lvl5pPr>
-            <a:lvl6pPr marL="2514600" indent="-228600" algn="l" defTabSz="914400" rtl="0" eaLnBrk="1" latinLnBrk="0" hangingPunct="1">
-              <a:lnSpc>
-                <a:spcPct val="90000"/>
-              </a:lnSpc>
-              <a:spcBef>
-                <a:spcPts val="500"/>
-              </a:spcBef>
-              <a:buFont typeface="Arial" panose="020B0604020202020204" pitchFamily="34" charset="0"/>
-              <a:buChar char="•"/>
-              <a:defRPr sz="1800" kern="1200">
-                <a:solidFill>
-                  <a:schemeClr val="tx1"/>
-                </a:solidFill>
-                <a:latin typeface="+mn-lt"/>
-                <a:ea typeface="+mn-ea"/>
-                <a:cs typeface="+mn-cs"/>
-              </a:defRPr>
-            </a:lvl6pPr>
-            <a:lvl7pPr marL="2971800" indent="-228600" algn="l" defTabSz="914400" rtl="0" eaLnBrk="1" latinLnBrk="0" hangingPunct="1">
-              <a:lnSpc>
-                <a:spcPct val="90000"/>
-              </a:lnSpc>
-              <a:spcBef>
-                <a:spcPts val="500"/>
-              </a:spcBef>
-              <a:buFont typeface="Arial" panose="020B0604020202020204" pitchFamily="34" charset="0"/>
-              <a:buChar char="•"/>
-              <a:defRPr sz="1800" kern="1200">
-                <a:solidFill>
-                  <a:schemeClr val="tx1"/>
-                </a:solidFill>
-                <a:latin typeface="+mn-lt"/>
-                <a:ea typeface="+mn-ea"/>
-                <a:cs typeface="+mn-cs"/>
-              </a:defRPr>
-            </a:lvl7pPr>
-            <a:lvl8pPr marL="3429000" indent="-228600" algn="l" defTabSz="914400" rtl="0" eaLnBrk="1" latinLnBrk="0" hangingPunct="1">
-              <a:lnSpc>
-                <a:spcPct val="90000"/>
-              </a:lnSpc>
-              <a:spcBef>
-                <a:spcPts val="500"/>
-              </a:spcBef>
-              <a:buFont typeface="Arial" panose="020B0604020202020204" pitchFamily="34" charset="0"/>
-              <a:buChar char="•"/>
-              <a:defRPr sz="1800" kern="1200">
-                <a:solidFill>
-                  <a:schemeClr val="tx1"/>
-                </a:solidFill>
-                <a:latin typeface="+mn-lt"/>
-                <a:ea typeface="+mn-ea"/>
-                <a:cs typeface="+mn-cs"/>
-              </a:defRPr>
-            </a:lvl8pPr>
-            <a:lvl9pPr marL="3886200" indent="-228600" algn="l" defTabSz="914400" rtl="0" eaLnBrk="1" latinLnBrk="0" hangingPunct="1">
-              <a:lnSpc>
-                <a:spcPct val="90000"/>
-              </a:lnSpc>
-              <a:spcBef>
-                <a:spcPts val="500"/>
-              </a:spcBef>
-              <a:buFont typeface="Arial" panose="020B0604020202020204" pitchFamily="34" charset="0"/>
-              <a:buChar char="•"/>
-              <a:defRPr sz="1800" kern="1200">
-                <a:solidFill>
-                  <a:schemeClr val="tx1"/>
-                </a:solidFill>
-                <a:latin typeface="+mn-lt"/>
-                <a:ea typeface="+mn-ea"/>
-                <a:cs typeface="+mn-cs"/>
-              </a:defRPr>
-            </a:lvl9pPr>
-          </a:lstStyle>
-          <a:p>
-            <a:pPr marL="0" indent="0" algn="r">
-              <a:buNone/>
-            </a:pPr>
-            <a:r>
-              <a:rPr lang="de-DE" sz="1600" dirty="0">
-                <a:solidFill>
-                  <a:schemeClr val="bg1"/>
-                </a:solidFill>
-              </a:rPr>
-              <a:t>Seite 1</a:t>
-            </a:r>
+          <a:bodyPr/>
+          <a:lstStyle/>
+          <a:p>
+            <a:fld id="{13CDD369-7DFB-421D-BF1B-CBA1C54DDA3D}" type="slidenum">
+              <a:rPr lang="de-DE" smtClean="0"/>
+              <a:t>15</a:t>
+            </a:fld>
+            <a:endParaRPr lang="de-DE"/>
           </a:p>
         </p:txBody>
       </p:sp>
@@ -9574,6 +7374,18 @@
   <p:clrMapOvr>
     <a:masterClrMapping/>
   </p:clrMapOvr>
+  <mc:AlternateContent xmlns:mc="http://schemas.openxmlformats.org/markup-compatibility/2006">
+    <mc:Choice xmlns:p159="http://schemas.microsoft.com/office/powerpoint/2015/09/main" Requires="p159">
+      <p:transition xmlns:p14="http://schemas.microsoft.com/office/powerpoint/2010/main" spd="slow" p14:dur="2000">
+        <p159:morph option="byObject"/>
+      </p:transition>
+    </mc:Choice>
+    <mc:Fallback>
+      <p:transition spd="slow">
+        <p:fade/>
+      </p:transition>
+    </mc:Fallback>
+  </mc:AlternateContent>
 </p:sld>
 </file>
 
@@ -9840,13 +7652,31 @@
           <a:lstStyle/>
           <a:p>
             <a:r>
+              <a:rPr lang="de-DE" b="1" dirty="0" err="1">
+                <a:solidFill>
+                  <a:schemeClr val="bg1"/>
+                </a:solidFill>
+                <a:latin typeface="+mn-lt"/>
+              </a:rPr>
+              <a:t>Lessions</a:t>
+            </a:r>
+            <a:r>
               <a:rPr lang="de-DE" b="1" dirty="0">
                 <a:solidFill>
                   <a:schemeClr val="bg1"/>
                 </a:solidFill>
                 <a:latin typeface="+mn-lt"/>
               </a:rPr>
-              <a:t>Fazit &amp; Ausblick</a:t>
+              <a:t> </a:t>
+            </a:r>
+            <a:r>
+              <a:rPr lang="de-DE" b="1" dirty="0" err="1">
+                <a:solidFill>
+                  <a:schemeClr val="bg1"/>
+                </a:solidFill>
+                <a:latin typeface="+mn-lt"/>
+              </a:rPr>
+              <a:t>Learned</a:t>
             </a:r>
             <a:r>
               <a:rPr lang="de-DE" dirty="0">
@@ -9877,23 +7707,141 @@
         </p:nvSpPr>
         <p:spPr>
           <a:xfrm>
-            <a:off x="838200" y="1690688"/>
-            <a:ext cx="10515600" cy="4399027"/>
+            <a:off x="838200" y="1428560"/>
+            <a:ext cx="10515600" cy="4927790"/>
           </a:xfrm>
           <a:noFill/>
         </p:spPr>
         <p:txBody>
-          <a:bodyPr/>
+          <a:bodyPr>
+            <a:normAutofit fontScale="85000" lnSpcReduction="20000"/>
+          </a:bodyPr>
           <a:lstStyle/>
           <a:p>
+            <a:pPr>
+              <a:lnSpc>
+                <a:spcPct val="150000"/>
+              </a:lnSpc>
+            </a:pPr>
             <a:r>
               <a:rPr lang="de-DE" dirty="0">
                 <a:solidFill>
                   <a:schemeClr val="bg1"/>
                 </a:solidFill>
               </a:rPr>
-              <a:t>Test Bullet Point</a:t>
-            </a:r>
+              <a:t>Fähigkeiten in C++ erweitert</a:t>
+            </a:r>
+          </a:p>
+          <a:p>
+            <a:pPr>
+              <a:lnSpc>
+                <a:spcPct val="150000"/>
+              </a:lnSpc>
+            </a:pPr>
+            <a:r>
+              <a:rPr lang="de-DE" dirty="0">
+                <a:solidFill>
+                  <a:schemeClr val="bg1"/>
+                </a:solidFill>
+              </a:rPr>
+              <a:t>Schnittstelle C# &amp; C++</a:t>
+            </a:r>
+          </a:p>
+          <a:p>
+            <a:pPr>
+              <a:lnSpc>
+                <a:spcPct val="150000"/>
+              </a:lnSpc>
+            </a:pPr>
+            <a:r>
+              <a:rPr lang="de-DE" dirty="0">
+                <a:solidFill>
+                  <a:schemeClr val="bg1"/>
+                </a:solidFill>
+              </a:rPr>
+              <a:t>Projektstrukturierung/</a:t>
+            </a:r>
+            <a:r>
+              <a:rPr lang="de-DE" dirty="0" err="1">
+                <a:solidFill>
+                  <a:schemeClr val="bg1"/>
+                </a:solidFill>
+              </a:rPr>
+              <a:t>management</a:t>
+            </a:r>
+            <a:endParaRPr lang="de-DE" dirty="0">
+              <a:solidFill>
+                <a:schemeClr val="bg1"/>
+              </a:solidFill>
+            </a:endParaRPr>
+          </a:p>
+          <a:p>
+            <a:pPr>
+              <a:lnSpc>
+                <a:spcPct val="150000"/>
+              </a:lnSpc>
+            </a:pPr>
+            <a:r>
+              <a:rPr lang="de-DE" dirty="0">
+                <a:solidFill>
+                  <a:schemeClr val="bg1"/>
+                </a:solidFill>
+              </a:rPr>
+              <a:t>Dokumentation von Software</a:t>
+            </a:r>
+          </a:p>
+          <a:p>
+            <a:pPr>
+              <a:lnSpc>
+                <a:spcPct val="150000"/>
+              </a:lnSpc>
+            </a:pPr>
+            <a:r>
+              <a:rPr lang="de-DE" dirty="0">
+                <a:solidFill>
+                  <a:schemeClr val="bg1"/>
+                </a:solidFill>
+              </a:rPr>
+              <a:t>Gruppenaufteilung ist sinnvoll (Technischer Redakteur, Entwickler, …)</a:t>
+            </a:r>
+          </a:p>
+          <a:p>
+            <a:pPr>
+              <a:lnSpc>
+                <a:spcPct val="150000"/>
+              </a:lnSpc>
+            </a:pPr>
+            <a:r>
+              <a:rPr lang="de-DE" dirty="0">
+                <a:solidFill>
+                  <a:schemeClr val="bg1"/>
+                </a:solidFill>
+              </a:rPr>
+              <a:t>Mit wegfallenden Teammitglied rechnen -&gt; neue Aufteilung</a:t>
+            </a:r>
+          </a:p>
+          <a:p>
+            <a:pPr>
+              <a:lnSpc>
+                <a:spcPct val="150000"/>
+              </a:lnSpc>
+            </a:pPr>
+            <a:r>
+              <a:rPr lang="de-DE" dirty="0">
+                <a:solidFill>
+                  <a:schemeClr val="bg1"/>
+                </a:solidFill>
+              </a:rPr>
+              <a:t>Regelmäßige Meetings mit Kunden -&gt; Verbesserung des Projektes + eingehen auf Wünsche &amp; Anregungen</a:t>
+            </a:r>
+          </a:p>
+          <a:p>
+            <a:pPr lvl="1"/>
+            <a:endParaRPr lang="de-DE" dirty="0">
+              <a:solidFill>
+                <a:schemeClr val="bg1"/>
+              </a:solidFill>
+            </a:endParaRPr>
           </a:p>
         </p:txBody>
       </p:sp>
@@ -9935,428 +7883,84 @@
       </p:pic>
       <p:sp>
         <p:nvSpPr>
-          <p:cNvPr id="10" name="Inhaltsplatzhalter 2">
-            <a:extLst>
-              <a:ext uri="{FF2B5EF4-FFF2-40B4-BE49-F238E27FC236}">
-                <a16:creationId xmlns:a16="http://schemas.microsoft.com/office/drawing/2014/main" id="{1E597849-8825-4B46-BF40-F2D5D11F01EC}"/>
-              </a:ext>
-            </a:extLst>
-          </p:cNvPr>
-          <p:cNvSpPr txBox="1">
-            <a:spLocks/>
+          <p:cNvPr id="4" name="Datumsplatzhalter 3">
+            <a:extLst>
+              <a:ext uri="{FF2B5EF4-FFF2-40B4-BE49-F238E27FC236}">
+                <a16:creationId xmlns:a16="http://schemas.microsoft.com/office/drawing/2014/main" id="{E5BE687C-6AF3-45FE-B179-A984DB776A3C}"/>
+              </a:ext>
+            </a:extLst>
+          </p:cNvPr>
+          <p:cNvSpPr>
+            <a:spLocks noGrp="1"/>
           </p:cNvSpPr>
-          <p:nvPr/>
+          <p:nvPr>
+            <p:ph type="dt" sz="half" idx="10"/>
+          </p:nvPr>
         </p:nvSpPr>
-        <p:spPr>
-          <a:xfrm>
-            <a:off x="241034" y="6261919"/>
-            <a:ext cx="2025978" cy="461912"/>
-          </a:xfrm>
-          <a:prstGeom prst="rect">
-            <a:avLst/>
-          </a:prstGeom>
-          <a:noFill/>
-        </p:spPr>
+        <p:spPr/>
         <p:txBody>
-          <a:bodyPr vert="horz" lIns="91440" tIns="45720" rIns="91440" bIns="45720" rtlCol="0">
-            <a:normAutofit/>
-          </a:bodyPr>
-          <a:lstStyle>
-            <a:lvl1pPr marL="228600" indent="-228600" algn="l" defTabSz="914400" rtl="0" eaLnBrk="1" latinLnBrk="0" hangingPunct="1">
-              <a:lnSpc>
-                <a:spcPct val="90000"/>
-              </a:lnSpc>
-              <a:spcBef>
-                <a:spcPts val="1000"/>
-              </a:spcBef>
-              <a:buFont typeface="Arial" panose="020B0604020202020204" pitchFamily="34" charset="0"/>
-              <a:buChar char="•"/>
-              <a:defRPr sz="2800" kern="1200">
-                <a:solidFill>
-                  <a:schemeClr val="tx1"/>
-                </a:solidFill>
-                <a:latin typeface="+mn-lt"/>
-                <a:ea typeface="+mn-ea"/>
-                <a:cs typeface="+mn-cs"/>
-              </a:defRPr>
-            </a:lvl1pPr>
-            <a:lvl2pPr marL="685800" indent="-228600" algn="l" defTabSz="914400" rtl="0" eaLnBrk="1" latinLnBrk="0" hangingPunct="1">
-              <a:lnSpc>
-                <a:spcPct val="90000"/>
-              </a:lnSpc>
-              <a:spcBef>
-                <a:spcPts val="500"/>
-              </a:spcBef>
-              <a:buFont typeface="Arial" panose="020B0604020202020204" pitchFamily="34" charset="0"/>
-              <a:buChar char="•"/>
-              <a:defRPr sz="2400" kern="1200">
-                <a:solidFill>
-                  <a:schemeClr val="tx1"/>
-                </a:solidFill>
-                <a:latin typeface="+mn-lt"/>
-                <a:ea typeface="+mn-ea"/>
-                <a:cs typeface="+mn-cs"/>
-              </a:defRPr>
-            </a:lvl2pPr>
-            <a:lvl3pPr marL="1143000" indent="-228600" algn="l" defTabSz="914400" rtl="0" eaLnBrk="1" latinLnBrk="0" hangingPunct="1">
-              <a:lnSpc>
-                <a:spcPct val="90000"/>
-              </a:lnSpc>
-              <a:spcBef>
-                <a:spcPts val="500"/>
-              </a:spcBef>
-              <a:buFont typeface="Arial" panose="020B0604020202020204" pitchFamily="34" charset="0"/>
-              <a:buChar char="•"/>
-              <a:defRPr sz="2000" kern="1200">
-                <a:solidFill>
-                  <a:schemeClr val="tx1"/>
-                </a:solidFill>
-                <a:latin typeface="+mn-lt"/>
-                <a:ea typeface="+mn-ea"/>
-                <a:cs typeface="+mn-cs"/>
-              </a:defRPr>
-            </a:lvl3pPr>
-            <a:lvl4pPr marL="1600200" indent="-228600" algn="l" defTabSz="914400" rtl="0" eaLnBrk="1" latinLnBrk="0" hangingPunct="1">
-              <a:lnSpc>
-                <a:spcPct val="90000"/>
-              </a:lnSpc>
-              <a:spcBef>
-                <a:spcPts val="500"/>
-              </a:spcBef>
-              <a:buFont typeface="Arial" panose="020B0604020202020204" pitchFamily="34" charset="0"/>
-              <a:buChar char="•"/>
-              <a:defRPr sz="1800" kern="1200">
-                <a:solidFill>
-                  <a:schemeClr val="tx1"/>
-                </a:solidFill>
-                <a:latin typeface="+mn-lt"/>
-                <a:ea typeface="+mn-ea"/>
-                <a:cs typeface="+mn-cs"/>
-              </a:defRPr>
-            </a:lvl4pPr>
-            <a:lvl5pPr marL="2057400" indent="-228600" algn="l" defTabSz="914400" rtl="0" eaLnBrk="1" latinLnBrk="0" hangingPunct="1">
-              <a:lnSpc>
-                <a:spcPct val="90000"/>
-              </a:lnSpc>
-              <a:spcBef>
-                <a:spcPts val="500"/>
-              </a:spcBef>
-              <a:buFont typeface="Arial" panose="020B0604020202020204" pitchFamily="34" charset="0"/>
-              <a:buChar char="•"/>
-              <a:defRPr sz="1800" kern="1200">
-                <a:solidFill>
-                  <a:schemeClr val="tx1"/>
-                </a:solidFill>
-                <a:latin typeface="+mn-lt"/>
-                <a:ea typeface="+mn-ea"/>
-                <a:cs typeface="+mn-cs"/>
-              </a:defRPr>
-            </a:lvl5pPr>
-            <a:lvl6pPr marL="2514600" indent="-228600" algn="l" defTabSz="914400" rtl="0" eaLnBrk="1" latinLnBrk="0" hangingPunct="1">
-              <a:lnSpc>
-                <a:spcPct val="90000"/>
-              </a:lnSpc>
-              <a:spcBef>
-                <a:spcPts val="500"/>
-              </a:spcBef>
-              <a:buFont typeface="Arial" panose="020B0604020202020204" pitchFamily="34" charset="0"/>
-              <a:buChar char="•"/>
-              <a:defRPr sz="1800" kern="1200">
-                <a:solidFill>
-                  <a:schemeClr val="tx1"/>
-                </a:solidFill>
-                <a:latin typeface="+mn-lt"/>
-                <a:ea typeface="+mn-ea"/>
-                <a:cs typeface="+mn-cs"/>
-              </a:defRPr>
-            </a:lvl6pPr>
-            <a:lvl7pPr marL="2971800" indent="-228600" algn="l" defTabSz="914400" rtl="0" eaLnBrk="1" latinLnBrk="0" hangingPunct="1">
-              <a:lnSpc>
-                <a:spcPct val="90000"/>
-              </a:lnSpc>
-              <a:spcBef>
-                <a:spcPts val="500"/>
-              </a:spcBef>
-              <a:buFont typeface="Arial" panose="020B0604020202020204" pitchFamily="34" charset="0"/>
-              <a:buChar char="•"/>
-              <a:defRPr sz="1800" kern="1200">
-                <a:solidFill>
-                  <a:schemeClr val="tx1"/>
-                </a:solidFill>
-                <a:latin typeface="+mn-lt"/>
-                <a:ea typeface="+mn-ea"/>
-                <a:cs typeface="+mn-cs"/>
-              </a:defRPr>
-            </a:lvl7pPr>
-            <a:lvl8pPr marL="3429000" indent="-228600" algn="l" defTabSz="914400" rtl="0" eaLnBrk="1" latinLnBrk="0" hangingPunct="1">
-              <a:lnSpc>
-                <a:spcPct val="90000"/>
-              </a:lnSpc>
-              <a:spcBef>
-                <a:spcPts val="500"/>
-              </a:spcBef>
-              <a:buFont typeface="Arial" panose="020B0604020202020204" pitchFamily="34" charset="0"/>
-              <a:buChar char="•"/>
-              <a:defRPr sz="1800" kern="1200">
-                <a:solidFill>
-                  <a:schemeClr val="tx1"/>
-                </a:solidFill>
-                <a:latin typeface="+mn-lt"/>
-                <a:ea typeface="+mn-ea"/>
-                <a:cs typeface="+mn-cs"/>
-              </a:defRPr>
-            </a:lvl8pPr>
-            <a:lvl9pPr marL="3886200" indent="-228600" algn="l" defTabSz="914400" rtl="0" eaLnBrk="1" latinLnBrk="0" hangingPunct="1">
-              <a:lnSpc>
-                <a:spcPct val="90000"/>
-              </a:lnSpc>
-              <a:spcBef>
-                <a:spcPts val="500"/>
-              </a:spcBef>
-              <a:buFont typeface="Arial" panose="020B0604020202020204" pitchFamily="34" charset="0"/>
-              <a:buChar char="•"/>
-              <a:defRPr sz="1800" kern="1200">
-                <a:solidFill>
-                  <a:schemeClr val="tx1"/>
-                </a:solidFill>
-                <a:latin typeface="+mn-lt"/>
-                <a:ea typeface="+mn-ea"/>
-                <a:cs typeface="+mn-cs"/>
-              </a:defRPr>
-            </a:lvl9pPr>
-          </a:lstStyle>
-          <a:p>
-            <a:pPr marL="0" indent="0">
-              <a:buNone/>
-            </a:pPr>
-            <a:r>
-              <a:rPr lang="de-DE" sz="1600" dirty="0">
-                <a:solidFill>
-                  <a:schemeClr val="bg1"/>
-                </a:solidFill>
-              </a:rPr>
-              <a:t>21.05.2021</a:t>
-            </a:r>
+          <a:bodyPr/>
+          <a:lstStyle/>
+          <a:p>
+            <a:fld id="{29EC8FA4-FEC5-4F65-9890-C5C2E6C1BB1F}" type="datetime2">
+              <a:rPr lang="de-DE" smtClean="0"/>
+              <a:t>Donnerstag, 20. Mai 2021</a:t>
+            </a:fld>
+            <a:endParaRPr lang="de-DE"/>
           </a:p>
         </p:txBody>
       </p:sp>
       <p:sp>
         <p:nvSpPr>
-          <p:cNvPr id="11" name="Inhaltsplatzhalter 2">
-            <a:extLst>
-              <a:ext uri="{FF2B5EF4-FFF2-40B4-BE49-F238E27FC236}">
-                <a16:creationId xmlns:a16="http://schemas.microsoft.com/office/drawing/2014/main" id="{DCF2C4D7-FEA7-48C9-8AA3-B879ACF6C000}"/>
-              </a:ext>
-            </a:extLst>
-          </p:cNvPr>
-          <p:cNvSpPr txBox="1">
-            <a:spLocks/>
+          <p:cNvPr id="5" name="Foliennummernplatzhalter 4">
+            <a:extLst>
+              <a:ext uri="{FF2B5EF4-FFF2-40B4-BE49-F238E27FC236}">
+                <a16:creationId xmlns:a16="http://schemas.microsoft.com/office/drawing/2014/main" id="{8233EDB9-3921-4342-9379-4B3257F08974}"/>
+              </a:ext>
+            </a:extLst>
+          </p:cNvPr>
+          <p:cNvSpPr>
+            <a:spLocks noGrp="1"/>
           </p:cNvSpPr>
-          <p:nvPr/>
+          <p:nvPr>
+            <p:ph type="sldNum" sz="quarter" idx="12"/>
+          </p:nvPr>
         </p:nvSpPr>
-        <p:spPr>
-          <a:xfrm>
-            <a:off x="9820890" y="6261919"/>
-            <a:ext cx="2025978" cy="461912"/>
-          </a:xfrm>
-          <a:prstGeom prst="rect">
-            <a:avLst/>
-          </a:prstGeom>
-          <a:noFill/>
-        </p:spPr>
+        <p:spPr/>
         <p:txBody>
-          <a:bodyPr vert="horz" lIns="91440" tIns="45720" rIns="91440" bIns="45720" rtlCol="0">
-            <a:normAutofit/>
-          </a:bodyPr>
-          <a:lstStyle>
-            <a:lvl1pPr marL="228600" indent="-228600" algn="l" defTabSz="914400" rtl="0" eaLnBrk="1" latinLnBrk="0" hangingPunct="1">
-              <a:lnSpc>
-                <a:spcPct val="90000"/>
-              </a:lnSpc>
-              <a:spcBef>
-                <a:spcPts val="1000"/>
-              </a:spcBef>
-              <a:buFont typeface="Arial" panose="020B0604020202020204" pitchFamily="34" charset="0"/>
-              <a:buChar char="•"/>
-              <a:defRPr sz="2800" kern="1200">
-                <a:solidFill>
-                  <a:schemeClr val="tx1"/>
-                </a:solidFill>
-                <a:latin typeface="+mn-lt"/>
-                <a:ea typeface="+mn-ea"/>
-                <a:cs typeface="+mn-cs"/>
-              </a:defRPr>
-            </a:lvl1pPr>
-            <a:lvl2pPr marL="685800" indent="-228600" algn="l" defTabSz="914400" rtl="0" eaLnBrk="1" latinLnBrk="0" hangingPunct="1">
-              <a:lnSpc>
-                <a:spcPct val="90000"/>
-              </a:lnSpc>
-              <a:spcBef>
-                <a:spcPts val="500"/>
-              </a:spcBef>
-              <a:buFont typeface="Arial" panose="020B0604020202020204" pitchFamily="34" charset="0"/>
-              <a:buChar char="•"/>
-              <a:defRPr sz="2400" kern="1200">
-                <a:solidFill>
-                  <a:schemeClr val="tx1"/>
-                </a:solidFill>
-                <a:latin typeface="+mn-lt"/>
-                <a:ea typeface="+mn-ea"/>
-                <a:cs typeface="+mn-cs"/>
-              </a:defRPr>
-            </a:lvl2pPr>
-            <a:lvl3pPr marL="1143000" indent="-228600" algn="l" defTabSz="914400" rtl="0" eaLnBrk="1" latinLnBrk="0" hangingPunct="1">
-              <a:lnSpc>
-                <a:spcPct val="90000"/>
-              </a:lnSpc>
-              <a:spcBef>
-                <a:spcPts val="500"/>
-              </a:spcBef>
-              <a:buFont typeface="Arial" panose="020B0604020202020204" pitchFamily="34" charset="0"/>
-              <a:buChar char="•"/>
-              <a:defRPr sz="2000" kern="1200">
-                <a:solidFill>
-                  <a:schemeClr val="tx1"/>
-                </a:solidFill>
-                <a:latin typeface="+mn-lt"/>
-                <a:ea typeface="+mn-ea"/>
-                <a:cs typeface="+mn-cs"/>
-              </a:defRPr>
-            </a:lvl3pPr>
-            <a:lvl4pPr marL="1600200" indent="-228600" algn="l" defTabSz="914400" rtl="0" eaLnBrk="1" latinLnBrk="0" hangingPunct="1">
-              <a:lnSpc>
-                <a:spcPct val="90000"/>
-              </a:lnSpc>
-              <a:spcBef>
-                <a:spcPts val="500"/>
-              </a:spcBef>
-              <a:buFont typeface="Arial" panose="020B0604020202020204" pitchFamily="34" charset="0"/>
-              <a:buChar char="•"/>
-              <a:defRPr sz="1800" kern="1200">
-                <a:solidFill>
-                  <a:schemeClr val="tx1"/>
-                </a:solidFill>
-                <a:latin typeface="+mn-lt"/>
-                <a:ea typeface="+mn-ea"/>
-                <a:cs typeface="+mn-cs"/>
-              </a:defRPr>
-            </a:lvl4pPr>
-            <a:lvl5pPr marL="2057400" indent="-228600" algn="l" defTabSz="914400" rtl="0" eaLnBrk="1" latinLnBrk="0" hangingPunct="1">
-              <a:lnSpc>
-                <a:spcPct val="90000"/>
-              </a:lnSpc>
-              <a:spcBef>
-                <a:spcPts val="500"/>
-              </a:spcBef>
-              <a:buFont typeface="Arial" panose="020B0604020202020204" pitchFamily="34" charset="0"/>
-              <a:buChar char="•"/>
-              <a:defRPr sz="1800" kern="1200">
-                <a:solidFill>
-                  <a:schemeClr val="tx1"/>
-                </a:solidFill>
-                <a:latin typeface="+mn-lt"/>
-                <a:ea typeface="+mn-ea"/>
-                <a:cs typeface="+mn-cs"/>
-              </a:defRPr>
-            </a:lvl5pPr>
-            <a:lvl6pPr marL="2514600" indent="-228600" algn="l" defTabSz="914400" rtl="0" eaLnBrk="1" latinLnBrk="0" hangingPunct="1">
-              <a:lnSpc>
-                <a:spcPct val="90000"/>
-              </a:lnSpc>
-              <a:spcBef>
-                <a:spcPts val="500"/>
-              </a:spcBef>
-              <a:buFont typeface="Arial" panose="020B0604020202020204" pitchFamily="34" charset="0"/>
-              <a:buChar char="•"/>
-              <a:defRPr sz="1800" kern="1200">
-                <a:solidFill>
-                  <a:schemeClr val="tx1"/>
-                </a:solidFill>
-                <a:latin typeface="+mn-lt"/>
-                <a:ea typeface="+mn-ea"/>
-                <a:cs typeface="+mn-cs"/>
-              </a:defRPr>
-            </a:lvl6pPr>
-            <a:lvl7pPr marL="2971800" indent="-228600" algn="l" defTabSz="914400" rtl="0" eaLnBrk="1" latinLnBrk="0" hangingPunct="1">
-              <a:lnSpc>
-                <a:spcPct val="90000"/>
-              </a:lnSpc>
-              <a:spcBef>
-                <a:spcPts val="500"/>
-              </a:spcBef>
-              <a:buFont typeface="Arial" panose="020B0604020202020204" pitchFamily="34" charset="0"/>
-              <a:buChar char="•"/>
-              <a:defRPr sz="1800" kern="1200">
-                <a:solidFill>
-                  <a:schemeClr val="tx1"/>
-                </a:solidFill>
-                <a:latin typeface="+mn-lt"/>
-                <a:ea typeface="+mn-ea"/>
-                <a:cs typeface="+mn-cs"/>
-              </a:defRPr>
-            </a:lvl7pPr>
-            <a:lvl8pPr marL="3429000" indent="-228600" algn="l" defTabSz="914400" rtl="0" eaLnBrk="1" latinLnBrk="0" hangingPunct="1">
-              <a:lnSpc>
-                <a:spcPct val="90000"/>
-              </a:lnSpc>
-              <a:spcBef>
-                <a:spcPts val="500"/>
-              </a:spcBef>
-              <a:buFont typeface="Arial" panose="020B0604020202020204" pitchFamily="34" charset="0"/>
-              <a:buChar char="•"/>
-              <a:defRPr sz="1800" kern="1200">
-                <a:solidFill>
-                  <a:schemeClr val="tx1"/>
-                </a:solidFill>
-                <a:latin typeface="+mn-lt"/>
-                <a:ea typeface="+mn-ea"/>
-                <a:cs typeface="+mn-cs"/>
-              </a:defRPr>
-            </a:lvl8pPr>
-            <a:lvl9pPr marL="3886200" indent="-228600" algn="l" defTabSz="914400" rtl="0" eaLnBrk="1" latinLnBrk="0" hangingPunct="1">
-              <a:lnSpc>
-                <a:spcPct val="90000"/>
-              </a:lnSpc>
-              <a:spcBef>
-                <a:spcPts val="500"/>
-              </a:spcBef>
-              <a:buFont typeface="Arial" panose="020B0604020202020204" pitchFamily="34" charset="0"/>
-              <a:buChar char="•"/>
-              <a:defRPr sz="1800" kern="1200">
-                <a:solidFill>
-                  <a:schemeClr val="tx1"/>
-                </a:solidFill>
-                <a:latin typeface="+mn-lt"/>
-                <a:ea typeface="+mn-ea"/>
-                <a:cs typeface="+mn-cs"/>
-              </a:defRPr>
-            </a:lvl9pPr>
-          </a:lstStyle>
-          <a:p>
-            <a:pPr marL="0" indent="0" algn="r">
-              <a:buNone/>
-            </a:pPr>
-            <a:r>
-              <a:rPr lang="de-DE" sz="1600" dirty="0">
-                <a:solidFill>
-                  <a:schemeClr val="bg1"/>
-                </a:solidFill>
-              </a:rPr>
-              <a:t>Seite 1</a:t>
-            </a:r>
+          <a:bodyPr/>
+          <a:lstStyle/>
+          <a:p>
+            <a:fld id="{13CDD369-7DFB-421D-BF1B-CBA1C54DDA3D}" type="slidenum">
+              <a:rPr lang="de-DE" smtClean="0"/>
+              <a:t>16</a:t>
+            </a:fld>
+            <a:endParaRPr lang="de-DE"/>
           </a:p>
         </p:txBody>
       </p:sp>
     </p:spTree>
     <p:extLst>
       <p:ext uri="{BB962C8B-B14F-4D97-AF65-F5344CB8AC3E}">
-        <p14:creationId xmlns:p14="http://schemas.microsoft.com/office/powerpoint/2010/main" val="3329200749"/>
+        <p14:creationId xmlns:p14="http://schemas.microsoft.com/office/powerpoint/2010/main" val="3604232001"/>
       </p:ext>
     </p:extLst>
   </p:cSld>
   <p:clrMapOvr>
     <a:masterClrMapping/>
   </p:clrMapOvr>
+  <mc:AlternateContent xmlns:mc="http://schemas.openxmlformats.org/markup-compatibility/2006">
+    <mc:Choice xmlns:p159="http://schemas.microsoft.com/office/powerpoint/2015/09/main" Requires="p159">
+      <p:transition xmlns:p14="http://schemas.microsoft.com/office/powerpoint/2010/main" spd="slow" p14:dur="2000">
+        <p159:morph option="byObject"/>
+      </p:transition>
+    </mc:Choice>
+    <mc:Fallback>
+      <p:transition spd="slow">
+        <p:fade/>
+      </p:transition>
+    </mc:Fallback>
+  </mc:AlternateContent>
 </p:sld>
 </file>
 
@@ -10616,6 +8220,525 @@
           </p:nvPr>
         </p:nvSpPr>
         <p:spPr>
+          <a:noFill/>
+        </p:spPr>
+        <p:txBody>
+          <a:bodyPr/>
+          <a:lstStyle/>
+          <a:p>
+            <a:r>
+              <a:rPr lang="de-DE" b="1" dirty="0">
+                <a:solidFill>
+                  <a:schemeClr val="bg1"/>
+                </a:solidFill>
+                <a:latin typeface="+mn-lt"/>
+              </a:rPr>
+              <a:t>Fazit &amp; Ausblick</a:t>
+            </a:r>
+            <a:r>
+              <a:rPr lang="de-DE" dirty="0">
+                <a:solidFill>
+                  <a:schemeClr val="bg1"/>
+                </a:solidFill>
+              </a:rPr>
+              <a:t>	</a:t>
+            </a:r>
+          </a:p>
+        </p:txBody>
+      </p:sp>
+      <p:sp>
+        <p:nvSpPr>
+          <p:cNvPr id="3" name="Inhaltsplatzhalter 2">
+            <a:extLst>
+              <a:ext uri="{FF2B5EF4-FFF2-40B4-BE49-F238E27FC236}">
+                <a16:creationId xmlns:a16="http://schemas.microsoft.com/office/drawing/2014/main" id="{148C3775-FBCD-4C35-8852-C09B651D7A34}"/>
+              </a:ext>
+            </a:extLst>
+          </p:cNvPr>
+          <p:cNvSpPr>
+            <a:spLocks noGrp="1"/>
+          </p:cNvSpPr>
+          <p:nvPr>
+            <p:ph idx="1"/>
+          </p:nvPr>
+        </p:nvSpPr>
+        <p:spPr>
+          <a:xfrm>
+            <a:off x="838200" y="1690688"/>
+            <a:ext cx="10515600" cy="4399027"/>
+          </a:xfrm>
+          <a:noFill/>
+        </p:spPr>
+        <p:txBody>
+          <a:bodyPr>
+            <a:normAutofit/>
+          </a:bodyPr>
+          <a:lstStyle/>
+          <a:p>
+            <a:r>
+              <a:rPr lang="de-DE" dirty="0">
+                <a:solidFill>
+                  <a:schemeClr val="bg1"/>
+                </a:solidFill>
+              </a:rPr>
+              <a:t>Fazit: </a:t>
+            </a:r>
+          </a:p>
+          <a:p>
+            <a:pPr lvl="1"/>
+            <a:r>
+              <a:rPr lang="de-DE" dirty="0">
+                <a:solidFill>
+                  <a:schemeClr val="bg1"/>
+                </a:solidFill>
+              </a:rPr>
+              <a:t>Ungewohntes Themengebiet</a:t>
+            </a:r>
+          </a:p>
+          <a:p>
+            <a:pPr lvl="1"/>
+            <a:r>
+              <a:rPr lang="de-DE" dirty="0">
+                <a:solidFill>
+                  <a:schemeClr val="bg1"/>
+                </a:solidFill>
+              </a:rPr>
+              <a:t>Hohe Einarbeitungszeit</a:t>
+            </a:r>
+          </a:p>
+          <a:p>
+            <a:pPr lvl="1"/>
+            <a:endParaRPr lang="de-DE" dirty="0">
+              <a:solidFill>
+                <a:schemeClr val="bg1"/>
+              </a:solidFill>
+            </a:endParaRPr>
+          </a:p>
+          <a:p>
+            <a:r>
+              <a:rPr lang="de-DE" dirty="0">
+                <a:solidFill>
+                  <a:schemeClr val="bg1"/>
+                </a:solidFill>
+              </a:rPr>
+              <a:t>Ausblick:</a:t>
+            </a:r>
+          </a:p>
+          <a:p>
+            <a:pPr lvl="1"/>
+            <a:r>
+              <a:rPr lang="de-DE" dirty="0">
+                <a:solidFill>
+                  <a:schemeClr val="bg1"/>
+                </a:solidFill>
+              </a:rPr>
+              <a:t>Open-source -&gt; weiterentwickeln (GUI einbinden, …)</a:t>
+            </a:r>
+          </a:p>
+          <a:p>
+            <a:pPr lvl="1"/>
+            <a:r>
+              <a:rPr lang="de-DE" dirty="0">
+                <a:solidFill>
+                  <a:schemeClr val="bg1"/>
+                </a:solidFill>
+              </a:rPr>
+              <a:t>Produktiveinsatz um Clients zu testen</a:t>
+            </a:r>
+          </a:p>
+          <a:p>
+            <a:pPr lvl="1"/>
+            <a:endParaRPr lang="de-DE" dirty="0">
+              <a:solidFill>
+                <a:schemeClr val="bg1"/>
+              </a:solidFill>
+            </a:endParaRPr>
+          </a:p>
+          <a:p>
+            <a:pPr lvl="1"/>
+            <a:endParaRPr lang="de-DE" dirty="0">
+              <a:solidFill>
+                <a:schemeClr val="bg1"/>
+              </a:solidFill>
+            </a:endParaRPr>
+          </a:p>
+        </p:txBody>
+      </p:sp>
+      <p:pic>
+        <p:nvPicPr>
+          <p:cNvPr id="9" name="Grafik 8">
+            <a:extLst>
+              <a:ext uri="{FF2B5EF4-FFF2-40B4-BE49-F238E27FC236}">
+                <a16:creationId xmlns:a16="http://schemas.microsoft.com/office/drawing/2014/main" id="{0C367E33-8E04-4095-96F9-0AE35E36782E}"/>
+              </a:ext>
+            </a:extLst>
+          </p:cNvPr>
+          <p:cNvPicPr>
+            <a:picLocks noChangeAspect="1"/>
+          </p:cNvPicPr>
+          <p:nvPr/>
+        </p:nvPicPr>
+        <p:blipFill>
+          <a:blip r:embed="rId3">
+            <a:extLst>
+              <a:ext uri="{28A0092B-C50C-407E-A947-70E740481C1C}">
+                <a14:useLocalDpi xmlns:a14="http://schemas.microsoft.com/office/drawing/2010/main" val="0"/>
+              </a:ext>
+            </a:extLst>
+          </a:blip>
+          <a:stretch>
+            <a:fillRect/>
+          </a:stretch>
+        </p:blipFill>
+        <p:spPr>
+          <a:xfrm>
+            <a:off x="10077254" y="296317"/>
+            <a:ext cx="1769614" cy="1756310"/>
+          </a:xfrm>
+          <a:prstGeom prst="rect">
+            <a:avLst/>
+          </a:prstGeom>
+        </p:spPr>
+      </p:pic>
+      <p:sp>
+        <p:nvSpPr>
+          <p:cNvPr id="4" name="Datumsplatzhalter 3">
+            <a:extLst>
+              <a:ext uri="{FF2B5EF4-FFF2-40B4-BE49-F238E27FC236}">
+                <a16:creationId xmlns:a16="http://schemas.microsoft.com/office/drawing/2014/main" id="{E5BE687C-6AF3-45FE-B179-A984DB776A3C}"/>
+              </a:ext>
+            </a:extLst>
+          </p:cNvPr>
+          <p:cNvSpPr>
+            <a:spLocks noGrp="1"/>
+          </p:cNvSpPr>
+          <p:nvPr>
+            <p:ph type="dt" sz="half" idx="10"/>
+          </p:nvPr>
+        </p:nvSpPr>
+        <p:spPr/>
+        <p:txBody>
+          <a:bodyPr/>
+          <a:lstStyle/>
+          <a:p>
+            <a:fld id="{29EC8FA4-FEC5-4F65-9890-C5C2E6C1BB1F}" type="datetime2">
+              <a:rPr lang="de-DE" smtClean="0"/>
+              <a:t>Donnerstag, 20. Mai 2021</a:t>
+            </a:fld>
+            <a:endParaRPr lang="de-DE"/>
+          </a:p>
+        </p:txBody>
+      </p:sp>
+      <p:sp>
+        <p:nvSpPr>
+          <p:cNvPr id="5" name="Foliennummernplatzhalter 4">
+            <a:extLst>
+              <a:ext uri="{FF2B5EF4-FFF2-40B4-BE49-F238E27FC236}">
+                <a16:creationId xmlns:a16="http://schemas.microsoft.com/office/drawing/2014/main" id="{8233EDB9-3921-4342-9379-4B3257F08974}"/>
+              </a:ext>
+            </a:extLst>
+          </p:cNvPr>
+          <p:cNvSpPr>
+            <a:spLocks noGrp="1"/>
+          </p:cNvSpPr>
+          <p:nvPr>
+            <p:ph type="sldNum" sz="quarter" idx="12"/>
+          </p:nvPr>
+        </p:nvSpPr>
+        <p:spPr/>
+        <p:txBody>
+          <a:bodyPr/>
+          <a:lstStyle/>
+          <a:p>
+            <a:fld id="{13CDD369-7DFB-421D-BF1B-CBA1C54DDA3D}" type="slidenum">
+              <a:rPr lang="de-DE" smtClean="0"/>
+              <a:t>17</a:t>
+            </a:fld>
+            <a:endParaRPr lang="de-DE"/>
+          </a:p>
+        </p:txBody>
+      </p:sp>
+    </p:spTree>
+    <p:extLst>
+      <p:ext uri="{BB962C8B-B14F-4D97-AF65-F5344CB8AC3E}">
+        <p14:creationId xmlns:p14="http://schemas.microsoft.com/office/powerpoint/2010/main" val="3329200749"/>
+      </p:ext>
+    </p:extLst>
+  </p:cSld>
+  <p:clrMapOvr>
+    <a:masterClrMapping/>
+  </p:clrMapOvr>
+  <mc:AlternateContent xmlns:mc="http://schemas.openxmlformats.org/markup-compatibility/2006">
+    <mc:Choice xmlns:p159="http://schemas.microsoft.com/office/powerpoint/2015/09/main" Requires="p159">
+      <p:transition xmlns:p14="http://schemas.microsoft.com/office/powerpoint/2010/main" spd="slow" p14:dur="2000">
+        <p159:morph option="byObject"/>
+      </p:transition>
+    </mc:Choice>
+    <mc:Fallback>
+      <p:transition spd="slow">
+        <p:fade/>
+      </p:transition>
+    </mc:Fallback>
+  </mc:AlternateContent>
+</p:sld>
+</file>
+
+<file path=ppt/slides/slide18.xml><?xml version="1.0" encoding="utf-8"?>
+<p:sld xmlns:a="http://schemas.openxmlformats.org/drawingml/2006/main" xmlns:r="http://schemas.openxmlformats.org/officeDocument/2006/relationships" xmlns:p="http://schemas.openxmlformats.org/presentationml/2006/main" showMasterSp="0">
+  <p:cSld>
+    <p:bg>
+      <p:bgPr>
+        <a:blipFill dpi="0" rotWithShape="1">
+          <a:blip r:embed="rId2">
+            <a:lum/>
+          </a:blip>
+          <a:srcRect/>
+          <a:stretch>
+            <a:fillRect/>
+          </a:stretch>
+        </a:blipFill>
+        <a:effectLst/>
+      </p:bgPr>
+    </p:bg>
+    <p:spTree>
+      <p:nvGrpSpPr>
+        <p:cNvPr id="1" name=""/>
+        <p:cNvGrpSpPr/>
+        <p:nvPr/>
+      </p:nvGrpSpPr>
+      <p:grpSpPr>
+        <a:xfrm>
+          <a:off x="0" y="0"/>
+          <a:ext cx="0" cy="0"/>
+          <a:chOff x="0" y="0"/>
+          <a:chExt cx="0" cy="0"/>
+        </a:xfrm>
+      </p:grpSpPr>
+      <p:sp>
+        <p:nvSpPr>
+          <p:cNvPr id="7" name="Inhaltsplatzhalter 2">
+            <a:extLst>
+              <a:ext uri="{FF2B5EF4-FFF2-40B4-BE49-F238E27FC236}">
+                <a16:creationId xmlns:a16="http://schemas.microsoft.com/office/drawing/2014/main" id="{39FA0408-E9E6-453A-B372-FFEE95C14025}"/>
+              </a:ext>
+            </a:extLst>
+          </p:cNvPr>
+          <p:cNvSpPr txBox="1">
+            <a:spLocks/>
+          </p:cNvSpPr>
+          <p:nvPr/>
+        </p:nvSpPr>
+        <p:spPr>
+          <a:xfrm>
+            <a:off x="0" y="0"/>
+            <a:ext cx="12192000" cy="6858000"/>
+          </a:xfrm>
+          <a:prstGeom prst="rect">
+            <a:avLst/>
+          </a:prstGeom>
+          <a:solidFill>
+            <a:schemeClr val="tx1">
+              <a:alpha val="75000"/>
+            </a:schemeClr>
+          </a:solidFill>
+        </p:spPr>
+        <p:txBody>
+          <a:bodyPr vert="horz" lIns="91440" tIns="45720" rIns="91440" bIns="45720" rtlCol="0">
+            <a:normAutofit/>
+          </a:bodyPr>
+          <a:lstStyle>
+            <a:lvl1pPr marL="228600" indent="-228600" algn="l" defTabSz="914400" rtl="0" eaLnBrk="1" latinLnBrk="0" hangingPunct="1">
+              <a:lnSpc>
+                <a:spcPct val="90000"/>
+              </a:lnSpc>
+              <a:spcBef>
+                <a:spcPts val="1000"/>
+              </a:spcBef>
+              <a:buFont typeface="Arial" panose="020B0604020202020204" pitchFamily="34" charset="0"/>
+              <a:buChar char="•"/>
+              <a:defRPr sz="2800" kern="1200">
+                <a:solidFill>
+                  <a:schemeClr val="tx1"/>
+                </a:solidFill>
+                <a:latin typeface="+mn-lt"/>
+                <a:ea typeface="+mn-ea"/>
+                <a:cs typeface="+mn-cs"/>
+              </a:defRPr>
+            </a:lvl1pPr>
+            <a:lvl2pPr marL="685800" indent="-228600" algn="l" defTabSz="914400" rtl="0" eaLnBrk="1" latinLnBrk="0" hangingPunct="1">
+              <a:lnSpc>
+                <a:spcPct val="90000"/>
+              </a:lnSpc>
+              <a:spcBef>
+                <a:spcPts val="500"/>
+              </a:spcBef>
+              <a:buFont typeface="Arial" panose="020B0604020202020204" pitchFamily="34" charset="0"/>
+              <a:buChar char="•"/>
+              <a:defRPr sz="2400" kern="1200">
+                <a:solidFill>
+                  <a:schemeClr val="tx1"/>
+                </a:solidFill>
+                <a:latin typeface="+mn-lt"/>
+                <a:ea typeface="+mn-ea"/>
+                <a:cs typeface="+mn-cs"/>
+              </a:defRPr>
+            </a:lvl2pPr>
+            <a:lvl3pPr marL="1143000" indent="-228600" algn="l" defTabSz="914400" rtl="0" eaLnBrk="1" latinLnBrk="0" hangingPunct="1">
+              <a:lnSpc>
+                <a:spcPct val="90000"/>
+              </a:lnSpc>
+              <a:spcBef>
+                <a:spcPts val="500"/>
+              </a:spcBef>
+              <a:buFont typeface="Arial" panose="020B0604020202020204" pitchFamily="34" charset="0"/>
+              <a:buChar char="•"/>
+              <a:defRPr sz="2000" kern="1200">
+                <a:solidFill>
+                  <a:schemeClr val="tx1"/>
+                </a:solidFill>
+                <a:latin typeface="+mn-lt"/>
+                <a:ea typeface="+mn-ea"/>
+                <a:cs typeface="+mn-cs"/>
+              </a:defRPr>
+            </a:lvl3pPr>
+            <a:lvl4pPr marL="1600200" indent="-228600" algn="l" defTabSz="914400" rtl="0" eaLnBrk="1" latinLnBrk="0" hangingPunct="1">
+              <a:lnSpc>
+                <a:spcPct val="90000"/>
+              </a:lnSpc>
+              <a:spcBef>
+                <a:spcPts val="500"/>
+              </a:spcBef>
+              <a:buFont typeface="Arial" panose="020B0604020202020204" pitchFamily="34" charset="0"/>
+              <a:buChar char="•"/>
+              <a:defRPr sz="1800" kern="1200">
+                <a:solidFill>
+                  <a:schemeClr val="tx1"/>
+                </a:solidFill>
+                <a:latin typeface="+mn-lt"/>
+                <a:ea typeface="+mn-ea"/>
+                <a:cs typeface="+mn-cs"/>
+              </a:defRPr>
+            </a:lvl4pPr>
+            <a:lvl5pPr marL="2057400" indent="-228600" algn="l" defTabSz="914400" rtl="0" eaLnBrk="1" latinLnBrk="0" hangingPunct="1">
+              <a:lnSpc>
+                <a:spcPct val="90000"/>
+              </a:lnSpc>
+              <a:spcBef>
+                <a:spcPts val="500"/>
+              </a:spcBef>
+              <a:buFont typeface="Arial" panose="020B0604020202020204" pitchFamily="34" charset="0"/>
+              <a:buChar char="•"/>
+              <a:defRPr sz="1800" kern="1200">
+                <a:solidFill>
+                  <a:schemeClr val="tx1"/>
+                </a:solidFill>
+                <a:latin typeface="+mn-lt"/>
+                <a:ea typeface="+mn-ea"/>
+                <a:cs typeface="+mn-cs"/>
+              </a:defRPr>
+            </a:lvl5pPr>
+            <a:lvl6pPr marL="2514600" indent="-228600" algn="l" defTabSz="914400" rtl="0" eaLnBrk="1" latinLnBrk="0" hangingPunct="1">
+              <a:lnSpc>
+                <a:spcPct val="90000"/>
+              </a:lnSpc>
+              <a:spcBef>
+                <a:spcPts val="500"/>
+              </a:spcBef>
+              <a:buFont typeface="Arial" panose="020B0604020202020204" pitchFamily="34" charset="0"/>
+              <a:buChar char="•"/>
+              <a:defRPr sz="1800" kern="1200">
+                <a:solidFill>
+                  <a:schemeClr val="tx1"/>
+                </a:solidFill>
+                <a:latin typeface="+mn-lt"/>
+                <a:ea typeface="+mn-ea"/>
+                <a:cs typeface="+mn-cs"/>
+              </a:defRPr>
+            </a:lvl6pPr>
+            <a:lvl7pPr marL="2971800" indent="-228600" algn="l" defTabSz="914400" rtl="0" eaLnBrk="1" latinLnBrk="0" hangingPunct="1">
+              <a:lnSpc>
+                <a:spcPct val="90000"/>
+              </a:lnSpc>
+              <a:spcBef>
+                <a:spcPts val="500"/>
+              </a:spcBef>
+              <a:buFont typeface="Arial" panose="020B0604020202020204" pitchFamily="34" charset="0"/>
+              <a:buChar char="•"/>
+              <a:defRPr sz="1800" kern="1200">
+                <a:solidFill>
+                  <a:schemeClr val="tx1"/>
+                </a:solidFill>
+                <a:latin typeface="+mn-lt"/>
+                <a:ea typeface="+mn-ea"/>
+                <a:cs typeface="+mn-cs"/>
+              </a:defRPr>
+            </a:lvl7pPr>
+            <a:lvl8pPr marL="3429000" indent="-228600" algn="l" defTabSz="914400" rtl="0" eaLnBrk="1" latinLnBrk="0" hangingPunct="1">
+              <a:lnSpc>
+                <a:spcPct val="90000"/>
+              </a:lnSpc>
+              <a:spcBef>
+                <a:spcPts val="500"/>
+              </a:spcBef>
+              <a:buFont typeface="Arial" panose="020B0604020202020204" pitchFamily="34" charset="0"/>
+              <a:buChar char="•"/>
+              <a:defRPr sz="1800" kern="1200">
+                <a:solidFill>
+                  <a:schemeClr val="tx1"/>
+                </a:solidFill>
+                <a:latin typeface="+mn-lt"/>
+                <a:ea typeface="+mn-ea"/>
+                <a:cs typeface="+mn-cs"/>
+              </a:defRPr>
+            </a:lvl8pPr>
+            <a:lvl9pPr marL="3886200" indent="-228600" algn="l" defTabSz="914400" rtl="0" eaLnBrk="1" latinLnBrk="0" hangingPunct="1">
+              <a:lnSpc>
+                <a:spcPct val="90000"/>
+              </a:lnSpc>
+              <a:spcBef>
+                <a:spcPts val="500"/>
+              </a:spcBef>
+              <a:buFont typeface="Arial" panose="020B0604020202020204" pitchFamily="34" charset="0"/>
+              <a:buChar char="•"/>
+              <a:defRPr sz="1800" kern="1200">
+                <a:solidFill>
+                  <a:schemeClr val="tx1"/>
+                </a:solidFill>
+                <a:latin typeface="+mn-lt"/>
+                <a:ea typeface="+mn-ea"/>
+                <a:cs typeface="+mn-cs"/>
+              </a:defRPr>
+            </a:lvl9pPr>
+          </a:lstStyle>
+          <a:p>
+            <a:pPr marL="0" indent="0">
+              <a:buNone/>
+            </a:pPr>
+            <a:endParaRPr lang="de-DE" dirty="0">
+              <a:solidFill>
+                <a:schemeClr val="bg1"/>
+              </a:solidFill>
+            </a:endParaRPr>
+          </a:p>
+        </p:txBody>
+      </p:sp>
+      <p:sp>
+        <p:nvSpPr>
+          <p:cNvPr id="2" name="Titel 1">
+            <a:extLst>
+              <a:ext uri="{FF2B5EF4-FFF2-40B4-BE49-F238E27FC236}">
+                <a16:creationId xmlns:a16="http://schemas.microsoft.com/office/drawing/2014/main" id="{5911D7F9-35F9-492C-93D4-1DAD95CC68CC}"/>
+              </a:ext>
+            </a:extLst>
+          </p:cNvPr>
+          <p:cNvSpPr>
+            <a:spLocks noGrp="1"/>
+          </p:cNvSpPr>
+          <p:nvPr>
+            <p:ph type="title"/>
+          </p:nvPr>
+        </p:nvSpPr>
+        <p:spPr>
           <a:xfrm>
             <a:off x="1976621" y="2227380"/>
             <a:ext cx="4119379" cy="1325563"/>
@@ -10994,6 +9117,64 @@
           </a:p>
         </p:txBody>
       </p:sp>
+      <p:sp>
+        <p:nvSpPr>
+          <p:cNvPr id="4" name="Datumsplatzhalter 3">
+            <a:extLst>
+              <a:ext uri="{FF2B5EF4-FFF2-40B4-BE49-F238E27FC236}">
+                <a16:creationId xmlns:a16="http://schemas.microsoft.com/office/drawing/2014/main" id="{CE6E24FC-7E35-4286-9DA8-D76F5E762D3D}"/>
+              </a:ext>
+            </a:extLst>
+          </p:cNvPr>
+          <p:cNvSpPr>
+            <a:spLocks noGrp="1"/>
+          </p:cNvSpPr>
+          <p:nvPr>
+            <p:ph type="dt" sz="half" idx="10"/>
+          </p:nvPr>
+        </p:nvSpPr>
+        <p:spPr/>
+        <p:txBody>
+          <a:bodyPr/>
+          <a:lstStyle/>
+          <a:p>
+            <a:fld id="{4D851F81-10A3-4C55-83D0-F2F2F9D15180}" type="datetime2">
+              <a:rPr lang="de-DE" smtClean="0"/>
+              <a:t>Donnerstag, 20. Mai 2021</a:t>
+            </a:fld>
+            <a:endParaRPr lang="de-DE"/>
+          </a:p>
+        </p:txBody>
+      </p:sp>
+      <p:sp>
+        <p:nvSpPr>
+          <p:cNvPr id="5" name="Foliennummernplatzhalter 4">
+            <a:extLst>
+              <a:ext uri="{FF2B5EF4-FFF2-40B4-BE49-F238E27FC236}">
+                <a16:creationId xmlns:a16="http://schemas.microsoft.com/office/drawing/2014/main" id="{8A6EFBF6-2188-44D6-9E6A-ED4CD626CA81}"/>
+              </a:ext>
+            </a:extLst>
+          </p:cNvPr>
+          <p:cNvSpPr>
+            <a:spLocks noGrp="1"/>
+          </p:cNvSpPr>
+          <p:nvPr>
+            <p:ph type="sldNum" sz="quarter" idx="12"/>
+          </p:nvPr>
+        </p:nvSpPr>
+        <p:spPr/>
+        <p:txBody>
+          <a:bodyPr/>
+          <a:lstStyle/>
+          <a:p>
+            <a:fld id="{13CDD369-7DFB-421D-BF1B-CBA1C54DDA3D}" type="slidenum">
+              <a:rPr lang="de-DE" smtClean="0"/>
+              <a:t>18</a:t>
+            </a:fld>
+            <a:endParaRPr lang="de-DE"/>
+          </a:p>
+        </p:txBody>
+      </p:sp>
     </p:spTree>
     <p:extLst>
       <p:ext uri="{BB962C8B-B14F-4D97-AF65-F5344CB8AC3E}">
@@ -11004,6 +9185,18 @@
   <p:clrMapOvr>
     <a:masterClrMapping/>
   </p:clrMapOvr>
+  <mc:AlternateContent xmlns:mc="http://schemas.openxmlformats.org/markup-compatibility/2006">
+    <mc:Choice xmlns:p159="http://schemas.microsoft.com/office/powerpoint/2015/09/main" Requires="p159">
+      <p:transition xmlns:p14="http://schemas.microsoft.com/office/powerpoint/2010/main" spd="slow" p14:dur="2000">
+        <p159:morph option="byObject"/>
+      </p:transition>
+    </mc:Choice>
+    <mc:Fallback>
+      <p:transition spd="slow">
+        <p:fade/>
+      </p:transition>
+    </mc:Fallback>
+  </mc:AlternateContent>
 </p:sld>
 </file>
 
@@ -11447,415 +9640,59 @@
       </p:pic>
       <p:sp>
         <p:nvSpPr>
-          <p:cNvPr id="10" name="Inhaltsplatzhalter 2">
-            <a:extLst>
-              <a:ext uri="{FF2B5EF4-FFF2-40B4-BE49-F238E27FC236}">
-                <a16:creationId xmlns:a16="http://schemas.microsoft.com/office/drawing/2014/main" id="{1E597849-8825-4B46-BF40-F2D5D11F01EC}"/>
-              </a:ext>
-            </a:extLst>
-          </p:cNvPr>
-          <p:cNvSpPr txBox="1">
-            <a:spLocks/>
+          <p:cNvPr id="4" name="Datumsplatzhalter 3">
+            <a:extLst>
+              <a:ext uri="{FF2B5EF4-FFF2-40B4-BE49-F238E27FC236}">
+                <a16:creationId xmlns:a16="http://schemas.microsoft.com/office/drawing/2014/main" id="{E5BA92F8-05A3-4716-855E-70D54206E917}"/>
+              </a:ext>
+            </a:extLst>
+          </p:cNvPr>
+          <p:cNvSpPr>
+            <a:spLocks noGrp="1"/>
           </p:cNvSpPr>
-          <p:nvPr/>
+          <p:nvPr>
+            <p:ph type="dt" sz="half" idx="10"/>
+          </p:nvPr>
         </p:nvSpPr>
-        <p:spPr>
-          <a:xfrm>
-            <a:off x="241034" y="6261919"/>
-            <a:ext cx="2025978" cy="461912"/>
-          </a:xfrm>
-          <a:prstGeom prst="rect">
-            <a:avLst/>
-          </a:prstGeom>
-          <a:noFill/>
-        </p:spPr>
+        <p:spPr/>
         <p:txBody>
-          <a:bodyPr vert="horz" lIns="91440" tIns="45720" rIns="91440" bIns="45720" rtlCol="0">
-            <a:normAutofit/>
-          </a:bodyPr>
-          <a:lstStyle>
-            <a:lvl1pPr marL="228600" indent="-228600" algn="l" defTabSz="914400" rtl="0" eaLnBrk="1" latinLnBrk="0" hangingPunct="1">
-              <a:lnSpc>
-                <a:spcPct val="90000"/>
-              </a:lnSpc>
-              <a:spcBef>
-                <a:spcPts val="1000"/>
-              </a:spcBef>
-              <a:buFont typeface="Arial" panose="020B0604020202020204" pitchFamily="34" charset="0"/>
-              <a:buChar char="•"/>
-              <a:defRPr sz="2800" kern="1200">
-                <a:solidFill>
-                  <a:schemeClr val="tx1"/>
-                </a:solidFill>
-                <a:latin typeface="+mn-lt"/>
-                <a:ea typeface="+mn-ea"/>
-                <a:cs typeface="+mn-cs"/>
-              </a:defRPr>
-            </a:lvl1pPr>
-            <a:lvl2pPr marL="685800" indent="-228600" algn="l" defTabSz="914400" rtl="0" eaLnBrk="1" latinLnBrk="0" hangingPunct="1">
-              <a:lnSpc>
-                <a:spcPct val="90000"/>
-              </a:lnSpc>
-              <a:spcBef>
-                <a:spcPts val="500"/>
-              </a:spcBef>
-              <a:buFont typeface="Arial" panose="020B0604020202020204" pitchFamily="34" charset="0"/>
-              <a:buChar char="•"/>
-              <a:defRPr sz="2400" kern="1200">
-                <a:solidFill>
-                  <a:schemeClr val="tx1"/>
-                </a:solidFill>
-                <a:latin typeface="+mn-lt"/>
-                <a:ea typeface="+mn-ea"/>
-                <a:cs typeface="+mn-cs"/>
-              </a:defRPr>
-            </a:lvl2pPr>
-            <a:lvl3pPr marL="1143000" indent="-228600" algn="l" defTabSz="914400" rtl="0" eaLnBrk="1" latinLnBrk="0" hangingPunct="1">
-              <a:lnSpc>
-                <a:spcPct val="90000"/>
-              </a:lnSpc>
-              <a:spcBef>
-                <a:spcPts val="500"/>
-              </a:spcBef>
-              <a:buFont typeface="Arial" panose="020B0604020202020204" pitchFamily="34" charset="0"/>
-              <a:buChar char="•"/>
-              <a:defRPr sz="2000" kern="1200">
-                <a:solidFill>
-                  <a:schemeClr val="tx1"/>
-                </a:solidFill>
-                <a:latin typeface="+mn-lt"/>
-                <a:ea typeface="+mn-ea"/>
-                <a:cs typeface="+mn-cs"/>
-              </a:defRPr>
-            </a:lvl3pPr>
-            <a:lvl4pPr marL="1600200" indent="-228600" algn="l" defTabSz="914400" rtl="0" eaLnBrk="1" latinLnBrk="0" hangingPunct="1">
-              <a:lnSpc>
-                <a:spcPct val="90000"/>
-              </a:lnSpc>
-              <a:spcBef>
-                <a:spcPts val="500"/>
-              </a:spcBef>
-              <a:buFont typeface="Arial" panose="020B0604020202020204" pitchFamily="34" charset="0"/>
-              <a:buChar char="•"/>
-              <a:defRPr sz="1800" kern="1200">
-                <a:solidFill>
-                  <a:schemeClr val="tx1"/>
-                </a:solidFill>
-                <a:latin typeface="+mn-lt"/>
-                <a:ea typeface="+mn-ea"/>
-                <a:cs typeface="+mn-cs"/>
-              </a:defRPr>
-            </a:lvl4pPr>
-            <a:lvl5pPr marL="2057400" indent="-228600" algn="l" defTabSz="914400" rtl="0" eaLnBrk="1" latinLnBrk="0" hangingPunct="1">
-              <a:lnSpc>
-                <a:spcPct val="90000"/>
-              </a:lnSpc>
-              <a:spcBef>
-                <a:spcPts val="500"/>
-              </a:spcBef>
-              <a:buFont typeface="Arial" panose="020B0604020202020204" pitchFamily="34" charset="0"/>
-              <a:buChar char="•"/>
-              <a:defRPr sz="1800" kern="1200">
-                <a:solidFill>
-                  <a:schemeClr val="tx1"/>
-                </a:solidFill>
-                <a:latin typeface="+mn-lt"/>
-                <a:ea typeface="+mn-ea"/>
-                <a:cs typeface="+mn-cs"/>
-              </a:defRPr>
-            </a:lvl5pPr>
-            <a:lvl6pPr marL="2514600" indent="-228600" algn="l" defTabSz="914400" rtl="0" eaLnBrk="1" latinLnBrk="0" hangingPunct="1">
-              <a:lnSpc>
-                <a:spcPct val="90000"/>
-              </a:lnSpc>
-              <a:spcBef>
-                <a:spcPts val="500"/>
-              </a:spcBef>
-              <a:buFont typeface="Arial" panose="020B0604020202020204" pitchFamily="34" charset="0"/>
-              <a:buChar char="•"/>
-              <a:defRPr sz="1800" kern="1200">
-                <a:solidFill>
-                  <a:schemeClr val="tx1"/>
-                </a:solidFill>
-                <a:latin typeface="+mn-lt"/>
-                <a:ea typeface="+mn-ea"/>
-                <a:cs typeface="+mn-cs"/>
-              </a:defRPr>
-            </a:lvl6pPr>
-            <a:lvl7pPr marL="2971800" indent="-228600" algn="l" defTabSz="914400" rtl="0" eaLnBrk="1" latinLnBrk="0" hangingPunct="1">
-              <a:lnSpc>
-                <a:spcPct val="90000"/>
-              </a:lnSpc>
-              <a:spcBef>
-                <a:spcPts val="500"/>
-              </a:spcBef>
-              <a:buFont typeface="Arial" panose="020B0604020202020204" pitchFamily="34" charset="0"/>
-              <a:buChar char="•"/>
-              <a:defRPr sz="1800" kern="1200">
-                <a:solidFill>
-                  <a:schemeClr val="tx1"/>
-                </a:solidFill>
-                <a:latin typeface="+mn-lt"/>
-                <a:ea typeface="+mn-ea"/>
-                <a:cs typeface="+mn-cs"/>
-              </a:defRPr>
-            </a:lvl7pPr>
-            <a:lvl8pPr marL="3429000" indent="-228600" algn="l" defTabSz="914400" rtl="0" eaLnBrk="1" latinLnBrk="0" hangingPunct="1">
-              <a:lnSpc>
-                <a:spcPct val="90000"/>
-              </a:lnSpc>
-              <a:spcBef>
-                <a:spcPts val="500"/>
-              </a:spcBef>
-              <a:buFont typeface="Arial" panose="020B0604020202020204" pitchFamily="34" charset="0"/>
-              <a:buChar char="•"/>
-              <a:defRPr sz="1800" kern="1200">
-                <a:solidFill>
-                  <a:schemeClr val="tx1"/>
-                </a:solidFill>
-                <a:latin typeface="+mn-lt"/>
-                <a:ea typeface="+mn-ea"/>
-                <a:cs typeface="+mn-cs"/>
-              </a:defRPr>
-            </a:lvl8pPr>
-            <a:lvl9pPr marL="3886200" indent="-228600" algn="l" defTabSz="914400" rtl="0" eaLnBrk="1" latinLnBrk="0" hangingPunct="1">
-              <a:lnSpc>
-                <a:spcPct val="90000"/>
-              </a:lnSpc>
-              <a:spcBef>
-                <a:spcPts val="500"/>
-              </a:spcBef>
-              <a:buFont typeface="Arial" panose="020B0604020202020204" pitchFamily="34" charset="0"/>
-              <a:buChar char="•"/>
-              <a:defRPr sz="1800" kern="1200">
-                <a:solidFill>
-                  <a:schemeClr val="tx1"/>
-                </a:solidFill>
-                <a:latin typeface="+mn-lt"/>
-                <a:ea typeface="+mn-ea"/>
-                <a:cs typeface="+mn-cs"/>
-              </a:defRPr>
-            </a:lvl9pPr>
-          </a:lstStyle>
-          <a:p>
-            <a:pPr marL="0" indent="0">
-              <a:buNone/>
-            </a:pPr>
-            <a:r>
-              <a:rPr lang="de-DE" sz="1600" dirty="0">
-                <a:solidFill>
-                  <a:schemeClr val="bg1"/>
-                </a:solidFill>
-              </a:rPr>
-              <a:t>21.05.2021</a:t>
-            </a:r>
+          <a:bodyPr/>
+          <a:lstStyle/>
+          <a:p>
+            <a:fld id="{1C12341C-F08D-4C44-A673-D19EAC8FEBD5}" type="datetime2">
+              <a:rPr lang="de-DE" smtClean="0"/>
+              <a:t>Donnerstag, 20. Mai 2021</a:t>
+            </a:fld>
+            <a:endParaRPr lang="de-DE"/>
           </a:p>
         </p:txBody>
       </p:sp>
       <p:sp>
         <p:nvSpPr>
-          <p:cNvPr id="11" name="Inhaltsplatzhalter 2">
-            <a:extLst>
-              <a:ext uri="{FF2B5EF4-FFF2-40B4-BE49-F238E27FC236}">
-                <a16:creationId xmlns:a16="http://schemas.microsoft.com/office/drawing/2014/main" id="{DCF2C4D7-FEA7-48C9-8AA3-B879ACF6C000}"/>
-              </a:ext>
-            </a:extLst>
-          </p:cNvPr>
-          <p:cNvSpPr txBox="1">
-            <a:spLocks/>
+          <p:cNvPr id="5" name="Foliennummernplatzhalter 4">
+            <a:extLst>
+              <a:ext uri="{FF2B5EF4-FFF2-40B4-BE49-F238E27FC236}">
+                <a16:creationId xmlns:a16="http://schemas.microsoft.com/office/drawing/2014/main" id="{D4B53AD0-10B6-4ADB-956B-F96077E9E904}"/>
+              </a:ext>
+            </a:extLst>
+          </p:cNvPr>
+          <p:cNvSpPr>
+            <a:spLocks noGrp="1"/>
           </p:cNvSpPr>
-          <p:nvPr/>
+          <p:nvPr>
+            <p:ph type="sldNum" sz="quarter" idx="12"/>
+          </p:nvPr>
         </p:nvSpPr>
-        <p:spPr>
-          <a:xfrm>
-            <a:off x="9820890" y="6261919"/>
-            <a:ext cx="2025978" cy="461912"/>
-          </a:xfrm>
-          <a:prstGeom prst="rect">
-            <a:avLst/>
-          </a:prstGeom>
-          <a:noFill/>
-        </p:spPr>
+        <p:spPr/>
         <p:txBody>
-          <a:bodyPr vert="horz" lIns="91440" tIns="45720" rIns="91440" bIns="45720" rtlCol="0">
-            <a:normAutofit/>
-          </a:bodyPr>
-          <a:lstStyle>
-            <a:lvl1pPr marL="228600" indent="-228600" algn="l" defTabSz="914400" rtl="0" eaLnBrk="1" latinLnBrk="0" hangingPunct="1">
-              <a:lnSpc>
-                <a:spcPct val="90000"/>
-              </a:lnSpc>
-              <a:spcBef>
-                <a:spcPts val="1000"/>
-              </a:spcBef>
-              <a:buFont typeface="Arial" panose="020B0604020202020204" pitchFamily="34" charset="0"/>
-              <a:buChar char="•"/>
-              <a:defRPr sz="2800" kern="1200">
-                <a:solidFill>
-                  <a:schemeClr val="tx1"/>
-                </a:solidFill>
-                <a:latin typeface="+mn-lt"/>
-                <a:ea typeface="+mn-ea"/>
-                <a:cs typeface="+mn-cs"/>
-              </a:defRPr>
-            </a:lvl1pPr>
-            <a:lvl2pPr marL="685800" indent="-228600" algn="l" defTabSz="914400" rtl="0" eaLnBrk="1" latinLnBrk="0" hangingPunct="1">
-              <a:lnSpc>
-                <a:spcPct val="90000"/>
-              </a:lnSpc>
-              <a:spcBef>
-                <a:spcPts val="500"/>
-              </a:spcBef>
-              <a:buFont typeface="Arial" panose="020B0604020202020204" pitchFamily="34" charset="0"/>
-              <a:buChar char="•"/>
-              <a:defRPr sz="2400" kern="1200">
-                <a:solidFill>
-                  <a:schemeClr val="tx1"/>
-                </a:solidFill>
-                <a:latin typeface="+mn-lt"/>
-                <a:ea typeface="+mn-ea"/>
-                <a:cs typeface="+mn-cs"/>
-              </a:defRPr>
-            </a:lvl2pPr>
-            <a:lvl3pPr marL="1143000" indent="-228600" algn="l" defTabSz="914400" rtl="0" eaLnBrk="1" latinLnBrk="0" hangingPunct="1">
-              <a:lnSpc>
-                <a:spcPct val="90000"/>
-              </a:lnSpc>
-              <a:spcBef>
-                <a:spcPts val="500"/>
-              </a:spcBef>
-              <a:buFont typeface="Arial" panose="020B0604020202020204" pitchFamily="34" charset="0"/>
-              <a:buChar char="•"/>
-              <a:defRPr sz="2000" kern="1200">
-                <a:solidFill>
-                  <a:schemeClr val="tx1"/>
-                </a:solidFill>
-                <a:latin typeface="+mn-lt"/>
-                <a:ea typeface="+mn-ea"/>
-                <a:cs typeface="+mn-cs"/>
-              </a:defRPr>
-            </a:lvl3pPr>
-            <a:lvl4pPr marL="1600200" indent="-228600" algn="l" defTabSz="914400" rtl="0" eaLnBrk="1" latinLnBrk="0" hangingPunct="1">
-              <a:lnSpc>
-                <a:spcPct val="90000"/>
-              </a:lnSpc>
-              <a:spcBef>
-                <a:spcPts val="500"/>
-              </a:spcBef>
-              <a:buFont typeface="Arial" panose="020B0604020202020204" pitchFamily="34" charset="0"/>
-              <a:buChar char="•"/>
-              <a:defRPr sz="1800" kern="1200">
-                <a:solidFill>
-                  <a:schemeClr val="tx1"/>
-                </a:solidFill>
-                <a:latin typeface="+mn-lt"/>
-                <a:ea typeface="+mn-ea"/>
-                <a:cs typeface="+mn-cs"/>
-              </a:defRPr>
-            </a:lvl4pPr>
-            <a:lvl5pPr marL="2057400" indent="-228600" algn="l" defTabSz="914400" rtl="0" eaLnBrk="1" latinLnBrk="0" hangingPunct="1">
-              <a:lnSpc>
-                <a:spcPct val="90000"/>
-              </a:lnSpc>
-              <a:spcBef>
-                <a:spcPts val="500"/>
-              </a:spcBef>
-              <a:buFont typeface="Arial" panose="020B0604020202020204" pitchFamily="34" charset="0"/>
-              <a:buChar char="•"/>
-              <a:defRPr sz="1800" kern="1200">
-                <a:solidFill>
-                  <a:schemeClr val="tx1"/>
-                </a:solidFill>
-                <a:latin typeface="+mn-lt"/>
-                <a:ea typeface="+mn-ea"/>
-                <a:cs typeface="+mn-cs"/>
-              </a:defRPr>
-            </a:lvl5pPr>
-            <a:lvl6pPr marL="2514600" indent="-228600" algn="l" defTabSz="914400" rtl="0" eaLnBrk="1" latinLnBrk="0" hangingPunct="1">
-              <a:lnSpc>
-                <a:spcPct val="90000"/>
-              </a:lnSpc>
-              <a:spcBef>
-                <a:spcPts val="500"/>
-              </a:spcBef>
-              <a:buFont typeface="Arial" panose="020B0604020202020204" pitchFamily="34" charset="0"/>
-              <a:buChar char="•"/>
-              <a:defRPr sz="1800" kern="1200">
-                <a:solidFill>
-                  <a:schemeClr val="tx1"/>
-                </a:solidFill>
-                <a:latin typeface="+mn-lt"/>
-                <a:ea typeface="+mn-ea"/>
-                <a:cs typeface="+mn-cs"/>
-              </a:defRPr>
-            </a:lvl6pPr>
-            <a:lvl7pPr marL="2971800" indent="-228600" algn="l" defTabSz="914400" rtl="0" eaLnBrk="1" latinLnBrk="0" hangingPunct="1">
-              <a:lnSpc>
-                <a:spcPct val="90000"/>
-              </a:lnSpc>
-              <a:spcBef>
-                <a:spcPts val="500"/>
-              </a:spcBef>
-              <a:buFont typeface="Arial" panose="020B0604020202020204" pitchFamily="34" charset="0"/>
-              <a:buChar char="•"/>
-              <a:defRPr sz="1800" kern="1200">
-                <a:solidFill>
-                  <a:schemeClr val="tx1"/>
-                </a:solidFill>
-                <a:latin typeface="+mn-lt"/>
-                <a:ea typeface="+mn-ea"/>
-                <a:cs typeface="+mn-cs"/>
-              </a:defRPr>
-            </a:lvl7pPr>
-            <a:lvl8pPr marL="3429000" indent="-228600" algn="l" defTabSz="914400" rtl="0" eaLnBrk="1" latinLnBrk="0" hangingPunct="1">
-              <a:lnSpc>
-                <a:spcPct val="90000"/>
-              </a:lnSpc>
-              <a:spcBef>
-                <a:spcPts val="500"/>
-              </a:spcBef>
-              <a:buFont typeface="Arial" panose="020B0604020202020204" pitchFamily="34" charset="0"/>
-              <a:buChar char="•"/>
-              <a:defRPr sz="1800" kern="1200">
-                <a:solidFill>
-                  <a:schemeClr val="tx1"/>
-                </a:solidFill>
-                <a:latin typeface="+mn-lt"/>
-                <a:ea typeface="+mn-ea"/>
-                <a:cs typeface="+mn-cs"/>
-              </a:defRPr>
-            </a:lvl8pPr>
-            <a:lvl9pPr marL="3886200" indent="-228600" algn="l" defTabSz="914400" rtl="0" eaLnBrk="1" latinLnBrk="0" hangingPunct="1">
-              <a:lnSpc>
-                <a:spcPct val="90000"/>
-              </a:lnSpc>
-              <a:spcBef>
-                <a:spcPts val="500"/>
-              </a:spcBef>
-              <a:buFont typeface="Arial" panose="020B0604020202020204" pitchFamily="34" charset="0"/>
-              <a:buChar char="•"/>
-              <a:defRPr sz="1800" kern="1200">
-                <a:solidFill>
-                  <a:schemeClr val="tx1"/>
-                </a:solidFill>
-                <a:latin typeface="+mn-lt"/>
-                <a:ea typeface="+mn-ea"/>
-                <a:cs typeface="+mn-cs"/>
-              </a:defRPr>
-            </a:lvl9pPr>
-          </a:lstStyle>
-          <a:p>
-            <a:pPr marL="0" indent="0" algn="r">
-              <a:buNone/>
-            </a:pPr>
-            <a:r>
-              <a:rPr lang="de-DE" sz="1600" dirty="0">
-                <a:solidFill>
-                  <a:schemeClr val="bg1"/>
-                </a:solidFill>
-              </a:rPr>
-              <a:t>Seite 1</a:t>
-            </a:r>
+          <a:bodyPr/>
+          <a:lstStyle/>
+          <a:p>
+            <a:fld id="{13CDD369-7DFB-421D-BF1B-CBA1C54DDA3D}" type="slidenum">
+              <a:rPr lang="de-DE" smtClean="0"/>
+              <a:t>2</a:t>
+            </a:fld>
+            <a:endParaRPr lang="de-DE"/>
           </a:p>
         </p:txBody>
       </p:sp>
@@ -11869,6 +9706,18 @@
   <p:clrMapOvr>
     <a:masterClrMapping/>
   </p:clrMapOvr>
+  <mc:AlternateContent xmlns:mc="http://schemas.openxmlformats.org/markup-compatibility/2006">
+    <mc:Choice xmlns:p159="http://schemas.microsoft.com/office/powerpoint/2015/09/main" Requires="p159">
+      <p:transition xmlns:p14="http://schemas.microsoft.com/office/powerpoint/2010/main" spd="slow" p14:dur="2000">
+        <p159:morph option="byObject"/>
+      </p:transition>
+    </mc:Choice>
+    <mc:Fallback>
+      <p:transition spd="slow">
+        <p:fade/>
+      </p:transition>
+    </mc:Fallback>
+  </mc:AlternateContent>
 </p:sld>
 </file>
 
@@ -12182,420 +10031,6 @@
           </a:prstGeom>
         </p:spPr>
       </p:pic>
-      <p:sp>
-        <p:nvSpPr>
-          <p:cNvPr id="10" name="Inhaltsplatzhalter 2">
-            <a:extLst>
-              <a:ext uri="{FF2B5EF4-FFF2-40B4-BE49-F238E27FC236}">
-                <a16:creationId xmlns:a16="http://schemas.microsoft.com/office/drawing/2014/main" id="{1E597849-8825-4B46-BF40-F2D5D11F01EC}"/>
-              </a:ext>
-            </a:extLst>
-          </p:cNvPr>
-          <p:cNvSpPr txBox="1">
-            <a:spLocks/>
-          </p:cNvSpPr>
-          <p:nvPr/>
-        </p:nvSpPr>
-        <p:spPr>
-          <a:xfrm>
-            <a:off x="241034" y="6261919"/>
-            <a:ext cx="2025978" cy="461912"/>
-          </a:xfrm>
-          <a:prstGeom prst="rect">
-            <a:avLst/>
-          </a:prstGeom>
-          <a:noFill/>
-        </p:spPr>
-        <p:txBody>
-          <a:bodyPr vert="horz" lIns="91440" tIns="45720" rIns="91440" bIns="45720" rtlCol="0">
-            <a:normAutofit/>
-          </a:bodyPr>
-          <a:lstStyle>
-            <a:lvl1pPr marL="228600" indent="-228600" algn="l" defTabSz="914400" rtl="0" eaLnBrk="1" latinLnBrk="0" hangingPunct="1">
-              <a:lnSpc>
-                <a:spcPct val="90000"/>
-              </a:lnSpc>
-              <a:spcBef>
-                <a:spcPts val="1000"/>
-              </a:spcBef>
-              <a:buFont typeface="Arial" panose="020B0604020202020204" pitchFamily="34" charset="0"/>
-              <a:buChar char="•"/>
-              <a:defRPr sz="2800" kern="1200">
-                <a:solidFill>
-                  <a:schemeClr val="tx1"/>
-                </a:solidFill>
-                <a:latin typeface="+mn-lt"/>
-                <a:ea typeface="+mn-ea"/>
-                <a:cs typeface="+mn-cs"/>
-              </a:defRPr>
-            </a:lvl1pPr>
-            <a:lvl2pPr marL="685800" indent="-228600" algn="l" defTabSz="914400" rtl="0" eaLnBrk="1" latinLnBrk="0" hangingPunct="1">
-              <a:lnSpc>
-                <a:spcPct val="90000"/>
-              </a:lnSpc>
-              <a:spcBef>
-                <a:spcPts val="500"/>
-              </a:spcBef>
-              <a:buFont typeface="Arial" panose="020B0604020202020204" pitchFamily="34" charset="0"/>
-              <a:buChar char="•"/>
-              <a:defRPr sz="2400" kern="1200">
-                <a:solidFill>
-                  <a:schemeClr val="tx1"/>
-                </a:solidFill>
-                <a:latin typeface="+mn-lt"/>
-                <a:ea typeface="+mn-ea"/>
-                <a:cs typeface="+mn-cs"/>
-              </a:defRPr>
-            </a:lvl2pPr>
-            <a:lvl3pPr marL="1143000" indent="-228600" algn="l" defTabSz="914400" rtl="0" eaLnBrk="1" latinLnBrk="0" hangingPunct="1">
-              <a:lnSpc>
-                <a:spcPct val="90000"/>
-              </a:lnSpc>
-              <a:spcBef>
-                <a:spcPts val="500"/>
-              </a:spcBef>
-              <a:buFont typeface="Arial" panose="020B0604020202020204" pitchFamily="34" charset="0"/>
-              <a:buChar char="•"/>
-              <a:defRPr sz="2000" kern="1200">
-                <a:solidFill>
-                  <a:schemeClr val="tx1"/>
-                </a:solidFill>
-                <a:latin typeface="+mn-lt"/>
-                <a:ea typeface="+mn-ea"/>
-                <a:cs typeface="+mn-cs"/>
-              </a:defRPr>
-            </a:lvl3pPr>
-            <a:lvl4pPr marL="1600200" indent="-228600" algn="l" defTabSz="914400" rtl="0" eaLnBrk="1" latinLnBrk="0" hangingPunct="1">
-              <a:lnSpc>
-                <a:spcPct val="90000"/>
-              </a:lnSpc>
-              <a:spcBef>
-                <a:spcPts val="500"/>
-              </a:spcBef>
-              <a:buFont typeface="Arial" panose="020B0604020202020204" pitchFamily="34" charset="0"/>
-              <a:buChar char="•"/>
-              <a:defRPr sz="1800" kern="1200">
-                <a:solidFill>
-                  <a:schemeClr val="tx1"/>
-                </a:solidFill>
-                <a:latin typeface="+mn-lt"/>
-                <a:ea typeface="+mn-ea"/>
-                <a:cs typeface="+mn-cs"/>
-              </a:defRPr>
-            </a:lvl4pPr>
-            <a:lvl5pPr marL="2057400" indent="-228600" algn="l" defTabSz="914400" rtl="0" eaLnBrk="1" latinLnBrk="0" hangingPunct="1">
-              <a:lnSpc>
-                <a:spcPct val="90000"/>
-              </a:lnSpc>
-              <a:spcBef>
-                <a:spcPts val="500"/>
-              </a:spcBef>
-              <a:buFont typeface="Arial" panose="020B0604020202020204" pitchFamily="34" charset="0"/>
-              <a:buChar char="•"/>
-              <a:defRPr sz="1800" kern="1200">
-                <a:solidFill>
-                  <a:schemeClr val="tx1"/>
-                </a:solidFill>
-                <a:latin typeface="+mn-lt"/>
-                <a:ea typeface="+mn-ea"/>
-                <a:cs typeface="+mn-cs"/>
-              </a:defRPr>
-            </a:lvl5pPr>
-            <a:lvl6pPr marL="2514600" indent="-228600" algn="l" defTabSz="914400" rtl="0" eaLnBrk="1" latinLnBrk="0" hangingPunct="1">
-              <a:lnSpc>
-                <a:spcPct val="90000"/>
-              </a:lnSpc>
-              <a:spcBef>
-                <a:spcPts val="500"/>
-              </a:spcBef>
-              <a:buFont typeface="Arial" panose="020B0604020202020204" pitchFamily="34" charset="0"/>
-              <a:buChar char="•"/>
-              <a:defRPr sz="1800" kern="1200">
-                <a:solidFill>
-                  <a:schemeClr val="tx1"/>
-                </a:solidFill>
-                <a:latin typeface="+mn-lt"/>
-                <a:ea typeface="+mn-ea"/>
-                <a:cs typeface="+mn-cs"/>
-              </a:defRPr>
-            </a:lvl6pPr>
-            <a:lvl7pPr marL="2971800" indent="-228600" algn="l" defTabSz="914400" rtl="0" eaLnBrk="1" latinLnBrk="0" hangingPunct="1">
-              <a:lnSpc>
-                <a:spcPct val="90000"/>
-              </a:lnSpc>
-              <a:spcBef>
-                <a:spcPts val="500"/>
-              </a:spcBef>
-              <a:buFont typeface="Arial" panose="020B0604020202020204" pitchFamily="34" charset="0"/>
-              <a:buChar char="•"/>
-              <a:defRPr sz="1800" kern="1200">
-                <a:solidFill>
-                  <a:schemeClr val="tx1"/>
-                </a:solidFill>
-                <a:latin typeface="+mn-lt"/>
-                <a:ea typeface="+mn-ea"/>
-                <a:cs typeface="+mn-cs"/>
-              </a:defRPr>
-            </a:lvl7pPr>
-            <a:lvl8pPr marL="3429000" indent="-228600" algn="l" defTabSz="914400" rtl="0" eaLnBrk="1" latinLnBrk="0" hangingPunct="1">
-              <a:lnSpc>
-                <a:spcPct val="90000"/>
-              </a:lnSpc>
-              <a:spcBef>
-                <a:spcPts val="500"/>
-              </a:spcBef>
-              <a:buFont typeface="Arial" panose="020B0604020202020204" pitchFamily="34" charset="0"/>
-              <a:buChar char="•"/>
-              <a:defRPr sz="1800" kern="1200">
-                <a:solidFill>
-                  <a:schemeClr val="tx1"/>
-                </a:solidFill>
-                <a:latin typeface="+mn-lt"/>
-                <a:ea typeface="+mn-ea"/>
-                <a:cs typeface="+mn-cs"/>
-              </a:defRPr>
-            </a:lvl8pPr>
-            <a:lvl9pPr marL="3886200" indent="-228600" algn="l" defTabSz="914400" rtl="0" eaLnBrk="1" latinLnBrk="0" hangingPunct="1">
-              <a:lnSpc>
-                <a:spcPct val="90000"/>
-              </a:lnSpc>
-              <a:spcBef>
-                <a:spcPts val="500"/>
-              </a:spcBef>
-              <a:buFont typeface="Arial" panose="020B0604020202020204" pitchFamily="34" charset="0"/>
-              <a:buChar char="•"/>
-              <a:defRPr sz="1800" kern="1200">
-                <a:solidFill>
-                  <a:schemeClr val="tx1"/>
-                </a:solidFill>
-                <a:latin typeface="+mn-lt"/>
-                <a:ea typeface="+mn-ea"/>
-                <a:cs typeface="+mn-cs"/>
-              </a:defRPr>
-            </a:lvl9pPr>
-          </a:lstStyle>
-          <a:p>
-            <a:pPr marL="0" indent="0">
-              <a:buNone/>
-            </a:pPr>
-            <a:r>
-              <a:rPr lang="de-DE" sz="1600" dirty="0">
-                <a:solidFill>
-                  <a:schemeClr val="bg1"/>
-                </a:solidFill>
-              </a:rPr>
-              <a:t>21.05.2021</a:t>
-            </a:r>
-          </a:p>
-        </p:txBody>
-      </p:sp>
-      <p:sp>
-        <p:nvSpPr>
-          <p:cNvPr id="11" name="Inhaltsplatzhalter 2">
-            <a:extLst>
-              <a:ext uri="{FF2B5EF4-FFF2-40B4-BE49-F238E27FC236}">
-                <a16:creationId xmlns:a16="http://schemas.microsoft.com/office/drawing/2014/main" id="{DCF2C4D7-FEA7-48C9-8AA3-B879ACF6C000}"/>
-              </a:ext>
-            </a:extLst>
-          </p:cNvPr>
-          <p:cNvSpPr txBox="1">
-            <a:spLocks/>
-          </p:cNvSpPr>
-          <p:nvPr/>
-        </p:nvSpPr>
-        <p:spPr>
-          <a:xfrm>
-            <a:off x="9820890" y="6261919"/>
-            <a:ext cx="2025978" cy="461912"/>
-          </a:xfrm>
-          <a:prstGeom prst="rect">
-            <a:avLst/>
-          </a:prstGeom>
-          <a:noFill/>
-        </p:spPr>
-        <p:txBody>
-          <a:bodyPr vert="horz" lIns="91440" tIns="45720" rIns="91440" bIns="45720" rtlCol="0">
-            <a:normAutofit/>
-          </a:bodyPr>
-          <a:lstStyle>
-            <a:lvl1pPr marL="228600" indent="-228600" algn="l" defTabSz="914400" rtl="0" eaLnBrk="1" latinLnBrk="0" hangingPunct="1">
-              <a:lnSpc>
-                <a:spcPct val="90000"/>
-              </a:lnSpc>
-              <a:spcBef>
-                <a:spcPts val="1000"/>
-              </a:spcBef>
-              <a:buFont typeface="Arial" panose="020B0604020202020204" pitchFamily="34" charset="0"/>
-              <a:buChar char="•"/>
-              <a:defRPr sz="2800" kern="1200">
-                <a:solidFill>
-                  <a:schemeClr val="tx1"/>
-                </a:solidFill>
-                <a:latin typeface="+mn-lt"/>
-                <a:ea typeface="+mn-ea"/>
-                <a:cs typeface="+mn-cs"/>
-              </a:defRPr>
-            </a:lvl1pPr>
-            <a:lvl2pPr marL="685800" indent="-228600" algn="l" defTabSz="914400" rtl="0" eaLnBrk="1" latinLnBrk="0" hangingPunct="1">
-              <a:lnSpc>
-                <a:spcPct val="90000"/>
-              </a:lnSpc>
-              <a:spcBef>
-                <a:spcPts val="500"/>
-              </a:spcBef>
-              <a:buFont typeface="Arial" panose="020B0604020202020204" pitchFamily="34" charset="0"/>
-              <a:buChar char="•"/>
-              <a:defRPr sz="2400" kern="1200">
-                <a:solidFill>
-                  <a:schemeClr val="tx1"/>
-                </a:solidFill>
-                <a:latin typeface="+mn-lt"/>
-                <a:ea typeface="+mn-ea"/>
-                <a:cs typeface="+mn-cs"/>
-              </a:defRPr>
-            </a:lvl2pPr>
-            <a:lvl3pPr marL="1143000" indent="-228600" algn="l" defTabSz="914400" rtl="0" eaLnBrk="1" latinLnBrk="0" hangingPunct="1">
-              <a:lnSpc>
-                <a:spcPct val="90000"/>
-              </a:lnSpc>
-              <a:spcBef>
-                <a:spcPts val="500"/>
-              </a:spcBef>
-              <a:buFont typeface="Arial" panose="020B0604020202020204" pitchFamily="34" charset="0"/>
-              <a:buChar char="•"/>
-              <a:defRPr sz="2000" kern="1200">
-                <a:solidFill>
-                  <a:schemeClr val="tx1"/>
-                </a:solidFill>
-                <a:latin typeface="+mn-lt"/>
-                <a:ea typeface="+mn-ea"/>
-                <a:cs typeface="+mn-cs"/>
-              </a:defRPr>
-            </a:lvl3pPr>
-            <a:lvl4pPr marL="1600200" indent="-228600" algn="l" defTabSz="914400" rtl="0" eaLnBrk="1" latinLnBrk="0" hangingPunct="1">
-              <a:lnSpc>
-                <a:spcPct val="90000"/>
-              </a:lnSpc>
-              <a:spcBef>
-                <a:spcPts val="500"/>
-              </a:spcBef>
-              <a:buFont typeface="Arial" panose="020B0604020202020204" pitchFamily="34" charset="0"/>
-              <a:buChar char="•"/>
-              <a:defRPr sz="1800" kern="1200">
-                <a:solidFill>
-                  <a:schemeClr val="tx1"/>
-                </a:solidFill>
-                <a:latin typeface="+mn-lt"/>
-                <a:ea typeface="+mn-ea"/>
-                <a:cs typeface="+mn-cs"/>
-              </a:defRPr>
-            </a:lvl4pPr>
-            <a:lvl5pPr marL="2057400" indent="-228600" algn="l" defTabSz="914400" rtl="0" eaLnBrk="1" latinLnBrk="0" hangingPunct="1">
-              <a:lnSpc>
-                <a:spcPct val="90000"/>
-              </a:lnSpc>
-              <a:spcBef>
-                <a:spcPts val="500"/>
-              </a:spcBef>
-              <a:buFont typeface="Arial" panose="020B0604020202020204" pitchFamily="34" charset="0"/>
-              <a:buChar char="•"/>
-              <a:defRPr sz="1800" kern="1200">
-                <a:solidFill>
-                  <a:schemeClr val="tx1"/>
-                </a:solidFill>
-                <a:latin typeface="+mn-lt"/>
-                <a:ea typeface="+mn-ea"/>
-                <a:cs typeface="+mn-cs"/>
-              </a:defRPr>
-            </a:lvl5pPr>
-            <a:lvl6pPr marL="2514600" indent="-228600" algn="l" defTabSz="914400" rtl="0" eaLnBrk="1" latinLnBrk="0" hangingPunct="1">
-              <a:lnSpc>
-                <a:spcPct val="90000"/>
-              </a:lnSpc>
-              <a:spcBef>
-                <a:spcPts val="500"/>
-              </a:spcBef>
-              <a:buFont typeface="Arial" panose="020B0604020202020204" pitchFamily="34" charset="0"/>
-              <a:buChar char="•"/>
-              <a:defRPr sz="1800" kern="1200">
-                <a:solidFill>
-                  <a:schemeClr val="tx1"/>
-                </a:solidFill>
-                <a:latin typeface="+mn-lt"/>
-                <a:ea typeface="+mn-ea"/>
-                <a:cs typeface="+mn-cs"/>
-              </a:defRPr>
-            </a:lvl6pPr>
-            <a:lvl7pPr marL="2971800" indent="-228600" algn="l" defTabSz="914400" rtl="0" eaLnBrk="1" latinLnBrk="0" hangingPunct="1">
-              <a:lnSpc>
-                <a:spcPct val="90000"/>
-              </a:lnSpc>
-              <a:spcBef>
-                <a:spcPts val="500"/>
-              </a:spcBef>
-              <a:buFont typeface="Arial" panose="020B0604020202020204" pitchFamily="34" charset="0"/>
-              <a:buChar char="•"/>
-              <a:defRPr sz="1800" kern="1200">
-                <a:solidFill>
-                  <a:schemeClr val="tx1"/>
-                </a:solidFill>
-                <a:latin typeface="+mn-lt"/>
-                <a:ea typeface="+mn-ea"/>
-                <a:cs typeface="+mn-cs"/>
-              </a:defRPr>
-            </a:lvl7pPr>
-            <a:lvl8pPr marL="3429000" indent="-228600" algn="l" defTabSz="914400" rtl="0" eaLnBrk="1" latinLnBrk="0" hangingPunct="1">
-              <a:lnSpc>
-                <a:spcPct val="90000"/>
-              </a:lnSpc>
-              <a:spcBef>
-                <a:spcPts val="500"/>
-              </a:spcBef>
-              <a:buFont typeface="Arial" panose="020B0604020202020204" pitchFamily="34" charset="0"/>
-              <a:buChar char="•"/>
-              <a:defRPr sz="1800" kern="1200">
-                <a:solidFill>
-                  <a:schemeClr val="tx1"/>
-                </a:solidFill>
-                <a:latin typeface="+mn-lt"/>
-                <a:ea typeface="+mn-ea"/>
-                <a:cs typeface="+mn-cs"/>
-              </a:defRPr>
-            </a:lvl8pPr>
-            <a:lvl9pPr marL="3886200" indent="-228600" algn="l" defTabSz="914400" rtl="0" eaLnBrk="1" latinLnBrk="0" hangingPunct="1">
-              <a:lnSpc>
-                <a:spcPct val="90000"/>
-              </a:lnSpc>
-              <a:spcBef>
-                <a:spcPts val="500"/>
-              </a:spcBef>
-              <a:buFont typeface="Arial" panose="020B0604020202020204" pitchFamily="34" charset="0"/>
-              <a:buChar char="•"/>
-              <a:defRPr sz="1800" kern="1200">
-                <a:solidFill>
-                  <a:schemeClr val="tx1"/>
-                </a:solidFill>
-                <a:latin typeface="+mn-lt"/>
-                <a:ea typeface="+mn-ea"/>
-                <a:cs typeface="+mn-cs"/>
-              </a:defRPr>
-            </a:lvl9pPr>
-          </a:lstStyle>
-          <a:p>
-            <a:pPr marL="0" indent="0" algn="r">
-              <a:buNone/>
-            </a:pPr>
-            <a:r>
-              <a:rPr lang="de-DE" sz="1600" dirty="0">
-                <a:solidFill>
-                  <a:schemeClr val="bg1"/>
-                </a:solidFill>
-              </a:rPr>
-              <a:t>Seite 1</a:t>
-            </a:r>
-          </a:p>
-        </p:txBody>
-      </p:sp>
       <p:graphicFrame>
         <p:nvGraphicFramePr>
           <p:cNvPr id="4" name="Tabelle 4">
@@ -14259,6 +11694,64 @@
           </a:p>
         </p:txBody>
       </p:sp>
+      <p:sp>
+        <p:nvSpPr>
+          <p:cNvPr id="3" name="Datumsplatzhalter 2">
+            <a:extLst>
+              <a:ext uri="{FF2B5EF4-FFF2-40B4-BE49-F238E27FC236}">
+                <a16:creationId xmlns:a16="http://schemas.microsoft.com/office/drawing/2014/main" id="{31CC1F19-4B17-41BC-B52C-F24B03BCDFF5}"/>
+              </a:ext>
+            </a:extLst>
+          </p:cNvPr>
+          <p:cNvSpPr>
+            <a:spLocks noGrp="1"/>
+          </p:cNvSpPr>
+          <p:nvPr>
+            <p:ph type="dt" sz="half" idx="10"/>
+          </p:nvPr>
+        </p:nvSpPr>
+        <p:spPr/>
+        <p:txBody>
+          <a:bodyPr/>
+          <a:lstStyle/>
+          <a:p>
+            <a:fld id="{074D3C85-4D7D-480B-BBB7-A25D29EEF0ED}" type="datetime2">
+              <a:rPr lang="de-DE" smtClean="0"/>
+              <a:t>Donnerstag, 20. Mai 2021</a:t>
+            </a:fld>
+            <a:endParaRPr lang="de-DE" dirty="0"/>
+          </a:p>
+        </p:txBody>
+      </p:sp>
+      <p:sp>
+        <p:nvSpPr>
+          <p:cNvPr id="5" name="Foliennummernplatzhalter 4">
+            <a:extLst>
+              <a:ext uri="{FF2B5EF4-FFF2-40B4-BE49-F238E27FC236}">
+                <a16:creationId xmlns:a16="http://schemas.microsoft.com/office/drawing/2014/main" id="{7DCEBAE2-AD60-4204-B6B5-FB1FEC3A7620}"/>
+              </a:ext>
+            </a:extLst>
+          </p:cNvPr>
+          <p:cNvSpPr>
+            <a:spLocks noGrp="1"/>
+          </p:cNvSpPr>
+          <p:nvPr>
+            <p:ph type="sldNum" sz="quarter" idx="12"/>
+          </p:nvPr>
+        </p:nvSpPr>
+        <p:spPr/>
+        <p:txBody>
+          <a:bodyPr/>
+          <a:lstStyle/>
+          <a:p>
+            <a:fld id="{13CDD369-7DFB-421D-BF1B-CBA1C54DDA3D}" type="slidenum">
+              <a:rPr lang="de-DE" smtClean="0"/>
+              <a:t>3</a:t>
+            </a:fld>
+            <a:endParaRPr lang="de-DE"/>
+          </a:p>
+        </p:txBody>
+      </p:sp>
     </p:spTree>
     <p:extLst>
       <p:ext uri="{BB962C8B-B14F-4D97-AF65-F5344CB8AC3E}">
@@ -14269,6 +11762,18 @@
   <p:clrMapOvr>
     <a:masterClrMapping/>
   </p:clrMapOvr>
+  <mc:AlternateContent xmlns:mc="http://schemas.openxmlformats.org/markup-compatibility/2006">
+    <mc:Choice xmlns:p159="http://schemas.microsoft.com/office/powerpoint/2015/09/main" Requires="p159">
+      <p:transition xmlns:p14="http://schemas.microsoft.com/office/powerpoint/2010/main" spd="slow" p14:dur="2000">
+        <p159:morph option="byObject"/>
+      </p:transition>
+    </mc:Choice>
+    <mc:Fallback>
+      <p:transition spd="slow">
+        <p:fade/>
+      </p:transition>
+    </mc:Fallback>
+  </mc:AlternateContent>
 </p:sld>
 </file>
 
@@ -14666,420 +12171,6 @@
       </p:pic>
       <p:sp>
         <p:nvSpPr>
-          <p:cNvPr id="10" name="Inhaltsplatzhalter 2">
-            <a:extLst>
-              <a:ext uri="{FF2B5EF4-FFF2-40B4-BE49-F238E27FC236}">
-                <a16:creationId xmlns:a16="http://schemas.microsoft.com/office/drawing/2014/main" id="{1E597849-8825-4B46-BF40-F2D5D11F01EC}"/>
-              </a:ext>
-            </a:extLst>
-          </p:cNvPr>
-          <p:cNvSpPr txBox="1">
-            <a:spLocks/>
-          </p:cNvSpPr>
-          <p:nvPr/>
-        </p:nvSpPr>
-        <p:spPr>
-          <a:xfrm>
-            <a:off x="241034" y="6261919"/>
-            <a:ext cx="2025978" cy="461912"/>
-          </a:xfrm>
-          <a:prstGeom prst="rect">
-            <a:avLst/>
-          </a:prstGeom>
-          <a:noFill/>
-        </p:spPr>
-        <p:txBody>
-          <a:bodyPr vert="horz" lIns="91440" tIns="45720" rIns="91440" bIns="45720" rtlCol="0">
-            <a:normAutofit/>
-          </a:bodyPr>
-          <a:lstStyle>
-            <a:lvl1pPr marL="228600" indent="-228600" algn="l" defTabSz="914400" rtl="0" eaLnBrk="1" latinLnBrk="0" hangingPunct="1">
-              <a:lnSpc>
-                <a:spcPct val="90000"/>
-              </a:lnSpc>
-              <a:spcBef>
-                <a:spcPts val="1000"/>
-              </a:spcBef>
-              <a:buFont typeface="Arial" panose="020B0604020202020204" pitchFamily="34" charset="0"/>
-              <a:buChar char="•"/>
-              <a:defRPr sz="2800" kern="1200">
-                <a:solidFill>
-                  <a:schemeClr val="tx1"/>
-                </a:solidFill>
-                <a:latin typeface="+mn-lt"/>
-                <a:ea typeface="+mn-ea"/>
-                <a:cs typeface="+mn-cs"/>
-              </a:defRPr>
-            </a:lvl1pPr>
-            <a:lvl2pPr marL="685800" indent="-228600" algn="l" defTabSz="914400" rtl="0" eaLnBrk="1" latinLnBrk="0" hangingPunct="1">
-              <a:lnSpc>
-                <a:spcPct val="90000"/>
-              </a:lnSpc>
-              <a:spcBef>
-                <a:spcPts val="500"/>
-              </a:spcBef>
-              <a:buFont typeface="Arial" panose="020B0604020202020204" pitchFamily="34" charset="0"/>
-              <a:buChar char="•"/>
-              <a:defRPr sz="2400" kern="1200">
-                <a:solidFill>
-                  <a:schemeClr val="tx1"/>
-                </a:solidFill>
-                <a:latin typeface="+mn-lt"/>
-                <a:ea typeface="+mn-ea"/>
-                <a:cs typeface="+mn-cs"/>
-              </a:defRPr>
-            </a:lvl2pPr>
-            <a:lvl3pPr marL="1143000" indent="-228600" algn="l" defTabSz="914400" rtl="0" eaLnBrk="1" latinLnBrk="0" hangingPunct="1">
-              <a:lnSpc>
-                <a:spcPct val="90000"/>
-              </a:lnSpc>
-              <a:spcBef>
-                <a:spcPts val="500"/>
-              </a:spcBef>
-              <a:buFont typeface="Arial" panose="020B0604020202020204" pitchFamily="34" charset="0"/>
-              <a:buChar char="•"/>
-              <a:defRPr sz="2000" kern="1200">
-                <a:solidFill>
-                  <a:schemeClr val="tx1"/>
-                </a:solidFill>
-                <a:latin typeface="+mn-lt"/>
-                <a:ea typeface="+mn-ea"/>
-                <a:cs typeface="+mn-cs"/>
-              </a:defRPr>
-            </a:lvl3pPr>
-            <a:lvl4pPr marL="1600200" indent="-228600" algn="l" defTabSz="914400" rtl="0" eaLnBrk="1" latinLnBrk="0" hangingPunct="1">
-              <a:lnSpc>
-                <a:spcPct val="90000"/>
-              </a:lnSpc>
-              <a:spcBef>
-                <a:spcPts val="500"/>
-              </a:spcBef>
-              <a:buFont typeface="Arial" panose="020B0604020202020204" pitchFamily="34" charset="0"/>
-              <a:buChar char="•"/>
-              <a:defRPr sz="1800" kern="1200">
-                <a:solidFill>
-                  <a:schemeClr val="tx1"/>
-                </a:solidFill>
-                <a:latin typeface="+mn-lt"/>
-                <a:ea typeface="+mn-ea"/>
-                <a:cs typeface="+mn-cs"/>
-              </a:defRPr>
-            </a:lvl4pPr>
-            <a:lvl5pPr marL="2057400" indent="-228600" algn="l" defTabSz="914400" rtl="0" eaLnBrk="1" latinLnBrk="0" hangingPunct="1">
-              <a:lnSpc>
-                <a:spcPct val="90000"/>
-              </a:lnSpc>
-              <a:spcBef>
-                <a:spcPts val="500"/>
-              </a:spcBef>
-              <a:buFont typeface="Arial" panose="020B0604020202020204" pitchFamily="34" charset="0"/>
-              <a:buChar char="•"/>
-              <a:defRPr sz="1800" kern="1200">
-                <a:solidFill>
-                  <a:schemeClr val="tx1"/>
-                </a:solidFill>
-                <a:latin typeface="+mn-lt"/>
-                <a:ea typeface="+mn-ea"/>
-                <a:cs typeface="+mn-cs"/>
-              </a:defRPr>
-            </a:lvl5pPr>
-            <a:lvl6pPr marL="2514600" indent="-228600" algn="l" defTabSz="914400" rtl="0" eaLnBrk="1" latinLnBrk="0" hangingPunct="1">
-              <a:lnSpc>
-                <a:spcPct val="90000"/>
-              </a:lnSpc>
-              <a:spcBef>
-                <a:spcPts val="500"/>
-              </a:spcBef>
-              <a:buFont typeface="Arial" panose="020B0604020202020204" pitchFamily="34" charset="0"/>
-              <a:buChar char="•"/>
-              <a:defRPr sz="1800" kern="1200">
-                <a:solidFill>
-                  <a:schemeClr val="tx1"/>
-                </a:solidFill>
-                <a:latin typeface="+mn-lt"/>
-                <a:ea typeface="+mn-ea"/>
-                <a:cs typeface="+mn-cs"/>
-              </a:defRPr>
-            </a:lvl6pPr>
-            <a:lvl7pPr marL="2971800" indent="-228600" algn="l" defTabSz="914400" rtl="0" eaLnBrk="1" latinLnBrk="0" hangingPunct="1">
-              <a:lnSpc>
-                <a:spcPct val="90000"/>
-              </a:lnSpc>
-              <a:spcBef>
-                <a:spcPts val="500"/>
-              </a:spcBef>
-              <a:buFont typeface="Arial" panose="020B0604020202020204" pitchFamily="34" charset="0"/>
-              <a:buChar char="•"/>
-              <a:defRPr sz="1800" kern="1200">
-                <a:solidFill>
-                  <a:schemeClr val="tx1"/>
-                </a:solidFill>
-                <a:latin typeface="+mn-lt"/>
-                <a:ea typeface="+mn-ea"/>
-                <a:cs typeface="+mn-cs"/>
-              </a:defRPr>
-            </a:lvl7pPr>
-            <a:lvl8pPr marL="3429000" indent="-228600" algn="l" defTabSz="914400" rtl="0" eaLnBrk="1" latinLnBrk="0" hangingPunct="1">
-              <a:lnSpc>
-                <a:spcPct val="90000"/>
-              </a:lnSpc>
-              <a:spcBef>
-                <a:spcPts val="500"/>
-              </a:spcBef>
-              <a:buFont typeface="Arial" panose="020B0604020202020204" pitchFamily="34" charset="0"/>
-              <a:buChar char="•"/>
-              <a:defRPr sz="1800" kern="1200">
-                <a:solidFill>
-                  <a:schemeClr val="tx1"/>
-                </a:solidFill>
-                <a:latin typeface="+mn-lt"/>
-                <a:ea typeface="+mn-ea"/>
-                <a:cs typeface="+mn-cs"/>
-              </a:defRPr>
-            </a:lvl8pPr>
-            <a:lvl9pPr marL="3886200" indent="-228600" algn="l" defTabSz="914400" rtl="0" eaLnBrk="1" latinLnBrk="0" hangingPunct="1">
-              <a:lnSpc>
-                <a:spcPct val="90000"/>
-              </a:lnSpc>
-              <a:spcBef>
-                <a:spcPts val="500"/>
-              </a:spcBef>
-              <a:buFont typeface="Arial" panose="020B0604020202020204" pitchFamily="34" charset="0"/>
-              <a:buChar char="•"/>
-              <a:defRPr sz="1800" kern="1200">
-                <a:solidFill>
-                  <a:schemeClr val="tx1"/>
-                </a:solidFill>
-                <a:latin typeface="+mn-lt"/>
-                <a:ea typeface="+mn-ea"/>
-                <a:cs typeface="+mn-cs"/>
-              </a:defRPr>
-            </a:lvl9pPr>
-          </a:lstStyle>
-          <a:p>
-            <a:pPr marL="0" indent="0">
-              <a:buNone/>
-            </a:pPr>
-            <a:r>
-              <a:rPr lang="de-DE" sz="1600" dirty="0">
-                <a:solidFill>
-                  <a:schemeClr val="bg1"/>
-                </a:solidFill>
-              </a:rPr>
-              <a:t>21.05.2021</a:t>
-            </a:r>
-          </a:p>
-        </p:txBody>
-      </p:sp>
-      <p:sp>
-        <p:nvSpPr>
-          <p:cNvPr id="11" name="Inhaltsplatzhalter 2">
-            <a:extLst>
-              <a:ext uri="{FF2B5EF4-FFF2-40B4-BE49-F238E27FC236}">
-                <a16:creationId xmlns:a16="http://schemas.microsoft.com/office/drawing/2014/main" id="{DCF2C4D7-FEA7-48C9-8AA3-B879ACF6C000}"/>
-              </a:ext>
-            </a:extLst>
-          </p:cNvPr>
-          <p:cNvSpPr txBox="1">
-            <a:spLocks/>
-          </p:cNvSpPr>
-          <p:nvPr/>
-        </p:nvSpPr>
-        <p:spPr>
-          <a:xfrm>
-            <a:off x="9820890" y="6261919"/>
-            <a:ext cx="2025978" cy="461912"/>
-          </a:xfrm>
-          <a:prstGeom prst="rect">
-            <a:avLst/>
-          </a:prstGeom>
-          <a:noFill/>
-        </p:spPr>
-        <p:txBody>
-          <a:bodyPr vert="horz" lIns="91440" tIns="45720" rIns="91440" bIns="45720" rtlCol="0">
-            <a:normAutofit/>
-          </a:bodyPr>
-          <a:lstStyle>
-            <a:lvl1pPr marL="228600" indent="-228600" algn="l" defTabSz="914400" rtl="0" eaLnBrk="1" latinLnBrk="0" hangingPunct="1">
-              <a:lnSpc>
-                <a:spcPct val="90000"/>
-              </a:lnSpc>
-              <a:spcBef>
-                <a:spcPts val="1000"/>
-              </a:spcBef>
-              <a:buFont typeface="Arial" panose="020B0604020202020204" pitchFamily="34" charset="0"/>
-              <a:buChar char="•"/>
-              <a:defRPr sz="2800" kern="1200">
-                <a:solidFill>
-                  <a:schemeClr val="tx1"/>
-                </a:solidFill>
-                <a:latin typeface="+mn-lt"/>
-                <a:ea typeface="+mn-ea"/>
-                <a:cs typeface="+mn-cs"/>
-              </a:defRPr>
-            </a:lvl1pPr>
-            <a:lvl2pPr marL="685800" indent="-228600" algn="l" defTabSz="914400" rtl="0" eaLnBrk="1" latinLnBrk="0" hangingPunct="1">
-              <a:lnSpc>
-                <a:spcPct val="90000"/>
-              </a:lnSpc>
-              <a:spcBef>
-                <a:spcPts val="500"/>
-              </a:spcBef>
-              <a:buFont typeface="Arial" panose="020B0604020202020204" pitchFamily="34" charset="0"/>
-              <a:buChar char="•"/>
-              <a:defRPr sz="2400" kern="1200">
-                <a:solidFill>
-                  <a:schemeClr val="tx1"/>
-                </a:solidFill>
-                <a:latin typeface="+mn-lt"/>
-                <a:ea typeface="+mn-ea"/>
-                <a:cs typeface="+mn-cs"/>
-              </a:defRPr>
-            </a:lvl2pPr>
-            <a:lvl3pPr marL="1143000" indent="-228600" algn="l" defTabSz="914400" rtl="0" eaLnBrk="1" latinLnBrk="0" hangingPunct="1">
-              <a:lnSpc>
-                <a:spcPct val="90000"/>
-              </a:lnSpc>
-              <a:spcBef>
-                <a:spcPts val="500"/>
-              </a:spcBef>
-              <a:buFont typeface="Arial" panose="020B0604020202020204" pitchFamily="34" charset="0"/>
-              <a:buChar char="•"/>
-              <a:defRPr sz="2000" kern="1200">
-                <a:solidFill>
-                  <a:schemeClr val="tx1"/>
-                </a:solidFill>
-                <a:latin typeface="+mn-lt"/>
-                <a:ea typeface="+mn-ea"/>
-                <a:cs typeface="+mn-cs"/>
-              </a:defRPr>
-            </a:lvl3pPr>
-            <a:lvl4pPr marL="1600200" indent="-228600" algn="l" defTabSz="914400" rtl="0" eaLnBrk="1" latinLnBrk="0" hangingPunct="1">
-              <a:lnSpc>
-                <a:spcPct val="90000"/>
-              </a:lnSpc>
-              <a:spcBef>
-                <a:spcPts val="500"/>
-              </a:spcBef>
-              <a:buFont typeface="Arial" panose="020B0604020202020204" pitchFamily="34" charset="0"/>
-              <a:buChar char="•"/>
-              <a:defRPr sz="1800" kern="1200">
-                <a:solidFill>
-                  <a:schemeClr val="tx1"/>
-                </a:solidFill>
-                <a:latin typeface="+mn-lt"/>
-                <a:ea typeface="+mn-ea"/>
-                <a:cs typeface="+mn-cs"/>
-              </a:defRPr>
-            </a:lvl4pPr>
-            <a:lvl5pPr marL="2057400" indent="-228600" algn="l" defTabSz="914400" rtl="0" eaLnBrk="1" latinLnBrk="0" hangingPunct="1">
-              <a:lnSpc>
-                <a:spcPct val="90000"/>
-              </a:lnSpc>
-              <a:spcBef>
-                <a:spcPts val="500"/>
-              </a:spcBef>
-              <a:buFont typeface="Arial" panose="020B0604020202020204" pitchFamily="34" charset="0"/>
-              <a:buChar char="•"/>
-              <a:defRPr sz="1800" kern="1200">
-                <a:solidFill>
-                  <a:schemeClr val="tx1"/>
-                </a:solidFill>
-                <a:latin typeface="+mn-lt"/>
-                <a:ea typeface="+mn-ea"/>
-                <a:cs typeface="+mn-cs"/>
-              </a:defRPr>
-            </a:lvl5pPr>
-            <a:lvl6pPr marL="2514600" indent="-228600" algn="l" defTabSz="914400" rtl="0" eaLnBrk="1" latinLnBrk="0" hangingPunct="1">
-              <a:lnSpc>
-                <a:spcPct val="90000"/>
-              </a:lnSpc>
-              <a:spcBef>
-                <a:spcPts val="500"/>
-              </a:spcBef>
-              <a:buFont typeface="Arial" panose="020B0604020202020204" pitchFamily="34" charset="0"/>
-              <a:buChar char="•"/>
-              <a:defRPr sz="1800" kern="1200">
-                <a:solidFill>
-                  <a:schemeClr val="tx1"/>
-                </a:solidFill>
-                <a:latin typeface="+mn-lt"/>
-                <a:ea typeface="+mn-ea"/>
-                <a:cs typeface="+mn-cs"/>
-              </a:defRPr>
-            </a:lvl6pPr>
-            <a:lvl7pPr marL="2971800" indent="-228600" algn="l" defTabSz="914400" rtl="0" eaLnBrk="1" latinLnBrk="0" hangingPunct="1">
-              <a:lnSpc>
-                <a:spcPct val="90000"/>
-              </a:lnSpc>
-              <a:spcBef>
-                <a:spcPts val="500"/>
-              </a:spcBef>
-              <a:buFont typeface="Arial" panose="020B0604020202020204" pitchFamily="34" charset="0"/>
-              <a:buChar char="•"/>
-              <a:defRPr sz="1800" kern="1200">
-                <a:solidFill>
-                  <a:schemeClr val="tx1"/>
-                </a:solidFill>
-                <a:latin typeface="+mn-lt"/>
-                <a:ea typeface="+mn-ea"/>
-                <a:cs typeface="+mn-cs"/>
-              </a:defRPr>
-            </a:lvl7pPr>
-            <a:lvl8pPr marL="3429000" indent="-228600" algn="l" defTabSz="914400" rtl="0" eaLnBrk="1" latinLnBrk="0" hangingPunct="1">
-              <a:lnSpc>
-                <a:spcPct val="90000"/>
-              </a:lnSpc>
-              <a:spcBef>
-                <a:spcPts val="500"/>
-              </a:spcBef>
-              <a:buFont typeface="Arial" panose="020B0604020202020204" pitchFamily="34" charset="0"/>
-              <a:buChar char="•"/>
-              <a:defRPr sz="1800" kern="1200">
-                <a:solidFill>
-                  <a:schemeClr val="tx1"/>
-                </a:solidFill>
-                <a:latin typeface="+mn-lt"/>
-                <a:ea typeface="+mn-ea"/>
-                <a:cs typeface="+mn-cs"/>
-              </a:defRPr>
-            </a:lvl8pPr>
-            <a:lvl9pPr marL="3886200" indent="-228600" algn="l" defTabSz="914400" rtl="0" eaLnBrk="1" latinLnBrk="0" hangingPunct="1">
-              <a:lnSpc>
-                <a:spcPct val="90000"/>
-              </a:lnSpc>
-              <a:spcBef>
-                <a:spcPts val="500"/>
-              </a:spcBef>
-              <a:buFont typeface="Arial" panose="020B0604020202020204" pitchFamily="34" charset="0"/>
-              <a:buChar char="•"/>
-              <a:defRPr sz="1800" kern="1200">
-                <a:solidFill>
-                  <a:schemeClr val="tx1"/>
-                </a:solidFill>
-                <a:latin typeface="+mn-lt"/>
-                <a:ea typeface="+mn-ea"/>
-                <a:cs typeface="+mn-cs"/>
-              </a:defRPr>
-            </a:lvl9pPr>
-          </a:lstStyle>
-          <a:p>
-            <a:pPr marL="0" indent="0" algn="r">
-              <a:buNone/>
-            </a:pPr>
-            <a:r>
-              <a:rPr lang="de-DE" sz="1600" dirty="0">
-                <a:solidFill>
-                  <a:schemeClr val="bg1"/>
-                </a:solidFill>
-              </a:rPr>
-              <a:t>Seite 1</a:t>
-            </a:r>
-          </a:p>
-        </p:txBody>
-      </p:sp>
-      <p:sp>
-        <p:nvSpPr>
           <p:cNvPr id="8" name="Inhaltsplatzhalter 2">
             <a:extLst>
               <a:ext uri="{FF2B5EF4-FFF2-40B4-BE49-F238E27FC236}">
@@ -15777,20 +12868,12 @@
           </a:p>
           <a:p>
             <a:r>
-              <a:rPr lang="de-DE" sz="2000" dirty="0" err="1">
-                <a:solidFill>
-                  <a:schemeClr val="bg1"/>
-                </a:solidFill>
-              </a:rPr>
-              <a:t>Tested</a:t>
-            </a:r>
-            <a:r>
               <a:rPr lang="de-DE" sz="2000" dirty="0">
                 <a:solidFill>
                   <a:schemeClr val="bg1"/>
                 </a:solidFill>
               </a:rPr>
-              <a:t> Konfiguration und Funktion eines OPC UA Servers</a:t>
+              <a:t>Testet Konfiguration und Funktion eines OPC UA Servers</a:t>
             </a:r>
           </a:p>
           <a:p>
@@ -15919,6 +13002,64 @@
           </a:prstGeom>
         </p:spPr>
       </p:pic>
+      <p:sp>
+        <p:nvSpPr>
+          <p:cNvPr id="4" name="Datumsplatzhalter 3">
+            <a:extLst>
+              <a:ext uri="{FF2B5EF4-FFF2-40B4-BE49-F238E27FC236}">
+                <a16:creationId xmlns:a16="http://schemas.microsoft.com/office/drawing/2014/main" id="{7EC8BBF1-DC04-4701-B89F-5C689B6BCFBA}"/>
+              </a:ext>
+            </a:extLst>
+          </p:cNvPr>
+          <p:cNvSpPr>
+            <a:spLocks noGrp="1"/>
+          </p:cNvSpPr>
+          <p:nvPr>
+            <p:ph type="dt" sz="half" idx="10"/>
+          </p:nvPr>
+        </p:nvSpPr>
+        <p:spPr/>
+        <p:txBody>
+          <a:bodyPr/>
+          <a:lstStyle/>
+          <a:p>
+            <a:fld id="{9712E02C-E36A-4072-BD11-DF6C5F54DF92}" type="datetime2">
+              <a:rPr lang="de-DE" smtClean="0"/>
+              <a:t>Donnerstag, 20. Mai 2021</a:t>
+            </a:fld>
+            <a:endParaRPr lang="de-DE"/>
+          </a:p>
+        </p:txBody>
+      </p:sp>
+      <p:sp>
+        <p:nvSpPr>
+          <p:cNvPr id="5" name="Foliennummernplatzhalter 4">
+            <a:extLst>
+              <a:ext uri="{FF2B5EF4-FFF2-40B4-BE49-F238E27FC236}">
+                <a16:creationId xmlns:a16="http://schemas.microsoft.com/office/drawing/2014/main" id="{DC5D7CFC-4665-4432-B457-9006095A68F3}"/>
+              </a:ext>
+            </a:extLst>
+          </p:cNvPr>
+          <p:cNvSpPr>
+            <a:spLocks noGrp="1"/>
+          </p:cNvSpPr>
+          <p:nvPr>
+            <p:ph type="sldNum" sz="quarter" idx="12"/>
+          </p:nvPr>
+        </p:nvSpPr>
+        <p:spPr/>
+        <p:txBody>
+          <a:bodyPr/>
+          <a:lstStyle/>
+          <a:p>
+            <a:fld id="{13CDD369-7DFB-421D-BF1B-CBA1C54DDA3D}" type="slidenum">
+              <a:rPr lang="de-DE" smtClean="0"/>
+              <a:t>4</a:t>
+            </a:fld>
+            <a:endParaRPr lang="de-DE"/>
+          </a:p>
+        </p:txBody>
+      </p:sp>
     </p:spTree>
     <p:extLst>
       <p:ext uri="{BB962C8B-B14F-4D97-AF65-F5344CB8AC3E}">
@@ -15929,6 +13070,18 @@
   <p:clrMapOvr>
     <a:masterClrMapping/>
   </p:clrMapOvr>
+  <mc:AlternateContent xmlns:mc="http://schemas.openxmlformats.org/markup-compatibility/2006">
+    <mc:Choice xmlns:p159="http://schemas.microsoft.com/office/powerpoint/2015/09/main" Requires="p159">
+      <p:transition xmlns:p14="http://schemas.microsoft.com/office/powerpoint/2010/main" spd="slow" p14:dur="2000">
+        <p159:morph option="byObject"/>
+      </p:transition>
+    </mc:Choice>
+    <mc:Fallback>
+      <p:transition spd="slow">
+        <p:fade/>
+      </p:transition>
+    </mc:Fallback>
+  </mc:AlternateContent>
 </p:sld>
 </file>
 
@@ -16295,7 +13448,7 @@
                   <a:schemeClr val="bg1"/>
                 </a:solidFill>
               </a:rPr>
-              <a:t>10 verschiedene Serverprofile </a:t>
+              <a:t>10 verschiedene Serverprofile bereitstellen</a:t>
             </a:r>
           </a:p>
           <a:p>
@@ -16381,415 +13534,59 @@
       </p:pic>
       <p:sp>
         <p:nvSpPr>
-          <p:cNvPr id="10" name="Inhaltsplatzhalter 2">
-            <a:extLst>
-              <a:ext uri="{FF2B5EF4-FFF2-40B4-BE49-F238E27FC236}">
-                <a16:creationId xmlns:a16="http://schemas.microsoft.com/office/drawing/2014/main" id="{1E597849-8825-4B46-BF40-F2D5D11F01EC}"/>
-              </a:ext>
-            </a:extLst>
-          </p:cNvPr>
-          <p:cNvSpPr txBox="1">
-            <a:spLocks/>
+          <p:cNvPr id="4" name="Datumsplatzhalter 3">
+            <a:extLst>
+              <a:ext uri="{FF2B5EF4-FFF2-40B4-BE49-F238E27FC236}">
+                <a16:creationId xmlns:a16="http://schemas.microsoft.com/office/drawing/2014/main" id="{9366BE8F-9B73-4BE7-969C-109A5A771C3D}"/>
+              </a:ext>
+            </a:extLst>
+          </p:cNvPr>
+          <p:cNvSpPr>
+            <a:spLocks noGrp="1"/>
           </p:cNvSpPr>
-          <p:nvPr/>
+          <p:nvPr>
+            <p:ph type="dt" sz="half" idx="10"/>
+          </p:nvPr>
         </p:nvSpPr>
-        <p:spPr>
-          <a:xfrm>
-            <a:off x="241034" y="6261919"/>
-            <a:ext cx="2025978" cy="461912"/>
-          </a:xfrm>
-          <a:prstGeom prst="rect">
-            <a:avLst/>
-          </a:prstGeom>
-          <a:noFill/>
-        </p:spPr>
+        <p:spPr/>
         <p:txBody>
-          <a:bodyPr vert="horz" lIns="91440" tIns="45720" rIns="91440" bIns="45720" rtlCol="0">
-            <a:normAutofit/>
-          </a:bodyPr>
-          <a:lstStyle>
-            <a:lvl1pPr marL="228600" indent="-228600" algn="l" defTabSz="914400" rtl="0" eaLnBrk="1" latinLnBrk="0" hangingPunct="1">
-              <a:lnSpc>
-                <a:spcPct val="90000"/>
-              </a:lnSpc>
-              <a:spcBef>
-                <a:spcPts val="1000"/>
-              </a:spcBef>
-              <a:buFont typeface="Arial" panose="020B0604020202020204" pitchFamily="34" charset="0"/>
-              <a:buChar char="•"/>
-              <a:defRPr sz="2800" kern="1200">
-                <a:solidFill>
-                  <a:schemeClr val="tx1"/>
-                </a:solidFill>
-                <a:latin typeface="+mn-lt"/>
-                <a:ea typeface="+mn-ea"/>
-                <a:cs typeface="+mn-cs"/>
-              </a:defRPr>
-            </a:lvl1pPr>
-            <a:lvl2pPr marL="685800" indent="-228600" algn="l" defTabSz="914400" rtl="0" eaLnBrk="1" latinLnBrk="0" hangingPunct="1">
-              <a:lnSpc>
-                <a:spcPct val="90000"/>
-              </a:lnSpc>
-              <a:spcBef>
-                <a:spcPts val="500"/>
-              </a:spcBef>
-              <a:buFont typeface="Arial" panose="020B0604020202020204" pitchFamily="34" charset="0"/>
-              <a:buChar char="•"/>
-              <a:defRPr sz="2400" kern="1200">
-                <a:solidFill>
-                  <a:schemeClr val="tx1"/>
-                </a:solidFill>
-                <a:latin typeface="+mn-lt"/>
-                <a:ea typeface="+mn-ea"/>
-                <a:cs typeface="+mn-cs"/>
-              </a:defRPr>
-            </a:lvl2pPr>
-            <a:lvl3pPr marL="1143000" indent="-228600" algn="l" defTabSz="914400" rtl="0" eaLnBrk="1" latinLnBrk="0" hangingPunct="1">
-              <a:lnSpc>
-                <a:spcPct val="90000"/>
-              </a:lnSpc>
-              <a:spcBef>
-                <a:spcPts val="500"/>
-              </a:spcBef>
-              <a:buFont typeface="Arial" panose="020B0604020202020204" pitchFamily="34" charset="0"/>
-              <a:buChar char="•"/>
-              <a:defRPr sz="2000" kern="1200">
-                <a:solidFill>
-                  <a:schemeClr val="tx1"/>
-                </a:solidFill>
-                <a:latin typeface="+mn-lt"/>
-                <a:ea typeface="+mn-ea"/>
-                <a:cs typeface="+mn-cs"/>
-              </a:defRPr>
-            </a:lvl3pPr>
-            <a:lvl4pPr marL="1600200" indent="-228600" algn="l" defTabSz="914400" rtl="0" eaLnBrk="1" latinLnBrk="0" hangingPunct="1">
-              <a:lnSpc>
-                <a:spcPct val="90000"/>
-              </a:lnSpc>
-              <a:spcBef>
-                <a:spcPts val="500"/>
-              </a:spcBef>
-              <a:buFont typeface="Arial" panose="020B0604020202020204" pitchFamily="34" charset="0"/>
-              <a:buChar char="•"/>
-              <a:defRPr sz="1800" kern="1200">
-                <a:solidFill>
-                  <a:schemeClr val="tx1"/>
-                </a:solidFill>
-                <a:latin typeface="+mn-lt"/>
-                <a:ea typeface="+mn-ea"/>
-                <a:cs typeface="+mn-cs"/>
-              </a:defRPr>
-            </a:lvl4pPr>
-            <a:lvl5pPr marL="2057400" indent="-228600" algn="l" defTabSz="914400" rtl="0" eaLnBrk="1" latinLnBrk="0" hangingPunct="1">
-              <a:lnSpc>
-                <a:spcPct val="90000"/>
-              </a:lnSpc>
-              <a:spcBef>
-                <a:spcPts val="500"/>
-              </a:spcBef>
-              <a:buFont typeface="Arial" panose="020B0604020202020204" pitchFamily="34" charset="0"/>
-              <a:buChar char="•"/>
-              <a:defRPr sz="1800" kern="1200">
-                <a:solidFill>
-                  <a:schemeClr val="tx1"/>
-                </a:solidFill>
-                <a:latin typeface="+mn-lt"/>
-                <a:ea typeface="+mn-ea"/>
-                <a:cs typeface="+mn-cs"/>
-              </a:defRPr>
-            </a:lvl5pPr>
-            <a:lvl6pPr marL="2514600" indent="-228600" algn="l" defTabSz="914400" rtl="0" eaLnBrk="1" latinLnBrk="0" hangingPunct="1">
-              <a:lnSpc>
-                <a:spcPct val="90000"/>
-              </a:lnSpc>
-              <a:spcBef>
-                <a:spcPts val="500"/>
-              </a:spcBef>
-              <a:buFont typeface="Arial" panose="020B0604020202020204" pitchFamily="34" charset="0"/>
-              <a:buChar char="•"/>
-              <a:defRPr sz="1800" kern="1200">
-                <a:solidFill>
-                  <a:schemeClr val="tx1"/>
-                </a:solidFill>
-                <a:latin typeface="+mn-lt"/>
-                <a:ea typeface="+mn-ea"/>
-                <a:cs typeface="+mn-cs"/>
-              </a:defRPr>
-            </a:lvl6pPr>
-            <a:lvl7pPr marL="2971800" indent="-228600" algn="l" defTabSz="914400" rtl="0" eaLnBrk="1" latinLnBrk="0" hangingPunct="1">
-              <a:lnSpc>
-                <a:spcPct val="90000"/>
-              </a:lnSpc>
-              <a:spcBef>
-                <a:spcPts val="500"/>
-              </a:spcBef>
-              <a:buFont typeface="Arial" panose="020B0604020202020204" pitchFamily="34" charset="0"/>
-              <a:buChar char="•"/>
-              <a:defRPr sz="1800" kern="1200">
-                <a:solidFill>
-                  <a:schemeClr val="tx1"/>
-                </a:solidFill>
-                <a:latin typeface="+mn-lt"/>
-                <a:ea typeface="+mn-ea"/>
-                <a:cs typeface="+mn-cs"/>
-              </a:defRPr>
-            </a:lvl7pPr>
-            <a:lvl8pPr marL="3429000" indent="-228600" algn="l" defTabSz="914400" rtl="0" eaLnBrk="1" latinLnBrk="0" hangingPunct="1">
-              <a:lnSpc>
-                <a:spcPct val="90000"/>
-              </a:lnSpc>
-              <a:spcBef>
-                <a:spcPts val="500"/>
-              </a:spcBef>
-              <a:buFont typeface="Arial" panose="020B0604020202020204" pitchFamily="34" charset="0"/>
-              <a:buChar char="•"/>
-              <a:defRPr sz="1800" kern="1200">
-                <a:solidFill>
-                  <a:schemeClr val="tx1"/>
-                </a:solidFill>
-                <a:latin typeface="+mn-lt"/>
-                <a:ea typeface="+mn-ea"/>
-                <a:cs typeface="+mn-cs"/>
-              </a:defRPr>
-            </a:lvl8pPr>
-            <a:lvl9pPr marL="3886200" indent="-228600" algn="l" defTabSz="914400" rtl="0" eaLnBrk="1" latinLnBrk="0" hangingPunct="1">
-              <a:lnSpc>
-                <a:spcPct val="90000"/>
-              </a:lnSpc>
-              <a:spcBef>
-                <a:spcPts val="500"/>
-              </a:spcBef>
-              <a:buFont typeface="Arial" panose="020B0604020202020204" pitchFamily="34" charset="0"/>
-              <a:buChar char="•"/>
-              <a:defRPr sz="1800" kern="1200">
-                <a:solidFill>
-                  <a:schemeClr val="tx1"/>
-                </a:solidFill>
-                <a:latin typeface="+mn-lt"/>
-                <a:ea typeface="+mn-ea"/>
-                <a:cs typeface="+mn-cs"/>
-              </a:defRPr>
-            </a:lvl9pPr>
-          </a:lstStyle>
-          <a:p>
-            <a:pPr marL="0" indent="0">
-              <a:buNone/>
-            </a:pPr>
-            <a:r>
-              <a:rPr lang="de-DE" sz="1600" dirty="0">
-                <a:solidFill>
-                  <a:schemeClr val="bg1"/>
-                </a:solidFill>
-              </a:rPr>
-              <a:t>21.05.2021</a:t>
-            </a:r>
+          <a:bodyPr/>
+          <a:lstStyle/>
+          <a:p>
+            <a:fld id="{66F41352-10F6-458B-8171-38DF655DB0BC}" type="datetime2">
+              <a:rPr lang="de-DE" smtClean="0"/>
+              <a:t>Donnerstag, 20. Mai 2021</a:t>
+            </a:fld>
+            <a:endParaRPr lang="de-DE"/>
           </a:p>
         </p:txBody>
       </p:sp>
       <p:sp>
         <p:nvSpPr>
-          <p:cNvPr id="11" name="Inhaltsplatzhalter 2">
-            <a:extLst>
-              <a:ext uri="{FF2B5EF4-FFF2-40B4-BE49-F238E27FC236}">
-                <a16:creationId xmlns:a16="http://schemas.microsoft.com/office/drawing/2014/main" id="{DCF2C4D7-FEA7-48C9-8AA3-B879ACF6C000}"/>
-              </a:ext>
-            </a:extLst>
-          </p:cNvPr>
-          <p:cNvSpPr txBox="1">
-            <a:spLocks/>
+          <p:cNvPr id="5" name="Foliennummernplatzhalter 4">
+            <a:extLst>
+              <a:ext uri="{FF2B5EF4-FFF2-40B4-BE49-F238E27FC236}">
+                <a16:creationId xmlns:a16="http://schemas.microsoft.com/office/drawing/2014/main" id="{9B9AB324-AB7A-46EA-BACD-A090B272A1EE}"/>
+              </a:ext>
+            </a:extLst>
+          </p:cNvPr>
+          <p:cNvSpPr>
+            <a:spLocks noGrp="1"/>
           </p:cNvSpPr>
-          <p:nvPr/>
+          <p:nvPr>
+            <p:ph type="sldNum" sz="quarter" idx="12"/>
+          </p:nvPr>
         </p:nvSpPr>
-        <p:spPr>
-          <a:xfrm>
-            <a:off x="9820890" y="6261919"/>
-            <a:ext cx="2025978" cy="461912"/>
-          </a:xfrm>
-          <a:prstGeom prst="rect">
-            <a:avLst/>
-          </a:prstGeom>
-          <a:noFill/>
-        </p:spPr>
+        <p:spPr/>
         <p:txBody>
-          <a:bodyPr vert="horz" lIns="91440" tIns="45720" rIns="91440" bIns="45720" rtlCol="0">
-            <a:normAutofit/>
-          </a:bodyPr>
-          <a:lstStyle>
-            <a:lvl1pPr marL="228600" indent="-228600" algn="l" defTabSz="914400" rtl="0" eaLnBrk="1" latinLnBrk="0" hangingPunct="1">
-              <a:lnSpc>
-                <a:spcPct val="90000"/>
-              </a:lnSpc>
-              <a:spcBef>
-                <a:spcPts val="1000"/>
-              </a:spcBef>
-              <a:buFont typeface="Arial" panose="020B0604020202020204" pitchFamily="34" charset="0"/>
-              <a:buChar char="•"/>
-              <a:defRPr sz="2800" kern="1200">
-                <a:solidFill>
-                  <a:schemeClr val="tx1"/>
-                </a:solidFill>
-                <a:latin typeface="+mn-lt"/>
-                <a:ea typeface="+mn-ea"/>
-                <a:cs typeface="+mn-cs"/>
-              </a:defRPr>
-            </a:lvl1pPr>
-            <a:lvl2pPr marL="685800" indent="-228600" algn="l" defTabSz="914400" rtl="0" eaLnBrk="1" latinLnBrk="0" hangingPunct="1">
-              <a:lnSpc>
-                <a:spcPct val="90000"/>
-              </a:lnSpc>
-              <a:spcBef>
-                <a:spcPts val="500"/>
-              </a:spcBef>
-              <a:buFont typeface="Arial" panose="020B0604020202020204" pitchFamily="34" charset="0"/>
-              <a:buChar char="•"/>
-              <a:defRPr sz="2400" kern="1200">
-                <a:solidFill>
-                  <a:schemeClr val="tx1"/>
-                </a:solidFill>
-                <a:latin typeface="+mn-lt"/>
-                <a:ea typeface="+mn-ea"/>
-                <a:cs typeface="+mn-cs"/>
-              </a:defRPr>
-            </a:lvl2pPr>
-            <a:lvl3pPr marL="1143000" indent="-228600" algn="l" defTabSz="914400" rtl="0" eaLnBrk="1" latinLnBrk="0" hangingPunct="1">
-              <a:lnSpc>
-                <a:spcPct val="90000"/>
-              </a:lnSpc>
-              <a:spcBef>
-                <a:spcPts val="500"/>
-              </a:spcBef>
-              <a:buFont typeface="Arial" panose="020B0604020202020204" pitchFamily="34" charset="0"/>
-              <a:buChar char="•"/>
-              <a:defRPr sz="2000" kern="1200">
-                <a:solidFill>
-                  <a:schemeClr val="tx1"/>
-                </a:solidFill>
-                <a:latin typeface="+mn-lt"/>
-                <a:ea typeface="+mn-ea"/>
-                <a:cs typeface="+mn-cs"/>
-              </a:defRPr>
-            </a:lvl3pPr>
-            <a:lvl4pPr marL="1600200" indent="-228600" algn="l" defTabSz="914400" rtl="0" eaLnBrk="1" latinLnBrk="0" hangingPunct="1">
-              <a:lnSpc>
-                <a:spcPct val="90000"/>
-              </a:lnSpc>
-              <a:spcBef>
-                <a:spcPts val="500"/>
-              </a:spcBef>
-              <a:buFont typeface="Arial" panose="020B0604020202020204" pitchFamily="34" charset="0"/>
-              <a:buChar char="•"/>
-              <a:defRPr sz="1800" kern="1200">
-                <a:solidFill>
-                  <a:schemeClr val="tx1"/>
-                </a:solidFill>
-                <a:latin typeface="+mn-lt"/>
-                <a:ea typeface="+mn-ea"/>
-                <a:cs typeface="+mn-cs"/>
-              </a:defRPr>
-            </a:lvl4pPr>
-            <a:lvl5pPr marL="2057400" indent="-228600" algn="l" defTabSz="914400" rtl="0" eaLnBrk="1" latinLnBrk="0" hangingPunct="1">
-              <a:lnSpc>
-                <a:spcPct val="90000"/>
-              </a:lnSpc>
-              <a:spcBef>
-                <a:spcPts val="500"/>
-              </a:spcBef>
-              <a:buFont typeface="Arial" panose="020B0604020202020204" pitchFamily="34" charset="0"/>
-              <a:buChar char="•"/>
-              <a:defRPr sz="1800" kern="1200">
-                <a:solidFill>
-                  <a:schemeClr val="tx1"/>
-                </a:solidFill>
-                <a:latin typeface="+mn-lt"/>
-                <a:ea typeface="+mn-ea"/>
-                <a:cs typeface="+mn-cs"/>
-              </a:defRPr>
-            </a:lvl5pPr>
-            <a:lvl6pPr marL="2514600" indent="-228600" algn="l" defTabSz="914400" rtl="0" eaLnBrk="1" latinLnBrk="0" hangingPunct="1">
-              <a:lnSpc>
-                <a:spcPct val="90000"/>
-              </a:lnSpc>
-              <a:spcBef>
-                <a:spcPts val="500"/>
-              </a:spcBef>
-              <a:buFont typeface="Arial" panose="020B0604020202020204" pitchFamily="34" charset="0"/>
-              <a:buChar char="•"/>
-              <a:defRPr sz="1800" kern="1200">
-                <a:solidFill>
-                  <a:schemeClr val="tx1"/>
-                </a:solidFill>
-                <a:latin typeface="+mn-lt"/>
-                <a:ea typeface="+mn-ea"/>
-                <a:cs typeface="+mn-cs"/>
-              </a:defRPr>
-            </a:lvl6pPr>
-            <a:lvl7pPr marL="2971800" indent="-228600" algn="l" defTabSz="914400" rtl="0" eaLnBrk="1" latinLnBrk="0" hangingPunct="1">
-              <a:lnSpc>
-                <a:spcPct val="90000"/>
-              </a:lnSpc>
-              <a:spcBef>
-                <a:spcPts val="500"/>
-              </a:spcBef>
-              <a:buFont typeface="Arial" panose="020B0604020202020204" pitchFamily="34" charset="0"/>
-              <a:buChar char="•"/>
-              <a:defRPr sz="1800" kern="1200">
-                <a:solidFill>
-                  <a:schemeClr val="tx1"/>
-                </a:solidFill>
-                <a:latin typeface="+mn-lt"/>
-                <a:ea typeface="+mn-ea"/>
-                <a:cs typeface="+mn-cs"/>
-              </a:defRPr>
-            </a:lvl7pPr>
-            <a:lvl8pPr marL="3429000" indent="-228600" algn="l" defTabSz="914400" rtl="0" eaLnBrk="1" latinLnBrk="0" hangingPunct="1">
-              <a:lnSpc>
-                <a:spcPct val="90000"/>
-              </a:lnSpc>
-              <a:spcBef>
-                <a:spcPts val="500"/>
-              </a:spcBef>
-              <a:buFont typeface="Arial" panose="020B0604020202020204" pitchFamily="34" charset="0"/>
-              <a:buChar char="•"/>
-              <a:defRPr sz="1800" kern="1200">
-                <a:solidFill>
-                  <a:schemeClr val="tx1"/>
-                </a:solidFill>
-                <a:latin typeface="+mn-lt"/>
-                <a:ea typeface="+mn-ea"/>
-                <a:cs typeface="+mn-cs"/>
-              </a:defRPr>
-            </a:lvl8pPr>
-            <a:lvl9pPr marL="3886200" indent="-228600" algn="l" defTabSz="914400" rtl="0" eaLnBrk="1" latinLnBrk="0" hangingPunct="1">
-              <a:lnSpc>
-                <a:spcPct val="90000"/>
-              </a:lnSpc>
-              <a:spcBef>
-                <a:spcPts val="500"/>
-              </a:spcBef>
-              <a:buFont typeface="Arial" panose="020B0604020202020204" pitchFamily="34" charset="0"/>
-              <a:buChar char="•"/>
-              <a:defRPr sz="1800" kern="1200">
-                <a:solidFill>
-                  <a:schemeClr val="tx1"/>
-                </a:solidFill>
-                <a:latin typeface="+mn-lt"/>
-                <a:ea typeface="+mn-ea"/>
-                <a:cs typeface="+mn-cs"/>
-              </a:defRPr>
-            </a:lvl9pPr>
-          </a:lstStyle>
-          <a:p>
-            <a:pPr marL="0" indent="0" algn="r">
-              <a:buNone/>
-            </a:pPr>
-            <a:r>
-              <a:rPr lang="de-DE" sz="1600" dirty="0">
-                <a:solidFill>
-                  <a:schemeClr val="bg1"/>
-                </a:solidFill>
-              </a:rPr>
-              <a:t>Seite 1</a:t>
-            </a:r>
+          <a:bodyPr/>
+          <a:lstStyle/>
+          <a:p>
+            <a:fld id="{13CDD369-7DFB-421D-BF1B-CBA1C54DDA3D}" type="slidenum">
+              <a:rPr lang="de-DE" smtClean="0"/>
+              <a:t>5</a:t>
+            </a:fld>
+            <a:endParaRPr lang="de-DE"/>
           </a:p>
         </p:txBody>
       </p:sp>
@@ -16803,6 +13600,18 @@
   <p:clrMapOvr>
     <a:masterClrMapping/>
   </p:clrMapOvr>
+  <mc:AlternateContent xmlns:mc="http://schemas.openxmlformats.org/markup-compatibility/2006">
+    <mc:Choice xmlns:p159="http://schemas.microsoft.com/office/powerpoint/2015/09/main" Requires="p159">
+      <p:transition xmlns:p14="http://schemas.microsoft.com/office/powerpoint/2010/main" spd="slow" p14:dur="2000">
+        <p159:morph option="byObject"/>
+      </p:transition>
+    </mc:Choice>
+    <mc:Fallback>
+      <p:transition spd="slow">
+        <p:fade/>
+      </p:transition>
+    </mc:Fallback>
+  </mc:AlternateContent>
 </p:sld>
 </file>
 
@@ -17394,415 +14203,59 @@
       </p:pic>
       <p:sp>
         <p:nvSpPr>
-          <p:cNvPr id="10" name="Inhaltsplatzhalter 2">
-            <a:extLst>
-              <a:ext uri="{FF2B5EF4-FFF2-40B4-BE49-F238E27FC236}">
-                <a16:creationId xmlns:a16="http://schemas.microsoft.com/office/drawing/2014/main" id="{1E597849-8825-4B46-BF40-F2D5D11F01EC}"/>
-              </a:ext>
-            </a:extLst>
-          </p:cNvPr>
-          <p:cNvSpPr txBox="1">
-            <a:spLocks/>
+          <p:cNvPr id="4" name="Datumsplatzhalter 3">
+            <a:extLst>
+              <a:ext uri="{FF2B5EF4-FFF2-40B4-BE49-F238E27FC236}">
+                <a16:creationId xmlns:a16="http://schemas.microsoft.com/office/drawing/2014/main" id="{4F0CF7DB-4A6E-4064-BD54-200DD590F52A}"/>
+              </a:ext>
+            </a:extLst>
+          </p:cNvPr>
+          <p:cNvSpPr>
+            <a:spLocks noGrp="1"/>
           </p:cNvSpPr>
-          <p:nvPr/>
+          <p:nvPr>
+            <p:ph type="dt" sz="half" idx="10"/>
+          </p:nvPr>
         </p:nvSpPr>
-        <p:spPr>
-          <a:xfrm>
-            <a:off x="241034" y="6261919"/>
-            <a:ext cx="2025978" cy="461912"/>
-          </a:xfrm>
-          <a:prstGeom prst="rect">
-            <a:avLst/>
-          </a:prstGeom>
-          <a:noFill/>
-        </p:spPr>
+        <p:spPr/>
         <p:txBody>
-          <a:bodyPr vert="horz" lIns="91440" tIns="45720" rIns="91440" bIns="45720" rtlCol="0">
-            <a:normAutofit/>
-          </a:bodyPr>
-          <a:lstStyle>
-            <a:lvl1pPr marL="228600" indent="-228600" algn="l" defTabSz="914400" rtl="0" eaLnBrk="1" latinLnBrk="0" hangingPunct="1">
-              <a:lnSpc>
-                <a:spcPct val="90000"/>
-              </a:lnSpc>
-              <a:spcBef>
-                <a:spcPts val="1000"/>
-              </a:spcBef>
-              <a:buFont typeface="Arial" panose="020B0604020202020204" pitchFamily="34" charset="0"/>
-              <a:buChar char="•"/>
-              <a:defRPr sz="2800" kern="1200">
-                <a:solidFill>
-                  <a:schemeClr val="tx1"/>
-                </a:solidFill>
-                <a:latin typeface="+mn-lt"/>
-                <a:ea typeface="+mn-ea"/>
-                <a:cs typeface="+mn-cs"/>
-              </a:defRPr>
-            </a:lvl1pPr>
-            <a:lvl2pPr marL="685800" indent="-228600" algn="l" defTabSz="914400" rtl="0" eaLnBrk="1" latinLnBrk="0" hangingPunct="1">
-              <a:lnSpc>
-                <a:spcPct val="90000"/>
-              </a:lnSpc>
-              <a:spcBef>
-                <a:spcPts val="500"/>
-              </a:spcBef>
-              <a:buFont typeface="Arial" panose="020B0604020202020204" pitchFamily="34" charset="0"/>
-              <a:buChar char="•"/>
-              <a:defRPr sz="2400" kern="1200">
-                <a:solidFill>
-                  <a:schemeClr val="tx1"/>
-                </a:solidFill>
-                <a:latin typeface="+mn-lt"/>
-                <a:ea typeface="+mn-ea"/>
-                <a:cs typeface="+mn-cs"/>
-              </a:defRPr>
-            </a:lvl2pPr>
-            <a:lvl3pPr marL="1143000" indent="-228600" algn="l" defTabSz="914400" rtl="0" eaLnBrk="1" latinLnBrk="0" hangingPunct="1">
-              <a:lnSpc>
-                <a:spcPct val="90000"/>
-              </a:lnSpc>
-              <a:spcBef>
-                <a:spcPts val="500"/>
-              </a:spcBef>
-              <a:buFont typeface="Arial" panose="020B0604020202020204" pitchFamily="34" charset="0"/>
-              <a:buChar char="•"/>
-              <a:defRPr sz="2000" kern="1200">
-                <a:solidFill>
-                  <a:schemeClr val="tx1"/>
-                </a:solidFill>
-                <a:latin typeface="+mn-lt"/>
-                <a:ea typeface="+mn-ea"/>
-                <a:cs typeface="+mn-cs"/>
-              </a:defRPr>
-            </a:lvl3pPr>
-            <a:lvl4pPr marL="1600200" indent="-228600" algn="l" defTabSz="914400" rtl="0" eaLnBrk="1" latinLnBrk="0" hangingPunct="1">
-              <a:lnSpc>
-                <a:spcPct val="90000"/>
-              </a:lnSpc>
-              <a:spcBef>
-                <a:spcPts val="500"/>
-              </a:spcBef>
-              <a:buFont typeface="Arial" panose="020B0604020202020204" pitchFamily="34" charset="0"/>
-              <a:buChar char="•"/>
-              <a:defRPr sz="1800" kern="1200">
-                <a:solidFill>
-                  <a:schemeClr val="tx1"/>
-                </a:solidFill>
-                <a:latin typeface="+mn-lt"/>
-                <a:ea typeface="+mn-ea"/>
-                <a:cs typeface="+mn-cs"/>
-              </a:defRPr>
-            </a:lvl4pPr>
-            <a:lvl5pPr marL="2057400" indent="-228600" algn="l" defTabSz="914400" rtl="0" eaLnBrk="1" latinLnBrk="0" hangingPunct="1">
-              <a:lnSpc>
-                <a:spcPct val="90000"/>
-              </a:lnSpc>
-              <a:spcBef>
-                <a:spcPts val="500"/>
-              </a:spcBef>
-              <a:buFont typeface="Arial" panose="020B0604020202020204" pitchFamily="34" charset="0"/>
-              <a:buChar char="•"/>
-              <a:defRPr sz="1800" kern="1200">
-                <a:solidFill>
-                  <a:schemeClr val="tx1"/>
-                </a:solidFill>
-                <a:latin typeface="+mn-lt"/>
-                <a:ea typeface="+mn-ea"/>
-                <a:cs typeface="+mn-cs"/>
-              </a:defRPr>
-            </a:lvl5pPr>
-            <a:lvl6pPr marL="2514600" indent="-228600" algn="l" defTabSz="914400" rtl="0" eaLnBrk="1" latinLnBrk="0" hangingPunct="1">
-              <a:lnSpc>
-                <a:spcPct val="90000"/>
-              </a:lnSpc>
-              <a:spcBef>
-                <a:spcPts val="500"/>
-              </a:spcBef>
-              <a:buFont typeface="Arial" panose="020B0604020202020204" pitchFamily="34" charset="0"/>
-              <a:buChar char="•"/>
-              <a:defRPr sz="1800" kern="1200">
-                <a:solidFill>
-                  <a:schemeClr val="tx1"/>
-                </a:solidFill>
-                <a:latin typeface="+mn-lt"/>
-                <a:ea typeface="+mn-ea"/>
-                <a:cs typeface="+mn-cs"/>
-              </a:defRPr>
-            </a:lvl6pPr>
-            <a:lvl7pPr marL="2971800" indent="-228600" algn="l" defTabSz="914400" rtl="0" eaLnBrk="1" latinLnBrk="0" hangingPunct="1">
-              <a:lnSpc>
-                <a:spcPct val="90000"/>
-              </a:lnSpc>
-              <a:spcBef>
-                <a:spcPts val="500"/>
-              </a:spcBef>
-              <a:buFont typeface="Arial" panose="020B0604020202020204" pitchFamily="34" charset="0"/>
-              <a:buChar char="•"/>
-              <a:defRPr sz="1800" kern="1200">
-                <a:solidFill>
-                  <a:schemeClr val="tx1"/>
-                </a:solidFill>
-                <a:latin typeface="+mn-lt"/>
-                <a:ea typeface="+mn-ea"/>
-                <a:cs typeface="+mn-cs"/>
-              </a:defRPr>
-            </a:lvl7pPr>
-            <a:lvl8pPr marL="3429000" indent="-228600" algn="l" defTabSz="914400" rtl="0" eaLnBrk="1" latinLnBrk="0" hangingPunct="1">
-              <a:lnSpc>
-                <a:spcPct val="90000"/>
-              </a:lnSpc>
-              <a:spcBef>
-                <a:spcPts val="500"/>
-              </a:spcBef>
-              <a:buFont typeface="Arial" panose="020B0604020202020204" pitchFamily="34" charset="0"/>
-              <a:buChar char="•"/>
-              <a:defRPr sz="1800" kern="1200">
-                <a:solidFill>
-                  <a:schemeClr val="tx1"/>
-                </a:solidFill>
-                <a:latin typeface="+mn-lt"/>
-                <a:ea typeface="+mn-ea"/>
-                <a:cs typeface="+mn-cs"/>
-              </a:defRPr>
-            </a:lvl8pPr>
-            <a:lvl9pPr marL="3886200" indent="-228600" algn="l" defTabSz="914400" rtl="0" eaLnBrk="1" latinLnBrk="0" hangingPunct="1">
-              <a:lnSpc>
-                <a:spcPct val="90000"/>
-              </a:lnSpc>
-              <a:spcBef>
-                <a:spcPts val="500"/>
-              </a:spcBef>
-              <a:buFont typeface="Arial" panose="020B0604020202020204" pitchFamily="34" charset="0"/>
-              <a:buChar char="•"/>
-              <a:defRPr sz="1800" kern="1200">
-                <a:solidFill>
-                  <a:schemeClr val="tx1"/>
-                </a:solidFill>
-                <a:latin typeface="+mn-lt"/>
-                <a:ea typeface="+mn-ea"/>
-                <a:cs typeface="+mn-cs"/>
-              </a:defRPr>
-            </a:lvl9pPr>
-          </a:lstStyle>
-          <a:p>
-            <a:pPr marL="0" indent="0">
-              <a:buNone/>
-            </a:pPr>
-            <a:r>
-              <a:rPr lang="de-DE" sz="1600" dirty="0">
-                <a:solidFill>
-                  <a:schemeClr val="bg1"/>
-                </a:solidFill>
-              </a:rPr>
-              <a:t>21.05.2021</a:t>
-            </a:r>
+          <a:bodyPr/>
+          <a:lstStyle/>
+          <a:p>
+            <a:fld id="{06124FCB-EC79-40B5-9EEC-425EFE06449F}" type="datetime2">
+              <a:rPr lang="de-DE" smtClean="0"/>
+              <a:t>Donnerstag, 20. Mai 2021</a:t>
+            </a:fld>
+            <a:endParaRPr lang="de-DE"/>
           </a:p>
         </p:txBody>
       </p:sp>
       <p:sp>
         <p:nvSpPr>
-          <p:cNvPr id="11" name="Inhaltsplatzhalter 2">
-            <a:extLst>
-              <a:ext uri="{FF2B5EF4-FFF2-40B4-BE49-F238E27FC236}">
-                <a16:creationId xmlns:a16="http://schemas.microsoft.com/office/drawing/2014/main" id="{DCF2C4D7-FEA7-48C9-8AA3-B879ACF6C000}"/>
-              </a:ext>
-            </a:extLst>
-          </p:cNvPr>
-          <p:cNvSpPr txBox="1">
-            <a:spLocks/>
+          <p:cNvPr id="5" name="Foliennummernplatzhalter 4">
+            <a:extLst>
+              <a:ext uri="{FF2B5EF4-FFF2-40B4-BE49-F238E27FC236}">
+                <a16:creationId xmlns:a16="http://schemas.microsoft.com/office/drawing/2014/main" id="{26FCB678-F663-4B78-8F97-181116419461}"/>
+              </a:ext>
+            </a:extLst>
+          </p:cNvPr>
+          <p:cNvSpPr>
+            <a:spLocks noGrp="1"/>
           </p:cNvSpPr>
-          <p:nvPr/>
+          <p:nvPr>
+            <p:ph type="sldNum" sz="quarter" idx="12"/>
+          </p:nvPr>
         </p:nvSpPr>
-        <p:spPr>
-          <a:xfrm>
-            <a:off x="9820890" y="6261919"/>
-            <a:ext cx="2025978" cy="461912"/>
-          </a:xfrm>
-          <a:prstGeom prst="rect">
-            <a:avLst/>
-          </a:prstGeom>
-          <a:noFill/>
-        </p:spPr>
+        <p:spPr/>
         <p:txBody>
-          <a:bodyPr vert="horz" lIns="91440" tIns="45720" rIns="91440" bIns="45720" rtlCol="0">
-            <a:normAutofit/>
-          </a:bodyPr>
-          <a:lstStyle>
-            <a:lvl1pPr marL="228600" indent="-228600" algn="l" defTabSz="914400" rtl="0" eaLnBrk="1" latinLnBrk="0" hangingPunct="1">
-              <a:lnSpc>
-                <a:spcPct val="90000"/>
-              </a:lnSpc>
-              <a:spcBef>
-                <a:spcPts val="1000"/>
-              </a:spcBef>
-              <a:buFont typeface="Arial" panose="020B0604020202020204" pitchFamily="34" charset="0"/>
-              <a:buChar char="•"/>
-              <a:defRPr sz="2800" kern="1200">
-                <a:solidFill>
-                  <a:schemeClr val="tx1"/>
-                </a:solidFill>
-                <a:latin typeface="+mn-lt"/>
-                <a:ea typeface="+mn-ea"/>
-                <a:cs typeface="+mn-cs"/>
-              </a:defRPr>
-            </a:lvl1pPr>
-            <a:lvl2pPr marL="685800" indent="-228600" algn="l" defTabSz="914400" rtl="0" eaLnBrk="1" latinLnBrk="0" hangingPunct="1">
-              <a:lnSpc>
-                <a:spcPct val="90000"/>
-              </a:lnSpc>
-              <a:spcBef>
-                <a:spcPts val="500"/>
-              </a:spcBef>
-              <a:buFont typeface="Arial" panose="020B0604020202020204" pitchFamily="34" charset="0"/>
-              <a:buChar char="•"/>
-              <a:defRPr sz="2400" kern="1200">
-                <a:solidFill>
-                  <a:schemeClr val="tx1"/>
-                </a:solidFill>
-                <a:latin typeface="+mn-lt"/>
-                <a:ea typeface="+mn-ea"/>
-                <a:cs typeface="+mn-cs"/>
-              </a:defRPr>
-            </a:lvl2pPr>
-            <a:lvl3pPr marL="1143000" indent="-228600" algn="l" defTabSz="914400" rtl="0" eaLnBrk="1" latinLnBrk="0" hangingPunct="1">
-              <a:lnSpc>
-                <a:spcPct val="90000"/>
-              </a:lnSpc>
-              <a:spcBef>
-                <a:spcPts val="500"/>
-              </a:spcBef>
-              <a:buFont typeface="Arial" panose="020B0604020202020204" pitchFamily="34" charset="0"/>
-              <a:buChar char="•"/>
-              <a:defRPr sz="2000" kern="1200">
-                <a:solidFill>
-                  <a:schemeClr val="tx1"/>
-                </a:solidFill>
-                <a:latin typeface="+mn-lt"/>
-                <a:ea typeface="+mn-ea"/>
-                <a:cs typeface="+mn-cs"/>
-              </a:defRPr>
-            </a:lvl3pPr>
-            <a:lvl4pPr marL="1600200" indent="-228600" algn="l" defTabSz="914400" rtl="0" eaLnBrk="1" latinLnBrk="0" hangingPunct="1">
-              <a:lnSpc>
-                <a:spcPct val="90000"/>
-              </a:lnSpc>
-              <a:spcBef>
-                <a:spcPts val="500"/>
-              </a:spcBef>
-              <a:buFont typeface="Arial" panose="020B0604020202020204" pitchFamily="34" charset="0"/>
-              <a:buChar char="•"/>
-              <a:defRPr sz="1800" kern="1200">
-                <a:solidFill>
-                  <a:schemeClr val="tx1"/>
-                </a:solidFill>
-                <a:latin typeface="+mn-lt"/>
-                <a:ea typeface="+mn-ea"/>
-                <a:cs typeface="+mn-cs"/>
-              </a:defRPr>
-            </a:lvl4pPr>
-            <a:lvl5pPr marL="2057400" indent="-228600" algn="l" defTabSz="914400" rtl="0" eaLnBrk="1" latinLnBrk="0" hangingPunct="1">
-              <a:lnSpc>
-                <a:spcPct val="90000"/>
-              </a:lnSpc>
-              <a:spcBef>
-                <a:spcPts val="500"/>
-              </a:spcBef>
-              <a:buFont typeface="Arial" panose="020B0604020202020204" pitchFamily="34" charset="0"/>
-              <a:buChar char="•"/>
-              <a:defRPr sz="1800" kern="1200">
-                <a:solidFill>
-                  <a:schemeClr val="tx1"/>
-                </a:solidFill>
-                <a:latin typeface="+mn-lt"/>
-                <a:ea typeface="+mn-ea"/>
-                <a:cs typeface="+mn-cs"/>
-              </a:defRPr>
-            </a:lvl5pPr>
-            <a:lvl6pPr marL="2514600" indent="-228600" algn="l" defTabSz="914400" rtl="0" eaLnBrk="1" latinLnBrk="0" hangingPunct="1">
-              <a:lnSpc>
-                <a:spcPct val="90000"/>
-              </a:lnSpc>
-              <a:spcBef>
-                <a:spcPts val="500"/>
-              </a:spcBef>
-              <a:buFont typeface="Arial" panose="020B0604020202020204" pitchFamily="34" charset="0"/>
-              <a:buChar char="•"/>
-              <a:defRPr sz="1800" kern="1200">
-                <a:solidFill>
-                  <a:schemeClr val="tx1"/>
-                </a:solidFill>
-                <a:latin typeface="+mn-lt"/>
-                <a:ea typeface="+mn-ea"/>
-                <a:cs typeface="+mn-cs"/>
-              </a:defRPr>
-            </a:lvl6pPr>
-            <a:lvl7pPr marL="2971800" indent="-228600" algn="l" defTabSz="914400" rtl="0" eaLnBrk="1" latinLnBrk="0" hangingPunct="1">
-              <a:lnSpc>
-                <a:spcPct val="90000"/>
-              </a:lnSpc>
-              <a:spcBef>
-                <a:spcPts val="500"/>
-              </a:spcBef>
-              <a:buFont typeface="Arial" panose="020B0604020202020204" pitchFamily="34" charset="0"/>
-              <a:buChar char="•"/>
-              <a:defRPr sz="1800" kern="1200">
-                <a:solidFill>
-                  <a:schemeClr val="tx1"/>
-                </a:solidFill>
-                <a:latin typeface="+mn-lt"/>
-                <a:ea typeface="+mn-ea"/>
-                <a:cs typeface="+mn-cs"/>
-              </a:defRPr>
-            </a:lvl7pPr>
-            <a:lvl8pPr marL="3429000" indent="-228600" algn="l" defTabSz="914400" rtl="0" eaLnBrk="1" latinLnBrk="0" hangingPunct="1">
-              <a:lnSpc>
-                <a:spcPct val="90000"/>
-              </a:lnSpc>
-              <a:spcBef>
-                <a:spcPts val="500"/>
-              </a:spcBef>
-              <a:buFont typeface="Arial" panose="020B0604020202020204" pitchFamily="34" charset="0"/>
-              <a:buChar char="•"/>
-              <a:defRPr sz="1800" kern="1200">
-                <a:solidFill>
-                  <a:schemeClr val="tx1"/>
-                </a:solidFill>
-                <a:latin typeface="+mn-lt"/>
-                <a:ea typeface="+mn-ea"/>
-                <a:cs typeface="+mn-cs"/>
-              </a:defRPr>
-            </a:lvl8pPr>
-            <a:lvl9pPr marL="3886200" indent="-228600" algn="l" defTabSz="914400" rtl="0" eaLnBrk="1" latinLnBrk="0" hangingPunct="1">
-              <a:lnSpc>
-                <a:spcPct val="90000"/>
-              </a:lnSpc>
-              <a:spcBef>
-                <a:spcPts val="500"/>
-              </a:spcBef>
-              <a:buFont typeface="Arial" panose="020B0604020202020204" pitchFamily="34" charset="0"/>
-              <a:buChar char="•"/>
-              <a:defRPr sz="1800" kern="1200">
-                <a:solidFill>
-                  <a:schemeClr val="tx1"/>
-                </a:solidFill>
-                <a:latin typeface="+mn-lt"/>
-                <a:ea typeface="+mn-ea"/>
-                <a:cs typeface="+mn-cs"/>
-              </a:defRPr>
-            </a:lvl9pPr>
-          </a:lstStyle>
-          <a:p>
-            <a:pPr marL="0" indent="0" algn="r">
-              <a:buNone/>
-            </a:pPr>
-            <a:r>
-              <a:rPr lang="de-DE" sz="1600" dirty="0">
-                <a:solidFill>
-                  <a:schemeClr val="bg1"/>
-                </a:solidFill>
-              </a:rPr>
-              <a:t>Seite 1</a:t>
-            </a:r>
+          <a:bodyPr/>
+          <a:lstStyle/>
+          <a:p>
+            <a:fld id="{13CDD369-7DFB-421D-BF1B-CBA1C54DDA3D}" type="slidenum">
+              <a:rPr lang="de-DE" smtClean="0"/>
+              <a:t>6</a:t>
+            </a:fld>
+            <a:endParaRPr lang="de-DE"/>
           </a:p>
         </p:txBody>
       </p:sp>
@@ -17816,6 +14269,18 @@
   <p:clrMapOvr>
     <a:masterClrMapping/>
   </p:clrMapOvr>
+  <mc:AlternateContent xmlns:mc="http://schemas.openxmlformats.org/markup-compatibility/2006">
+    <mc:Choice xmlns:p159="http://schemas.microsoft.com/office/powerpoint/2015/09/main" Requires="p159">
+      <p:transition xmlns:p14="http://schemas.microsoft.com/office/powerpoint/2010/main" spd="slow" p14:dur="2000">
+        <p159:morph option="byObject"/>
+      </p:transition>
+    </mc:Choice>
+    <mc:Fallback>
+      <p:transition spd="slow">
+        <p:fade/>
+      </p:transition>
+    </mc:Fallback>
+  </mc:AlternateContent>
 </p:sld>
 </file>
 
@@ -18319,420 +14784,6 @@
           </a:prstGeom>
         </p:spPr>
       </p:pic>
-      <p:sp>
-        <p:nvSpPr>
-          <p:cNvPr id="10" name="Inhaltsplatzhalter 2">
-            <a:extLst>
-              <a:ext uri="{FF2B5EF4-FFF2-40B4-BE49-F238E27FC236}">
-                <a16:creationId xmlns:a16="http://schemas.microsoft.com/office/drawing/2014/main" id="{1E597849-8825-4B46-BF40-F2D5D11F01EC}"/>
-              </a:ext>
-            </a:extLst>
-          </p:cNvPr>
-          <p:cNvSpPr txBox="1">
-            <a:spLocks/>
-          </p:cNvSpPr>
-          <p:nvPr/>
-        </p:nvSpPr>
-        <p:spPr>
-          <a:xfrm>
-            <a:off x="241034" y="6261919"/>
-            <a:ext cx="2025978" cy="461912"/>
-          </a:xfrm>
-          <a:prstGeom prst="rect">
-            <a:avLst/>
-          </a:prstGeom>
-          <a:noFill/>
-        </p:spPr>
-        <p:txBody>
-          <a:bodyPr vert="horz" lIns="91440" tIns="45720" rIns="91440" bIns="45720" rtlCol="0">
-            <a:normAutofit/>
-          </a:bodyPr>
-          <a:lstStyle>
-            <a:lvl1pPr marL="228600" indent="-228600" algn="l" defTabSz="914400" rtl="0" eaLnBrk="1" latinLnBrk="0" hangingPunct="1">
-              <a:lnSpc>
-                <a:spcPct val="90000"/>
-              </a:lnSpc>
-              <a:spcBef>
-                <a:spcPts val="1000"/>
-              </a:spcBef>
-              <a:buFont typeface="Arial" panose="020B0604020202020204" pitchFamily="34" charset="0"/>
-              <a:buChar char="•"/>
-              <a:defRPr sz="2800" kern="1200">
-                <a:solidFill>
-                  <a:schemeClr val="tx1"/>
-                </a:solidFill>
-                <a:latin typeface="+mn-lt"/>
-                <a:ea typeface="+mn-ea"/>
-                <a:cs typeface="+mn-cs"/>
-              </a:defRPr>
-            </a:lvl1pPr>
-            <a:lvl2pPr marL="685800" indent="-228600" algn="l" defTabSz="914400" rtl="0" eaLnBrk="1" latinLnBrk="0" hangingPunct="1">
-              <a:lnSpc>
-                <a:spcPct val="90000"/>
-              </a:lnSpc>
-              <a:spcBef>
-                <a:spcPts val="500"/>
-              </a:spcBef>
-              <a:buFont typeface="Arial" panose="020B0604020202020204" pitchFamily="34" charset="0"/>
-              <a:buChar char="•"/>
-              <a:defRPr sz="2400" kern="1200">
-                <a:solidFill>
-                  <a:schemeClr val="tx1"/>
-                </a:solidFill>
-                <a:latin typeface="+mn-lt"/>
-                <a:ea typeface="+mn-ea"/>
-                <a:cs typeface="+mn-cs"/>
-              </a:defRPr>
-            </a:lvl2pPr>
-            <a:lvl3pPr marL="1143000" indent="-228600" algn="l" defTabSz="914400" rtl="0" eaLnBrk="1" latinLnBrk="0" hangingPunct="1">
-              <a:lnSpc>
-                <a:spcPct val="90000"/>
-              </a:lnSpc>
-              <a:spcBef>
-                <a:spcPts val="500"/>
-              </a:spcBef>
-              <a:buFont typeface="Arial" panose="020B0604020202020204" pitchFamily="34" charset="0"/>
-              <a:buChar char="•"/>
-              <a:defRPr sz="2000" kern="1200">
-                <a:solidFill>
-                  <a:schemeClr val="tx1"/>
-                </a:solidFill>
-                <a:latin typeface="+mn-lt"/>
-                <a:ea typeface="+mn-ea"/>
-                <a:cs typeface="+mn-cs"/>
-              </a:defRPr>
-            </a:lvl3pPr>
-            <a:lvl4pPr marL="1600200" indent="-228600" algn="l" defTabSz="914400" rtl="0" eaLnBrk="1" latinLnBrk="0" hangingPunct="1">
-              <a:lnSpc>
-                <a:spcPct val="90000"/>
-              </a:lnSpc>
-              <a:spcBef>
-                <a:spcPts val="500"/>
-              </a:spcBef>
-              <a:buFont typeface="Arial" panose="020B0604020202020204" pitchFamily="34" charset="0"/>
-              <a:buChar char="•"/>
-              <a:defRPr sz="1800" kern="1200">
-                <a:solidFill>
-                  <a:schemeClr val="tx1"/>
-                </a:solidFill>
-                <a:latin typeface="+mn-lt"/>
-                <a:ea typeface="+mn-ea"/>
-                <a:cs typeface="+mn-cs"/>
-              </a:defRPr>
-            </a:lvl4pPr>
-            <a:lvl5pPr marL="2057400" indent="-228600" algn="l" defTabSz="914400" rtl="0" eaLnBrk="1" latinLnBrk="0" hangingPunct="1">
-              <a:lnSpc>
-                <a:spcPct val="90000"/>
-              </a:lnSpc>
-              <a:spcBef>
-                <a:spcPts val="500"/>
-              </a:spcBef>
-              <a:buFont typeface="Arial" panose="020B0604020202020204" pitchFamily="34" charset="0"/>
-              <a:buChar char="•"/>
-              <a:defRPr sz="1800" kern="1200">
-                <a:solidFill>
-                  <a:schemeClr val="tx1"/>
-                </a:solidFill>
-                <a:latin typeface="+mn-lt"/>
-                <a:ea typeface="+mn-ea"/>
-                <a:cs typeface="+mn-cs"/>
-              </a:defRPr>
-            </a:lvl5pPr>
-            <a:lvl6pPr marL="2514600" indent="-228600" algn="l" defTabSz="914400" rtl="0" eaLnBrk="1" latinLnBrk="0" hangingPunct="1">
-              <a:lnSpc>
-                <a:spcPct val="90000"/>
-              </a:lnSpc>
-              <a:spcBef>
-                <a:spcPts val="500"/>
-              </a:spcBef>
-              <a:buFont typeface="Arial" panose="020B0604020202020204" pitchFamily="34" charset="0"/>
-              <a:buChar char="•"/>
-              <a:defRPr sz="1800" kern="1200">
-                <a:solidFill>
-                  <a:schemeClr val="tx1"/>
-                </a:solidFill>
-                <a:latin typeface="+mn-lt"/>
-                <a:ea typeface="+mn-ea"/>
-                <a:cs typeface="+mn-cs"/>
-              </a:defRPr>
-            </a:lvl6pPr>
-            <a:lvl7pPr marL="2971800" indent="-228600" algn="l" defTabSz="914400" rtl="0" eaLnBrk="1" latinLnBrk="0" hangingPunct="1">
-              <a:lnSpc>
-                <a:spcPct val="90000"/>
-              </a:lnSpc>
-              <a:spcBef>
-                <a:spcPts val="500"/>
-              </a:spcBef>
-              <a:buFont typeface="Arial" panose="020B0604020202020204" pitchFamily="34" charset="0"/>
-              <a:buChar char="•"/>
-              <a:defRPr sz="1800" kern="1200">
-                <a:solidFill>
-                  <a:schemeClr val="tx1"/>
-                </a:solidFill>
-                <a:latin typeface="+mn-lt"/>
-                <a:ea typeface="+mn-ea"/>
-                <a:cs typeface="+mn-cs"/>
-              </a:defRPr>
-            </a:lvl7pPr>
-            <a:lvl8pPr marL="3429000" indent="-228600" algn="l" defTabSz="914400" rtl="0" eaLnBrk="1" latinLnBrk="0" hangingPunct="1">
-              <a:lnSpc>
-                <a:spcPct val="90000"/>
-              </a:lnSpc>
-              <a:spcBef>
-                <a:spcPts val="500"/>
-              </a:spcBef>
-              <a:buFont typeface="Arial" panose="020B0604020202020204" pitchFamily="34" charset="0"/>
-              <a:buChar char="•"/>
-              <a:defRPr sz="1800" kern="1200">
-                <a:solidFill>
-                  <a:schemeClr val="tx1"/>
-                </a:solidFill>
-                <a:latin typeface="+mn-lt"/>
-                <a:ea typeface="+mn-ea"/>
-                <a:cs typeface="+mn-cs"/>
-              </a:defRPr>
-            </a:lvl8pPr>
-            <a:lvl9pPr marL="3886200" indent="-228600" algn="l" defTabSz="914400" rtl="0" eaLnBrk="1" latinLnBrk="0" hangingPunct="1">
-              <a:lnSpc>
-                <a:spcPct val="90000"/>
-              </a:lnSpc>
-              <a:spcBef>
-                <a:spcPts val="500"/>
-              </a:spcBef>
-              <a:buFont typeface="Arial" panose="020B0604020202020204" pitchFamily="34" charset="0"/>
-              <a:buChar char="•"/>
-              <a:defRPr sz="1800" kern="1200">
-                <a:solidFill>
-                  <a:schemeClr val="tx1"/>
-                </a:solidFill>
-                <a:latin typeface="+mn-lt"/>
-                <a:ea typeface="+mn-ea"/>
-                <a:cs typeface="+mn-cs"/>
-              </a:defRPr>
-            </a:lvl9pPr>
-          </a:lstStyle>
-          <a:p>
-            <a:pPr marL="0" indent="0">
-              <a:buNone/>
-            </a:pPr>
-            <a:r>
-              <a:rPr lang="de-DE" sz="1600" dirty="0">
-                <a:solidFill>
-                  <a:schemeClr val="bg1"/>
-                </a:solidFill>
-              </a:rPr>
-              <a:t>21.05.2021</a:t>
-            </a:r>
-          </a:p>
-        </p:txBody>
-      </p:sp>
-      <p:sp>
-        <p:nvSpPr>
-          <p:cNvPr id="11" name="Inhaltsplatzhalter 2">
-            <a:extLst>
-              <a:ext uri="{FF2B5EF4-FFF2-40B4-BE49-F238E27FC236}">
-                <a16:creationId xmlns:a16="http://schemas.microsoft.com/office/drawing/2014/main" id="{DCF2C4D7-FEA7-48C9-8AA3-B879ACF6C000}"/>
-              </a:ext>
-            </a:extLst>
-          </p:cNvPr>
-          <p:cNvSpPr txBox="1">
-            <a:spLocks/>
-          </p:cNvSpPr>
-          <p:nvPr/>
-        </p:nvSpPr>
-        <p:spPr>
-          <a:xfrm>
-            <a:off x="9820890" y="6261919"/>
-            <a:ext cx="2025978" cy="461912"/>
-          </a:xfrm>
-          <a:prstGeom prst="rect">
-            <a:avLst/>
-          </a:prstGeom>
-          <a:noFill/>
-        </p:spPr>
-        <p:txBody>
-          <a:bodyPr vert="horz" lIns="91440" tIns="45720" rIns="91440" bIns="45720" rtlCol="0">
-            <a:normAutofit/>
-          </a:bodyPr>
-          <a:lstStyle>
-            <a:lvl1pPr marL="228600" indent="-228600" algn="l" defTabSz="914400" rtl="0" eaLnBrk="1" latinLnBrk="0" hangingPunct="1">
-              <a:lnSpc>
-                <a:spcPct val="90000"/>
-              </a:lnSpc>
-              <a:spcBef>
-                <a:spcPts val="1000"/>
-              </a:spcBef>
-              <a:buFont typeface="Arial" panose="020B0604020202020204" pitchFamily="34" charset="0"/>
-              <a:buChar char="•"/>
-              <a:defRPr sz="2800" kern="1200">
-                <a:solidFill>
-                  <a:schemeClr val="tx1"/>
-                </a:solidFill>
-                <a:latin typeface="+mn-lt"/>
-                <a:ea typeface="+mn-ea"/>
-                <a:cs typeface="+mn-cs"/>
-              </a:defRPr>
-            </a:lvl1pPr>
-            <a:lvl2pPr marL="685800" indent="-228600" algn="l" defTabSz="914400" rtl="0" eaLnBrk="1" latinLnBrk="0" hangingPunct="1">
-              <a:lnSpc>
-                <a:spcPct val="90000"/>
-              </a:lnSpc>
-              <a:spcBef>
-                <a:spcPts val="500"/>
-              </a:spcBef>
-              <a:buFont typeface="Arial" panose="020B0604020202020204" pitchFamily="34" charset="0"/>
-              <a:buChar char="•"/>
-              <a:defRPr sz="2400" kern="1200">
-                <a:solidFill>
-                  <a:schemeClr val="tx1"/>
-                </a:solidFill>
-                <a:latin typeface="+mn-lt"/>
-                <a:ea typeface="+mn-ea"/>
-                <a:cs typeface="+mn-cs"/>
-              </a:defRPr>
-            </a:lvl2pPr>
-            <a:lvl3pPr marL="1143000" indent="-228600" algn="l" defTabSz="914400" rtl="0" eaLnBrk="1" latinLnBrk="0" hangingPunct="1">
-              <a:lnSpc>
-                <a:spcPct val="90000"/>
-              </a:lnSpc>
-              <a:spcBef>
-                <a:spcPts val="500"/>
-              </a:spcBef>
-              <a:buFont typeface="Arial" panose="020B0604020202020204" pitchFamily="34" charset="0"/>
-              <a:buChar char="•"/>
-              <a:defRPr sz="2000" kern="1200">
-                <a:solidFill>
-                  <a:schemeClr val="tx1"/>
-                </a:solidFill>
-                <a:latin typeface="+mn-lt"/>
-                <a:ea typeface="+mn-ea"/>
-                <a:cs typeface="+mn-cs"/>
-              </a:defRPr>
-            </a:lvl3pPr>
-            <a:lvl4pPr marL="1600200" indent="-228600" algn="l" defTabSz="914400" rtl="0" eaLnBrk="1" latinLnBrk="0" hangingPunct="1">
-              <a:lnSpc>
-                <a:spcPct val="90000"/>
-              </a:lnSpc>
-              <a:spcBef>
-                <a:spcPts val="500"/>
-              </a:spcBef>
-              <a:buFont typeface="Arial" panose="020B0604020202020204" pitchFamily="34" charset="0"/>
-              <a:buChar char="•"/>
-              <a:defRPr sz="1800" kern="1200">
-                <a:solidFill>
-                  <a:schemeClr val="tx1"/>
-                </a:solidFill>
-                <a:latin typeface="+mn-lt"/>
-                <a:ea typeface="+mn-ea"/>
-                <a:cs typeface="+mn-cs"/>
-              </a:defRPr>
-            </a:lvl4pPr>
-            <a:lvl5pPr marL="2057400" indent="-228600" algn="l" defTabSz="914400" rtl="0" eaLnBrk="1" latinLnBrk="0" hangingPunct="1">
-              <a:lnSpc>
-                <a:spcPct val="90000"/>
-              </a:lnSpc>
-              <a:spcBef>
-                <a:spcPts val="500"/>
-              </a:spcBef>
-              <a:buFont typeface="Arial" panose="020B0604020202020204" pitchFamily="34" charset="0"/>
-              <a:buChar char="•"/>
-              <a:defRPr sz="1800" kern="1200">
-                <a:solidFill>
-                  <a:schemeClr val="tx1"/>
-                </a:solidFill>
-                <a:latin typeface="+mn-lt"/>
-                <a:ea typeface="+mn-ea"/>
-                <a:cs typeface="+mn-cs"/>
-              </a:defRPr>
-            </a:lvl5pPr>
-            <a:lvl6pPr marL="2514600" indent="-228600" algn="l" defTabSz="914400" rtl="0" eaLnBrk="1" latinLnBrk="0" hangingPunct="1">
-              <a:lnSpc>
-                <a:spcPct val="90000"/>
-              </a:lnSpc>
-              <a:spcBef>
-                <a:spcPts val="500"/>
-              </a:spcBef>
-              <a:buFont typeface="Arial" panose="020B0604020202020204" pitchFamily="34" charset="0"/>
-              <a:buChar char="•"/>
-              <a:defRPr sz="1800" kern="1200">
-                <a:solidFill>
-                  <a:schemeClr val="tx1"/>
-                </a:solidFill>
-                <a:latin typeface="+mn-lt"/>
-                <a:ea typeface="+mn-ea"/>
-                <a:cs typeface="+mn-cs"/>
-              </a:defRPr>
-            </a:lvl6pPr>
-            <a:lvl7pPr marL="2971800" indent="-228600" algn="l" defTabSz="914400" rtl="0" eaLnBrk="1" latinLnBrk="0" hangingPunct="1">
-              <a:lnSpc>
-                <a:spcPct val="90000"/>
-              </a:lnSpc>
-              <a:spcBef>
-                <a:spcPts val="500"/>
-              </a:spcBef>
-              <a:buFont typeface="Arial" panose="020B0604020202020204" pitchFamily="34" charset="0"/>
-              <a:buChar char="•"/>
-              <a:defRPr sz="1800" kern="1200">
-                <a:solidFill>
-                  <a:schemeClr val="tx1"/>
-                </a:solidFill>
-                <a:latin typeface="+mn-lt"/>
-                <a:ea typeface="+mn-ea"/>
-                <a:cs typeface="+mn-cs"/>
-              </a:defRPr>
-            </a:lvl7pPr>
-            <a:lvl8pPr marL="3429000" indent="-228600" algn="l" defTabSz="914400" rtl="0" eaLnBrk="1" latinLnBrk="0" hangingPunct="1">
-              <a:lnSpc>
-                <a:spcPct val="90000"/>
-              </a:lnSpc>
-              <a:spcBef>
-                <a:spcPts val="500"/>
-              </a:spcBef>
-              <a:buFont typeface="Arial" panose="020B0604020202020204" pitchFamily="34" charset="0"/>
-              <a:buChar char="•"/>
-              <a:defRPr sz="1800" kern="1200">
-                <a:solidFill>
-                  <a:schemeClr val="tx1"/>
-                </a:solidFill>
-                <a:latin typeface="+mn-lt"/>
-                <a:ea typeface="+mn-ea"/>
-                <a:cs typeface="+mn-cs"/>
-              </a:defRPr>
-            </a:lvl8pPr>
-            <a:lvl9pPr marL="3886200" indent="-228600" algn="l" defTabSz="914400" rtl="0" eaLnBrk="1" latinLnBrk="0" hangingPunct="1">
-              <a:lnSpc>
-                <a:spcPct val="90000"/>
-              </a:lnSpc>
-              <a:spcBef>
-                <a:spcPts val="500"/>
-              </a:spcBef>
-              <a:buFont typeface="Arial" panose="020B0604020202020204" pitchFamily="34" charset="0"/>
-              <a:buChar char="•"/>
-              <a:defRPr sz="1800" kern="1200">
-                <a:solidFill>
-                  <a:schemeClr val="tx1"/>
-                </a:solidFill>
-                <a:latin typeface="+mn-lt"/>
-                <a:ea typeface="+mn-ea"/>
-                <a:cs typeface="+mn-cs"/>
-              </a:defRPr>
-            </a:lvl9pPr>
-          </a:lstStyle>
-          <a:p>
-            <a:pPr marL="0" indent="0" algn="r">
-              <a:buNone/>
-            </a:pPr>
-            <a:r>
-              <a:rPr lang="de-DE" sz="1600" dirty="0">
-                <a:solidFill>
-                  <a:schemeClr val="bg1"/>
-                </a:solidFill>
-              </a:rPr>
-              <a:t>Seite 1</a:t>
-            </a:r>
-          </a:p>
-        </p:txBody>
-      </p:sp>
       <p:pic>
         <p:nvPicPr>
           <p:cNvPr id="5" name="Grafik 4" descr="Ein Bild, das Text enthält.&#10;&#10;Automatisch generierte Beschreibung">
@@ -18769,6 +14820,64 @@
           </a:prstGeom>
         </p:spPr>
       </p:pic>
+      <p:sp>
+        <p:nvSpPr>
+          <p:cNvPr id="4" name="Datumsplatzhalter 3">
+            <a:extLst>
+              <a:ext uri="{FF2B5EF4-FFF2-40B4-BE49-F238E27FC236}">
+                <a16:creationId xmlns:a16="http://schemas.microsoft.com/office/drawing/2014/main" id="{16857A3A-0C35-4813-B7E4-3AD1FCEAC338}"/>
+              </a:ext>
+            </a:extLst>
+          </p:cNvPr>
+          <p:cNvSpPr>
+            <a:spLocks noGrp="1"/>
+          </p:cNvSpPr>
+          <p:nvPr>
+            <p:ph type="dt" sz="half" idx="10"/>
+          </p:nvPr>
+        </p:nvSpPr>
+        <p:spPr/>
+        <p:txBody>
+          <a:bodyPr/>
+          <a:lstStyle/>
+          <a:p>
+            <a:fld id="{4ACC384A-CE78-457E-A27F-724A91FA643A}" type="datetime2">
+              <a:rPr lang="de-DE" smtClean="0"/>
+              <a:t>Donnerstag, 20. Mai 2021</a:t>
+            </a:fld>
+            <a:endParaRPr lang="de-DE"/>
+          </a:p>
+        </p:txBody>
+      </p:sp>
+      <p:sp>
+        <p:nvSpPr>
+          <p:cNvPr id="6" name="Foliennummernplatzhalter 5">
+            <a:extLst>
+              <a:ext uri="{FF2B5EF4-FFF2-40B4-BE49-F238E27FC236}">
+                <a16:creationId xmlns:a16="http://schemas.microsoft.com/office/drawing/2014/main" id="{83B25841-7E6E-455A-8099-DE7904D0A562}"/>
+              </a:ext>
+            </a:extLst>
+          </p:cNvPr>
+          <p:cNvSpPr>
+            <a:spLocks noGrp="1"/>
+          </p:cNvSpPr>
+          <p:nvPr>
+            <p:ph type="sldNum" sz="quarter" idx="12"/>
+          </p:nvPr>
+        </p:nvSpPr>
+        <p:spPr/>
+        <p:txBody>
+          <a:bodyPr/>
+          <a:lstStyle/>
+          <a:p>
+            <a:fld id="{13CDD369-7DFB-421D-BF1B-CBA1C54DDA3D}" type="slidenum">
+              <a:rPr lang="de-DE" smtClean="0"/>
+              <a:t>7</a:t>
+            </a:fld>
+            <a:endParaRPr lang="de-DE"/>
+          </a:p>
+        </p:txBody>
+      </p:sp>
     </p:spTree>
     <p:extLst>
       <p:ext uri="{BB962C8B-B14F-4D97-AF65-F5344CB8AC3E}">
@@ -18779,6 +14888,18 @@
   <p:clrMapOvr>
     <a:masterClrMapping/>
   </p:clrMapOvr>
+  <mc:AlternateContent xmlns:mc="http://schemas.openxmlformats.org/markup-compatibility/2006">
+    <mc:Choice xmlns:p159="http://schemas.microsoft.com/office/powerpoint/2015/09/main" Requires="p159">
+      <p:transition xmlns:p14="http://schemas.microsoft.com/office/powerpoint/2010/main" spd="slow" p14:dur="2000">
+        <p159:morph option="byObject"/>
+      </p:transition>
+    </mc:Choice>
+    <mc:Fallback>
+      <p:transition spd="slow">
+        <p:fade/>
+      </p:transition>
+    </mc:Fallback>
+  </mc:AlternateContent>
 </p:sld>
 </file>
 
@@ -19135,420 +15256,6 @@
           </a:prstGeom>
         </p:spPr>
       </p:pic>
-      <p:sp>
-        <p:nvSpPr>
-          <p:cNvPr id="10" name="Inhaltsplatzhalter 2">
-            <a:extLst>
-              <a:ext uri="{FF2B5EF4-FFF2-40B4-BE49-F238E27FC236}">
-                <a16:creationId xmlns:a16="http://schemas.microsoft.com/office/drawing/2014/main" id="{1E597849-8825-4B46-BF40-F2D5D11F01EC}"/>
-              </a:ext>
-            </a:extLst>
-          </p:cNvPr>
-          <p:cNvSpPr txBox="1">
-            <a:spLocks/>
-          </p:cNvSpPr>
-          <p:nvPr/>
-        </p:nvSpPr>
-        <p:spPr>
-          <a:xfrm>
-            <a:off x="241034" y="6261919"/>
-            <a:ext cx="2025978" cy="461912"/>
-          </a:xfrm>
-          <a:prstGeom prst="rect">
-            <a:avLst/>
-          </a:prstGeom>
-          <a:noFill/>
-        </p:spPr>
-        <p:txBody>
-          <a:bodyPr vert="horz" lIns="91440" tIns="45720" rIns="91440" bIns="45720" rtlCol="0">
-            <a:normAutofit/>
-          </a:bodyPr>
-          <a:lstStyle>
-            <a:lvl1pPr marL="228600" indent="-228600" algn="l" defTabSz="914400" rtl="0" eaLnBrk="1" latinLnBrk="0" hangingPunct="1">
-              <a:lnSpc>
-                <a:spcPct val="90000"/>
-              </a:lnSpc>
-              <a:spcBef>
-                <a:spcPts val="1000"/>
-              </a:spcBef>
-              <a:buFont typeface="Arial" panose="020B0604020202020204" pitchFamily="34" charset="0"/>
-              <a:buChar char="•"/>
-              <a:defRPr sz="2800" kern="1200">
-                <a:solidFill>
-                  <a:schemeClr val="tx1"/>
-                </a:solidFill>
-                <a:latin typeface="+mn-lt"/>
-                <a:ea typeface="+mn-ea"/>
-                <a:cs typeface="+mn-cs"/>
-              </a:defRPr>
-            </a:lvl1pPr>
-            <a:lvl2pPr marL="685800" indent="-228600" algn="l" defTabSz="914400" rtl="0" eaLnBrk="1" latinLnBrk="0" hangingPunct="1">
-              <a:lnSpc>
-                <a:spcPct val="90000"/>
-              </a:lnSpc>
-              <a:spcBef>
-                <a:spcPts val="500"/>
-              </a:spcBef>
-              <a:buFont typeface="Arial" panose="020B0604020202020204" pitchFamily="34" charset="0"/>
-              <a:buChar char="•"/>
-              <a:defRPr sz="2400" kern="1200">
-                <a:solidFill>
-                  <a:schemeClr val="tx1"/>
-                </a:solidFill>
-                <a:latin typeface="+mn-lt"/>
-                <a:ea typeface="+mn-ea"/>
-                <a:cs typeface="+mn-cs"/>
-              </a:defRPr>
-            </a:lvl2pPr>
-            <a:lvl3pPr marL="1143000" indent="-228600" algn="l" defTabSz="914400" rtl="0" eaLnBrk="1" latinLnBrk="0" hangingPunct="1">
-              <a:lnSpc>
-                <a:spcPct val="90000"/>
-              </a:lnSpc>
-              <a:spcBef>
-                <a:spcPts val="500"/>
-              </a:spcBef>
-              <a:buFont typeface="Arial" panose="020B0604020202020204" pitchFamily="34" charset="0"/>
-              <a:buChar char="•"/>
-              <a:defRPr sz="2000" kern="1200">
-                <a:solidFill>
-                  <a:schemeClr val="tx1"/>
-                </a:solidFill>
-                <a:latin typeface="+mn-lt"/>
-                <a:ea typeface="+mn-ea"/>
-                <a:cs typeface="+mn-cs"/>
-              </a:defRPr>
-            </a:lvl3pPr>
-            <a:lvl4pPr marL="1600200" indent="-228600" algn="l" defTabSz="914400" rtl="0" eaLnBrk="1" latinLnBrk="0" hangingPunct="1">
-              <a:lnSpc>
-                <a:spcPct val="90000"/>
-              </a:lnSpc>
-              <a:spcBef>
-                <a:spcPts val="500"/>
-              </a:spcBef>
-              <a:buFont typeface="Arial" panose="020B0604020202020204" pitchFamily="34" charset="0"/>
-              <a:buChar char="•"/>
-              <a:defRPr sz="1800" kern="1200">
-                <a:solidFill>
-                  <a:schemeClr val="tx1"/>
-                </a:solidFill>
-                <a:latin typeface="+mn-lt"/>
-                <a:ea typeface="+mn-ea"/>
-                <a:cs typeface="+mn-cs"/>
-              </a:defRPr>
-            </a:lvl4pPr>
-            <a:lvl5pPr marL="2057400" indent="-228600" algn="l" defTabSz="914400" rtl="0" eaLnBrk="1" latinLnBrk="0" hangingPunct="1">
-              <a:lnSpc>
-                <a:spcPct val="90000"/>
-              </a:lnSpc>
-              <a:spcBef>
-                <a:spcPts val="500"/>
-              </a:spcBef>
-              <a:buFont typeface="Arial" panose="020B0604020202020204" pitchFamily="34" charset="0"/>
-              <a:buChar char="•"/>
-              <a:defRPr sz="1800" kern="1200">
-                <a:solidFill>
-                  <a:schemeClr val="tx1"/>
-                </a:solidFill>
-                <a:latin typeface="+mn-lt"/>
-                <a:ea typeface="+mn-ea"/>
-                <a:cs typeface="+mn-cs"/>
-              </a:defRPr>
-            </a:lvl5pPr>
-            <a:lvl6pPr marL="2514600" indent="-228600" algn="l" defTabSz="914400" rtl="0" eaLnBrk="1" latinLnBrk="0" hangingPunct="1">
-              <a:lnSpc>
-                <a:spcPct val="90000"/>
-              </a:lnSpc>
-              <a:spcBef>
-                <a:spcPts val="500"/>
-              </a:spcBef>
-              <a:buFont typeface="Arial" panose="020B0604020202020204" pitchFamily="34" charset="0"/>
-              <a:buChar char="•"/>
-              <a:defRPr sz="1800" kern="1200">
-                <a:solidFill>
-                  <a:schemeClr val="tx1"/>
-                </a:solidFill>
-                <a:latin typeface="+mn-lt"/>
-                <a:ea typeface="+mn-ea"/>
-                <a:cs typeface="+mn-cs"/>
-              </a:defRPr>
-            </a:lvl6pPr>
-            <a:lvl7pPr marL="2971800" indent="-228600" algn="l" defTabSz="914400" rtl="0" eaLnBrk="1" latinLnBrk="0" hangingPunct="1">
-              <a:lnSpc>
-                <a:spcPct val="90000"/>
-              </a:lnSpc>
-              <a:spcBef>
-                <a:spcPts val="500"/>
-              </a:spcBef>
-              <a:buFont typeface="Arial" panose="020B0604020202020204" pitchFamily="34" charset="0"/>
-              <a:buChar char="•"/>
-              <a:defRPr sz="1800" kern="1200">
-                <a:solidFill>
-                  <a:schemeClr val="tx1"/>
-                </a:solidFill>
-                <a:latin typeface="+mn-lt"/>
-                <a:ea typeface="+mn-ea"/>
-                <a:cs typeface="+mn-cs"/>
-              </a:defRPr>
-            </a:lvl7pPr>
-            <a:lvl8pPr marL="3429000" indent="-228600" algn="l" defTabSz="914400" rtl="0" eaLnBrk="1" latinLnBrk="0" hangingPunct="1">
-              <a:lnSpc>
-                <a:spcPct val="90000"/>
-              </a:lnSpc>
-              <a:spcBef>
-                <a:spcPts val="500"/>
-              </a:spcBef>
-              <a:buFont typeface="Arial" panose="020B0604020202020204" pitchFamily="34" charset="0"/>
-              <a:buChar char="•"/>
-              <a:defRPr sz="1800" kern="1200">
-                <a:solidFill>
-                  <a:schemeClr val="tx1"/>
-                </a:solidFill>
-                <a:latin typeface="+mn-lt"/>
-                <a:ea typeface="+mn-ea"/>
-                <a:cs typeface="+mn-cs"/>
-              </a:defRPr>
-            </a:lvl8pPr>
-            <a:lvl9pPr marL="3886200" indent="-228600" algn="l" defTabSz="914400" rtl="0" eaLnBrk="1" latinLnBrk="0" hangingPunct="1">
-              <a:lnSpc>
-                <a:spcPct val="90000"/>
-              </a:lnSpc>
-              <a:spcBef>
-                <a:spcPts val="500"/>
-              </a:spcBef>
-              <a:buFont typeface="Arial" panose="020B0604020202020204" pitchFamily="34" charset="0"/>
-              <a:buChar char="•"/>
-              <a:defRPr sz="1800" kern="1200">
-                <a:solidFill>
-                  <a:schemeClr val="tx1"/>
-                </a:solidFill>
-                <a:latin typeface="+mn-lt"/>
-                <a:ea typeface="+mn-ea"/>
-                <a:cs typeface="+mn-cs"/>
-              </a:defRPr>
-            </a:lvl9pPr>
-          </a:lstStyle>
-          <a:p>
-            <a:pPr marL="0" indent="0">
-              <a:buNone/>
-            </a:pPr>
-            <a:r>
-              <a:rPr lang="de-DE" sz="1600" dirty="0">
-                <a:solidFill>
-                  <a:schemeClr val="bg1"/>
-                </a:solidFill>
-              </a:rPr>
-              <a:t>21.05.2021</a:t>
-            </a:r>
-          </a:p>
-        </p:txBody>
-      </p:sp>
-      <p:sp>
-        <p:nvSpPr>
-          <p:cNvPr id="11" name="Inhaltsplatzhalter 2">
-            <a:extLst>
-              <a:ext uri="{FF2B5EF4-FFF2-40B4-BE49-F238E27FC236}">
-                <a16:creationId xmlns:a16="http://schemas.microsoft.com/office/drawing/2014/main" id="{DCF2C4D7-FEA7-48C9-8AA3-B879ACF6C000}"/>
-              </a:ext>
-            </a:extLst>
-          </p:cNvPr>
-          <p:cNvSpPr txBox="1">
-            <a:spLocks/>
-          </p:cNvSpPr>
-          <p:nvPr/>
-        </p:nvSpPr>
-        <p:spPr>
-          <a:xfrm>
-            <a:off x="9820890" y="6261919"/>
-            <a:ext cx="2025978" cy="461912"/>
-          </a:xfrm>
-          <a:prstGeom prst="rect">
-            <a:avLst/>
-          </a:prstGeom>
-          <a:noFill/>
-        </p:spPr>
-        <p:txBody>
-          <a:bodyPr vert="horz" lIns="91440" tIns="45720" rIns="91440" bIns="45720" rtlCol="0">
-            <a:normAutofit/>
-          </a:bodyPr>
-          <a:lstStyle>
-            <a:lvl1pPr marL="228600" indent="-228600" algn="l" defTabSz="914400" rtl="0" eaLnBrk="1" latinLnBrk="0" hangingPunct="1">
-              <a:lnSpc>
-                <a:spcPct val="90000"/>
-              </a:lnSpc>
-              <a:spcBef>
-                <a:spcPts val="1000"/>
-              </a:spcBef>
-              <a:buFont typeface="Arial" panose="020B0604020202020204" pitchFamily="34" charset="0"/>
-              <a:buChar char="•"/>
-              <a:defRPr sz="2800" kern="1200">
-                <a:solidFill>
-                  <a:schemeClr val="tx1"/>
-                </a:solidFill>
-                <a:latin typeface="+mn-lt"/>
-                <a:ea typeface="+mn-ea"/>
-                <a:cs typeface="+mn-cs"/>
-              </a:defRPr>
-            </a:lvl1pPr>
-            <a:lvl2pPr marL="685800" indent="-228600" algn="l" defTabSz="914400" rtl="0" eaLnBrk="1" latinLnBrk="0" hangingPunct="1">
-              <a:lnSpc>
-                <a:spcPct val="90000"/>
-              </a:lnSpc>
-              <a:spcBef>
-                <a:spcPts val="500"/>
-              </a:spcBef>
-              <a:buFont typeface="Arial" panose="020B0604020202020204" pitchFamily="34" charset="0"/>
-              <a:buChar char="•"/>
-              <a:defRPr sz="2400" kern="1200">
-                <a:solidFill>
-                  <a:schemeClr val="tx1"/>
-                </a:solidFill>
-                <a:latin typeface="+mn-lt"/>
-                <a:ea typeface="+mn-ea"/>
-                <a:cs typeface="+mn-cs"/>
-              </a:defRPr>
-            </a:lvl2pPr>
-            <a:lvl3pPr marL="1143000" indent="-228600" algn="l" defTabSz="914400" rtl="0" eaLnBrk="1" latinLnBrk="0" hangingPunct="1">
-              <a:lnSpc>
-                <a:spcPct val="90000"/>
-              </a:lnSpc>
-              <a:spcBef>
-                <a:spcPts val="500"/>
-              </a:spcBef>
-              <a:buFont typeface="Arial" panose="020B0604020202020204" pitchFamily="34" charset="0"/>
-              <a:buChar char="•"/>
-              <a:defRPr sz="2000" kern="1200">
-                <a:solidFill>
-                  <a:schemeClr val="tx1"/>
-                </a:solidFill>
-                <a:latin typeface="+mn-lt"/>
-                <a:ea typeface="+mn-ea"/>
-                <a:cs typeface="+mn-cs"/>
-              </a:defRPr>
-            </a:lvl3pPr>
-            <a:lvl4pPr marL="1600200" indent="-228600" algn="l" defTabSz="914400" rtl="0" eaLnBrk="1" latinLnBrk="0" hangingPunct="1">
-              <a:lnSpc>
-                <a:spcPct val="90000"/>
-              </a:lnSpc>
-              <a:spcBef>
-                <a:spcPts val="500"/>
-              </a:spcBef>
-              <a:buFont typeface="Arial" panose="020B0604020202020204" pitchFamily="34" charset="0"/>
-              <a:buChar char="•"/>
-              <a:defRPr sz="1800" kern="1200">
-                <a:solidFill>
-                  <a:schemeClr val="tx1"/>
-                </a:solidFill>
-                <a:latin typeface="+mn-lt"/>
-                <a:ea typeface="+mn-ea"/>
-                <a:cs typeface="+mn-cs"/>
-              </a:defRPr>
-            </a:lvl4pPr>
-            <a:lvl5pPr marL="2057400" indent="-228600" algn="l" defTabSz="914400" rtl="0" eaLnBrk="1" latinLnBrk="0" hangingPunct="1">
-              <a:lnSpc>
-                <a:spcPct val="90000"/>
-              </a:lnSpc>
-              <a:spcBef>
-                <a:spcPts val="500"/>
-              </a:spcBef>
-              <a:buFont typeface="Arial" panose="020B0604020202020204" pitchFamily="34" charset="0"/>
-              <a:buChar char="•"/>
-              <a:defRPr sz="1800" kern="1200">
-                <a:solidFill>
-                  <a:schemeClr val="tx1"/>
-                </a:solidFill>
-                <a:latin typeface="+mn-lt"/>
-                <a:ea typeface="+mn-ea"/>
-                <a:cs typeface="+mn-cs"/>
-              </a:defRPr>
-            </a:lvl5pPr>
-            <a:lvl6pPr marL="2514600" indent="-228600" algn="l" defTabSz="914400" rtl="0" eaLnBrk="1" latinLnBrk="0" hangingPunct="1">
-              <a:lnSpc>
-                <a:spcPct val="90000"/>
-              </a:lnSpc>
-              <a:spcBef>
-                <a:spcPts val="500"/>
-              </a:spcBef>
-              <a:buFont typeface="Arial" panose="020B0604020202020204" pitchFamily="34" charset="0"/>
-              <a:buChar char="•"/>
-              <a:defRPr sz="1800" kern="1200">
-                <a:solidFill>
-                  <a:schemeClr val="tx1"/>
-                </a:solidFill>
-                <a:latin typeface="+mn-lt"/>
-                <a:ea typeface="+mn-ea"/>
-                <a:cs typeface="+mn-cs"/>
-              </a:defRPr>
-            </a:lvl6pPr>
-            <a:lvl7pPr marL="2971800" indent="-228600" algn="l" defTabSz="914400" rtl="0" eaLnBrk="1" latinLnBrk="0" hangingPunct="1">
-              <a:lnSpc>
-                <a:spcPct val="90000"/>
-              </a:lnSpc>
-              <a:spcBef>
-                <a:spcPts val="500"/>
-              </a:spcBef>
-              <a:buFont typeface="Arial" panose="020B0604020202020204" pitchFamily="34" charset="0"/>
-              <a:buChar char="•"/>
-              <a:defRPr sz="1800" kern="1200">
-                <a:solidFill>
-                  <a:schemeClr val="tx1"/>
-                </a:solidFill>
-                <a:latin typeface="+mn-lt"/>
-                <a:ea typeface="+mn-ea"/>
-                <a:cs typeface="+mn-cs"/>
-              </a:defRPr>
-            </a:lvl7pPr>
-            <a:lvl8pPr marL="3429000" indent="-228600" algn="l" defTabSz="914400" rtl="0" eaLnBrk="1" latinLnBrk="0" hangingPunct="1">
-              <a:lnSpc>
-                <a:spcPct val="90000"/>
-              </a:lnSpc>
-              <a:spcBef>
-                <a:spcPts val="500"/>
-              </a:spcBef>
-              <a:buFont typeface="Arial" panose="020B0604020202020204" pitchFamily="34" charset="0"/>
-              <a:buChar char="•"/>
-              <a:defRPr sz="1800" kern="1200">
-                <a:solidFill>
-                  <a:schemeClr val="tx1"/>
-                </a:solidFill>
-                <a:latin typeface="+mn-lt"/>
-                <a:ea typeface="+mn-ea"/>
-                <a:cs typeface="+mn-cs"/>
-              </a:defRPr>
-            </a:lvl8pPr>
-            <a:lvl9pPr marL="3886200" indent="-228600" algn="l" defTabSz="914400" rtl="0" eaLnBrk="1" latinLnBrk="0" hangingPunct="1">
-              <a:lnSpc>
-                <a:spcPct val="90000"/>
-              </a:lnSpc>
-              <a:spcBef>
-                <a:spcPts val="500"/>
-              </a:spcBef>
-              <a:buFont typeface="Arial" panose="020B0604020202020204" pitchFamily="34" charset="0"/>
-              <a:buChar char="•"/>
-              <a:defRPr sz="1800" kern="1200">
-                <a:solidFill>
-                  <a:schemeClr val="tx1"/>
-                </a:solidFill>
-                <a:latin typeface="+mn-lt"/>
-                <a:ea typeface="+mn-ea"/>
-                <a:cs typeface="+mn-cs"/>
-              </a:defRPr>
-            </a:lvl9pPr>
-          </a:lstStyle>
-          <a:p>
-            <a:pPr marL="0" indent="0" algn="r">
-              <a:buNone/>
-            </a:pPr>
-            <a:r>
-              <a:rPr lang="de-DE" sz="1600" dirty="0">
-                <a:solidFill>
-                  <a:schemeClr val="bg1"/>
-                </a:solidFill>
-              </a:rPr>
-              <a:t>Seite 1</a:t>
-            </a:r>
-          </a:p>
-        </p:txBody>
-      </p:sp>
       <p:pic>
         <p:nvPicPr>
           <p:cNvPr id="8" name="Grafik 9" descr="Ein Bild, das Foto, Anzeige, Parkplatz, Straße enthält.&#10;&#10;Beschreibung automatisch generiert.">
@@ -19581,6 +15288,64 @@
           </a:solidFill>
         </p:spPr>
       </p:pic>
+      <p:sp>
+        <p:nvSpPr>
+          <p:cNvPr id="4" name="Datumsplatzhalter 3">
+            <a:extLst>
+              <a:ext uri="{FF2B5EF4-FFF2-40B4-BE49-F238E27FC236}">
+                <a16:creationId xmlns:a16="http://schemas.microsoft.com/office/drawing/2014/main" id="{1F769671-A67F-480D-A637-E6F983AD567F}"/>
+              </a:ext>
+            </a:extLst>
+          </p:cNvPr>
+          <p:cNvSpPr>
+            <a:spLocks noGrp="1"/>
+          </p:cNvSpPr>
+          <p:nvPr>
+            <p:ph type="dt" sz="half" idx="10"/>
+          </p:nvPr>
+        </p:nvSpPr>
+        <p:spPr/>
+        <p:txBody>
+          <a:bodyPr/>
+          <a:lstStyle/>
+          <a:p>
+            <a:fld id="{5B4EAD7B-065A-42C9-9D18-E609AB66A904}" type="datetime2">
+              <a:rPr lang="de-DE" smtClean="0"/>
+              <a:t>Donnerstag, 20. Mai 2021</a:t>
+            </a:fld>
+            <a:endParaRPr lang="de-DE"/>
+          </a:p>
+        </p:txBody>
+      </p:sp>
+      <p:sp>
+        <p:nvSpPr>
+          <p:cNvPr id="5" name="Foliennummernplatzhalter 4">
+            <a:extLst>
+              <a:ext uri="{FF2B5EF4-FFF2-40B4-BE49-F238E27FC236}">
+                <a16:creationId xmlns:a16="http://schemas.microsoft.com/office/drawing/2014/main" id="{B2665DD8-7CCA-4F2C-BF45-875E6D73C3D8}"/>
+              </a:ext>
+            </a:extLst>
+          </p:cNvPr>
+          <p:cNvSpPr>
+            <a:spLocks noGrp="1"/>
+          </p:cNvSpPr>
+          <p:nvPr>
+            <p:ph type="sldNum" sz="quarter" idx="12"/>
+          </p:nvPr>
+        </p:nvSpPr>
+        <p:spPr/>
+        <p:txBody>
+          <a:bodyPr/>
+          <a:lstStyle/>
+          <a:p>
+            <a:fld id="{13CDD369-7DFB-421D-BF1B-CBA1C54DDA3D}" type="slidenum">
+              <a:rPr lang="de-DE" smtClean="0"/>
+              <a:t>8</a:t>
+            </a:fld>
+            <a:endParaRPr lang="de-DE"/>
+          </a:p>
+        </p:txBody>
+      </p:sp>
     </p:spTree>
     <p:extLst>
       <p:ext uri="{BB962C8B-B14F-4D97-AF65-F5344CB8AC3E}">
@@ -19591,6 +15356,18 @@
   <p:clrMapOvr>
     <a:masterClrMapping/>
   </p:clrMapOvr>
+  <mc:AlternateContent xmlns:mc="http://schemas.openxmlformats.org/markup-compatibility/2006">
+    <mc:Choice xmlns:p159="http://schemas.microsoft.com/office/powerpoint/2015/09/main" Requires="p159">
+      <p:transition xmlns:p14="http://schemas.microsoft.com/office/powerpoint/2010/main" spd="slow" p14:dur="2000">
+        <p159:morph option="byObject"/>
+      </p:transition>
+    </mc:Choice>
+    <mc:Fallback>
+      <p:transition spd="slow">
+        <p:fade/>
+      </p:transition>
+    </mc:Fallback>
+  </mc:AlternateContent>
 </p:sld>
 </file>
 
@@ -19960,420 +15737,6 @@
           </a:prstGeom>
         </p:spPr>
       </p:pic>
-      <p:sp>
-        <p:nvSpPr>
-          <p:cNvPr id="10" name="Inhaltsplatzhalter 2">
-            <a:extLst>
-              <a:ext uri="{FF2B5EF4-FFF2-40B4-BE49-F238E27FC236}">
-                <a16:creationId xmlns:a16="http://schemas.microsoft.com/office/drawing/2014/main" id="{1E597849-8825-4B46-BF40-F2D5D11F01EC}"/>
-              </a:ext>
-            </a:extLst>
-          </p:cNvPr>
-          <p:cNvSpPr txBox="1">
-            <a:spLocks/>
-          </p:cNvSpPr>
-          <p:nvPr/>
-        </p:nvSpPr>
-        <p:spPr>
-          <a:xfrm>
-            <a:off x="241034" y="6261919"/>
-            <a:ext cx="2025978" cy="461912"/>
-          </a:xfrm>
-          <a:prstGeom prst="rect">
-            <a:avLst/>
-          </a:prstGeom>
-          <a:noFill/>
-        </p:spPr>
-        <p:txBody>
-          <a:bodyPr vert="horz" lIns="91440" tIns="45720" rIns="91440" bIns="45720" rtlCol="0">
-            <a:normAutofit/>
-          </a:bodyPr>
-          <a:lstStyle>
-            <a:lvl1pPr marL="228600" indent="-228600" algn="l" defTabSz="914400" rtl="0" eaLnBrk="1" latinLnBrk="0" hangingPunct="1">
-              <a:lnSpc>
-                <a:spcPct val="90000"/>
-              </a:lnSpc>
-              <a:spcBef>
-                <a:spcPts val="1000"/>
-              </a:spcBef>
-              <a:buFont typeface="Arial" panose="020B0604020202020204" pitchFamily="34" charset="0"/>
-              <a:buChar char="•"/>
-              <a:defRPr sz="2800" kern="1200">
-                <a:solidFill>
-                  <a:schemeClr val="tx1"/>
-                </a:solidFill>
-                <a:latin typeface="+mn-lt"/>
-                <a:ea typeface="+mn-ea"/>
-                <a:cs typeface="+mn-cs"/>
-              </a:defRPr>
-            </a:lvl1pPr>
-            <a:lvl2pPr marL="685800" indent="-228600" algn="l" defTabSz="914400" rtl="0" eaLnBrk="1" latinLnBrk="0" hangingPunct="1">
-              <a:lnSpc>
-                <a:spcPct val="90000"/>
-              </a:lnSpc>
-              <a:spcBef>
-                <a:spcPts val="500"/>
-              </a:spcBef>
-              <a:buFont typeface="Arial" panose="020B0604020202020204" pitchFamily="34" charset="0"/>
-              <a:buChar char="•"/>
-              <a:defRPr sz="2400" kern="1200">
-                <a:solidFill>
-                  <a:schemeClr val="tx1"/>
-                </a:solidFill>
-                <a:latin typeface="+mn-lt"/>
-                <a:ea typeface="+mn-ea"/>
-                <a:cs typeface="+mn-cs"/>
-              </a:defRPr>
-            </a:lvl2pPr>
-            <a:lvl3pPr marL="1143000" indent="-228600" algn="l" defTabSz="914400" rtl="0" eaLnBrk="1" latinLnBrk="0" hangingPunct="1">
-              <a:lnSpc>
-                <a:spcPct val="90000"/>
-              </a:lnSpc>
-              <a:spcBef>
-                <a:spcPts val="500"/>
-              </a:spcBef>
-              <a:buFont typeface="Arial" panose="020B0604020202020204" pitchFamily="34" charset="0"/>
-              <a:buChar char="•"/>
-              <a:defRPr sz="2000" kern="1200">
-                <a:solidFill>
-                  <a:schemeClr val="tx1"/>
-                </a:solidFill>
-                <a:latin typeface="+mn-lt"/>
-                <a:ea typeface="+mn-ea"/>
-                <a:cs typeface="+mn-cs"/>
-              </a:defRPr>
-            </a:lvl3pPr>
-            <a:lvl4pPr marL="1600200" indent="-228600" algn="l" defTabSz="914400" rtl="0" eaLnBrk="1" latinLnBrk="0" hangingPunct="1">
-              <a:lnSpc>
-                <a:spcPct val="90000"/>
-              </a:lnSpc>
-              <a:spcBef>
-                <a:spcPts val="500"/>
-              </a:spcBef>
-              <a:buFont typeface="Arial" panose="020B0604020202020204" pitchFamily="34" charset="0"/>
-              <a:buChar char="•"/>
-              <a:defRPr sz="1800" kern="1200">
-                <a:solidFill>
-                  <a:schemeClr val="tx1"/>
-                </a:solidFill>
-                <a:latin typeface="+mn-lt"/>
-                <a:ea typeface="+mn-ea"/>
-                <a:cs typeface="+mn-cs"/>
-              </a:defRPr>
-            </a:lvl4pPr>
-            <a:lvl5pPr marL="2057400" indent="-228600" algn="l" defTabSz="914400" rtl="0" eaLnBrk="1" latinLnBrk="0" hangingPunct="1">
-              <a:lnSpc>
-                <a:spcPct val="90000"/>
-              </a:lnSpc>
-              <a:spcBef>
-                <a:spcPts val="500"/>
-              </a:spcBef>
-              <a:buFont typeface="Arial" panose="020B0604020202020204" pitchFamily="34" charset="0"/>
-              <a:buChar char="•"/>
-              <a:defRPr sz="1800" kern="1200">
-                <a:solidFill>
-                  <a:schemeClr val="tx1"/>
-                </a:solidFill>
-                <a:latin typeface="+mn-lt"/>
-                <a:ea typeface="+mn-ea"/>
-                <a:cs typeface="+mn-cs"/>
-              </a:defRPr>
-            </a:lvl5pPr>
-            <a:lvl6pPr marL="2514600" indent="-228600" algn="l" defTabSz="914400" rtl="0" eaLnBrk="1" latinLnBrk="0" hangingPunct="1">
-              <a:lnSpc>
-                <a:spcPct val="90000"/>
-              </a:lnSpc>
-              <a:spcBef>
-                <a:spcPts val="500"/>
-              </a:spcBef>
-              <a:buFont typeface="Arial" panose="020B0604020202020204" pitchFamily="34" charset="0"/>
-              <a:buChar char="•"/>
-              <a:defRPr sz="1800" kern="1200">
-                <a:solidFill>
-                  <a:schemeClr val="tx1"/>
-                </a:solidFill>
-                <a:latin typeface="+mn-lt"/>
-                <a:ea typeface="+mn-ea"/>
-                <a:cs typeface="+mn-cs"/>
-              </a:defRPr>
-            </a:lvl6pPr>
-            <a:lvl7pPr marL="2971800" indent="-228600" algn="l" defTabSz="914400" rtl="0" eaLnBrk="1" latinLnBrk="0" hangingPunct="1">
-              <a:lnSpc>
-                <a:spcPct val="90000"/>
-              </a:lnSpc>
-              <a:spcBef>
-                <a:spcPts val="500"/>
-              </a:spcBef>
-              <a:buFont typeface="Arial" panose="020B0604020202020204" pitchFamily="34" charset="0"/>
-              <a:buChar char="•"/>
-              <a:defRPr sz="1800" kern="1200">
-                <a:solidFill>
-                  <a:schemeClr val="tx1"/>
-                </a:solidFill>
-                <a:latin typeface="+mn-lt"/>
-                <a:ea typeface="+mn-ea"/>
-                <a:cs typeface="+mn-cs"/>
-              </a:defRPr>
-            </a:lvl7pPr>
-            <a:lvl8pPr marL="3429000" indent="-228600" algn="l" defTabSz="914400" rtl="0" eaLnBrk="1" latinLnBrk="0" hangingPunct="1">
-              <a:lnSpc>
-                <a:spcPct val="90000"/>
-              </a:lnSpc>
-              <a:spcBef>
-                <a:spcPts val="500"/>
-              </a:spcBef>
-              <a:buFont typeface="Arial" panose="020B0604020202020204" pitchFamily="34" charset="0"/>
-              <a:buChar char="•"/>
-              <a:defRPr sz="1800" kern="1200">
-                <a:solidFill>
-                  <a:schemeClr val="tx1"/>
-                </a:solidFill>
-                <a:latin typeface="+mn-lt"/>
-                <a:ea typeface="+mn-ea"/>
-                <a:cs typeface="+mn-cs"/>
-              </a:defRPr>
-            </a:lvl8pPr>
-            <a:lvl9pPr marL="3886200" indent="-228600" algn="l" defTabSz="914400" rtl="0" eaLnBrk="1" latinLnBrk="0" hangingPunct="1">
-              <a:lnSpc>
-                <a:spcPct val="90000"/>
-              </a:lnSpc>
-              <a:spcBef>
-                <a:spcPts val="500"/>
-              </a:spcBef>
-              <a:buFont typeface="Arial" panose="020B0604020202020204" pitchFamily="34" charset="0"/>
-              <a:buChar char="•"/>
-              <a:defRPr sz="1800" kern="1200">
-                <a:solidFill>
-                  <a:schemeClr val="tx1"/>
-                </a:solidFill>
-                <a:latin typeface="+mn-lt"/>
-                <a:ea typeface="+mn-ea"/>
-                <a:cs typeface="+mn-cs"/>
-              </a:defRPr>
-            </a:lvl9pPr>
-          </a:lstStyle>
-          <a:p>
-            <a:pPr marL="0" indent="0">
-              <a:buNone/>
-            </a:pPr>
-            <a:r>
-              <a:rPr lang="de-DE" sz="1600" dirty="0">
-                <a:solidFill>
-                  <a:schemeClr val="bg1"/>
-                </a:solidFill>
-              </a:rPr>
-              <a:t>21.05.2021</a:t>
-            </a:r>
-          </a:p>
-        </p:txBody>
-      </p:sp>
-      <p:sp>
-        <p:nvSpPr>
-          <p:cNvPr id="11" name="Inhaltsplatzhalter 2">
-            <a:extLst>
-              <a:ext uri="{FF2B5EF4-FFF2-40B4-BE49-F238E27FC236}">
-                <a16:creationId xmlns:a16="http://schemas.microsoft.com/office/drawing/2014/main" id="{DCF2C4D7-FEA7-48C9-8AA3-B879ACF6C000}"/>
-              </a:ext>
-            </a:extLst>
-          </p:cNvPr>
-          <p:cNvSpPr txBox="1">
-            <a:spLocks/>
-          </p:cNvSpPr>
-          <p:nvPr/>
-        </p:nvSpPr>
-        <p:spPr>
-          <a:xfrm>
-            <a:off x="9820890" y="6261919"/>
-            <a:ext cx="2025978" cy="461912"/>
-          </a:xfrm>
-          <a:prstGeom prst="rect">
-            <a:avLst/>
-          </a:prstGeom>
-          <a:noFill/>
-        </p:spPr>
-        <p:txBody>
-          <a:bodyPr vert="horz" lIns="91440" tIns="45720" rIns="91440" bIns="45720" rtlCol="0">
-            <a:normAutofit/>
-          </a:bodyPr>
-          <a:lstStyle>
-            <a:lvl1pPr marL="228600" indent="-228600" algn="l" defTabSz="914400" rtl="0" eaLnBrk="1" latinLnBrk="0" hangingPunct="1">
-              <a:lnSpc>
-                <a:spcPct val="90000"/>
-              </a:lnSpc>
-              <a:spcBef>
-                <a:spcPts val="1000"/>
-              </a:spcBef>
-              <a:buFont typeface="Arial" panose="020B0604020202020204" pitchFamily="34" charset="0"/>
-              <a:buChar char="•"/>
-              <a:defRPr sz="2800" kern="1200">
-                <a:solidFill>
-                  <a:schemeClr val="tx1"/>
-                </a:solidFill>
-                <a:latin typeface="+mn-lt"/>
-                <a:ea typeface="+mn-ea"/>
-                <a:cs typeface="+mn-cs"/>
-              </a:defRPr>
-            </a:lvl1pPr>
-            <a:lvl2pPr marL="685800" indent="-228600" algn="l" defTabSz="914400" rtl="0" eaLnBrk="1" latinLnBrk="0" hangingPunct="1">
-              <a:lnSpc>
-                <a:spcPct val="90000"/>
-              </a:lnSpc>
-              <a:spcBef>
-                <a:spcPts val="500"/>
-              </a:spcBef>
-              <a:buFont typeface="Arial" panose="020B0604020202020204" pitchFamily="34" charset="0"/>
-              <a:buChar char="•"/>
-              <a:defRPr sz="2400" kern="1200">
-                <a:solidFill>
-                  <a:schemeClr val="tx1"/>
-                </a:solidFill>
-                <a:latin typeface="+mn-lt"/>
-                <a:ea typeface="+mn-ea"/>
-                <a:cs typeface="+mn-cs"/>
-              </a:defRPr>
-            </a:lvl2pPr>
-            <a:lvl3pPr marL="1143000" indent="-228600" algn="l" defTabSz="914400" rtl="0" eaLnBrk="1" latinLnBrk="0" hangingPunct="1">
-              <a:lnSpc>
-                <a:spcPct val="90000"/>
-              </a:lnSpc>
-              <a:spcBef>
-                <a:spcPts val="500"/>
-              </a:spcBef>
-              <a:buFont typeface="Arial" panose="020B0604020202020204" pitchFamily="34" charset="0"/>
-              <a:buChar char="•"/>
-              <a:defRPr sz="2000" kern="1200">
-                <a:solidFill>
-                  <a:schemeClr val="tx1"/>
-                </a:solidFill>
-                <a:latin typeface="+mn-lt"/>
-                <a:ea typeface="+mn-ea"/>
-                <a:cs typeface="+mn-cs"/>
-              </a:defRPr>
-            </a:lvl3pPr>
-            <a:lvl4pPr marL="1600200" indent="-228600" algn="l" defTabSz="914400" rtl="0" eaLnBrk="1" latinLnBrk="0" hangingPunct="1">
-              <a:lnSpc>
-                <a:spcPct val="90000"/>
-              </a:lnSpc>
-              <a:spcBef>
-                <a:spcPts val="500"/>
-              </a:spcBef>
-              <a:buFont typeface="Arial" panose="020B0604020202020204" pitchFamily="34" charset="0"/>
-              <a:buChar char="•"/>
-              <a:defRPr sz="1800" kern="1200">
-                <a:solidFill>
-                  <a:schemeClr val="tx1"/>
-                </a:solidFill>
-                <a:latin typeface="+mn-lt"/>
-                <a:ea typeface="+mn-ea"/>
-                <a:cs typeface="+mn-cs"/>
-              </a:defRPr>
-            </a:lvl4pPr>
-            <a:lvl5pPr marL="2057400" indent="-228600" algn="l" defTabSz="914400" rtl="0" eaLnBrk="1" latinLnBrk="0" hangingPunct="1">
-              <a:lnSpc>
-                <a:spcPct val="90000"/>
-              </a:lnSpc>
-              <a:spcBef>
-                <a:spcPts val="500"/>
-              </a:spcBef>
-              <a:buFont typeface="Arial" panose="020B0604020202020204" pitchFamily="34" charset="0"/>
-              <a:buChar char="•"/>
-              <a:defRPr sz="1800" kern="1200">
-                <a:solidFill>
-                  <a:schemeClr val="tx1"/>
-                </a:solidFill>
-                <a:latin typeface="+mn-lt"/>
-                <a:ea typeface="+mn-ea"/>
-                <a:cs typeface="+mn-cs"/>
-              </a:defRPr>
-            </a:lvl5pPr>
-            <a:lvl6pPr marL="2514600" indent="-228600" algn="l" defTabSz="914400" rtl="0" eaLnBrk="1" latinLnBrk="0" hangingPunct="1">
-              <a:lnSpc>
-                <a:spcPct val="90000"/>
-              </a:lnSpc>
-              <a:spcBef>
-                <a:spcPts val="500"/>
-              </a:spcBef>
-              <a:buFont typeface="Arial" panose="020B0604020202020204" pitchFamily="34" charset="0"/>
-              <a:buChar char="•"/>
-              <a:defRPr sz="1800" kern="1200">
-                <a:solidFill>
-                  <a:schemeClr val="tx1"/>
-                </a:solidFill>
-                <a:latin typeface="+mn-lt"/>
-                <a:ea typeface="+mn-ea"/>
-                <a:cs typeface="+mn-cs"/>
-              </a:defRPr>
-            </a:lvl6pPr>
-            <a:lvl7pPr marL="2971800" indent="-228600" algn="l" defTabSz="914400" rtl="0" eaLnBrk="1" latinLnBrk="0" hangingPunct="1">
-              <a:lnSpc>
-                <a:spcPct val="90000"/>
-              </a:lnSpc>
-              <a:spcBef>
-                <a:spcPts val="500"/>
-              </a:spcBef>
-              <a:buFont typeface="Arial" panose="020B0604020202020204" pitchFamily="34" charset="0"/>
-              <a:buChar char="•"/>
-              <a:defRPr sz="1800" kern="1200">
-                <a:solidFill>
-                  <a:schemeClr val="tx1"/>
-                </a:solidFill>
-                <a:latin typeface="+mn-lt"/>
-                <a:ea typeface="+mn-ea"/>
-                <a:cs typeface="+mn-cs"/>
-              </a:defRPr>
-            </a:lvl7pPr>
-            <a:lvl8pPr marL="3429000" indent="-228600" algn="l" defTabSz="914400" rtl="0" eaLnBrk="1" latinLnBrk="0" hangingPunct="1">
-              <a:lnSpc>
-                <a:spcPct val="90000"/>
-              </a:lnSpc>
-              <a:spcBef>
-                <a:spcPts val="500"/>
-              </a:spcBef>
-              <a:buFont typeface="Arial" panose="020B0604020202020204" pitchFamily="34" charset="0"/>
-              <a:buChar char="•"/>
-              <a:defRPr sz="1800" kern="1200">
-                <a:solidFill>
-                  <a:schemeClr val="tx1"/>
-                </a:solidFill>
-                <a:latin typeface="+mn-lt"/>
-                <a:ea typeface="+mn-ea"/>
-                <a:cs typeface="+mn-cs"/>
-              </a:defRPr>
-            </a:lvl8pPr>
-            <a:lvl9pPr marL="3886200" indent="-228600" algn="l" defTabSz="914400" rtl="0" eaLnBrk="1" latinLnBrk="0" hangingPunct="1">
-              <a:lnSpc>
-                <a:spcPct val="90000"/>
-              </a:lnSpc>
-              <a:spcBef>
-                <a:spcPts val="500"/>
-              </a:spcBef>
-              <a:buFont typeface="Arial" panose="020B0604020202020204" pitchFamily="34" charset="0"/>
-              <a:buChar char="•"/>
-              <a:defRPr sz="1800" kern="1200">
-                <a:solidFill>
-                  <a:schemeClr val="tx1"/>
-                </a:solidFill>
-                <a:latin typeface="+mn-lt"/>
-                <a:ea typeface="+mn-ea"/>
-                <a:cs typeface="+mn-cs"/>
-              </a:defRPr>
-            </a:lvl9pPr>
-          </a:lstStyle>
-          <a:p>
-            <a:pPr marL="0" indent="0" algn="r">
-              <a:buNone/>
-            </a:pPr>
-            <a:r>
-              <a:rPr lang="de-DE" sz="1600" dirty="0">
-                <a:solidFill>
-                  <a:schemeClr val="bg1"/>
-                </a:solidFill>
-              </a:rPr>
-              <a:t>Seite 1</a:t>
-            </a:r>
-          </a:p>
-        </p:txBody>
-      </p:sp>
       <p:pic>
         <p:nvPicPr>
           <p:cNvPr id="8" name="Grafik 7">
@@ -20410,6 +15773,64 @@
           </a:prstGeom>
         </p:spPr>
       </p:pic>
+      <p:sp>
+        <p:nvSpPr>
+          <p:cNvPr id="4" name="Datumsplatzhalter 3">
+            <a:extLst>
+              <a:ext uri="{FF2B5EF4-FFF2-40B4-BE49-F238E27FC236}">
+                <a16:creationId xmlns:a16="http://schemas.microsoft.com/office/drawing/2014/main" id="{7D407E40-1613-4A43-B364-42CB8603A79D}"/>
+              </a:ext>
+            </a:extLst>
+          </p:cNvPr>
+          <p:cNvSpPr>
+            <a:spLocks noGrp="1"/>
+          </p:cNvSpPr>
+          <p:nvPr>
+            <p:ph type="dt" sz="half" idx="10"/>
+          </p:nvPr>
+        </p:nvSpPr>
+        <p:spPr/>
+        <p:txBody>
+          <a:bodyPr/>
+          <a:lstStyle/>
+          <a:p>
+            <a:fld id="{C60EC1EF-33A0-43B4-86E2-4724292E5D39}" type="datetime2">
+              <a:rPr lang="de-DE" smtClean="0"/>
+              <a:t>Donnerstag, 20. Mai 2021</a:t>
+            </a:fld>
+            <a:endParaRPr lang="de-DE" dirty="0"/>
+          </a:p>
+        </p:txBody>
+      </p:sp>
+      <p:sp>
+        <p:nvSpPr>
+          <p:cNvPr id="5" name="Foliennummernplatzhalter 4">
+            <a:extLst>
+              <a:ext uri="{FF2B5EF4-FFF2-40B4-BE49-F238E27FC236}">
+                <a16:creationId xmlns:a16="http://schemas.microsoft.com/office/drawing/2014/main" id="{C72EDAAB-669E-42D1-919C-7814F56E13B0}"/>
+              </a:ext>
+            </a:extLst>
+          </p:cNvPr>
+          <p:cNvSpPr>
+            <a:spLocks noGrp="1"/>
+          </p:cNvSpPr>
+          <p:nvPr>
+            <p:ph type="sldNum" sz="quarter" idx="12"/>
+          </p:nvPr>
+        </p:nvSpPr>
+        <p:spPr/>
+        <p:txBody>
+          <a:bodyPr/>
+          <a:lstStyle/>
+          <a:p>
+            <a:fld id="{13CDD369-7DFB-421D-BF1B-CBA1C54DDA3D}" type="slidenum">
+              <a:rPr lang="de-DE" smtClean="0"/>
+              <a:t>9</a:t>
+            </a:fld>
+            <a:endParaRPr lang="de-DE"/>
+          </a:p>
+        </p:txBody>
+      </p:sp>
     </p:spTree>
     <p:extLst>
       <p:ext uri="{BB962C8B-B14F-4D97-AF65-F5344CB8AC3E}">
@@ -20420,6 +15841,18 @@
   <p:clrMapOvr>
     <a:masterClrMapping/>
   </p:clrMapOvr>
+  <mc:AlternateContent xmlns:mc="http://schemas.openxmlformats.org/markup-compatibility/2006">
+    <mc:Choice xmlns:p159="http://schemas.microsoft.com/office/powerpoint/2015/09/main" Requires="p159">
+      <p:transition xmlns:p14="http://schemas.microsoft.com/office/powerpoint/2010/main" spd="slow" p14:dur="2000">
+        <p159:morph option="byObject"/>
+      </p:transition>
+    </mc:Choice>
+    <mc:Fallback>
+      <p:transition spd="slow">
+        <p:fade/>
+      </p:transition>
+    </mc:Fallback>
+  </mc:AlternateContent>
 </p:sld>
 </file>
 
@@ -21014,18 +16447,18 @@
 </file>
 
 <file path=customXml/item1.xml><?xml version="1.0" encoding="utf-8"?>
-<p:properties xmlns:p="http://schemas.microsoft.com/office/2006/metadata/properties" xmlns:xsi="http://www.w3.org/2001/XMLSchema-instance" xmlns:pc="http://schemas.microsoft.com/office/infopath/2007/PartnerControls">
-  <documentManagement/>
-</p:properties>
-</file>
-
-<file path=customXml/item2.xml><?xml version="1.0" encoding="utf-8"?>
 <?mso-contentType ?>
 <FormTemplates xmlns="http://schemas.microsoft.com/sharepoint/v3/contenttype/forms">
   <Display>DocumentLibraryForm</Display>
   <Edit>DocumentLibraryForm</Edit>
   <New>DocumentLibraryForm</New>
 </FormTemplates>
+</file>
+
+<file path=customXml/item2.xml><?xml version="1.0" encoding="utf-8"?>
+<p:properties xmlns:p="http://schemas.microsoft.com/office/2006/metadata/properties" xmlns:xsi="http://www.w3.org/2001/XMLSchema-instance" xmlns:pc="http://schemas.microsoft.com/office/infopath/2007/PartnerControls">
+  <documentManagement/>
+</p:properties>
 </file>
 
 <file path=customXml/item3.xml><?xml version="1.0" encoding="utf-8"?>
@@ -21193,6 +16626,14 @@
 </file>
 
 <file path=customXml/itemProps1.xml><?xml version="1.0" encoding="utf-8"?>
+<ds:datastoreItem xmlns:ds="http://schemas.openxmlformats.org/officeDocument/2006/customXml" ds:itemID="{4D2B4CFE-BB92-4872-BEDA-5297DBB8A32B}">
+  <ds:schemaRefs>
+    <ds:schemaRef ds:uri="http://schemas.microsoft.com/sharepoint/v3/contenttype/forms"/>
+  </ds:schemaRefs>
+</ds:datastoreItem>
+</file>
+
+<file path=customXml/itemProps2.xml><?xml version="1.0" encoding="utf-8"?>
 <ds:datastoreItem xmlns:ds="http://schemas.openxmlformats.org/officeDocument/2006/customXml" ds:itemID="{5BCD892B-2406-4C04-BE9D-9A5A7B2D1233}">
   <ds:schemaRefs>
     <ds:schemaRef ds:uri="http://purl.org/dc/elements/1.1/"/>
@@ -21204,14 +16645,6 @@
     <ds:schemaRef ds:uri="http://schemas.openxmlformats.org/package/2006/metadata/core-properties"/>
     <ds:schemaRef ds:uri="http://schemas.microsoft.com/office/2006/metadata/properties"/>
     <ds:schemaRef ds:uri="http://www.w3.org/XML/1998/namespace"/>
-  </ds:schemaRefs>
-</ds:datastoreItem>
-</file>
-
-<file path=customXml/itemProps2.xml><?xml version="1.0" encoding="utf-8"?>
-<ds:datastoreItem xmlns:ds="http://schemas.openxmlformats.org/officeDocument/2006/customXml" ds:itemID="{4D2B4CFE-BB92-4872-BEDA-5297DBB8A32B}">
-  <ds:schemaRefs>
-    <ds:schemaRef ds:uri="http://schemas.microsoft.com/sharepoint/v3/contenttype/forms"/>
   </ds:schemaRefs>
 </ds:datastoreItem>
 </file>
